--- a/input-template.pptx
+++ b/input-template.pptx
@@ -107,7 +107,7 @@
 <file path=ppt/revisionInfo.xml><?xml version="1.0" encoding="utf-8"?>
 <p1510:revInfo xmlns:a="http://schemas.openxmlformats.org/drawingml/2006/main" xmlns:r="http://schemas.openxmlformats.org/officeDocument/2006/relationships" xmlns:p1510="http://schemas.microsoft.com/office/powerpoint/2015/10/main">
   <p1510:revLst>
-    <p1510:client id="{4D7C80C5-4AC1-7043-9E10-CF331D020D49}" v="44" dt="2025-11-10T12:13:12.659"/>
+    <p1510:client id="{4D7C80C5-4AC1-7043-9E10-CF331D020D49}" v="45" dt="2025-11-10T16:31:57.795"/>
   </p1510:revLst>
 </p1510:revInfo>
 </file>
@@ -117,26 +117,49 @@
   <pc:docChgLst>
     <pc:chgData name="Tina Korshøj" userId="fc9c1787-86ff-4527-a6cb-a23af2ce0cfe" providerId="ADAL" clId="{12CD37EC-F126-58A4-9D73-FCCAAE6DBE25}"/>
     <pc:docChg chg="modSld">
-      <pc:chgData name="Tina Korshøj" userId="fc9c1787-86ff-4527-a6cb-a23af2ce0cfe" providerId="ADAL" clId="{12CD37EC-F126-58A4-9D73-FCCAAE6DBE25}" dt="2025-11-10T12:49:24.053" v="14" actId="20577"/>
+      <pc:chgData name="Tina Korshøj" userId="fc9c1787-86ff-4527-a6cb-a23af2ce0cfe" providerId="ADAL" clId="{12CD37EC-F126-58A4-9D73-FCCAAE6DBE25}" dt="2025-11-10T16:32:10.186" v="20"/>
       <pc:docMkLst>
         <pc:docMk/>
       </pc:docMkLst>
       <pc:sldChg chg="modSp mod">
-        <pc:chgData name="Tina Korshøj" userId="fc9c1787-86ff-4527-a6cb-a23af2ce0cfe" providerId="ADAL" clId="{12CD37EC-F126-58A4-9D73-FCCAAE6DBE25}" dt="2025-11-10T12:49:24.053" v="14" actId="20577"/>
+        <pc:chgData name="Tina Korshøj" userId="fc9c1787-86ff-4527-a6cb-a23af2ce0cfe" providerId="ADAL" clId="{12CD37EC-F126-58A4-9D73-FCCAAE6DBE25}" dt="2025-11-10T16:30:56.583" v="16" actId="113"/>
+        <pc:sldMkLst>
+          <pc:docMk/>
+          <pc:sldMk cId="4063795804" sldId="2981"/>
+        </pc:sldMkLst>
+        <pc:spChg chg="mod">
+          <ac:chgData name="Tina Korshøj" userId="fc9c1787-86ff-4527-a6cb-a23af2ce0cfe" providerId="ADAL" clId="{12CD37EC-F126-58A4-9D73-FCCAAE6DBE25}" dt="2025-11-10T16:30:56.583" v="16" actId="113"/>
+          <ac:spMkLst>
+            <pc:docMk/>
+            <pc:sldMk cId="4063795804" sldId="2981"/>
+            <ac:spMk id="53" creationId="{789BFB60-81D6-150B-1165-2B46E16A6A65}"/>
+          </ac:spMkLst>
+        </pc:spChg>
+        <pc:spChg chg="mod">
+          <ac:chgData name="Tina Korshøj" userId="fc9c1787-86ff-4527-a6cb-a23af2ce0cfe" providerId="ADAL" clId="{12CD37EC-F126-58A4-9D73-FCCAAE6DBE25}" dt="2025-11-10T16:30:56.583" v="16" actId="113"/>
+          <ac:spMkLst>
+            <pc:docMk/>
+            <pc:sldMk cId="4063795804" sldId="2981"/>
+            <ac:spMk id="875" creationId="{34D0A036-F5A4-610F-78FA-7893C968EEA6}"/>
+          </ac:spMkLst>
+        </pc:spChg>
+      </pc:sldChg>
+      <pc:sldChg chg="delSp modSp mod">
+        <pc:chgData name="Tina Korshøj" userId="fc9c1787-86ff-4527-a6cb-a23af2ce0cfe" providerId="ADAL" clId="{12CD37EC-F126-58A4-9D73-FCCAAE6DBE25}" dt="2025-11-10T16:30:03.888" v="15" actId="165"/>
         <pc:sldMkLst>
           <pc:docMk/>
           <pc:sldMk cId="1911992934" sldId="2982"/>
         </pc:sldMkLst>
-        <pc:spChg chg="mod">
-          <ac:chgData name="Tina Korshøj" userId="fc9c1787-86ff-4527-a6cb-a23af2ce0cfe" providerId="ADAL" clId="{12CD37EC-F126-58A4-9D73-FCCAAE6DBE25}" dt="2025-11-10T12:48:51.217" v="0" actId="20577"/>
+        <pc:spChg chg="mod topLvl">
+          <ac:chgData name="Tina Korshøj" userId="fc9c1787-86ff-4527-a6cb-a23af2ce0cfe" providerId="ADAL" clId="{12CD37EC-F126-58A4-9D73-FCCAAE6DBE25}" dt="2025-11-10T16:30:03.888" v="15" actId="165"/>
           <ac:spMkLst>
             <pc:docMk/>
             <pc:sldMk cId="1911992934" sldId="2982"/>
             <ac:spMk id="22" creationId="{343A0329-DD56-31BF-CE47-A4E893D16F14}"/>
           </ac:spMkLst>
         </pc:spChg>
-        <pc:spChg chg="mod">
-          <ac:chgData name="Tina Korshøj" userId="fc9c1787-86ff-4527-a6cb-a23af2ce0cfe" providerId="ADAL" clId="{12CD37EC-F126-58A4-9D73-FCCAAE6DBE25}" dt="2025-11-10T12:48:53.380" v="1" actId="20577"/>
+        <pc:spChg chg="mod topLvl">
+          <ac:chgData name="Tina Korshøj" userId="fc9c1787-86ff-4527-a6cb-a23af2ce0cfe" providerId="ADAL" clId="{12CD37EC-F126-58A4-9D73-FCCAAE6DBE25}" dt="2025-11-10T16:30:03.888" v="15" actId="165"/>
           <ac:spMkLst>
             <pc:docMk/>
             <pc:sldMk cId="1911992934" sldId="2982"/>
@@ -151,48 +174,48 @@
             <ac:spMk id="28" creationId="{9A03A8AB-2A0B-70D2-83DE-0EB950F1019F}"/>
           </ac:spMkLst>
         </pc:spChg>
-        <pc:spChg chg="mod">
-          <ac:chgData name="Tina Korshøj" userId="fc9c1787-86ff-4527-a6cb-a23af2ce0cfe" providerId="ADAL" clId="{12CD37EC-F126-58A4-9D73-FCCAAE6DBE25}" dt="2025-11-10T12:48:59.078" v="3" actId="20577"/>
+        <pc:spChg chg="mod topLvl">
+          <ac:chgData name="Tina Korshøj" userId="fc9c1787-86ff-4527-a6cb-a23af2ce0cfe" providerId="ADAL" clId="{12CD37EC-F126-58A4-9D73-FCCAAE6DBE25}" dt="2025-11-10T16:30:03.888" v="15" actId="165"/>
           <ac:spMkLst>
             <pc:docMk/>
             <pc:sldMk cId="1911992934" sldId="2982"/>
             <ac:spMk id="29" creationId="{2E8AE316-B85B-C433-FD9B-181F3BB9D048}"/>
           </ac:spMkLst>
         </pc:spChg>
-        <pc:spChg chg="mod">
-          <ac:chgData name="Tina Korshøj" userId="fc9c1787-86ff-4527-a6cb-a23af2ce0cfe" providerId="ADAL" clId="{12CD37EC-F126-58A4-9D73-FCCAAE6DBE25}" dt="2025-11-10T12:49:02.715" v="4" actId="20577"/>
+        <pc:spChg chg="mod topLvl">
+          <ac:chgData name="Tina Korshøj" userId="fc9c1787-86ff-4527-a6cb-a23af2ce0cfe" providerId="ADAL" clId="{12CD37EC-F126-58A4-9D73-FCCAAE6DBE25}" dt="2025-11-10T16:30:03.888" v="15" actId="165"/>
           <ac:spMkLst>
             <pc:docMk/>
             <pc:sldMk cId="1911992934" sldId="2982"/>
             <ac:spMk id="32" creationId="{EAD889E4-BB5B-4D12-AAFB-76BAC5B4DEE9}"/>
           </ac:spMkLst>
         </pc:spChg>
-        <pc:spChg chg="mod">
-          <ac:chgData name="Tina Korshøj" userId="fc9c1787-86ff-4527-a6cb-a23af2ce0cfe" providerId="ADAL" clId="{12CD37EC-F126-58A4-9D73-FCCAAE6DBE25}" dt="2025-11-10T12:49:05.504" v="5" actId="20577"/>
+        <pc:spChg chg="mod topLvl">
+          <ac:chgData name="Tina Korshøj" userId="fc9c1787-86ff-4527-a6cb-a23af2ce0cfe" providerId="ADAL" clId="{12CD37EC-F126-58A4-9D73-FCCAAE6DBE25}" dt="2025-11-10T16:30:03.888" v="15" actId="165"/>
           <ac:spMkLst>
             <pc:docMk/>
             <pc:sldMk cId="1911992934" sldId="2982"/>
             <ac:spMk id="33" creationId="{AD539866-0BF9-6683-D9D3-E3D7A6B1C1C3}"/>
           </ac:spMkLst>
         </pc:spChg>
-        <pc:spChg chg="mod">
-          <ac:chgData name="Tina Korshøj" userId="fc9c1787-86ff-4527-a6cb-a23af2ce0cfe" providerId="ADAL" clId="{12CD37EC-F126-58A4-9D73-FCCAAE6DBE25}" dt="2025-11-10T12:49:08.442" v="6" actId="20577"/>
+        <pc:spChg chg="mod topLvl">
+          <ac:chgData name="Tina Korshøj" userId="fc9c1787-86ff-4527-a6cb-a23af2ce0cfe" providerId="ADAL" clId="{12CD37EC-F126-58A4-9D73-FCCAAE6DBE25}" dt="2025-11-10T16:30:03.888" v="15" actId="165"/>
           <ac:spMkLst>
             <pc:docMk/>
             <pc:sldMk cId="1911992934" sldId="2982"/>
             <ac:spMk id="34" creationId="{3720FF5F-C758-F44C-78D1-10907C77910A}"/>
           </ac:spMkLst>
         </pc:spChg>
-        <pc:spChg chg="mod">
-          <ac:chgData name="Tina Korshøj" userId="fc9c1787-86ff-4527-a6cb-a23af2ce0cfe" providerId="ADAL" clId="{12CD37EC-F126-58A4-9D73-FCCAAE6DBE25}" dt="2025-11-10T12:49:11.917" v="7" actId="20577"/>
+        <pc:spChg chg="mod topLvl">
+          <ac:chgData name="Tina Korshøj" userId="fc9c1787-86ff-4527-a6cb-a23af2ce0cfe" providerId="ADAL" clId="{12CD37EC-F126-58A4-9D73-FCCAAE6DBE25}" dt="2025-11-10T16:30:03.888" v="15" actId="165"/>
           <ac:spMkLst>
             <pc:docMk/>
             <pc:sldMk cId="1911992934" sldId="2982"/>
             <ac:spMk id="35" creationId="{C9AC3CF1-7CDB-14B1-2821-5DA6F9255D3A}"/>
           </ac:spMkLst>
         </pc:spChg>
-        <pc:spChg chg="mod">
-          <ac:chgData name="Tina Korshøj" userId="fc9c1787-86ff-4527-a6cb-a23af2ce0cfe" providerId="ADAL" clId="{12CD37EC-F126-58A4-9D73-FCCAAE6DBE25}" dt="2025-11-10T12:49:15.540" v="8" actId="20577"/>
+        <pc:spChg chg="mod topLvl">
+          <ac:chgData name="Tina Korshøj" userId="fc9c1787-86ff-4527-a6cb-a23af2ce0cfe" providerId="ADAL" clId="{12CD37EC-F126-58A4-9D73-FCCAAE6DBE25}" dt="2025-11-10T16:30:03.888" v="15" actId="165"/>
           <ac:spMkLst>
             <pc:docMk/>
             <pc:sldMk cId="1911992934" sldId="2982"/>
@@ -207,20 +230,51 @@
             <ac:spMk id="38" creationId="{C51F4C3F-D89F-8BCB-ACD9-FB51F262A764}"/>
           </ac:spMkLst>
         </pc:spChg>
-        <pc:spChg chg="mod">
-          <ac:chgData name="Tina Korshøj" userId="fc9c1787-86ff-4527-a6cb-a23af2ce0cfe" providerId="ADAL" clId="{12CD37EC-F126-58A4-9D73-FCCAAE6DBE25}" dt="2025-11-10T12:49:21.984" v="12" actId="20577"/>
+        <pc:spChg chg="mod topLvl">
+          <ac:chgData name="Tina Korshøj" userId="fc9c1787-86ff-4527-a6cb-a23af2ce0cfe" providerId="ADAL" clId="{12CD37EC-F126-58A4-9D73-FCCAAE6DBE25}" dt="2025-11-10T16:30:03.888" v="15" actId="165"/>
           <ac:spMkLst>
             <pc:docMk/>
             <pc:sldMk cId="1911992934" sldId="2982"/>
             <ac:spMk id="39" creationId="{42DD8146-B72F-B3E6-3B1B-5EDEF91D426A}"/>
           </ac:spMkLst>
         </pc:spChg>
-        <pc:spChg chg="mod">
-          <ac:chgData name="Tina Korshøj" userId="fc9c1787-86ff-4527-a6cb-a23af2ce0cfe" providerId="ADAL" clId="{12CD37EC-F126-58A4-9D73-FCCAAE6DBE25}" dt="2025-11-10T12:49:24.053" v="14" actId="20577"/>
+        <pc:spChg chg="mod topLvl">
+          <ac:chgData name="Tina Korshøj" userId="fc9c1787-86ff-4527-a6cb-a23af2ce0cfe" providerId="ADAL" clId="{12CD37EC-F126-58A4-9D73-FCCAAE6DBE25}" dt="2025-11-10T16:30:03.888" v="15" actId="165"/>
           <ac:spMkLst>
             <pc:docMk/>
             <pc:sldMk cId="1911992934" sldId="2982"/>
             <ac:spMk id="40" creationId="{27D83DE3-1A9B-9D31-EA24-674E82B8DE65}"/>
+          </ac:spMkLst>
+        </pc:spChg>
+      </pc:sldChg>
+      <pc:sldChg chg="addSp delSp modSp mod">
+        <pc:chgData name="Tina Korshøj" userId="fc9c1787-86ff-4527-a6cb-a23af2ce0cfe" providerId="ADAL" clId="{12CD37EC-F126-58A4-9D73-FCCAAE6DBE25}" dt="2025-11-10T16:32:10.186" v="20"/>
+        <pc:sldMkLst>
+          <pc:docMk/>
+          <pc:sldMk cId="1790830389" sldId="2983"/>
+        </pc:sldMkLst>
+        <pc:spChg chg="add del mod">
+          <ac:chgData name="Tina Korshøj" userId="fc9c1787-86ff-4527-a6cb-a23af2ce0cfe" providerId="ADAL" clId="{12CD37EC-F126-58A4-9D73-FCCAAE6DBE25}" dt="2025-11-10T16:32:10.186" v="20"/>
+          <ac:spMkLst>
+            <pc:docMk/>
+            <pc:sldMk cId="1790830389" sldId="2983"/>
+            <ac:spMk id="2" creationId="{EEAB4CD5-98C5-F079-0544-4B2C88BBE427}"/>
+          </ac:spMkLst>
+        </pc:spChg>
+        <pc:spChg chg="mod">
+          <ac:chgData name="Tina Korshøj" userId="fc9c1787-86ff-4527-a6cb-a23af2ce0cfe" providerId="ADAL" clId="{12CD37EC-F126-58A4-9D73-FCCAAE6DBE25}" dt="2025-11-10T16:32:04.349" v="18" actId="113"/>
+          <ac:spMkLst>
+            <pc:docMk/>
+            <pc:sldMk cId="1790830389" sldId="2983"/>
+            <ac:spMk id="53" creationId="{F08C9E3A-E289-B702-E0AF-42A9604CA118}"/>
+          </ac:spMkLst>
+        </pc:spChg>
+        <pc:spChg chg="mod">
+          <ac:chgData name="Tina Korshøj" userId="fc9c1787-86ff-4527-a6cb-a23af2ce0cfe" providerId="ADAL" clId="{12CD37EC-F126-58A4-9D73-FCCAAE6DBE25}" dt="2025-11-10T16:32:04.349" v="18" actId="113"/>
+          <ac:spMkLst>
+            <pc:docMk/>
+            <pc:sldMk cId="1790830389" sldId="2983"/>
+            <ac:spMk id="875" creationId="{EBCE15DF-9AF5-7C93-79C5-CE7650CF1B75}"/>
           </ac:spMkLst>
         </pc:spChg>
       </pc:sldChg>
@@ -633,7 +687,7 @@
           </a:ln>
           <a:extLst>
             <a:ext uri="{C572A759-6A51-4108-AA02-DFA0A04FC94B}">
-              <ma14:wrappingTextBoxFlag xmlns:ma14="http://schemas.microsoft.com/office/mac/drawingml/2011/main" xmlns="" val="1"/>
+              <ma14:wrappingTextBoxFlag xmlns="" xmlns:ma14="http://schemas.microsoft.com/office/mac/drawingml/2011/main" val="1"/>
             </a:ext>
           </a:extLst>
         </p:spPr>
@@ -2736,7 +2790,7 @@
           </a:ln>
           <a:extLst>
             <a:ext uri="{C572A759-6A51-4108-AA02-DFA0A04FC94B}">
-              <ma14:wrappingTextBoxFlag xmlns:ma14="http://schemas.microsoft.com/office/mac/drawingml/2011/main" xmlns="" val="1"/>
+              <ma14:wrappingTextBoxFlag xmlns="" xmlns:ma14="http://schemas.microsoft.com/office/mac/drawingml/2011/main" val="1"/>
             </a:ext>
           </a:extLst>
         </p:spPr>
@@ -3082,7 +3136,7 @@
           </a:ln>
           <a:extLst>
             <a:ext uri="{C572A759-6A51-4108-AA02-DFA0A04FC94B}">
-              <ma14:wrappingTextBoxFlag xmlns:ma14="http://schemas.microsoft.com/office/mac/drawingml/2011/main" xmlns="" val="1"/>
+              <ma14:wrappingTextBoxFlag xmlns="" xmlns:ma14="http://schemas.microsoft.com/office/mac/drawingml/2011/main" val="1"/>
             </a:ext>
           </a:extLst>
         </p:spPr>
@@ -3437,7 +3491,7 @@
           </a:ln>
           <a:extLst>
             <a:ext uri="{C572A759-6A51-4108-AA02-DFA0A04FC94B}">
-              <ma14:wrappingTextBoxFlag xmlns:ma14="http://schemas.microsoft.com/office/mac/drawingml/2011/main" xmlns="" val="1"/>
+              <ma14:wrappingTextBoxFlag xmlns="" xmlns:ma14="http://schemas.microsoft.com/office/mac/drawingml/2011/main" val="1"/>
             </a:ext>
           </a:extLst>
         </p:spPr>
@@ -3485,7 +3539,7 @@
           </a:ln>
           <a:extLst>
             <a:ext uri="{C572A759-6A51-4108-AA02-DFA0A04FC94B}">
-              <ma14:wrappingTextBoxFlag xmlns:ma14="http://schemas.microsoft.com/office/mac/drawingml/2011/main" xmlns="" val="1"/>
+              <ma14:wrappingTextBoxFlag xmlns="" xmlns:ma14="http://schemas.microsoft.com/office/mac/drawingml/2011/main" val="1"/>
             </a:ext>
           </a:extLst>
         </p:spPr>
@@ -3762,7 +3816,7 @@
           </a:ln>
           <a:extLst>
             <a:ext uri="{C572A759-6A51-4108-AA02-DFA0A04FC94B}">
-              <ma14:wrappingTextBoxFlag xmlns:ma14="http://schemas.microsoft.com/office/mac/drawingml/2011/main" xmlns="" val="1"/>
+              <ma14:wrappingTextBoxFlag xmlns="" xmlns:ma14="http://schemas.microsoft.com/office/mac/drawingml/2011/main" val="1"/>
             </a:ext>
           </a:extLst>
         </p:spPr>
@@ -4029,7 +4083,7 @@
           </a:ln>
           <a:extLst>
             <a:ext uri="{C572A759-6A51-4108-AA02-DFA0A04FC94B}">
-              <ma14:wrappingTextBoxFlag xmlns:ma14="http://schemas.microsoft.com/office/mac/drawingml/2011/main" xmlns="" val="1"/>
+              <ma14:wrappingTextBoxFlag xmlns="" xmlns:ma14="http://schemas.microsoft.com/office/mac/drawingml/2011/main" val="1"/>
             </a:ext>
           </a:extLst>
         </p:spPr>
@@ -4580,7 +4634,7 @@
           </a:ln>
           <a:extLst>
             <a:ext uri="{C572A759-6A51-4108-AA02-DFA0A04FC94B}">
-              <ma14:wrappingTextBoxFlag xmlns:ma14="http://schemas.microsoft.com/office/mac/drawingml/2011/main" xmlns="" val="1"/>
+              <ma14:wrappingTextBoxFlag xmlns="" xmlns:ma14="http://schemas.microsoft.com/office/mac/drawingml/2011/main" val="1"/>
             </a:ext>
           </a:extLst>
         </p:spPr>
@@ -4792,7 +4846,7 @@
           </a:ln>
           <a:extLst>
             <a:ext uri="{C572A759-6A51-4108-AA02-DFA0A04FC94B}">
-              <ma14:wrappingTextBoxFlag xmlns:ma14="http://schemas.microsoft.com/office/mac/drawingml/2011/main" xmlns="" val="1"/>
+              <ma14:wrappingTextBoxFlag xmlns="" xmlns:ma14="http://schemas.microsoft.com/office/mac/drawingml/2011/main" val="1"/>
             </a:ext>
           </a:extLst>
         </p:spPr>
@@ -4847,7 +4901,7 @@
           </a:ln>
           <a:extLst>
             <a:ext uri="{C572A759-6A51-4108-AA02-DFA0A04FC94B}">
-              <ma14:wrappingTextBoxFlag xmlns:ma14="http://schemas.microsoft.com/office/mac/drawingml/2011/main" xmlns="" val="1"/>
+              <ma14:wrappingTextBoxFlag xmlns="" xmlns:ma14="http://schemas.microsoft.com/office/mac/drawingml/2011/main" val="1"/>
             </a:ext>
           </a:extLst>
         </p:spPr>
@@ -6434,7 +6488,7 @@
           </a:ln>
           <a:extLst>
             <a:ext uri="{C572A759-6A51-4108-AA02-DFA0A04FC94B}">
-              <ma14:wrappingTextBoxFlag xmlns:ma14="http://schemas.microsoft.com/office/mac/drawingml/2011/main" xmlns="" val="1"/>
+              <ma14:wrappingTextBoxFlag xmlns="" xmlns:ma14="http://schemas.microsoft.com/office/mac/drawingml/2011/main" val="1"/>
             </a:ext>
           </a:extLst>
         </p:spPr>
@@ -6551,7 +6605,7 @@
           </a:ln>
           <a:extLst>
             <a:ext uri="{C572A759-6A51-4108-AA02-DFA0A04FC94B}">
-              <ma14:wrappingTextBoxFlag xmlns:ma14="http://schemas.microsoft.com/office/mac/drawingml/2011/main" xmlns="" val="1"/>
+              <ma14:wrappingTextBoxFlag xmlns="" xmlns:ma14="http://schemas.microsoft.com/office/mac/drawingml/2011/main" val="1"/>
             </a:ext>
           </a:extLst>
         </p:spPr>
@@ -6588,7 +6642,7 @@
           </a:ln>
           <a:extLst>
             <a:ext uri="{C572A759-6A51-4108-AA02-DFA0A04FC94B}">
-              <ma14:wrappingTextBoxFlag xmlns:ma14="http://schemas.microsoft.com/office/mac/drawingml/2011/main" xmlns="" val="1"/>
+              <ma14:wrappingTextBoxFlag xmlns="" xmlns:ma14="http://schemas.microsoft.com/office/mac/drawingml/2011/main" val="1"/>
             </a:ext>
           </a:extLst>
         </p:spPr>
@@ -7205,746 +7259,683 @@
           </a:p>
         </p:txBody>
       </p:sp>
-      <p:grpSp>
-        <p:nvGrpSpPr>
-          <p:cNvPr id="30" name="Group 29">
+      <p:sp>
+        <p:nvSpPr>
+          <p:cNvPr id="22" name="TextBox 21">
             <a:extLst>
               <a:ext uri="{FF2B5EF4-FFF2-40B4-BE49-F238E27FC236}">
-                <a16:creationId xmlns:a16="http://schemas.microsoft.com/office/drawing/2014/main" id="{58057E0D-B5D7-F8B7-B925-D99D8D7F0C01}"/>
+                <a16:creationId xmlns:a16="http://schemas.microsoft.com/office/drawing/2014/main" id="{343A0329-DD56-31BF-CE47-A4E893D16F14}"/>
               </a:ext>
             </a:extLst>
           </p:cNvPr>
-          <p:cNvGrpSpPr/>
+          <p:cNvSpPr txBox="1"/>
           <p:nvPr/>
-        </p:nvGrpSpPr>
-        <p:grpSpPr>
+        </p:nvSpPr>
+        <p:spPr>
           <a:xfrm>
             <a:off x="215576" y="1235130"/>
-            <a:ext cx="11736786" cy="1547114"/>
-            <a:chOff x="357550" y="4950887"/>
-            <a:chExt cx="11736786" cy="1547114"/>
+            <a:ext cx="2734725" cy="1547114"/>
           </a:xfrm>
-        </p:grpSpPr>
-        <p:sp>
-          <p:nvSpPr>
-            <p:cNvPr id="22" name="TextBox 21">
-              <a:extLst>
-                <a:ext uri="{FF2B5EF4-FFF2-40B4-BE49-F238E27FC236}">
-                  <a16:creationId xmlns:a16="http://schemas.microsoft.com/office/drawing/2014/main" id="{343A0329-DD56-31BF-CE47-A4E893D16F14}"/>
-                </a:ext>
-              </a:extLst>
-            </p:cNvPr>
-            <p:cNvSpPr txBox="1"/>
-            <p:nvPr/>
-          </p:nvSpPr>
-          <p:spPr>
-            <a:xfrm>
-              <a:off x="357550" y="4950887"/>
-              <a:ext cx="2734725" cy="1547114"/>
-            </a:xfrm>
-            <a:prstGeom prst="rect">
-              <a:avLst/>
-            </a:prstGeom>
+          <a:prstGeom prst="rect">
+            <a:avLst/>
+          </a:prstGeom>
+          <a:noFill/>
+          <a:ln w="12700" cap="flat">
             <a:noFill/>
-            <a:ln w="12700" cap="flat">
-              <a:noFill/>
-              <a:miter lim="400000"/>
-            </a:ln>
-            <a:effectLst/>
-          </p:spPr>
-          <p:style>
-            <a:lnRef idx="0">
-              <a:scrgbClr r="0" g="0" b="0"/>
-            </a:lnRef>
-            <a:fillRef idx="0">
-              <a:scrgbClr r="0" g="0" b="0"/>
-            </a:fillRef>
-            <a:effectRef idx="0">
-              <a:scrgbClr r="0" g="0" b="0"/>
-            </a:effectRef>
-            <a:fontRef idx="none"/>
-          </p:style>
-          <p:txBody>
-            <a:bodyPr wrap="square">
-              <a:noAutofit/>
-            </a:bodyPr>
-            <a:lstStyle/>
-            <a:p>
-              <a:r>
-                <a:rPr lang="en-GB" sz="1800" dirty="0">
-                  <a:solidFill>
-                    <a:schemeClr val="tx1"/>
-                  </a:solidFill>
-                </a:rPr>
-                <a:t>{{Rendering1}}</a:t>
-              </a:r>
-            </a:p>
-          </p:txBody>
-        </p:sp>
-        <p:sp>
-          <p:nvSpPr>
-            <p:cNvPr id="27" name="TextBox 26">
-              <a:extLst>
-                <a:ext uri="{FF2B5EF4-FFF2-40B4-BE49-F238E27FC236}">
-                  <a16:creationId xmlns:a16="http://schemas.microsoft.com/office/drawing/2014/main" id="{4F7BB32D-413E-BDB3-1978-0532A90925EA}"/>
-                </a:ext>
-              </a:extLst>
-            </p:cNvPr>
-            <p:cNvSpPr txBox="1"/>
-            <p:nvPr/>
-          </p:nvSpPr>
-          <p:spPr>
-            <a:xfrm>
-              <a:off x="3358237" y="4950887"/>
-              <a:ext cx="2734725" cy="1547114"/>
-            </a:xfrm>
-            <a:prstGeom prst="rect">
-              <a:avLst/>
-            </a:prstGeom>
-            <a:noFill/>
-            <a:ln w="12700" cap="flat">
-              <a:noFill/>
-              <a:miter lim="400000"/>
-            </a:ln>
-            <a:effectLst/>
-          </p:spPr>
-          <p:style>
-            <a:lnRef idx="0">
-              <a:scrgbClr r="0" g="0" b="0"/>
-            </a:lnRef>
-            <a:fillRef idx="0">
-              <a:scrgbClr r="0" g="0" b="0"/>
-            </a:fillRef>
-            <a:effectRef idx="0">
-              <a:scrgbClr r="0" g="0" b="0"/>
-            </a:effectRef>
-            <a:fontRef idx="none"/>
-          </p:style>
-          <p:txBody>
-            <a:bodyPr wrap="square">
-              <a:noAutofit/>
-            </a:bodyPr>
-            <a:lstStyle/>
-            <a:p>
-              <a:r>
-                <a:rPr lang="en-GB" sz="1800" dirty="0">
-                  <a:solidFill>
-                    <a:schemeClr val="tx1"/>
-                  </a:solidFill>
-                </a:rPr>
-                <a:t>{{Rendering2}}</a:t>
-              </a:r>
-            </a:p>
-          </p:txBody>
-        </p:sp>
-        <p:sp>
-          <p:nvSpPr>
-            <p:cNvPr id="28" name="TextBox 27">
-              <a:extLst>
-                <a:ext uri="{FF2B5EF4-FFF2-40B4-BE49-F238E27FC236}">
-                  <a16:creationId xmlns:a16="http://schemas.microsoft.com/office/drawing/2014/main" id="{9A03A8AB-2A0B-70D2-83DE-0EB950F1019F}"/>
-                </a:ext>
-              </a:extLst>
-            </p:cNvPr>
-            <p:cNvSpPr txBox="1"/>
-            <p:nvPr/>
-          </p:nvSpPr>
-          <p:spPr>
-            <a:xfrm>
-              <a:off x="6358924" y="4950887"/>
-              <a:ext cx="2734725" cy="1547114"/>
-            </a:xfrm>
-            <a:prstGeom prst="rect">
-              <a:avLst/>
-            </a:prstGeom>
-            <a:noFill/>
-            <a:ln w="12700" cap="flat">
-              <a:noFill/>
-              <a:miter lim="400000"/>
-            </a:ln>
-            <a:effectLst/>
-          </p:spPr>
-          <p:style>
-            <a:lnRef idx="0">
-              <a:scrgbClr r="0" g="0" b="0"/>
-            </a:lnRef>
-            <a:fillRef idx="0">
-              <a:scrgbClr r="0" g="0" b="0"/>
-            </a:fillRef>
-            <a:effectRef idx="0">
-              <a:scrgbClr r="0" g="0" b="0"/>
-            </a:effectRef>
-            <a:fontRef idx="none"/>
-          </p:style>
-          <p:txBody>
-            <a:bodyPr wrap="square">
-              <a:noAutofit/>
-            </a:bodyPr>
-            <a:lstStyle/>
-            <a:p>
-              <a:r>
-                <a:rPr lang="en-GB" sz="1800" dirty="0">
-                  <a:solidFill>
-                    <a:schemeClr val="tx1"/>
-                  </a:solidFill>
-                </a:rPr>
-                <a:t>{{Rendering3}}</a:t>
-              </a:r>
-            </a:p>
-          </p:txBody>
-        </p:sp>
-        <p:sp>
-          <p:nvSpPr>
-            <p:cNvPr id="29" name="TextBox 28">
-              <a:extLst>
-                <a:ext uri="{FF2B5EF4-FFF2-40B4-BE49-F238E27FC236}">
-                  <a16:creationId xmlns:a16="http://schemas.microsoft.com/office/drawing/2014/main" id="{2E8AE316-B85B-C433-FD9B-181F3BB9D048}"/>
-                </a:ext>
-              </a:extLst>
-            </p:cNvPr>
-            <p:cNvSpPr txBox="1"/>
-            <p:nvPr/>
-          </p:nvSpPr>
-          <p:spPr>
-            <a:xfrm>
-              <a:off x="9359611" y="4950887"/>
-              <a:ext cx="2734725" cy="1547114"/>
-            </a:xfrm>
-            <a:prstGeom prst="rect">
-              <a:avLst/>
-            </a:prstGeom>
-            <a:noFill/>
-            <a:ln w="12700" cap="flat">
-              <a:noFill/>
-              <a:miter lim="400000"/>
-            </a:ln>
-            <a:effectLst/>
-          </p:spPr>
-          <p:style>
-            <a:lnRef idx="0">
-              <a:scrgbClr r="0" g="0" b="0"/>
-            </a:lnRef>
-            <a:fillRef idx="0">
-              <a:scrgbClr r="0" g="0" b="0"/>
-            </a:fillRef>
-            <a:effectRef idx="0">
-              <a:scrgbClr r="0" g="0" b="0"/>
-            </a:effectRef>
-            <a:fontRef idx="none"/>
-          </p:style>
-          <p:txBody>
-            <a:bodyPr wrap="square">
-              <a:noAutofit/>
-            </a:bodyPr>
-            <a:lstStyle/>
-            <a:p>
-              <a:r>
-                <a:rPr lang="en-GB" sz="1800" dirty="0">
-                  <a:solidFill>
-                    <a:schemeClr val="tx1"/>
-                  </a:solidFill>
-                </a:rPr>
-                <a:t>{{Rendering4}}</a:t>
-              </a:r>
-            </a:p>
-          </p:txBody>
-        </p:sp>
-      </p:grpSp>
-      <p:grpSp>
-        <p:nvGrpSpPr>
-          <p:cNvPr id="31" name="Group 30">
+            <a:miter lim="400000"/>
+          </a:ln>
+          <a:effectLst/>
+        </p:spPr>
+        <p:style>
+          <a:lnRef idx="0">
+            <a:scrgbClr r="0" g="0" b="0"/>
+          </a:lnRef>
+          <a:fillRef idx="0">
+            <a:scrgbClr r="0" g="0" b="0"/>
+          </a:fillRef>
+          <a:effectRef idx="0">
+            <a:scrgbClr r="0" g="0" b="0"/>
+          </a:effectRef>
+          <a:fontRef idx="none"/>
+        </p:style>
+        <p:txBody>
+          <a:bodyPr wrap="square">
+            <a:noAutofit/>
+          </a:bodyPr>
+          <a:lstStyle/>
+          <a:p>
+            <a:r>
+              <a:rPr lang="en-GB" sz="1800" dirty="0">
+                <a:solidFill>
+                  <a:schemeClr val="tx1"/>
+                </a:solidFill>
+              </a:rPr>
+              <a:t>{{Rendering1}}</a:t>
+            </a:r>
+          </a:p>
+        </p:txBody>
+      </p:sp>
+      <p:sp>
+        <p:nvSpPr>
+          <p:cNvPr id="27" name="TextBox 26">
             <a:extLst>
               <a:ext uri="{FF2B5EF4-FFF2-40B4-BE49-F238E27FC236}">
-                <a16:creationId xmlns:a16="http://schemas.microsoft.com/office/drawing/2014/main" id="{468E7192-D147-DECF-ED28-F745DFC64C8D}"/>
+                <a16:creationId xmlns:a16="http://schemas.microsoft.com/office/drawing/2014/main" id="{4F7BB32D-413E-BDB3-1978-0532A90925EA}"/>
               </a:ext>
             </a:extLst>
           </p:cNvPr>
-          <p:cNvGrpSpPr/>
+          <p:cNvSpPr txBox="1"/>
           <p:nvPr/>
-        </p:nvGrpSpPr>
-        <p:grpSpPr>
+        </p:nvSpPr>
+        <p:spPr>
           <a:xfrm>
-            <a:off x="215576" y="3093008"/>
-            <a:ext cx="11736786" cy="1547114"/>
-            <a:chOff x="357550" y="4950887"/>
-            <a:chExt cx="11736786" cy="1547114"/>
+            <a:off x="3216263" y="1235130"/>
+            <a:ext cx="2734725" cy="1547114"/>
           </a:xfrm>
-        </p:grpSpPr>
-        <p:sp>
-          <p:nvSpPr>
-            <p:cNvPr id="32" name="TextBox 31">
-              <a:extLst>
-                <a:ext uri="{FF2B5EF4-FFF2-40B4-BE49-F238E27FC236}">
-                  <a16:creationId xmlns:a16="http://schemas.microsoft.com/office/drawing/2014/main" id="{EAD889E4-BB5B-4D12-AAFB-76BAC5B4DEE9}"/>
-                </a:ext>
-              </a:extLst>
-            </p:cNvPr>
-            <p:cNvSpPr txBox="1"/>
-            <p:nvPr/>
-          </p:nvSpPr>
-          <p:spPr>
-            <a:xfrm>
-              <a:off x="357550" y="4950887"/>
-              <a:ext cx="2734725" cy="1547114"/>
-            </a:xfrm>
-            <a:prstGeom prst="rect">
-              <a:avLst/>
-            </a:prstGeom>
+          <a:prstGeom prst="rect">
+            <a:avLst/>
+          </a:prstGeom>
+          <a:noFill/>
+          <a:ln w="12700" cap="flat">
             <a:noFill/>
-            <a:ln w="12700" cap="flat">
-              <a:noFill/>
-              <a:miter lim="400000"/>
-            </a:ln>
-            <a:effectLst/>
-          </p:spPr>
-          <p:style>
-            <a:lnRef idx="0">
-              <a:scrgbClr r="0" g="0" b="0"/>
-            </a:lnRef>
-            <a:fillRef idx="0">
-              <a:scrgbClr r="0" g="0" b="0"/>
-            </a:fillRef>
-            <a:effectRef idx="0">
-              <a:scrgbClr r="0" g="0" b="0"/>
-            </a:effectRef>
-            <a:fontRef idx="none"/>
-          </p:style>
-          <p:txBody>
-            <a:bodyPr wrap="square">
-              <a:noAutofit/>
-            </a:bodyPr>
-            <a:lstStyle/>
-            <a:p>
-              <a:r>
-                <a:rPr lang="en-GB" sz="1800" dirty="0">
-                  <a:solidFill>
-                    <a:schemeClr val="tx1"/>
-                  </a:solidFill>
-                </a:rPr>
-                <a:t>{{Rendering5}}</a:t>
-              </a:r>
-            </a:p>
-          </p:txBody>
-        </p:sp>
-        <p:sp>
-          <p:nvSpPr>
-            <p:cNvPr id="33" name="TextBox 32">
-              <a:extLst>
-                <a:ext uri="{FF2B5EF4-FFF2-40B4-BE49-F238E27FC236}">
-                  <a16:creationId xmlns:a16="http://schemas.microsoft.com/office/drawing/2014/main" id="{AD539866-0BF9-6683-D9D3-E3D7A6B1C1C3}"/>
-                </a:ext>
-              </a:extLst>
-            </p:cNvPr>
-            <p:cNvSpPr txBox="1"/>
-            <p:nvPr/>
-          </p:nvSpPr>
-          <p:spPr>
-            <a:xfrm>
-              <a:off x="3358237" y="4950887"/>
-              <a:ext cx="2734725" cy="1547114"/>
-            </a:xfrm>
-            <a:prstGeom prst="rect">
-              <a:avLst/>
-            </a:prstGeom>
-            <a:noFill/>
-            <a:ln w="12700" cap="flat">
-              <a:noFill/>
-              <a:miter lim="400000"/>
-            </a:ln>
-            <a:effectLst/>
-          </p:spPr>
-          <p:style>
-            <a:lnRef idx="0">
-              <a:scrgbClr r="0" g="0" b="0"/>
-            </a:lnRef>
-            <a:fillRef idx="0">
-              <a:scrgbClr r="0" g="0" b="0"/>
-            </a:fillRef>
-            <a:effectRef idx="0">
-              <a:scrgbClr r="0" g="0" b="0"/>
-            </a:effectRef>
-            <a:fontRef idx="none"/>
-          </p:style>
-          <p:txBody>
-            <a:bodyPr wrap="square">
-              <a:noAutofit/>
-            </a:bodyPr>
-            <a:lstStyle/>
-            <a:p>
-              <a:r>
-                <a:rPr lang="en-GB" sz="1800" dirty="0">
-                  <a:solidFill>
-                    <a:schemeClr val="tx1"/>
-                  </a:solidFill>
-                </a:rPr>
-                <a:t>{{Rendering6}}</a:t>
-              </a:r>
-            </a:p>
-          </p:txBody>
-        </p:sp>
-        <p:sp>
-          <p:nvSpPr>
-            <p:cNvPr id="34" name="TextBox 33">
-              <a:extLst>
-                <a:ext uri="{FF2B5EF4-FFF2-40B4-BE49-F238E27FC236}">
-                  <a16:creationId xmlns:a16="http://schemas.microsoft.com/office/drawing/2014/main" id="{3720FF5F-C758-F44C-78D1-10907C77910A}"/>
-                </a:ext>
-              </a:extLst>
-            </p:cNvPr>
-            <p:cNvSpPr txBox="1"/>
-            <p:nvPr/>
-          </p:nvSpPr>
-          <p:spPr>
-            <a:xfrm>
-              <a:off x="6358924" y="4950887"/>
-              <a:ext cx="2734725" cy="1547114"/>
-            </a:xfrm>
-            <a:prstGeom prst="rect">
-              <a:avLst/>
-            </a:prstGeom>
-            <a:noFill/>
-            <a:ln w="12700" cap="flat">
-              <a:noFill/>
-              <a:miter lim="400000"/>
-            </a:ln>
-            <a:effectLst/>
-          </p:spPr>
-          <p:style>
-            <a:lnRef idx="0">
-              <a:scrgbClr r="0" g="0" b="0"/>
-            </a:lnRef>
-            <a:fillRef idx="0">
-              <a:scrgbClr r="0" g="0" b="0"/>
-            </a:fillRef>
-            <a:effectRef idx="0">
-              <a:scrgbClr r="0" g="0" b="0"/>
-            </a:effectRef>
-            <a:fontRef idx="none"/>
-          </p:style>
-          <p:txBody>
-            <a:bodyPr wrap="square">
-              <a:noAutofit/>
-            </a:bodyPr>
-            <a:lstStyle/>
-            <a:p>
-              <a:r>
-                <a:rPr lang="en-GB" sz="1800" dirty="0">
-                  <a:solidFill>
-                    <a:schemeClr val="tx1"/>
-                  </a:solidFill>
-                </a:rPr>
-                <a:t>{{Rendering7}}</a:t>
-              </a:r>
-            </a:p>
-          </p:txBody>
-        </p:sp>
-        <p:sp>
-          <p:nvSpPr>
-            <p:cNvPr id="35" name="TextBox 34">
-              <a:extLst>
-                <a:ext uri="{FF2B5EF4-FFF2-40B4-BE49-F238E27FC236}">
-                  <a16:creationId xmlns:a16="http://schemas.microsoft.com/office/drawing/2014/main" id="{C9AC3CF1-7CDB-14B1-2821-5DA6F9255D3A}"/>
-                </a:ext>
-              </a:extLst>
-            </p:cNvPr>
-            <p:cNvSpPr txBox="1"/>
-            <p:nvPr/>
-          </p:nvSpPr>
-          <p:spPr>
-            <a:xfrm>
-              <a:off x="9359611" y="4950887"/>
-              <a:ext cx="2734725" cy="1547114"/>
-            </a:xfrm>
-            <a:prstGeom prst="rect">
-              <a:avLst/>
-            </a:prstGeom>
-            <a:noFill/>
-            <a:ln w="12700" cap="flat">
-              <a:noFill/>
-              <a:miter lim="400000"/>
-            </a:ln>
-            <a:effectLst/>
-          </p:spPr>
-          <p:style>
-            <a:lnRef idx="0">
-              <a:scrgbClr r="0" g="0" b="0"/>
-            </a:lnRef>
-            <a:fillRef idx="0">
-              <a:scrgbClr r="0" g="0" b="0"/>
-            </a:fillRef>
-            <a:effectRef idx="0">
-              <a:scrgbClr r="0" g="0" b="0"/>
-            </a:effectRef>
-            <a:fontRef idx="none"/>
-          </p:style>
-          <p:txBody>
-            <a:bodyPr wrap="square">
-              <a:noAutofit/>
-            </a:bodyPr>
-            <a:lstStyle/>
-            <a:p>
-              <a:r>
-                <a:rPr lang="en-GB" sz="1800" dirty="0">
-                  <a:solidFill>
-                    <a:schemeClr val="tx1"/>
-                  </a:solidFill>
-                </a:rPr>
-                <a:t>{{Rendering8}}</a:t>
-              </a:r>
-            </a:p>
-          </p:txBody>
-        </p:sp>
-      </p:grpSp>
-      <p:grpSp>
-        <p:nvGrpSpPr>
-          <p:cNvPr id="36" name="Group 35">
+            <a:miter lim="400000"/>
+          </a:ln>
+          <a:effectLst/>
+        </p:spPr>
+        <p:style>
+          <a:lnRef idx="0">
+            <a:scrgbClr r="0" g="0" b="0"/>
+          </a:lnRef>
+          <a:fillRef idx="0">
+            <a:scrgbClr r="0" g="0" b="0"/>
+          </a:fillRef>
+          <a:effectRef idx="0">
+            <a:scrgbClr r="0" g="0" b="0"/>
+          </a:effectRef>
+          <a:fontRef idx="none"/>
+        </p:style>
+        <p:txBody>
+          <a:bodyPr wrap="square">
+            <a:noAutofit/>
+          </a:bodyPr>
+          <a:lstStyle/>
+          <a:p>
+            <a:r>
+              <a:rPr lang="en-GB" sz="1800" dirty="0">
+                <a:solidFill>
+                  <a:schemeClr val="tx1"/>
+                </a:solidFill>
+              </a:rPr>
+              <a:t>{{Rendering2}}</a:t>
+            </a:r>
+          </a:p>
+        </p:txBody>
+      </p:sp>
+      <p:sp>
+        <p:nvSpPr>
+          <p:cNvPr id="28" name="TextBox 27">
             <a:extLst>
               <a:ext uri="{FF2B5EF4-FFF2-40B4-BE49-F238E27FC236}">
-                <a16:creationId xmlns:a16="http://schemas.microsoft.com/office/drawing/2014/main" id="{E37E8291-9067-AB87-6537-C7027D0A6668}"/>
+                <a16:creationId xmlns:a16="http://schemas.microsoft.com/office/drawing/2014/main" id="{9A03A8AB-2A0B-70D2-83DE-0EB950F1019F}"/>
               </a:ext>
             </a:extLst>
           </p:cNvPr>
-          <p:cNvGrpSpPr/>
+          <p:cNvSpPr txBox="1"/>
           <p:nvPr/>
-        </p:nvGrpSpPr>
-        <p:grpSpPr>
+        </p:nvSpPr>
+        <p:spPr>
+          <a:xfrm>
+            <a:off x="6216950" y="1235130"/>
+            <a:ext cx="2734725" cy="1547114"/>
+          </a:xfrm>
+          <a:prstGeom prst="rect">
+            <a:avLst/>
+          </a:prstGeom>
+          <a:noFill/>
+          <a:ln w="12700" cap="flat">
+            <a:noFill/>
+            <a:miter lim="400000"/>
+          </a:ln>
+          <a:effectLst/>
+        </p:spPr>
+        <p:style>
+          <a:lnRef idx="0">
+            <a:scrgbClr r="0" g="0" b="0"/>
+          </a:lnRef>
+          <a:fillRef idx="0">
+            <a:scrgbClr r="0" g="0" b="0"/>
+          </a:fillRef>
+          <a:effectRef idx="0">
+            <a:scrgbClr r="0" g="0" b="0"/>
+          </a:effectRef>
+          <a:fontRef idx="none"/>
+        </p:style>
+        <p:txBody>
+          <a:bodyPr wrap="square">
+            <a:noAutofit/>
+          </a:bodyPr>
+          <a:lstStyle/>
+          <a:p>
+            <a:r>
+              <a:rPr lang="en-GB" sz="1800" dirty="0">
+                <a:solidFill>
+                  <a:schemeClr val="tx1"/>
+                </a:solidFill>
+              </a:rPr>
+              <a:t>{{Rendering3}}</a:t>
+            </a:r>
+          </a:p>
+        </p:txBody>
+      </p:sp>
+      <p:sp>
+        <p:nvSpPr>
+          <p:cNvPr id="29" name="TextBox 28">
+            <a:extLst>
+              <a:ext uri="{FF2B5EF4-FFF2-40B4-BE49-F238E27FC236}">
+                <a16:creationId xmlns:a16="http://schemas.microsoft.com/office/drawing/2014/main" id="{2E8AE316-B85B-C433-FD9B-181F3BB9D048}"/>
+              </a:ext>
+            </a:extLst>
+          </p:cNvPr>
+          <p:cNvSpPr txBox="1"/>
+          <p:nvPr/>
+        </p:nvSpPr>
+        <p:spPr>
+          <a:xfrm>
+            <a:off x="9217637" y="1235130"/>
+            <a:ext cx="2734725" cy="1547114"/>
+          </a:xfrm>
+          <a:prstGeom prst="rect">
+            <a:avLst/>
+          </a:prstGeom>
+          <a:noFill/>
+          <a:ln w="12700" cap="flat">
+            <a:noFill/>
+            <a:miter lim="400000"/>
+          </a:ln>
+          <a:effectLst/>
+        </p:spPr>
+        <p:style>
+          <a:lnRef idx="0">
+            <a:scrgbClr r="0" g="0" b="0"/>
+          </a:lnRef>
+          <a:fillRef idx="0">
+            <a:scrgbClr r="0" g="0" b="0"/>
+          </a:fillRef>
+          <a:effectRef idx="0">
+            <a:scrgbClr r="0" g="0" b="0"/>
+          </a:effectRef>
+          <a:fontRef idx="none"/>
+        </p:style>
+        <p:txBody>
+          <a:bodyPr wrap="square">
+            <a:noAutofit/>
+          </a:bodyPr>
+          <a:lstStyle/>
+          <a:p>
+            <a:r>
+              <a:rPr lang="en-GB" sz="1800" dirty="0">
+                <a:solidFill>
+                  <a:schemeClr val="tx1"/>
+                </a:solidFill>
+              </a:rPr>
+              <a:t>{{Rendering4}}</a:t>
+            </a:r>
+          </a:p>
+        </p:txBody>
+      </p:sp>
+      <p:sp>
+        <p:nvSpPr>
+          <p:cNvPr id="32" name="TextBox 31">
+            <a:extLst>
+              <a:ext uri="{FF2B5EF4-FFF2-40B4-BE49-F238E27FC236}">
+                <a16:creationId xmlns:a16="http://schemas.microsoft.com/office/drawing/2014/main" id="{EAD889E4-BB5B-4D12-AAFB-76BAC5B4DEE9}"/>
+              </a:ext>
+            </a:extLst>
+          </p:cNvPr>
+          <p:cNvSpPr txBox="1"/>
+          <p:nvPr/>
+        </p:nvSpPr>
+        <p:spPr>
+          <a:xfrm>
+            <a:off x="215576" y="3093008"/>
+            <a:ext cx="2734725" cy="1547114"/>
+          </a:xfrm>
+          <a:prstGeom prst="rect">
+            <a:avLst/>
+          </a:prstGeom>
+          <a:noFill/>
+          <a:ln w="12700" cap="flat">
+            <a:noFill/>
+            <a:miter lim="400000"/>
+          </a:ln>
+          <a:effectLst/>
+        </p:spPr>
+        <p:style>
+          <a:lnRef idx="0">
+            <a:scrgbClr r="0" g="0" b="0"/>
+          </a:lnRef>
+          <a:fillRef idx="0">
+            <a:scrgbClr r="0" g="0" b="0"/>
+          </a:fillRef>
+          <a:effectRef idx="0">
+            <a:scrgbClr r="0" g="0" b="0"/>
+          </a:effectRef>
+          <a:fontRef idx="none"/>
+        </p:style>
+        <p:txBody>
+          <a:bodyPr wrap="square">
+            <a:noAutofit/>
+          </a:bodyPr>
+          <a:lstStyle/>
+          <a:p>
+            <a:r>
+              <a:rPr lang="en-GB" sz="1800" dirty="0">
+                <a:solidFill>
+                  <a:schemeClr val="tx1"/>
+                </a:solidFill>
+              </a:rPr>
+              <a:t>{{Rendering5}}</a:t>
+            </a:r>
+          </a:p>
+        </p:txBody>
+      </p:sp>
+      <p:sp>
+        <p:nvSpPr>
+          <p:cNvPr id="33" name="TextBox 32">
+            <a:extLst>
+              <a:ext uri="{FF2B5EF4-FFF2-40B4-BE49-F238E27FC236}">
+                <a16:creationId xmlns:a16="http://schemas.microsoft.com/office/drawing/2014/main" id="{AD539866-0BF9-6683-D9D3-E3D7A6B1C1C3}"/>
+              </a:ext>
+            </a:extLst>
+          </p:cNvPr>
+          <p:cNvSpPr txBox="1"/>
+          <p:nvPr/>
+        </p:nvSpPr>
+        <p:spPr>
+          <a:xfrm>
+            <a:off x="3216263" y="3093008"/>
+            <a:ext cx="2734725" cy="1547114"/>
+          </a:xfrm>
+          <a:prstGeom prst="rect">
+            <a:avLst/>
+          </a:prstGeom>
+          <a:noFill/>
+          <a:ln w="12700" cap="flat">
+            <a:noFill/>
+            <a:miter lim="400000"/>
+          </a:ln>
+          <a:effectLst/>
+        </p:spPr>
+        <p:style>
+          <a:lnRef idx="0">
+            <a:scrgbClr r="0" g="0" b="0"/>
+          </a:lnRef>
+          <a:fillRef idx="0">
+            <a:scrgbClr r="0" g="0" b="0"/>
+          </a:fillRef>
+          <a:effectRef idx="0">
+            <a:scrgbClr r="0" g="0" b="0"/>
+          </a:effectRef>
+          <a:fontRef idx="none"/>
+        </p:style>
+        <p:txBody>
+          <a:bodyPr wrap="square">
+            <a:noAutofit/>
+          </a:bodyPr>
+          <a:lstStyle/>
+          <a:p>
+            <a:r>
+              <a:rPr lang="en-GB" sz="1800" dirty="0">
+                <a:solidFill>
+                  <a:schemeClr val="tx1"/>
+                </a:solidFill>
+              </a:rPr>
+              <a:t>{{Rendering6}}</a:t>
+            </a:r>
+          </a:p>
+        </p:txBody>
+      </p:sp>
+      <p:sp>
+        <p:nvSpPr>
+          <p:cNvPr id="34" name="TextBox 33">
+            <a:extLst>
+              <a:ext uri="{FF2B5EF4-FFF2-40B4-BE49-F238E27FC236}">
+                <a16:creationId xmlns:a16="http://schemas.microsoft.com/office/drawing/2014/main" id="{3720FF5F-C758-F44C-78D1-10907C77910A}"/>
+              </a:ext>
+            </a:extLst>
+          </p:cNvPr>
+          <p:cNvSpPr txBox="1"/>
+          <p:nvPr/>
+        </p:nvSpPr>
+        <p:spPr>
+          <a:xfrm>
+            <a:off x="6216950" y="3093008"/>
+            <a:ext cx="2734725" cy="1547114"/>
+          </a:xfrm>
+          <a:prstGeom prst="rect">
+            <a:avLst/>
+          </a:prstGeom>
+          <a:noFill/>
+          <a:ln w="12700" cap="flat">
+            <a:noFill/>
+            <a:miter lim="400000"/>
+          </a:ln>
+          <a:effectLst/>
+        </p:spPr>
+        <p:style>
+          <a:lnRef idx="0">
+            <a:scrgbClr r="0" g="0" b="0"/>
+          </a:lnRef>
+          <a:fillRef idx="0">
+            <a:scrgbClr r="0" g="0" b="0"/>
+          </a:fillRef>
+          <a:effectRef idx="0">
+            <a:scrgbClr r="0" g="0" b="0"/>
+          </a:effectRef>
+          <a:fontRef idx="none"/>
+        </p:style>
+        <p:txBody>
+          <a:bodyPr wrap="square">
+            <a:noAutofit/>
+          </a:bodyPr>
+          <a:lstStyle/>
+          <a:p>
+            <a:r>
+              <a:rPr lang="en-GB" sz="1800" dirty="0">
+                <a:solidFill>
+                  <a:schemeClr val="tx1"/>
+                </a:solidFill>
+              </a:rPr>
+              <a:t>{{Rendering7}}</a:t>
+            </a:r>
+          </a:p>
+        </p:txBody>
+      </p:sp>
+      <p:sp>
+        <p:nvSpPr>
+          <p:cNvPr id="35" name="TextBox 34">
+            <a:extLst>
+              <a:ext uri="{FF2B5EF4-FFF2-40B4-BE49-F238E27FC236}">
+                <a16:creationId xmlns:a16="http://schemas.microsoft.com/office/drawing/2014/main" id="{C9AC3CF1-7CDB-14B1-2821-5DA6F9255D3A}"/>
+              </a:ext>
+            </a:extLst>
+          </p:cNvPr>
+          <p:cNvSpPr txBox="1"/>
+          <p:nvPr/>
+        </p:nvSpPr>
+        <p:spPr>
+          <a:xfrm>
+            <a:off x="9217637" y="3093008"/>
+            <a:ext cx="2734725" cy="1547114"/>
+          </a:xfrm>
+          <a:prstGeom prst="rect">
+            <a:avLst/>
+          </a:prstGeom>
+          <a:noFill/>
+          <a:ln w="12700" cap="flat">
+            <a:noFill/>
+            <a:miter lim="400000"/>
+          </a:ln>
+          <a:effectLst/>
+        </p:spPr>
+        <p:style>
+          <a:lnRef idx="0">
+            <a:scrgbClr r="0" g="0" b="0"/>
+          </a:lnRef>
+          <a:fillRef idx="0">
+            <a:scrgbClr r="0" g="0" b="0"/>
+          </a:fillRef>
+          <a:effectRef idx="0">
+            <a:scrgbClr r="0" g="0" b="0"/>
+          </a:effectRef>
+          <a:fontRef idx="none"/>
+        </p:style>
+        <p:txBody>
+          <a:bodyPr wrap="square">
+            <a:noAutofit/>
+          </a:bodyPr>
+          <a:lstStyle/>
+          <a:p>
+            <a:r>
+              <a:rPr lang="en-GB" sz="1800" dirty="0">
+                <a:solidFill>
+                  <a:schemeClr val="tx1"/>
+                </a:solidFill>
+              </a:rPr>
+              <a:t>{{Rendering8}}</a:t>
+            </a:r>
+          </a:p>
+        </p:txBody>
+      </p:sp>
+      <p:sp>
+        <p:nvSpPr>
+          <p:cNvPr id="37" name="TextBox 36">
+            <a:extLst>
+              <a:ext uri="{FF2B5EF4-FFF2-40B4-BE49-F238E27FC236}">
+                <a16:creationId xmlns:a16="http://schemas.microsoft.com/office/drawing/2014/main" id="{4E05D57C-C72E-A224-DAC5-0CE94B38A08B}"/>
+              </a:ext>
+            </a:extLst>
+          </p:cNvPr>
+          <p:cNvSpPr txBox="1"/>
+          <p:nvPr/>
+        </p:nvSpPr>
+        <p:spPr>
           <a:xfrm>
             <a:off x="227607" y="4950887"/>
-            <a:ext cx="11736786" cy="1547114"/>
-            <a:chOff x="357550" y="4950887"/>
-            <a:chExt cx="11736786" cy="1547114"/>
+            <a:ext cx="2734725" cy="1547114"/>
           </a:xfrm>
-        </p:grpSpPr>
-        <p:sp>
-          <p:nvSpPr>
-            <p:cNvPr id="37" name="TextBox 36">
-              <a:extLst>
-                <a:ext uri="{FF2B5EF4-FFF2-40B4-BE49-F238E27FC236}">
-                  <a16:creationId xmlns:a16="http://schemas.microsoft.com/office/drawing/2014/main" id="{4E05D57C-C72E-A224-DAC5-0CE94B38A08B}"/>
-                </a:ext>
-              </a:extLst>
-            </p:cNvPr>
-            <p:cNvSpPr txBox="1"/>
-            <p:nvPr/>
-          </p:nvSpPr>
-          <p:spPr>
-            <a:xfrm>
-              <a:off x="357550" y="4950887"/>
-              <a:ext cx="2734725" cy="1547114"/>
-            </a:xfrm>
-            <a:prstGeom prst="rect">
-              <a:avLst/>
-            </a:prstGeom>
+          <a:prstGeom prst="rect">
+            <a:avLst/>
+          </a:prstGeom>
+          <a:noFill/>
+          <a:ln w="12700" cap="flat">
             <a:noFill/>
-            <a:ln w="12700" cap="flat">
-              <a:noFill/>
-              <a:miter lim="400000"/>
-            </a:ln>
-            <a:effectLst/>
-          </p:spPr>
-          <p:style>
-            <a:lnRef idx="0">
-              <a:scrgbClr r="0" g="0" b="0"/>
-            </a:lnRef>
-            <a:fillRef idx="0">
-              <a:scrgbClr r="0" g="0" b="0"/>
-            </a:fillRef>
-            <a:effectRef idx="0">
-              <a:scrgbClr r="0" g="0" b="0"/>
-            </a:effectRef>
-            <a:fontRef idx="none"/>
-          </p:style>
-          <p:txBody>
-            <a:bodyPr wrap="square">
-              <a:noAutofit/>
-            </a:bodyPr>
-            <a:lstStyle/>
-            <a:p>
-              <a:r>
-                <a:rPr lang="en-GB" sz="1800" dirty="0">
-                  <a:solidFill>
-                    <a:schemeClr val="tx1"/>
-                  </a:solidFill>
-                </a:rPr>
-                <a:t>{{Rendering9}}</a:t>
-              </a:r>
-            </a:p>
-          </p:txBody>
-        </p:sp>
-        <p:sp>
-          <p:nvSpPr>
-            <p:cNvPr id="38" name="TextBox 37">
-              <a:extLst>
-                <a:ext uri="{FF2B5EF4-FFF2-40B4-BE49-F238E27FC236}">
-                  <a16:creationId xmlns:a16="http://schemas.microsoft.com/office/drawing/2014/main" id="{C51F4C3F-D89F-8BCB-ACD9-FB51F262A764}"/>
-                </a:ext>
-              </a:extLst>
-            </p:cNvPr>
-            <p:cNvSpPr txBox="1"/>
-            <p:nvPr/>
-          </p:nvSpPr>
-          <p:spPr>
-            <a:xfrm>
-              <a:off x="3358237" y="4950887"/>
-              <a:ext cx="2734725" cy="1547114"/>
-            </a:xfrm>
-            <a:prstGeom prst="rect">
-              <a:avLst/>
-            </a:prstGeom>
+            <a:miter lim="400000"/>
+          </a:ln>
+          <a:effectLst/>
+        </p:spPr>
+        <p:style>
+          <a:lnRef idx="0">
+            <a:scrgbClr r="0" g="0" b="0"/>
+          </a:lnRef>
+          <a:fillRef idx="0">
+            <a:scrgbClr r="0" g="0" b="0"/>
+          </a:fillRef>
+          <a:effectRef idx="0">
+            <a:scrgbClr r="0" g="0" b="0"/>
+          </a:effectRef>
+          <a:fontRef idx="none"/>
+        </p:style>
+        <p:txBody>
+          <a:bodyPr wrap="square">
+            <a:noAutofit/>
+          </a:bodyPr>
+          <a:lstStyle/>
+          <a:p>
+            <a:r>
+              <a:rPr lang="en-GB" sz="1800" dirty="0">
+                <a:solidFill>
+                  <a:schemeClr val="tx1"/>
+                </a:solidFill>
+              </a:rPr>
+              <a:t>{{Rendering9}}</a:t>
+            </a:r>
+          </a:p>
+        </p:txBody>
+      </p:sp>
+      <p:sp>
+        <p:nvSpPr>
+          <p:cNvPr id="38" name="TextBox 37">
+            <a:extLst>
+              <a:ext uri="{FF2B5EF4-FFF2-40B4-BE49-F238E27FC236}">
+                <a16:creationId xmlns:a16="http://schemas.microsoft.com/office/drawing/2014/main" id="{C51F4C3F-D89F-8BCB-ACD9-FB51F262A764}"/>
+              </a:ext>
+            </a:extLst>
+          </p:cNvPr>
+          <p:cNvSpPr txBox="1"/>
+          <p:nvPr/>
+        </p:nvSpPr>
+        <p:spPr>
+          <a:xfrm>
+            <a:off x="3228294" y="4950887"/>
+            <a:ext cx="2734725" cy="1547114"/>
+          </a:xfrm>
+          <a:prstGeom prst="rect">
+            <a:avLst/>
+          </a:prstGeom>
+          <a:noFill/>
+          <a:ln w="12700" cap="flat">
             <a:noFill/>
-            <a:ln w="12700" cap="flat">
-              <a:noFill/>
-              <a:miter lim="400000"/>
-            </a:ln>
-            <a:effectLst/>
-          </p:spPr>
-          <p:style>
-            <a:lnRef idx="0">
-              <a:scrgbClr r="0" g="0" b="0"/>
-            </a:lnRef>
-            <a:fillRef idx="0">
-              <a:scrgbClr r="0" g="0" b="0"/>
-            </a:fillRef>
-            <a:effectRef idx="0">
-              <a:scrgbClr r="0" g="0" b="0"/>
-            </a:effectRef>
-            <a:fontRef idx="none"/>
-          </p:style>
-          <p:txBody>
-            <a:bodyPr wrap="square">
-              <a:noAutofit/>
-            </a:bodyPr>
-            <a:lstStyle/>
-            <a:p>
-              <a:r>
-                <a:rPr lang="en-GB" sz="1800" dirty="0">
-                  <a:solidFill>
-                    <a:schemeClr val="tx1"/>
-                  </a:solidFill>
-                </a:rPr>
-                <a:t>{{Rendering10}}</a:t>
-              </a:r>
-            </a:p>
-          </p:txBody>
-        </p:sp>
-        <p:sp>
-          <p:nvSpPr>
-            <p:cNvPr id="39" name="TextBox 38">
-              <a:extLst>
-                <a:ext uri="{FF2B5EF4-FFF2-40B4-BE49-F238E27FC236}">
-                  <a16:creationId xmlns:a16="http://schemas.microsoft.com/office/drawing/2014/main" id="{42DD8146-B72F-B3E6-3B1B-5EDEF91D426A}"/>
-                </a:ext>
-              </a:extLst>
-            </p:cNvPr>
-            <p:cNvSpPr txBox="1"/>
-            <p:nvPr/>
-          </p:nvSpPr>
-          <p:spPr>
-            <a:xfrm>
-              <a:off x="6358924" y="4950887"/>
-              <a:ext cx="2734725" cy="1547114"/>
-            </a:xfrm>
-            <a:prstGeom prst="rect">
-              <a:avLst/>
-            </a:prstGeom>
+            <a:miter lim="400000"/>
+          </a:ln>
+          <a:effectLst/>
+        </p:spPr>
+        <p:style>
+          <a:lnRef idx="0">
+            <a:scrgbClr r="0" g="0" b="0"/>
+          </a:lnRef>
+          <a:fillRef idx="0">
+            <a:scrgbClr r="0" g="0" b="0"/>
+          </a:fillRef>
+          <a:effectRef idx="0">
+            <a:scrgbClr r="0" g="0" b="0"/>
+          </a:effectRef>
+          <a:fontRef idx="none"/>
+        </p:style>
+        <p:txBody>
+          <a:bodyPr wrap="square">
+            <a:noAutofit/>
+          </a:bodyPr>
+          <a:lstStyle/>
+          <a:p>
+            <a:r>
+              <a:rPr lang="en-GB" sz="1800" dirty="0">
+                <a:solidFill>
+                  <a:schemeClr val="tx1"/>
+                </a:solidFill>
+              </a:rPr>
+              <a:t>{{Rendering10}}</a:t>
+            </a:r>
+          </a:p>
+        </p:txBody>
+      </p:sp>
+      <p:sp>
+        <p:nvSpPr>
+          <p:cNvPr id="39" name="TextBox 38">
+            <a:extLst>
+              <a:ext uri="{FF2B5EF4-FFF2-40B4-BE49-F238E27FC236}">
+                <a16:creationId xmlns:a16="http://schemas.microsoft.com/office/drawing/2014/main" id="{42DD8146-B72F-B3E6-3B1B-5EDEF91D426A}"/>
+              </a:ext>
+            </a:extLst>
+          </p:cNvPr>
+          <p:cNvSpPr txBox="1"/>
+          <p:nvPr/>
+        </p:nvSpPr>
+        <p:spPr>
+          <a:xfrm>
+            <a:off x="6228981" y="4950887"/>
+            <a:ext cx="2734725" cy="1547114"/>
+          </a:xfrm>
+          <a:prstGeom prst="rect">
+            <a:avLst/>
+          </a:prstGeom>
+          <a:noFill/>
+          <a:ln w="12700" cap="flat">
             <a:noFill/>
-            <a:ln w="12700" cap="flat">
-              <a:noFill/>
-              <a:miter lim="400000"/>
-            </a:ln>
-            <a:effectLst/>
-          </p:spPr>
-          <p:style>
-            <a:lnRef idx="0">
-              <a:scrgbClr r="0" g="0" b="0"/>
-            </a:lnRef>
-            <a:fillRef idx="0">
-              <a:scrgbClr r="0" g="0" b="0"/>
-            </a:fillRef>
-            <a:effectRef idx="0">
-              <a:scrgbClr r="0" g="0" b="0"/>
-            </a:effectRef>
-            <a:fontRef idx="none"/>
-          </p:style>
-          <p:txBody>
-            <a:bodyPr wrap="square">
-              <a:noAutofit/>
-            </a:bodyPr>
-            <a:lstStyle/>
-            <a:p>
-              <a:r>
-                <a:rPr lang="en-GB" sz="1800" dirty="0">
-                  <a:solidFill>
-                    <a:schemeClr val="tx1"/>
-                  </a:solidFill>
-                </a:rPr>
-                <a:t>{{Rendering11}}</a:t>
-              </a:r>
-            </a:p>
-          </p:txBody>
-        </p:sp>
-        <p:sp>
-          <p:nvSpPr>
-            <p:cNvPr id="40" name="TextBox 39">
-              <a:extLst>
-                <a:ext uri="{FF2B5EF4-FFF2-40B4-BE49-F238E27FC236}">
-                  <a16:creationId xmlns:a16="http://schemas.microsoft.com/office/drawing/2014/main" id="{27D83DE3-1A9B-9D31-EA24-674E82B8DE65}"/>
-                </a:ext>
-              </a:extLst>
-            </p:cNvPr>
-            <p:cNvSpPr txBox="1"/>
-            <p:nvPr/>
-          </p:nvSpPr>
-          <p:spPr>
-            <a:xfrm>
-              <a:off x="9359611" y="4950887"/>
-              <a:ext cx="2734725" cy="1547114"/>
-            </a:xfrm>
-            <a:prstGeom prst="rect">
-              <a:avLst/>
-            </a:prstGeom>
+            <a:miter lim="400000"/>
+          </a:ln>
+          <a:effectLst/>
+        </p:spPr>
+        <p:style>
+          <a:lnRef idx="0">
+            <a:scrgbClr r="0" g="0" b="0"/>
+          </a:lnRef>
+          <a:fillRef idx="0">
+            <a:scrgbClr r="0" g="0" b="0"/>
+          </a:fillRef>
+          <a:effectRef idx="0">
+            <a:scrgbClr r="0" g="0" b="0"/>
+          </a:effectRef>
+          <a:fontRef idx="none"/>
+        </p:style>
+        <p:txBody>
+          <a:bodyPr wrap="square">
+            <a:noAutofit/>
+          </a:bodyPr>
+          <a:lstStyle/>
+          <a:p>
+            <a:r>
+              <a:rPr lang="en-GB" sz="1800" dirty="0">
+                <a:solidFill>
+                  <a:schemeClr val="tx1"/>
+                </a:solidFill>
+              </a:rPr>
+              <a:t>{{Rendering11}}</a:t>
+            </a:r>
+          </a:p>
+        </p:txBody>
+      </p:sp>
+      <p:sp>
+        <p:nvSpPr>
+          <p:cNvPr id="40" name="TextBox 39">
+            <a:extLst>
+              <a:ext uri="{FF2B5EF4-FFF2-40B4-BE49-F238E27FC236}">
+                <a16:creationId xmlns:a16="http://schemas.microsoft.com/office/drawing/2014/main" id="{27D83DE3-1A9B-9D31-EA24-674E82B8DE65}"/>
+              </a:ext>
+            </a:extLst>
+          </p:cNvPr>
+          <p:cNvSpPr txBox="1"/>
+          <p:nvPr/>
+        </p:nvSpPr>
+        <p:spPr>
+          <a:xfrm>
+            <a:off x="9229668" y="4950887"/>
+            <a:ext cx="2734725" cy="1547114"/>
+          </a:xfrm>
+          <a:prstGeom prst="rect">
+            <a:avLst/>
+          </a:prstGeom>
+          <a:noFill/>
+          <a:ln w="12700" cap="flat">
             <a:noFill/>
-            <a:ln w="12700" cap="flat">
-              <a:noFill/>
-              <a:miter lim="400000"/>
-            </a:ln>
-            <a:effectLst/>
-          </p:spPr>
-          <p:style>
-            <a:lnRef idx="0">
-              <a:scrgbClr r="0" g="0" b="0"/>
-            </a:lnRef>
-            <a:fillRef idx="0">
-              <a:scrgbClr r="0" g="0" b="0"/>
-            </a:fillRef>
-            <a:effectRef idx="0">
-              <a:scrgbClr r="0" g="0" b="0"/>
-            </a:effectRef>
-            <a:fontRef idx="none"/>
-          </p:style>
-          <p:txBody>
-            <a:bodyPr wrap="square">
-              <a:noAutofit/>
-            </a:bodyPr>
-            <a:lstStyle/>
-            <a:p>
-              <a:r>
-                <a:rPr lang="en-GB" sz="1800">
-                  <a:solidFill>
-                    <a:schemeClr val="tx1"/>
-                  </a:solidFill>
-                </a:rPr>
-                <a:t>{{Rendering12}}</a:t>
-              </a:r>
-              <a:endParaRPr lang="en-GB" sz="1800" dirty="0">
+            <a:miter lim="400000"/>
+          </a:ln>
+          <a:effectLst/>
+        </p:spPr>
+        <p:style>
+          <a:lnRef idx="0">
+            <a:scrgbClr r="0" g="0" b="0"/>
+          </a:lnRef>
+          <a:fillRef idx="0">
+            <a:scrgbClr r="0" g="0" b="0"/>
+          </a:fillRef>
+          <a:effectRef idx="0">
+            <a:scrgbClr r="0" g="0" b="0"/>
+          </a:effectRef>
+          <a:fontRef idx="none"/>
+        </p:style>
+        <p:txBody>
+          <a:bodyPr wrap="square">
+            <a:noAutofit/>
+          </a:bodyPr>
+          <a:lstStyle/>
+          <a:p>
+            <a:r>
+              <a:rPr lang="en-GB" sz="1800">
                 <a:solidFill>
                   <a:schemeClr val="tx1"/>
                 </a:solidFill>
-              </a:endParaRPr>
-            </a:p>
-          </p:txBody>
-        </p:sp>
-      </p:grpSp>
+              </a:rPr>
+              <a:t>{{Rendering12}}</a:t>
+            </a:r>
+            <a:endParaRPr lang="en-GB" sz="1800" dirty="0">
+              <a:solidFill>
+                <a:schemeClr val="tx1"/>
+              </a:solidFill>
+            </a:endParaRPr>
+          </a:p>
+        </p:txBody>
+      </p:sp>
     </p:spTree>
     <p:extLst>
       <p:ext uri="{BB962C8B-B14F-4D97-AF65-F5344CB8AC3E}">
@@ -8117,7 +8108,7 @@
           </a:ln>
           <a:extLst>
             <a:ext uri="{C572A759-6A51-4108-AA02-DFA0A04FC94B}">
-              <ma14:wrappingTextBoxFlag xmlns="" xmlns:ma14="http://schemas.microsoft.com/office/mac/drawingml/2011/main" val="1"/>
+              <ma14:wrappingTextBoxFlag xmlns:ma14="http://schemas.microsoft.com/office/mac/drawingml/2011/main" xmlns="" val="1"/>
             </a:ext>
           </a:extLst>
         </p:spPr>
@@ -8173,7 +8164,7 @@
           </a:ln>
           <a:extLst>
             <a:ext uri="{C572A759-6A51-4108-AA02-DFA0A04FC94B}">
-              <ma14:wrappingTextBoxFlag xmlns="" xmlns:ma14="http://schemas.microsoft.com/office/mac/drawingml/2011/main" val="1"/>
+              <ma14:wrappingTextBoxFlag xmlns:ma14="http://schemas.microsoft.com/office/mac/drawingml/2011/main" xmlns="" val="1"/>
             </a:ext>
           </a:extLst>
         </p:spPr>
@@ -8229,7 +8220,7 @@
           </a:ln>
           <a:extLst>
             <a:ext uri="{C572A759-6A51-4108-AA02-DFA0A04FC94B}">
-              <ma14:wrappingTextBoxFlag xmlns="" xmlns:ma14="http://schemas.microsoft.com/office/mac/drawingml/2011/main" val="1"/>
+              <ma14:wrappingTextBoxFlag xmlns:ma14="http://schemas.microsoft.com/office/mac/drawingml/2011/main" xmlns="" val="1"/>
             </a:ext>
           </a:extLst>
         </p:spPr>
@@ -8288,7 +8279,7 @@
           <a:effectLst/>
           <a:extLst>
             <a:ext uri="{C572A759-6A51-4108-AA02-DFA0A04FC94B}">
-              <ma14:wrappingTextBoxFlag xmlns="" xmlns:ma14="http://schemas.microsoft.com/office/mac/drawingml/2011/main" val="1"/>
+              <ma14:wrappingTextBoxFlag xmlns:ma14="http://schemas.microsoft.com/office/mac/drawingml/2011/main" xmlns="" val="1"/>
             </a:ext>
           </a:extLst>
         </p:spPr>
@@ -8299,7 +8290,7 @@
           <a:lstStyle/>
           <a:p>
             <a:r>
-              <a:rPr lang="en-GB" sz="1200" b="1" dirty="0">
+              <a:rPr lang="en-GB" sz="1200" dirty="0">
                 <a:solidFill>
                   <a:schemeClr val="tx1"/>
                 </a:solidFill>
@@ -8466,7 +8457,7 @@
           </a:ln>
           <a:extLst>
             <a:ext uri="{C572A759-6A51-4108-AA02-DFA0A04FC94B}">
-              <ma14:wrappingTextBoxFlag xmlns="" xmlns:ma14="http://schemas.microsoft.com/office/mac/drawingml/2011/main" val="1"/>
+              <ma14:wrappingTextBoxFlag xmlns:ma14="http://schemas.microsoft.com/office/mac/drawingml/2011/main" xmlns="" val="1"/>
             </a:ext>
           </a:extLst>
         </p:spPr>
@@ -8566,7 +8557,7 @@
           </a:ln>
           <a:extLst>
             <a:ext uri="{C572A759-6A51-4108-AA02-DFA0A04FC94B}">
-              <ma14:wrappingTextBoxFlag xmlns="" xmlns:ma14="http://schemas.microsoft.com/office/mac/drawingml/2011/main" val="1"/>
+              <ma14:wrappingTextBoxFlag xmlns:ma14="http://schemas.microsoft.com/office/mac/drawingml/2011/main" xmlns="" val="1"/>
             </a:ext>
           </a:extLst>
         </p:spPr>
@@ -8622,7 +8613,7 @@
           </a:ln>
           <a:extLst>
             <a:ext uri="{C572A759-6A51-4108-AA02-DFA0A04FC94B}">
-              <ma14:wrappingTextBoxFlag xmlns="" xmlns:ma14="http://schemas.microsoft.com/office/mac/drawingml/2011/main" val="1"/>
+              <ma14:wrappingTextBoxFlag xmlns:ma14="http://schemas.microsoft.com/office/mac/drawingml/2011/main" xmlns="" val="1"/>
             </a:ext>
           </a:extLst>
         </p:spPr>
@@ -8678,7 +8669,7 @@
           </a:ln>
           <a:extLst>
             <a:ext uri="{C572A759-6A51-4108-AA02-DFA0A04FC94B}">
-              <ma14:wrappingTextBoxFlag xmlns="" xmlns:ma14="http://schemas.microsoft.com/office/mac/drawingml/2011/main" val="1"/>
+              <ma14:wrappingTextBoxFlag xmlns:ma14="http://schemas.microsoft.com/office/mac/drawingml/2011/main" xmlns="" val="1"/>
             </a:ext>
           </a:extLst>
         </p:spPr>
@@ -8866,7 +8857,7 @@
           </a:ln>
           <a:extLst>
             <a:ext uri="{C572A759-6A51-4108-AA02-DFA0A04FC94B}">
-              <ma14:wrappingTextBoxFlag xmlns="" xmlns:ma14="http://schemas.microsoft.com/office/mac/drawingml/2011/main" val="1"/>
+              <ma14:wrappingTextBoxFlag xmlns:ma14="http://schemas.microsoft.com/office/mac/drawingml/2011/main" xmlns="" val="1"/>
             </a:ext>
           </a:extLst>
         </p:spPr>
@@ -8966,7 +8957,7 @@
           </a:ln>
           <a:extLst>
             <a:ext uri="{C572A759-6A51-4108-AA02-DFA0A04FC94B}">
-              <ma14:wrappingTextBoxFlag xmlns="" xmlns:ma14="http://schemas.microsoft.com/office/mac/drawingml/2011/main" val="1"/>
+              <ma14:wrappingTextBoxFlag xmlns:ma14="http://schemas.microsoft.com/office/mac/drawingml/2011/main" xmlns="" val="1"/>
             </a:ext>
           </a:extLst>
         </p:spPr>
@@ -9022,7 +9013,7 @@
           </a:ln>
           <a:extLst>
             <a:ext uri="{C572A759-6A51-4108-AA02-DFA0A04FC94B}">
-              <ma14:wrappingTextBoxFlag xmlns="" xmlns:ma14="http://schemas.microsoft.com/office/mac/drawingml/2011/main" val="1"/>
+              <ma14:wrappingTextBoxFlag xmlns:ma14="http://schemas.microsoft.com/office/mac/drawingml/2011/main" xmlns="" val="1"/>
             </a:ext>
           </a:extLst>
         </p:spPr>
@@ -9078,7 +9069,7 @@
           </a:ln>
           <a:extLst>
             <a:ext uri="{C572A759-6A51-4108-AA02-DFA0A04FC94B}">
-              <ma14:wrappingTextBoxFlag xmlns="" xmlns:ma14="http://schemas.microsoft.com/office/mac/drawingml/2011/main" val="1"/>
+              <ma14:wrappingTextBoxFlag xmlns:ma14="http://schemas.microsoft.com/office/mac/drawingml/2011/main" xmlns="" val="1"/>
             </a:ext>
           </a:extLst>
         </p:spPr>
@@ -9266,7 +9257,7 @@
           </a:ln>
           <a:extLst>
             <a:ext uri="{C572A759-6A51-4108-AA02-DFA0A04FC94B}">
-              <ma14:wrappingTextBoxFlag xmlns="" xmlns:ma14="http://schemas.microsoft.com/office/mac/drawingml/2011/main" val="1"/>
+              <ma14:wrappingTextBoxFlag xmlns:ma14="http://schemas.microsoft.com/office/mac/drawingml/2011/main" xmlns="" val="1"/>
             </a:ext>
           </a:extLst>
         </p:spPr>
@@ -9737,7 +9728,7 @@
           <a:effectLst/>
           <a:extLst>
             <a:ext uri="{C572A759-6A51-4108-AA02-DFA0A04FC94B}">
-              <ma14:wrappingTextBoxFlag xmlns="" xmlns:ma14="http://schemas.microsoft.com/office/mac/drawingml/2011/main" val="1"/>
+              <ma14:wrappingTextBoxFlag xmlns:ma14="http://schemas.microsoft.com/office/mac/drawingml/2011/main" xmlns="" val="1"/>
             </a:ext>
           </a:extLst>
         </p:spPr>
@@ -9748,7 +9739,7 @@
           <a:lstStyle/>
           <a:p>
             <a:r>
-              <a:rPr lang="en-GB" sz="1200" b="1" dirty="0">
+              <a:rPr lang="en-GB" sz="1200" dirty="0">
                 <a:solidFill>
                   <a:schemeClr val="tx1"/>
                 </a:solidFill>
@@ -9786,7 +9777,7 @@
           <a:effectLst/>
           <a:extLst>
             <a:ext uri="{C572A759-6A51-4108-AA02-DFA0A04FC94B}">
-              <ma14:wrappingTextBoxFlag xmlns="" xmlns:ma14="http://schemas.microsoft.com/office/mac/drawingml/2011/main" val="1"/>
+              <ma14:wrappingTextBoxFlag xmlns:ma14="http://schemas.microsoft.com/office/mac/drawingml/2011/main" xmlns="" val="1"/>
             </a:ext>
           </a:extLst>
         </p:spPr>
@@ -9851,7 +9842,7 @@
           <a:effectLst/>
           <a:extLst>
             <a:ext uri="{C572A759-6A51-4108-AA02-DFA0A04FC94B}">
-              <ma14:wrappingTextBoxFlag xmlns="" xmlns:ma14="http://schemas.microsoft.com/office/mac/drawingml/2011/main" val="1"/>
+              <ma14:wrappingTextBoxFlag xmlns:ma14="http://schemas.microsoft.com/office/mac/drawingml/2011/main" xmlns="" val="1"/>
             </a:ext>
           </a:extLst>
         </p:spPr>
@@ -10063,7 +10054,7 @@
           <a:effectLst/>
           <a:extLst>
             <a:ext uri="{C572A759-6A51-4108-AA02-DFA0A04FC94B}">
-              <ma14:wrappingTextBoxFlag xmlns:ma14="http://schemas.microsoft.com/office/mac/drawingml/2011/main" xmlns="" val="1"/>
+              <ma14:wrappingTextBoxFlag xmlns="" xmlns:ma14="http://schemas.microsoft.com/office/mac/drawingml/2011/main" val="1"/>
             </a:ext>
           </a:extLst>
         </p:spPr>
@@ -10074,7 +10065,7 @@
           <a:lstStyle/>
           <a:p>
             <a:r>
-              <a:rPr lang="en-GB" sz="1200" b="1" dirty="0">
+              <a:rPr lang="en-GB" sz="1200" dirty="0">
                 <a:solidFill>
                   <a:schemeClr val="tx1"/>
                 </a:solidFill>
@@ -10112,7 +10103,7 @@
           <a:effectLst/>
           <a:extLst>
             <a:ext uri="{C572A759-6A51-4108-AA02-DFA0A04FC94B}">
-              <ma14:wrappingTextBoxFlag xmlns:ma14="http://schemas.microsoft.com/office/mac/drawingml/2011/main" xmlns="" val="1"/>
+              <ma14:wrappingTextBoxFlag xmlns="" xmlns:ma14="http://schemas.microsoft.com/office/mac/drawingml/2011/main" val="1"/>
             </a:ext>
           </a:extLst>
         </p:spPr>
@@ -10123,7 +10114,7 @@
           <a:lstStyle/>
           <a:p>
             <a:r>
-              <a:rPr lang="en-GB" sz="1200" b="1" dirty="0">
+              <a:rPr lang="en-GB" sz="1200" dirty="0">
                 <a:solidFill>
                   <a:schemeClr val="tx1"/>
                 </a:solidFill>
@@ -10161,7 +10152,7 @@
           <a:effectLst/>
           <a:extLst>
             <a:ext uri="{C572A759-6A51-4108-AA02-DFA0A04FC94B}">
-              <ma14:wrappingTextBoxFlag xmlns:ma14="http://schemas.microsoft.com/office/mac/drawingml/2011/main" xmlns="" val="1"/>
+              <ma14:wrappingTextBoxFlag xmlns="" xmlns:ma14="http://schemas.microsoft.com/office/mac/drawingml/2011/main" val="1"/>
             </a:ext>
           </a:extLst>
         </p:spPr>

--- a/input-template.pptx
+++ b/input-template.pptx
@@ -6,8 +6,8 @@
   </p:sldMasterIdLst>
   <p:sldIdLst>
     <p:sldId id="256" r:id="rId2"/>
-    <p:sldId id="257" r:id="rId3"/>
-    <p:sldId id="258" r:id="rId4"/>
+    <p:sldId id="258" r:id="rId3"/>
+    <p:sldId id="257" r:id="rId4"/>
   </p:sldIdLst>
   <p:sldSz cx="12192000" cy="6858000"/>
   <p:notesSz cx="6858000" cy="9144000"/>
@@ -106,15 +106,122 @@
       </a:defRPr>
     </a:lvl9pPr>
   </p:defaultTextStyle>
+  <p:extLst>
+    <p:ext uri="{EFAFB233-063F-42B5-8137-9DF3F51BA10A}">
+      <p15:sldGuideLst xmlns:p15="http://schemas.microsoft.com/office/powerpoint/2012/main"/>
+    </p:ext>
+  </p:extLst>
 </p:presentation>
 </file>
 
 <file path=ppt/revisionInfo.xml><?xml version="1.0" encoding="utf-8"?>
 <p1510:revInfo xmlns:a="http://schemas.openxmlformats.org/drawingml/2006/main" xmlns:r="http://schemas.openxmlformats.org/officeDocument/2006/relationships" xmlns:p1510="http://schemas.microsoft.com/office/powerpoint/2015/10/main">
   <p1510:revLst>
-    <p1510:client id="{36DEFE33-E062-8E49-BCED-1365D625C63C}" v="83" dt="2025-11-10T17:15:19.250"/>
+    <p1510:client id="{36DEFE33-E062-8E49-BCED-1365D625C63C}" v="84" dt="2025-11-11T09:25:55.936"/>
   </p1510:revLst>
 </p1510:revInfo>
+</file>
+
+<file path=ppt/changesInfos/changesInfo1.xml><?xml version="1.0" encoding="utf-8"?>
+<pc:chgInfo xmlns:a="http://schemas.openxmlformats.org/drawingml/2006/main" xmlns:r="http://schemas.openxmlformats.org/officeDocument/2006/relationships" xmlns:ac="http://schemas.microsoft.com/office/drawing/2013/main/command" xmlns:pc="http://schemas.microsoft.com/office/powerpoint/2013/main/command">
+  <pc:docChgLst>
+    <pc:chgData name="Tina Korshøj" userId="fc9c1787-86ff-4527-a6cb-a23af2ce0cfe" providerId="ADAL" clId="{12CD37EC-F126-58A4-9D73-FCCAAE6DBE25}"/>
+    <pc:docChg chg="custSel addSld delSld modSld sldOrd modMainMaster">
+      <pc:chgData name="Tina Korshøj" userId="fc9c1787-86ff-4527-a6cb-a23af2ce0cfe" providerId="ADAL" clId="{12CD37EC-F126-58A4-9D73-FCCAAE6DBE25}" dt="2025-11-11T11:01:18.481" v="11" actId="20578"/>
+      <pc:docMkLst>
+        <pc:docMk/>
+      </pc:docMkLst>
+      <pc:sldChg chg="del">
+        <pc:chgData name="Tina Korshøj" userId="fc9c1787-86ff-4527-a6cb-a23af2ce0cfe" providerId="ADAL" clId="{12CD37EC-F126-58A4-9D73-FCCAAE6DBE25}" dt="2025-11-11T09:26:06.284" v="3" actId="2696"/>
+        <pc:sldMkLst>
+          <pc:docMk/>
+          <pc:sldMk cId="1814838217" sldId="256"/>
+        </pc:sldMkLst>
+      </pc:sldChg>
+      <pc:sldChg chg="new del">
+        <pc:chgData name="Tina Korshøj" userId="fc9c1787-86ff-4527-a6cb-a23af2ce0cfe" providerId="ADAL" clId="{12CD37EC-F126-58A4-9D73-FCCAAE6DBE25}" dt="2025-11-11T09:26:58.487" v="7" actId="2696"/>
+        <pc:sldMkLst>
+          <pc:docMk/>
+          <pc:sldMk cId="2375695480" sldId="256"/>
+        </pc:sldMkLst>
+      </pc:sldChg>
+      <pc:sldChg chg="new">
+        <pc:chgData name="Tina Korshøj" userId="fc9c1787-86ff-4527-a6cb-a23af2ce0cfe" providerId="ADAL" clId="{12CD37EC-F126-58A4-9D73-FCCAAE6DBE25}" dt="2025-11-11T10:53:05.918" v="8" actId="680"/>
+        <pc:sldMkLst>
+          <pc:docMk/>
+          <pc:sldMk cId="3905008658" sldId="256"/>
+        </pc:sldMkLst>
+      </pc:sldChg>
+      <pc:sldChg chg="modSp del mod">
+        <pc:chgData name="Tina Korshøj" userId="fc9c1787-86ff-4527-a6cb-a23af2ce0cfe" providerId="ADAL" clId="{12CD37EC-F126-58A4-9D73-FCCAAE6DBE25}" dt="2025-11-11T09:26:06.294" v="4" actId="2696"/>
+        <pc:sldMkLst>
+          <pc:docMk/>
+          <pc:sldMk cId="2213874997" sldId="257"/>
+        </pc:sldMkLst>
+        <pc:spChg chg="mod">
+          <ac:chgData name="Tina Korshøj" userId="fc9c1787-86ff-4527-a6cb-a23af2ce0cfe" providerId="ADAL" clId="{12CD37EC-F126-58A4-9D73-FCCAAE6DBE25}" dt="2025-11-11T09:25:56.020" v="1" actId="27636"/>
+          <ac:spMkLst>
+            <pc:docMk/>
+            <pc:sldMk cId="2213874997" sldId="257"/>
+            <ac:spMk id="28" creationId="{C58F720C-DA8A-19CF-7A17-028BA9DBD9F2}"/>
+          </ac:spMkLst>
+        </pc:spChg>
+      </pc:sldChg>
+      <pc:sldChg chg="new">
+        <pc:chgData name="Tina Korshøj" userId="fc9c1787-86ff-4527-a6cb-a23af2ce0cfe" providerId="ADAL" clId="{12CD37EC-F126-58A4-9D73-FCCAAE6DBE25}" dt="2025-11-11T11:01:12.756" v="9" actId="680"/>
+        <pc:sldMkLst>
+          <pc:docMk/>
+          <pc:sldMk cId="3496048736" sldId="257"/>
+        </pc:sldMkLst>
+      </pc:sldChg>
+      <pc:sldChg chg="modSp del mod">
+        <pc:chgData name="Tina Korshøj" userId="fc9c1787-86ff-4527-a6cb-a23af2ce0cfe" providerId="ADAL" clId="{12CD37EC-F126-58A4-9D73-FCCAAE6DBE25}" dt="2025-11-11T09:26:06.297" v="5" actId="2696"/>
+        <pc:sldMkLst>
+          <pc:docMk/>
+          <pc:sldMk cId="1408441511" sldId="258"/>
+        </pc:sldMkLst>
+        <pc:spChg chg="mod">
+          <ac:chgData name="Tina Korshøj" userId="fc9c1787-86ff-4527-a6cb-a23af2ce0cfe" providerId="ADAL" clId="{12CD37EC-F126-58A4-9D73-FCCAAE6DBE25}" dt="2025-11-11T09:25:56.040" v="2" actId="27636"/>
+          <ac:spMkLst>
+            <pc:docMk/>
+            <pc:sldMk cId="1408441511" sldId="258"/>
+            <ac:spMk id="2" creationId="{C0A29855-7199-CA47-CEFF-B6A4A40054E5}"/>
+          </ac:spMkLst>
+        </pc:spChg>
+      </pc:sldChg>
+      <pc:sldChg chg="new ord">
+        <pc:chgData name="Tina Korshøj" userId="fc9c1787-86ff-4527-a6cb-a23af2ce0cfe" providerId="ADAL" clId="{12CD37EC-F126-58A4-9D73-FCCAAE6DBE25}" dt="2025-11-11T11:01:18.481" v="11" actId="20578"/>
+        <pc:sldMkLst>
+          <pc:docMk/>
+          <pc:sldMk cId="2702963079" sldId="258"/>
+        </pc:sldMkLst>
+      </pc:sldChg>
+      <pc:sldMasterChg chg="modSp">
+        <pc:chgData name="Tina Korshøj" userId="fc9c1787-86ff-4527-a6cb-a23af2ce0cfe" providerId="ADAL" clId="{12CD37EC-F126-58A4-9D73-FCCAAE6DBE25}" dt="2025-11-11T09:25:55.935" v="0" actId="2711"/>
+        <pc:sldMasterMkLst>
+          <pc:docMk/>
+          <pc:sldMasterMk cId="3365805559" sldId="2147483648"/>
+        </pc:sldMasterMkLst>
+        <pc:spChg chg="mod">
+          <ac:chgData name="Tina Korshøj" userId="fc9c1787-86ff-4527-a6cb-a23af2ce0cfe" providerId="ADAL" clId="{12CD37EC-F126-58A4-9D73-FCCAAE6DBE25}" dt="2025-11-11T09:25:55.935" v="0" actId="2711"/>
+          <ac:spMkLst>
+            <pc:docMk/>
+            <pc:sldMasterMk cId="3365805559" sldId="2147483648"/>
+            <ac:spMk id="2" creationId="{61404ACB-9722-BA49-981A-AD7F5F93F95A}"/>
+          </ac:spMkLst>
+        </pc:spChg>
+        <pc:spChg chg="mod">
+          <ac:chgData name="Tina Korshøj" userId="fc9c1787-86ff-4527-a6cb-a23af2ce0cfe" providerId="ADAL" clId="{12CD37EC-F126-58A4-9D73-FCCAAE6DBE25}" dt="2025-11-11T09:25:55.935" v="0" actId="2711"/>
+          <ac:spMkLst>
+            <pc:docMk/>
+            <pc:sldMasterMk cId="3365805559" sldId="2147483648"/>
+            <ac:spMk id="3" creationId="{50FE6205-5ADA-EB81-4009-11B6ECBF0F0C}"/>
+          </ac:spMkLst>
+        </pc:spChg>
+      </pc:sldMasterChg>
+    </pc:docChg>
+  </pc:docChgLst>
+</pc:chgInfo>
 </file>
 
 <file path=ppt/slideLayouts/slideLayout1.xml><?xml version="1.0" encoding="utf-8"?>
@@ -1891,10 +1998,10 @@
           <a:lstStyle/>
           <a:p>
             <a:r>
-              <a:rPr lang="en-GB"/>
+              <a:rPr lang="en-GB" dirty="0"/>
               <a:t>Click to edit Master title style</a:t>
             </a:r>
-            <a:endParaRPr lang="da-DK"/>
+            <a:endParaRPr lang="da-DK" dirty="0"/>
           </a:p>
         </p:txBody>
       </p:sp>
@@ -2007,7 +2114,7 @@
           <a:p>
             <a:fld id="{2123CD41-131C-0449-9E61-95CCBBCDE762}" type="datetimeFigureOut">
               <a:rPr lang="da-DK" smtClean="0"/>
-              <a:t>10.11.2025</a:t>
+              <a:t>11.11.2025</a:t>
             </a:fld>
             <a:endParaRPr lang="da-DK"/>
           </a:p>
@@ -2130,7 +2237,7 @@
           <a:solidFill>
             <a:schemeClr val="tx1"/>
           </a:solidFill>
-          <a:latin typeface="+mj-lt"/>
+          <a:latin typeface="Euclid Flex" panose="020B0500030000000000" pitchFamily="34" charset="77"/>
           <a:ea typeface="+mj-ea"/>
           <a:cs typeface="+mj-cs"/>
         </a:defRPr>
@@ -2150,7 +2257,7 @@
           <a:solidFill>
             <a:schemeClr val="tx1"/>
           </a:solidFill>
-          <a:latin typeface="+mn-lt"/>
+          <a:latin typeface="Euclid Flex" panose="020B0500030000000000" pitchFamily="34" charset="77"/>
           <a:ea typeface="+mn-ea"/>
           <a:cs typeface="+mn-cs"/>
         </a:defRPr>
@@ -2168,7 +2275,7 @@
           <a:solidFill>
             <a:schemeClr val="tx1"/>
           </a:solidFill>
-          <a:latin typeface="+mn-lt"/>
+          <a:latin typeface="Euclid Flex" panose="020B0500030000000000" pitchFamily="34" charset="77"/>
           <a:ea typeface="+mn-ea"/>
           <a:cs typeface="+mn-cs"/>
         </a:defRPr>
@@ -2186,7 +2293,7 @@
           <a:solidFill>
             <a:schemeClr val="tx1"/>
           </a:solidFill>
-          <a:latin typeface="+mn-lt"/>
+          <a:latin typeface="Euclid Flex" panose="020B0500030000000000" pitchFamily="34" charset="77"/>
           <a:ea typeface="+mn-ea"/>
           <a:cs typeface="+mn-cs"/>
         </a:defRPr>
@@ -2204,7 +2311,7 @@
           <a:solidFill>
             <a:schemeClr val="tx1"/>
           </a:solidFill>
-          <a:latin typeface="+mn-lt"/>
+          <a:latin typeface="Euclid Flex" panose="020B0500030000000000" pitchFamily="34" charset="77"/>
           <a:ea typeface="+mn-ea"/>
           <a:cs typeface="+mn-cs"/>
         </a:defRPr>
@@ -2222,7 +2329,7 @@
           <a:solidFill>
             <a:schemeClr val="tx1"/>
           </a:solidFill>
-          <a:latin typeface="+mn-lt"/>
+          <a:latin typeface="Euclid Flex" panose="020B0500030000000000" pitchFamily="34" charset="77"/>
           <a:ea typeface="+mn-ea"/>
           <a:cs typeface="+mn-cs"/>
         </a:defRPr>
@@ -2421,7 +2528,7 @@
           <p:cNvPr id="2" name="Picture Placeholder 1">
             <a:extLst>
               <a:ext uri="{FF2B5EF4-FFF2-40B4-BE49-F238E27FC236}">
-                <a16:creationId xmlns:a16="http://schemas.microsoft.com/office/drawing/2014/main" id="{EB9E49C7-DAE6-56AD-9ABD-A36216D6B691}"/>
+                <a16:creationId xmlns:a16="http://schemas.microsoft.com/office/drawing/2014/main" id="{DA325E19-6DA0-F347-66BA-D02754B6B52A}"/>
               </a:ext>
             </a:extLst>
           </p:cNvPr>
@@ -2446,7 +2553,7 @@
           <p:cNvPr id="3" name="Picture Placeholder 2">
             <a:extLst>
               <a:ext uri="{FF2B5EF4-FFF2-40B4-BE49-F238E27FC236}">
-                <a16:creationId xmlns:a16="http://schemas.microsoft.com/office/drawing/2014/main" id="{7C6D5F3C-8D27-C9D0-8FE3-6F6301A3D08A}"/>
+                <a16:creationId xmlns:a16="http://schemas.microsoft.com/office/drawing/2014/main" id="{1A1C69DE-EA4A-FC36-303B-2853D6E33F81}"/>
               </a:ext>
             </a:extLst>
           </p:cNvPr>
@@ -2471,7 +2578,7 @@
           <p:cNvPr id="4" name="Picture Placeholder 3">
             <a:extLst>
               <a:ext uri="{FF2B5EF4-FFF2-40B4-BE49-F238E27FC236}">
-                <a16:creationId xmlns:a16="http://schemas.microsoft.com/office/drawing/2014/main" id="{AB9189B8-1CFD-8BBB-221B-220301D5AE34}"/>
+                <a16:creationId xmlns:a16="http://schemas.microsoft.com/office/drawing/2014/main" id="{598F905E-BD22-46CE-1E6F-04C0853E4921}"/>
               </a:ext>
             </a:extLst>
           </p:cNvPr>
@@ -2496,7 +2603,7 @@
           <p:cNvPr id="5" name="Picture Placeholder 4">
             <a:extLst>
               <a:ext uri="{FF2B5EF4-FFF2-40B4-BE49-F238E27FC236}">
-                <a16:creationId xmlns:a16="http://schemas.microsoft.com/office/drawing/2014/main" id="{D02AE5A7-9857-8F55-6BF7-8D6BCBA0D4DF}"/>
+                <a16:creationId xmlns:a16="http://schemas.microsoft.com/office/drawing/2014/main" id="{FCDE9C7E-CE01-109A-C468-25132C2938B8}"/>
               </a:ext>
             </a:extLst>
           </p:cNvPr>
@@ -2521,7 +2628,7 @@
           <p:cNvPr id="6" name="Picture Placeholder 5">
             <a:extLst>
               <a:ext uri="{FF2B5EF4-FFF2-40B4-BE49-F238E27FC236}">
-                <a16:creationId xmlns:a16="http://schemas.microsoft.com/office/drawing/2014/main" id="{7804D586-50B0-6B76-CF3D-6635EAF6E93E}"/>
+                <a16:creationId xmlns:a16="http://schemas.microsoft.com/office/drawing/2014/main" id="{E9647C26-0D0C-3BEC-E67E-493111259E6F}"/>
               </a:ext>
             </a:extLst>
           </p:cNvPr>
@@ -2546,7 +2653,7 @@
           <p:cNvPr id="7" name="Picture Placeholder 6">
             <a:extLst>
               <a:ext uri="{FF2B5EF4-FFF2-40B4-BE49-F238E27FC236}">
-                <a16:creationId xmlns:a16="http://schemas.microsoft.com/office/drawing/2014/main" id="{CAAB736B-5C63-E69F-8582-45F6DE2D9DB5}"/>
+                <a16:creationId xmlns:a16="http://schemas.microsoft.com/office/drawing/2014/main" id="{2E0A0566-B748-8D84-4167-18DC4CFD2350}"/>
               </a:ext>
             </a:extLst>
           </p:cNvPr>
@@ -2571,7 +2678,7 @@
           <p:cNvPr id="8" name="Picture Placeholder 7">
             <a:extLst>
               <a:ext uri="{FF2B5EF4-FFF2-40B4-BE49-F238E27FC236}">
-                <a16:creationId xmlns:a16="http://schemas.microsoft.com/office/drawing/2014/main" id="{2606666F-1815-520E-DD21-AA30DC629BAC}"/>
+                <a16:creationId xmlns:a16="http://schemas.microsoft.com/office/drawing/2014/main" id="{1BBF7AB7-E5D4-CE62-196D-29115F2F4B06}"/>
               </a:ext>
             </a:extLst>
           </p:cNvPr>
@@ -2596,7 +2703,7 @@
           <p:cNvPr id="9" name="Picture Placeholder 8">
             <a:extLst>
               <a:ext uri="{FF2B5EF4-FFF2-40B4-BE49-F238E27FC236}">
-                <a16:creationId xmlns:a16="http://schemas.microsoft.com/office/drawing/2014/main" id="{EDACA73B-906A-1D82-38AE-6083863AC66C}"/>
+                <a16:creationId xmlns:a16="http://schemas.microsoft.com/office/drawing/2014/main" id="{198E67F1-FC68-6401-B24E-1631E6CAF22E}"/>
               </a:ext>
             </a:extLst>
           </p:cNvPr>
@@ -2621,7 +2728,7 @@
           <p:cNvPr id="10" name="Picture Placeholder 9">
             <a:extLst>
               <a:ext uri="{FF2B5EF4-FFF2-40B4-BE49-F238E27FC236}">
-                <a16:creationId xmlns:a16="http://schemas.microsoft.com/office/drawing/2014/main" id="{DC2DFEAC-43C8-2F25-998F-DB3518D4C7A7}"/>
+                <a16:creationId xmlns:a16="http://schemas.microsoft.com/office/drawing/2014/main" id="{07EDCD8A-927B-96AF-ADF4-4A6C22FB8589}"/>
               </a:ext>
             </a:extLst>
           </p:cNvPr>
@@ -2646,7 +2753,7 @@
           <p:cNvPr id="11" name="Picture Placeholder 10">
             <a:extLst>
               <a:ext uri="{FF2B5EF4-FFF2-40B4-BE49-F238E27FC236}">
-                <a16:creationId xmlns:a16="http://schemas.microsoft.com/office/drawing/2014/main" id="{95604572-E288-42F2-AE73-6A8CA49C3E6C}"/>
+                <a16:creationId xmlns:a16="http://schemas.microsoft.com/office/drawing/2014/main" id="{2423834E-0928-93DA-CE1B-445D99BD846F}"/>
               </a:ext>
             </a:extLst>
           </p:cNvPr>
@@ -2671,7 +2778,7 @@
           <p:cNvPr id="12" name="Picture Placeholder 11">
             <a:extLst>
               <a:ext uri="{FF2B5EF4-FFF2-40B4-BE49-F238E27FC236}">
-                <a16:creationId xmlns:a16="http://schemas.microsoft.com/office/drawing/2014/main" id="{F28D06AA-86E8-8682-FB70-67CFD1B5C1D0}"/>
+                <a16:creationId xmlns:a16="http://schemas.microsoft.com/office/drawing/2014/main" id="{BEA18399-2DB3-CF2A-4912-2E238C80E8A2}"/>
               </a:ext>
             </a:extLst>
           </p:cNvPr>
@@ -2696,7 +2803,7 @@
           <p:cNvPr id="13" name="Picture Placeholder 12">
             <a:extLst>
               <a:ext uri="{FF2B5EF4-FFF2-40B4-BE49-F238E27FC236}">
-                <a16:creationId xmlns:a16="http://schemas.microsoft.com/office/drawing/2014/main" id="{EEB52305-E8AA-08FF-2611-9F9C7D03CE11}"/>
+                <a16:creationId xmlns:a16="http://schemas.microsoft.com/office/drawing/2014/main" id="{42D4B096-9DD9-57A5-0FB3-692642B9B570}"/>
               </a:ext>
             </a:extLst>
           </p:cNvPr>
@@ -2721,7 +2828,7 @@
           <p:cNvPr id="14" name="Text Placeholder 13">
             <a:extLst>
               <a:ext uri="{FF2B5EF4-FFF2-40B4-BE49-F238E27FC236}">
-                <a16:creationId xmlns:a16="http://schemas.microsoft.com/office/drawing/2014/main" id="{43F3FB28-1C07-3BBB-7204-C43E7BC67E99}"/>
+                <a16:creationId xmlns:a16="http://schemas.microsoft.com/office/drawing/2014/main" id="{2A477CF7-B5F9-E13A-0407-C6CE97093792}"/>
               </a:ext>
             </a:extLst>
           </p:cNvPr>
@@ -2744,7 +2851,7 @@
     </p:spTree>
     <p:extLst>
       <p:ext uri="{BB962C8B-B14F-4D97-AF65-F5344CB8AC3E}">
-        <p14:creationId xmlns:p14="http://schemas.microsoft.com/office/powerpoint/2010/main" val="1814838217"/>
+        <p14:creationId xmlns:p14="http://schemas.microsoft.com/office/powerpoint/2010/main" val="3905008658"/>
       </p:ext>
     </p:extLst>
   </p:cSld>
@@ -2776,7 +2883,7 @@
           <p:cNvPr id="2" name="Picture Placeholder 1">
             <a:extLst>
               <a:ext uri="{FF2B5EF4-FFF2-40B4-BE49-F238E27FC236}">
-                <a16:creationId xmlns:a16="http://schemas.microsoft.com/office/drawing/2014/main" id="{4085B74B-1803-8C5B-CCB5-0F1159AD8CB5}"/>
+                <a16:creationId xmlns:a16="http://schemas.microsoft.com/office/drawing/2014/main" id="{56F9CF0B-41E9-88E6-80B3-30F4025D5B1D}"/>
               </a:ext>
             </a:extLst>
           </p:cNvPr>
@@ -2801,7 +2908,7 @@
           <p:cNvPr id="3" name="Picture Placeholder 2">
             <a:extLst>
               <a:ext uri="{FF2B5EF4-FFF2-40B4-BE49-F238E27FC236}">
-                <a16:creationId xmlns:a16="http://schemas.microsoft.com/office/drawing/2014/main" id="{4155E372-6505-F763-482D-C95AAD34EF35}"/>
+                <a16:creationId xmlns:a16="http://schemas.microsoft.com/office/drawing/2014/main" id="{5F969944-DB14-9CDF-5BCB-7C9BFB7D3710}"/>
               </a:ext>
             </a:extLst>
           </p:cNvPr>
@@ -2826,7 +2933,7 @@
           <p:cNvPr id="4" name="Picture Placeholder 3">
             <a:extLst>
               <a:ext uri="{FF2B5EF4-FFF2-40B4-BE49-F238E27FC236}">
-                <a16:creationId xmlns:a16="http://schemas.microsoft.com/office/drawing/2014/main" id="{516AC078-44CA-BB6A-CFE0-1D3A5AC54DBC}"/>
+                <a16:creationId xmlns:a16="http://schemas.microsoft.com/office/drawing/2014/main" id="{5EA64857-557E-12F7-394A-CF9261FEF4C9}"/>
               </a:ext>
             </a:extLst>
           </p:cNvPr>
@@ -2851,7 +2958,7 @@
           <p:cNvPr id="5" name="Picture Placeholder 4">
             <a:extLst>
               <a:ext uri="{FF2B5EF4-FFF2-40B4-BE49-F238E27FC236}">
-                <a16:creationId xmlns:a16="http://schemas.microsoft.com/office/drawing/2014/main" id="{E8E21384-EBCA-FAFC-CDBC-4CFC0194BA2D}"/>
+                <a16:creationId xmlns:a16="http://schemas.microsoft.com/office/drawing/2014/main" id="{6F45DED4-3602-DB7B-B365-F3C09B7D6315}"/>
               </a:ext>
             </a:extLst>
           </p:cNvPr>
@@ -2876,7 +2983,7 @@
           <p:cNvPr id="6" name="Picture Placeholder 5">
             <a:extLst>
               <a:ext uri="{FF2B5EF4-FFF2-40B4-BE49-F238E27FC236}">
-                <a16:creationId xmlns:a16="http://schemas.microsoft.com/office/drawing/2014/main" id="{A0C4AF9C-6A97-8D7C-4C81-880ABE3A7C23}"/>
+                <a16:creationId xmlns:a16="http://schemas.microsoft.com/office/drawing/2014/main" id="{70C94EBF-CAEC-EBEB-145D-1349886DCFA2}"/>
               </a:ext>
             </a:extLst>
           </p:cNvPr>
@@ -2901,7 +3008,7 @@
           <p:cNvPr id="7" name="Picture Placeholder 6">
             <a:extLst>
               <a:ext uri="{FF2B5EF4-FFF2-40B4-BE49-F238E27FC236}">
-                <a16:creationId xmlns:a16="http://schemas.microsoft.com/office/drawing/2014/main" id="{7C3A1FF0-524F-A0AD-9830-FFD1158F7953}"/>
+                <a16:creationId xmlns:a16="http://schemas.microsoft.com/office/drawing/2014/main" id="{453ECA54-BDDE-DD5C-9342-FDF28EC2E9E7}"/>
               </a:ext>
             </a:extLst>
           </p:cNvPr>
@@ -2926,7 +3033,7 @@
           <p:cNvPr id="8" name="Picture Placeholder 7">
             <a:extLst>
               <a:ext uri="{FF2B5EF4-FFF2-40B4-BE49-F238E27FC236}">
-                <a16:creationId xmlns:a16="http://schemas.microsoft.com/office/drawing/2014/main" id="{DB005602-A103-CEEC-5684-F527D1DE7D81}"/>
+                <a16:creationId xmlns:a16="http://schemas.microsoft.com/office/drawing/2014/main" id="{CBF2C2C5-F067-A0F3-939C-CCEA683F05FC}"/>
               </a:ext>
             </a:extLst>
           </p:cNvPr>
@@ -2951,7 +3058,7 @@
           <p:cNvPr id="9" name="Picture Placeholder 8">
             <a:extLst>
               <a:ext uri="{FF2B5EF4-FFF2-40B4-BE49-F238E27FC236}">
-                <a16:creationId xmlns:a16="http://schemas.microsoft.com/office/drawing/2014/main" id="{2E382029-D4E3-FFFE-ECCD-B57C38FF5FD7}"/>
+                <a16:creationId xmlns:a16="http://schemas.microsoft.com/office/drawing/2014/main" id="{F192E25D-590B-22A3-9689-3205EB965D0D}"/>
               </a:ext>
             </a:extLst>
           </p:cNvPr>
@@ -2976,7 +3083,7 @@
           <p:cNvPr id="10" name="Picture Placeholder 9">
             <a:extLst>
               <a:ext uri="{FF2B5EF4-FFF2-40B4-BE49-F238E27FC236}">
-                <a16:creationId xmlns:a16="http://schemas.microsoft.com/office/drawing/2014/main" id="{889AD7AA-8B64-2B64-FFBB-C256EB920F32}"/>
+                <a16:creationId xmlns:a16="http://schemas.microsoft.com/office/drawing/2014/main" id="{56D1BA10-FF1A-E723-76E1-AB7724D84F1E}"/>
               </a:ext>
             </a:extLst>
           </p:cNvPr>
@@ -3001,7 +3108,7 @@
           <p:cNvPr id="11" name="Picture Placeholder 10">
             <a:extLst>
               <a:ext uri="{FF2B5EF4-FFF2-40B4-BE49-F238E27FC236}">
-                <a16:creationId xmlns:a16="http://schemas.microsoft.com/office/drawing/2014/main" id="{5C0982C4-E755-623D-3259-56B94281E54A}"/>
+                <a16:creationId xmlns:a16="http://schemas.microsoft.com/office/drawing/2014/main" id="{1AFF2991-DDB0-AA8E-A904-6D7B581551E5}"/>
               </a:ext>
             </a:extLst>
           </p:cNvPr>
@@ -3026,7 +3133,7 @@
           <p:cNvPr id="12" name="Picture Placeholder 11">
             <a:extLst>
               <a:ext uri="{FF2B5EF4-FFF2-40B4-BE49-F238E27FC236}">
-                <a16:creationId xmlns:a16="http://schemas.microsoft.com/office/drawing/2014/main" id="{353EFCB8-7A46-CE24-7FB8-BB019D58A4E9}"/>
+                <a16:creationId xmlns:a16="http://schemas.microsoft.com/office/drawing/2014/main" id="{3AC4AD71-269A-1EAF-52AB-80BD9486B1FA}"/>
               </a:ext>
             </a:extLst>
           </p:cNvPr>
@@ -3051,7 +3158,7 @@
           <p:cNvPr id="13" name="Picture Placeholder 12">
             <a:extLst>
               <a:ext uri="{FF2B5EF4-FFF2-40B4-BE49-F238E27FC236}">
-                <a16:creationId xmlns:a16="http://schemas.microsoft.com/office/drawing/2014/main" id="{44529CF5-0193-D26D-726C-41EB8BB216E5}"/>
+                <a16:creationId xmlns:a16="http://schemas.microsoft.com/office/drawing/2014/main" id="{64082C08-9077-A2B5-DD09-C69D36A055D3}"/>
               </a:ext>
             </a:extLst>
           </p:cNvPr>
@@ -3076,7 +3183,7 @@
           <p:cNvPr id="14" name="Picture Placeholder 13">
             <a:extLst>
               <a:ext uri="{FF2B5EF4-FFF2-40B4-BE49-F238E27FC236}">
-                <a16:creationId xmlns:a16="http://schemas.microsoft.com/office/drawing/2014/main" id="{F6AE9E69-789A-A6F4-8E02-5540898774FE}"/>
+                <a16:creationId xmlns:a16="http://schemas.microsoft.com/office/drawing/2014/main" id="{4ADE4942-3D88-C2F1-5634-9DDC4DEFB478}"/>
               </a:ext>
             </a:extLst>
           </p:cNvPr>
@@ -3101,7 +3208,7 @@
           <p:cNvPr id="15" name="Text Placeholder 14">
             <a:extLst>
               <a:ext uri="{FF2B5EF4-FFF2-40B4-BE49-F238E27FC236}">
-                <a16:creationId xmlns:a16="http://schemas.microsoft.com/office/drawing/2014/main" id="{9ACA489B-2250-4795-F313-3A82B11A1E65}"/>
+                <a16:creationId xmlns:a16="http://schemas.microsoft.com/office/drawing/2014/main" id="{8E078B71-258D-F92D-F8E6-B386F7C8D3C1}"/>
               </a:ext>
             </a:extLst>
           </p:cNvPr>
@@ -3126,7 +3233,7 @@
           <p:cNvPr id="16" name="Text Placeholder 15">
             <a:extLst>
               <a:ext uri="{FF2B5EF4-FFF2-40B4-BE49-F238E27FC236}">
-                <a16:creationId xmlns:a16="http://schemas.microsoft.com/office/drawing/2014/main" id="{0AF49820-272B-7377-1F25-AE3C345AD0F2}"/>
+                <a16:creationId xmlns:a16="http://schemas.microsoft.com/office/drawing/2014/main" id="{8E56D9C3-A0DB-77C3-A10F-B48841C091A5}"/>
               </a:ext>
             </a:extLst>
           </p:cNvPr>
@@ -3151,7 +3258,7 @@
           <p:cNvPr id="17" name="Text Placeholder 16">
             <a:extLst>
               <a:ext uri="{FF2B5EF4-FFF2-40B4-BE49-F238E27FC236}">
-                <a16:creationId xmlns:a16="http://schemas.microsoft.com/office/drawing/2014/main" id="{7C1FB0F6-D907-4112-00D7-33ED66C0F2FD}"/>
+                <a16:creationId xmlns:a16="http://schemas.microsoft.com/office/drawing/2014/main" id="{387AC5D2-D688-F624-88D6-4FDB2F7318EE}"/>
               </a:ext>
             </a:extLst>
           </p:cNvPr>
@@ -3176,7 +3283,7 @@
           <p:cNvPr id="18" name="Text Placeholder 17">
             <a:extLst>
               <a:ext uri="{FF2B5EF4-FFF2-40B4-BE49-F238E27FC236}">
-                <a16:creationId xmlns:a16="http://schemas.microsoft.com/office/drawing/2014/main" id="{F2F6DBEA-CCA4-A2F5-CD18-B132FB6DAD57}"/>
+                <a16:creationId xmlns:a16="http://schemas.microsoft.com/office/drawing/2014/main" id="{AFF0DEAB-44CE-B270-72A9-7E4F1F7520A3}"/>
               </a:ext>
             </a:extLst>
           </p:cNvPr>
@@ -3201,7 +3308,7 @@
           <p:cNvPr id="19" name="Text Placeholder 18">
             <a:extLst>
               <a:ext uri="{FF2B5EF4-FFF2-40B4-BE49-F238E27FC236}">
-                <a16:creationId xmlns:a16="http://schemas.microsoft.com/office/drawing/2014/main" id="{6811A606-76E7-C909-90F5-4CA067025EE5}"/>
+                <a16:creationId xmlns:a16="http://schemas.microsoft.com/office/drawing/2014/main" id="{E6FB9959-CA55-22BC-618F-BD924916B772}"/>
               </a:ext>
             </a:extLst>
           </p:cNvPr>
@@ -3226,7 +3333,7 @@
           <p:cNvPr id="20" name="Text Placeholder 19">
             <a:extLst>
               <a:ext uri="{FF2B5EF4-FFF2-40B4-BE49-F238E27FC236}">
-                <a16:creationId xmlns:a16="http://schemas.microsoft.com/office/drawing/2014/main" id="{B168CD05-FF5F-E1CF-1EE2-E8F80221CD23}"/>
+                <a16:creationId xmlns:a16="http://schemas.microsoft.com/office/drawing/2014/main" id="{31BD3982-DBC7-A5E9-0B54-26865B2FBC8C}"/>
               </a:ext>
             </a:extLst>
           </p:cNvPr>
@@ -3251,7 +3358,7 @@
           <p:cNvPr id="21" name="Text Placeholder 20">
             <a:extLst>
               <a:ext uri="{FF2B5EF4-FFF2-40B4-BE49-F238E27FC236}">
-                <a16:creationId xmlns:a16="http://schemas.microsoft.com/office/drawing/2014/main" id="{B0CDA534-6C98-9A32-9337-C436613C009E}"/>
+                <a16:creationId xmlns:a16="http://schemas.microsoft.com/office/drawing/2014/main" id="{8C63BA0B-8305-CC04-3D93-379151005A2F}"/>
               </a:ext>
             </a:extLst>
           </p:cNvPr>
@@ -3276,7 +3383,7 @@
           <p:cNvPr id="22" name="Text Placeholder 21">
             <a:extLst>
               <a:ext uri="{FF2B5EF4-FFF2-40B4-BE49-F238E27FC236}">
-                <a16:creationId xmlns:a16="http://schemas.microsoft.com/office/drawing/2014/main" id="{754E6C97-2564-7116-4967-71562CF7AFF2}"/>
+                <a16:creationId xmlns:a16="http://schemas.microsoft.com/office/drawing/2014/main" id="{93B63DAA-F0C3-547A-AC38-9AF16E82E59F}"/>
               </a:ext>
             </a:extLst>
           </p:cNvPr>
@@ -3301,7 +3408,7 @@
           <p:cNvPr id="23" name="Text Placeholder 22">
             <a:extLst>
               <a:ext uri="{FF2B5EF4-FFF2-40B4-BE49-F238E27FC236}">
-                <a16:creationId xmlns:a16="http://schemas.microsoft.com/office/drawing/2014/main" id="{8F253BCE-3DE4-70BD-3B32-D5A7A7B0021B}"/>
+                <a16:creationId xmlns:a16="http://schemas.microsoft.com/office/drawing/2014/main" id="{4DE90732-5BBA-9D20-C258-F774FFF6C65D}"/>
               </a:ext>
             </a:extLst>
           </p:cNvPr>
@@ -3326,7 +3433,7 @@
           <p:cNvPr id="24" name="Text Placeholder 23">
             <a:extLst>
               <a:ext uri="{FF2B5EF4-FFF2-40B4-BE49-F238E27FC236}">
-                <a16:creationId xmlns:a16="http://schemas.microsoft.com/office/drawing/2014/main" id="{0E2E3B91-B78F-CC2D-1CC9-F32A58F02EFA}"/>
+                <a16:creationId xmlns:a16="http://schemas.microsoft.com/office/drawing/2014/main" id="{EB9316D4-E74A-F790-F3C4-ED19013EF349}"/>
               </a:ext>
             </a:extLst>
           </p:cNvPr>
@@ -3351,7 +3458,7 @@
           <p:cNvPr id="25" name="Text Placeholder 24">
             <a:extLst>
               <a:ext uri="{FF2B5EF4-FFF2-40B4-BE49-F238E27FC236}">
-                <a16:creationId xmlns:a16="http://schemas.microsoft.com/office/drawing/2014/main" id="{AC72D548-653B-2290-8A06-F6E1D772A0F4}"/>
+                <a16:creationId xmlns:a16="http://schemas.microsoft.com/office/drawing/2014/main" id="{5436D1EA-E65B-598A-7EEE-F60040F3DFEC}"/>
               </a:ext>
             </a:extLst>
           </p:cNvPr>
@@ -3376,7 +3483,7 @@
           <p:cNvPr id="26" name="Text Placeholder 25">
             <a:extLst>
               <a:ext uri="{FF2B5EF4-FFF2-40B4-BE49-F238E27FC236}">
-                <a16:creationId xmlns:a16="http://schemas.microsoft.com/office/drawing/2014/main" id="{0A5409C5-ED23-0DD0-1922-4F6CDC8ACE13}"/>
+                <a16:creationId xmlns:a16="http://schemas.microsoft.com/office/drawing/2014/main" id="{E3B030C1-FEB0-3129-202B-076F5431F36E}"/>
               </a:ext>
             </a:extLst>
           </p:cNvPr>
@@ -3401,7 +3508,7 @@
           <p:cNvPr id="27" name="Picture Placeholder 26">
             <a:extLst>
               <a:ext uri="{FF2B5EF4-FFF2-40B4-BE49-F238E27FC236}">
-                <a16:creationId xmlns:a16="http://schemas.microsoft.com/office/drawing/2014/main" id="{72A25EA9-D2A2-6A69-5415-0B8530CECA4D}"/>
+                <a16:creationId xmlns:a16="http://schemas.microsoft.com/office/drawing/2014/main" id="{C4ACCEAB-A6AA-7C71-984B-B4D405B388F9}"/>
               </a:ext>
             </a:extLst>
           </p:cNvPr>
@@ -3426,7 +3533,7 @@
           <p:cNvPr id="28" name="Text Placeholder 27">
             <a:extLst>
               <a:ext uri="{FF2B5EF4-FFF2-40B4-BE49-F238E27FC236}">
-                <a16:creationId xmlns:a16="http://schemas.microsoft.com/office/drawing/2014/main" id="{C58F720C-DA8A-19CF-7A17-028BA9DBD9F2}"/>
+                <a16:creationId xmlns:a16="http://schemas.microsoft.com/office/drawing/2014/main" id="{5DED0F39-DA4C-10E5-3371-FA61C9C81CD5}"/>
               </a:ext>
             </a:extLst>
           </p:cNvPr>
@@ -3451,7 +3558,7 @@
           <p:cNvPr id="29" name="Text Placeholder 28">
             <a:extLst>
               <a:ext uri="{FF2B5EF4-FFF2-40B4-BE49-F238E27FC236}">
-                <a16:creationId xmlns:a16="http://schemas.microsoft.com/office/drawing/2014/main" id="{CCFE59F0-A059-BA13-DE47-FA88B7068676}"/>
+                <a16:creationId xmlns:a16="http://schemas.microsoft.com/office/drawing/2014/main" id="{22DE5BF0-E9A5-7DBB-A869-BA87CEB1A586}"/>
               </a:ext>
             </a:extLst>
           </p:cNvPr>
@@ -3476,7 +3583,7 @@
           <p:cNvPr id="30" name="Text Placeholder 29">
             <a:extLst>
               <a:ext uri="{FF2B5EF4-FFF2-40B4-BE49-F238E27FC236}">
-                <a16:creationId xmlns:a16="http://schemas.microsoft.com/office/drawing/2014/main" id="{A7F1561A-0894-F1C2-571D-67B71549392E}"/>
+                <a16:creationId xmlns:a16="http://schemas.microsoft.com/office/drawing/2014/main" id="{5C7DFEF5-8E91-FC65-8469-4F6EEC287DF1}"/>
               </a:ext>
             </a:extLst>
           </p:cNvPr>
@@ -3499,7 +3606,7 @@
     </p:spTree>
     <p:extLst>
       <p:ext uri="{BB962C8B-B14F-4D97-AF65-F5344CB8AC3E}">
-        <p14:creationId xmlns:p14="http://schemas.microsoft.com/office/powerpoint/2010/main" val="2213874997"/>
+        <p14:creationId xmlns:p14="http://schemas.microsoft.com/office/powerpoint/2010/main" val="2702963079"/>
       </p:ext>
     </p:extLst>
   </p:cSld>
@@ -3531,7 +3638,7 @@
           <p:cNvPr id="2" name="Text Placeholder 1">
             <a:extLst>
               <a:ext uri="{FF2B5EF4-FFF2-40B4-BE49-F238E27FC236}">
-                <a16:creationId xmlns:a16="http://schemas.microsoft.com/office/drawing/2014/main" id="{C0A29855-7199-CA47-CEFF-B6A4A40054E5}"/>
+                <a16:creationId xmlns:a16="http://schemas.microsoft.com/office/drawing/2014/main" id="{38E8E2E1-F1B6-7D1A-6B4E-B3CEF36FB476}"/>
               </a:ext>
             </a:extLst>
           </p:cNvPr>
@@ -3554,7 +3661,7 @@
     </p:spTree>
     <p:extLst>
       <p:ext uri="{BB962C8B-B14F-4D97-AF65-F5344CB8AC3E}">
-        <p14:creationId xmlns:p14="http://schemas.microsoft.com/office/powerpoint/2010/main" val="1408441511"/>
+        <p14:creationId xmlns:p14="http://schemas.microsoft.com/office/powerpoint/2010/main" val="3496048736"/>
       </p:ext>
     </p:extLst>
   </p:cSld>

--- a/input-template.pptx
+++ b/input-template.pptx
@@ -4,11 +4,6 @@
   <p:sldMasterIdLst>
     <p:sldMasterId id="2147483648" r:id="rId1"/>
   </p:sldMasterIdLst>
-  <p:sldIdLst>
-    <p:sldId id="256" r:id="rId2"/>
-    <p:sldId id="258" r:id="rId3"/>
-    <p:sldId id="257" r:id="rId4"/>
-  </p:sldIdLst>
   <p:sldSz cx="12192000" cy="6858000"/>
   <p:notesSz cx="6858000" cy="9144000"/>
   <p:defaultTextStyle>
@@ -117,7 +112,7 @@
 <file path=ppt/revisionInfo.xml><?xml version="1.0" encoding="utf-8"?>
 <p1510:revInfo xmlns:a="http://schemas.openxmlformats.org/drawingml/2006/main" xmlns:r="http://schemas.openxmlformats.org/officeDocument/2006/relationships" xmlns:p1510="http://schemas.microsoft.com/office/powerpoint/2015/10/main">
   <p1510:revLst>
-    <p1510:client id="{36DEFE33-E062-8E49-BCED-1365D625C63C}" v="84" dt="2025-11-11T09:25:55.936"/>
+    <p1510:client id="{36DEFE33-E062-8E49-BCED-1365D625C63C}" v="143" dt="2025-11-11T14:06:14.669"/>
   </p1510:revLst>
 </p1510:revInfo>
 </file>
@@ -126,8 +121,8 @@
 <pc:chgInfo xmlns:a="http://schemas.openxmlformats.org/drawingml/2006/main" xmlns:r="http://schemas.openxmlformats.org/officeDocument/2006/relationships" xmlns:ac="http://schemas.microsoft.com/office/drawing/2013/main/command" xmlns:pc="http://schemas.microsoft.com/office/powerpoint/2013/main/command">
   <pc:docChgLst>
     <pc:chgData name="Tina Korshøj" userId="fc9c1787-86ff-4527-a6cb-a23af2ce0cfe" providerId="ADAL" clId="{12CD37EC-F126-58A4-9D73-FCCAAE6DBE25}"/>
-    <pc:docChg chg="custSel addSld delSld modSld sldOrd modMainMaster">
-      <pc:chgData name="Tina Korshøj" userId="fc9c1787-86ff-4527-a6cb-a23af2ce0cfe" providerId="ADAL" clId="{12CD37EC-F126-58A4-9D73-FCCAAE6DBE25}" dt="2025-11-11T11:01:18.481" v="11" actId="20578"/>
+    <pc:docChg chg="undo custSel addSld delSld modSld sldOrd modMainMaster">
+      <pc:chgData name="Tina Korshøj" userId="fc9c1787-86ff-4527-a6cb-a23af2ce0cfe" providerId="ADAL" clId="{12CD37EC-F126-58A4-9D73-FCCAAE6DBE25}" dt="2025-11-11T14:06:24.832" v="105" actId="2696"/>
       <pc:docMkLst>
         <pc:docMk/>
       </pc:docMkLst>
@@ -145,12 +140,20 @@
           <pc:sldMk cId="2375695480" sldId="256"/>
         </pc:sldMkLst>
       </pc:sldChg>
-      <pc:sldChg chg="new">
-        <pc:chgData name="Tina Korshøj" userId="fc9c1787-86ff-4527-a6cb-a23af2ce0cfe" providerId="ADAL" clId="{12CD37EC-F126-58A4-9D73-FCCAAE6DBE25}" dt="2025-11-11T10:53:05.918" v="8" actId="680"/>
+      <pc:sldChg chg="modSp new del mod">
+        <pc:chgData name="Tina Korshøj" userId="fc9c1787-86ff-4527-a6cb-a23af2ce0cfe" providerId="ADAL" clId="{12CD37EC-F126-58A4-9D73-FCCAAE6DBE25}" dt="2025-11-11T14:06:24.802" v="103" actId="2696"/>
         <pc:sldMkLst>
           <pc:docMk/>
           <pc:sldMk cId="3905008658" sldId="256"/>
         </pc:sldMkLst>
+        <pc:spChg chg="mod">
+          <ac:chgData name="Tina Korshøj" userId="fc9c1787-86ff-4527-a6cb-a23af2ce0cfe" providerId="ADAL" clId="{12CD37EC-F126-58A4-9D73-FCCAAE6DBE25}" dt="2025-11-11T14:02:37.765" v="60" actId="6549"/>
+          <ac:spMkLst>
+            <pc:docMk/>
+            <pc:sldMk cId="3905008658" sldId="256"/>
+            <ac:spMk id="2" creationId="{DA325E19-6DA0-F347-66BA-D02754B6B52A}"/>
+          </ac:spMkLst>
+        </pc:spChg>
       </pc:sldChg>
       <pc:sldChg chg="modSp del mod">
         <pc:chgData name="Tina Korshøj" userId="fc9c1787-86ff-4527-a6cb-a23af2ce0cfe" providerId="ADAL" clId="{12CD37EC-F126-58A4-9D73-FCCAAE6DBE25}" dt="2025-11-11T09:26:06.294" v="4" actId="2696"/>
@@ -167,12 +170,20 @@
           </ac:spMkLst>
         </pc:spChg>
       </pc:sldChg>
-      <pc:sldChg chg="new">
-        <pc:chgData name="Tina Korshøj" userId="fc9c1787-86ff-4527-a6cb-a23af2ce0cfe" providerId="ADAL" clId="{12CD37EC-F126-58A4-9D73-FCCAAE6DBE25}" dt="2025-11-11T11:01:12.756" v="9" actId="680"/>
+      <pc:sldChg chg="modSp new del mod">
+        <pc:chgData name="Tina Korshøj" userId="fc9c1787-86ff-4527-a6cb-a23af2ce0cfe" providerId="ADAL" clId="{12CD37EC-F126-58A4-9D73-FCCAAE6DBE25}" dt="2025-11-11T14:06:24.828" v="104" actId="2696"/>
         <pc:sldMkLst>
           <pc:docMk/>
           <pc:sldMk cId="3496048736" sldId="257"/>
         </pc:sldMkLst>
+        <pc:spChg chg="mod">
+          <ac:chgData name="Tina Korshøj" userId="fc9c1787-86ff-4527-a6cb-a23af2ce0cfe" providerId="ADAL" clId="{12CD37EC-F126-58A4-9D73-FCCAAE6DBE25}" dt="2025-11-11T13:50:41.387" v="23" actId="27636"/>
+          <ac:spMkLst>
+            <pc:docMk/>
+            <pc:sldMk cId="3496048736" sldId="257"/>
+            <ac:spMk id="2" creationId="{38E8E2E1-F1B6-7D1A-6B4E-B3CEF36FB476}"/>
+          </ac:spMkLst>
+        </pc:spChg>
       </pc:sldChg>
       <pc:sldChg chg="modSp del mod">
         <pc:chgData name="Tina Korshøj" userId="fc9c1787-86ff-4527-a6cb-a23af2ce0cfe" providerId="ADAL" clId="{12CD37EC-F126-58A4-9D73-FCCAAE6DBE25}" dt="2025-11-11T09:26:06.297" v="5" actId="2696"/>
@@ -189,15 +200,76 @@
           </ac:spMkLst>
         </pc:spChg>
       </pc:sldChg>
-      <pc:sldChg chg="new ord">
-        <pc:chgData name="Tina Korshøj" userId="fc9c1787-86ff-4527-a6cb-a23af2ce0cfe" providerId="ADAL" clId="{12CD37EC-F126-58A4-9D73-FCCAAE6DBE25}" dt="2025-11-11T11:01:18.481" v="11" actId="20578"/>
+      <pc:sldChg chg="modSp new del mod ord">
+        <pc:chgData name="Tina Korshøj" userId="fc9c1787-86ff-4527-a6cb-a23af2ce0cfe" providerId="ADAL" clId="{12CD37EC-F126-58A4-9D73-FCCAAE6DBE25}" dt="2025-11-11T14:06:24.832" v="105" actId="2696"/>
         <pc:sldMkLst>
           <pc:docMk/>
           <pc:sldMk cId="2702963079" sldId="258"/>
         </pc:sldMkLst>
+        <pc:spChg chg="mod">
+          <ac:chgData name="Tina Korshøj" userId="fc9c1787-86ff-4527-a6cb-a23af2ce0cfe" providerId="ADAL" clId="{12CD37EC-F126-58A4-9D73-FCCAAE6DBE25}" dt="2025-11-11T13:50:41.374" v="22" actId="27636"/>
+          <ac:spMkLst>
+            <pc:docMk/>
+            <pc:sldMk cId="2702963079" sldId="258"/>
+            <ac:spMk id="28" creationId="{5DED0F39-DA4C-10E5-3371-FA61C9C81CD5}"/>
+          </ac:spMkLst>
+        </pc:spChg>
       </pc:sldChg>
-      <pc:sldMasterChg chg="modSp">
-        <pc:chgData name="Tina Korshøj" userId="fc9c1787-86ff-4527-a6cb-a23af2ce0cfe" providerId="ADAL" clId="{12CD37EC-F126-58A4-9D73-FCCAAE6DBE25}" dt="2025-11-11T09:25:55.935" v="0" actId="2711"/>
+      <pc:sldChg chg="modSp add del mod">
+        <pc:chgData name="Tina Korshøj" userId="fc9c1787-86ff-4527-a6cb-a23af2ce0cfe" providerId="ADAL" clId="{12CD37EC-F126-58A4-9D73-FCCAAE6DBE25}" dt="2025-11-11T14:02:19.402" v="59" actId="2696"/>
+        <pc:sldMkLst>
+          <pc:docMk/>
+          <pc:sldMk cId="4063795804" sldId="2981"/>
+        </pc:sldMkLst>
+        <pc:spChg chg="mod">
+          <ac:chgData name="Tina Korshøj" userId="fc9c1787-86ff-4527-a6cb-a23af2ce0cfe" providerId="ADAL" clId="{12CD37EC-F126-58A4-9D73-FCCAAE6DBE25}" dt="2025-11-11T13:50:41.393" v="25" actId="27636"/>
+          <ac:spMkLst>
+            <pc:docMk/>
+            <pc:sldMk cId="4063795804" sldId="2981"/>
+            <ac:spMk id="843" creationId="{9EAD78C1-B90E-5ADA-926A-90964D034F98}"/>
+          </ac:spMkLst>
+        </pc:spChg>
+        <pc:spChg chg="mod">
+          <ac:chgData name="Tina Korshøj" userId="fc9c1787-86ff-4527-a6cb-a23af2ce0cfe" providerId="ADAL" clId="{12CD37EC-F126-58A4-9D73-FCCAAE6DBE25}" dt="2025-11-11T13:50:41.392" v="24" actId="27636"/>
+          <ac:spMkLst>
+            <pc:docMk/>
+            <pc:sldMk cId="4063795804" sldId="2981"/>
+            <ac:spMk id="844" creationId="{835E21EB-F358-A13F-5A24-D0131E6844FD}"/>
+          </ac:spMkLst>
+        </pc:spChg>
+      </pc:sldChg>
+      <pc:sldChg chg="add del">
+        <pc:chgData name="Tina Korshøj" userId="fc9c1787-86ff-4527-a6cb-a23af2ce0cfe" providerId="ADAL" clId="{12CD37EC-F126-58A4-9D73-FCCAAE6DBE25}" dt="2025-11-11T14:02:19.390" v="57" actId="2696"/>
+        <pc:sldMkLst>
+          <pc:docMk/>
+          <pc:sldMk cId="1911992934" sldId="2982"/>
+        </pc:sldMkLst>
+      </pc:sldChg>
+      <pc:sldChg chg="modSp add del mod">
+        <pc:chgData name="Tina Korshøj" userId="fc9c1787-86ff-4527-a6cb-a23af2ce0cfe" providerId="ADAL" clId="{12CD37EC-F126-58A4-9D73-FCCAAE6DBE25}" dt="2025-11-11T14:02:19.400" v="58" actId="2696"/>
+        <pc:sldMkLst>
+          <pc:docMk/>
+          <pc:sldMk cId="1790830389" sldId="2983"/>
+        </pc:sldMkLst>
+        <pc:spChg chg="mod">
+          <ac:chgData name="Tina Korshøj" userId="fc9c1787-86ff-4527-a6cb-a23af2ce0cfe" providerId="ADAL" clId="{12CD37EC-F126-58A4-9D73-FCCAAE6DBE25}" dt="2025-11-11T13:50:41.332" v="21" actId="27636"/>
+          <ac:spMkLst>
+            <pc:docMk/>
+            <pc:sldMk cId="1790830389" sldId="2983"/>
+            <ac:spMk id="843" creationId="{19D759D3-BF26-AF9B-6196-F387FAC67F85}"/>
+          </ac:spMkLst>
+        </pc:spChg>
+        <pc:spChg chg="mod">
+          <ac:chgData name="Tina Korshøj" userId="fc9c1787-86ff-4527-a6cb-a23af2ce0cfe" providerId="ADAL" clId="{12CD37EC-F126-58A4-9D73-FCCAAE6DBE25}" dt="2025-11-11T13:50:41.331" v="20" actId="27636"/>
+          <ac:spMkLst>
+            <pc:docMk/>
+            <pc:sldMk cId="1790830389" sldId="2983"/>
+            <ac:spMk id="844" creationId="{39EE3FCF-7AA6-FFCF-120D-90B863BF3471}"/>
+          </ac:spMkLst>
+        </pc:spChg>
+      </pc:sldChg>
+      <pc:sldMasterChg chg="modSp modSldLayout">
+        <pc:chgData name="Tina Korshøj" userId="fc9c1787-86ff-4527-a6cb-a23af2ce0cfe" providerId="ADAL" clId="{12CD37EC-F126-58A4-9D73-FCCAAE6DBE25}" dt="2025-11-11T14:06:14.669" v="102" actId="962"/>
         <pc:sldMasterMkLst>
           <pc:docMk/>
           <pc:sldMasterMk cId="3365805559" sldId="2147483648"/>
@@ -218,6 +290,425 @@
             <ac:spMk id="3" creationId="{50FE6205-5ADA-EB81-4009-11B6ECBF0F0C}"/>
           </ac:spMkLst>
         </pc:spChg>
+        <pc:sldLayoutChg chg="modSp mod">
+          <pc:chgData name="Tina Korshøj" userId="fc9c1787-86ff-4527-a6cb-a23af2ce0cfe" providerId="ADAL" clId="{12CD37EC-F126-58A4-9D73-FCCAAE6DBE25}" dt="2025-11-11T14:06:03.015" v="101" actId="962"/>
+          <pc:sldLayoutMkLst>
+            <pc:docMk/>
+            <pc:sldMasterMk cId="3365805559" sldId="2147483648"/>
+            <pc:sldLayoutMk cId="733244762" sldId="2147483655"/>
+          </pc:sldLayoutMkLst>
+          <pc:spChg chg="mod">
+            <ac:chgData name="Tina Korshøj" userId="fc9c1787-86ff-4527-a6cb-a23af2ce0cfe" providerId="ADAL" clId="{12CD37EC-F126-58A4-9D73-FCCAAE6DBE25}" dt="2025-11-11T14:06:03.015" v="101" actId="962"/>
+            <ac:spMkLst>
+              <pc:docMk/>
+              <pc:sldMasterMk cId="3365805559" sldId="2147483648"/>
+              <pc:sldLayoutMk cId="733244762" sldId="2147483655"/>
+              <ac:spMk id="8" creationId="{D7739F1F-1375-A7AC-4978-60208A803DE4}"/>
+            </ac:spMkLst>
+          </pc:spChg>
+          <pc:spChg chg="mod">
+            <ac:chgData name="Tina Korshøj" userId="fc9c1787-86ff-4527-a6cb-a23af2ce0cfe" providerId="ADAL" clId="{12CD37EC-F126-58A4-9D73-FCCAAE6DBE25}" dt="2025-11-11T14:05:58.802" v="100" actId="962"/>
+            <ac:spMkLst>
+              <pc:docMk/>
+              <pc:sldMasterMk cId="3365805559" sldId="2147483648"/>
+              <pc:sldLayoutMk cId="733244762" sldId="2147483655"/>
+              <ac:spMk id="9" creationId="{5ED1B38D-9F3C-7B17-3B9C-AD3E3BE01044}"/>
+            </ac:spMkLst>
+          </pc:spChg>
+          <pc:spChg chg="mod">
+            <ac:chgData name="Tina Korshøj" userId="fc9c1787-86ff-4527-a6cb-a23af2ce0cfe" providerId="ADAL" clId="{12CD37EC-F126-58A4-9D73-FCCAAE6DBE25}" dt="2025-11-11T14:05:55.879" v="99" actId="962"/>
+            <ac:spMkLst>
+              <pc:docMk/>
+              <pc:sldMasterMk cId="3365805559" sldId="2147483648"/>
+              <pc:sldLayoutMk cId="733244762" sldId="2147483655"/>
+              <ac:spMk id="10" creationId="{6DEC5D53-A46F-D1AE-1190-F598AC7B6207}"/>
+            </ac:spMkLst>
+          </pc:spChg>
+          <pc:spChg chg="mod">
+            <ac:chgData name="Tina Korshøj" userId="fc9c1787-86ff-4527-a6cb-a23af2ce0cfe" providerId="ADAL" clId="{12CD37EC-F126-58A4-9D73-FCCAAE6DBE25}" dt="2025-11-11T14:05:52.904" v="98" actId="962"/>
+            <ac:spMkLst>
+              <pc:docMk/>
+              <pc:sldMasterMk cId="3365805559" sldId="2147483648"/>
+              <pc:sldLayoutMk cId="733244762" sldId="2147483655"/>
+              <ac:spMk id="11" creationId="{3FBDFC4B-298D-5A91-8E0C-FE2119BAD63B}"/>
+            </ac:spMkLst>
+          </pc:spChg>
+          <pc:spChg chg="mod">
+            <ac:chgData name="Tina Korshøj" userId="fc9c1787-86ff-4527-a6cb-a23af2ce0cfe" providerId="ADAL" clId="{12CD37EC-F126-58A4-9D73-FCCAAE6DBE25}" dt="2025-11-11T14:05:47.797" v="97" actId="962"/>
+            <ac:spMkLst>
+              <pc:docMk/>
+              <pc:sldMasterMk cId="3365805559" sldId="2147483648"/>
+              <pc:sldLayoutMk cId="733244762" sldId="2147483655"/>
+              <ac:spMk id="12" creationId="{A1C6BF1B-99D8-B50E-57EF-A8C6FBF6C318}"/>
+            </ac:spMkLst>
+          </pc:spChg>
+          <pc:spChg chg="mod">
+            <ac:chgData name="Tina Korshøj" userId="fc9c1787-86ff-4527-a6cb-a23af2ce0cfe" providerId="ADAL" clId="{12CD37EC-F126-58A4-9D73-FCCAAE6DBE25}" dt="2025-11-11T14:05:38.520" v="96" actId="962"/>
+            <ac:spMkLst>
+              <pc:docMk/>
+              <pc:sldMasterMk cId="3365805559" sldId="2147483648"/>
+              <pc:sldLayoutMk cId="733244762" sldId="2147483655"/>
+              <ac:spMk id="14" creationId="{C4ECFDCB-145C-72F9-7D30-3A3A59003D01}"/>
+            </ac:spMkLst>
+          </pc:spChg>
+          <pc:spChg chg="mod">
+            <ac:chgData name="Tina Korshøj" userId="fc9c1787-86ff-4527-a6cb-a23af2ce0cfe" providerId="ADAL" clId="{12CD37EC-F126-58A4-9D73-FCCAAE6DBE25}" dt="2025-11-11T14:05:31.824" v="95" actId="962"/>
+            <ac:spMkLst>
+              <pc:docMk/>
+              <pc:sldMasterMk cId="3365805559" sldId="2147483648"/>
+              <pc:sldLayoutMk cId="733244762" sldId="2147483655"/>
+              <ac:spMk id="15" creationId="{EBC6AACF-33A3-970F-5C1D-A6B61754078E}"/>
+            </ac:spMkLst>
+          </pc:spChg>
+          <pc:spChg chg="mod">
+            <ac:chgData name="Tina Korshøj" userId="fc9c1787-86ff-4527-a6cb-a23af2ce0cfe" providerId="ADAL" clId="{12CD37EC-F126-58A4-9D73-FCCAAE6DBE25}" dt="2025-11-11T14:05:28.868" v="94" actId="962"/>
+            <ac:spMkLst>
+              <pc:docMk/>
+              <pc:sldMasterMk cId="3365805559" sldId="2147483648"/>
+              <pc:sldLayoutMk cId="733244762" sldId="2147483655"/>
+              <ac:spMk id="16" creationId="{9B4B450A-4416-295B-C574-97AF4B1E5033}"/>
+            </ac:spMkLst>
+          </pc:spChg>
+          <pc:spChg chg="mod">
+            <ac:chgData name="Tina Korshøj" userId="fc9c1787-86ff-4527-a6cb-a23af2ce0cfe" providerId="ADAL" clId="{12CD37EC-F126-58A4-9D73-FCCAAE6DBE25}" dt="2025-11-11T14:05:22.874" v="93" actId="962"/>
+            <ac:spMkLst>
+              <pc:docMk/>
+              <pc:sldMasterMk cId="3365805559" sldId="2147483648"/>
+              <pc:sldLayoutMk cId="733244762" sldId="2147483655"/>
+              <ac:spMk id="17" creationId="{39516A90-0B52-4208-352A-FB236F77D68A}"/>
+            </ac:spMkLst>
+          </pc:spChg>
+          <pc:spChg chg="mod">
+            <ac:chgData name="Tina Korshøj" userId="fc9c1787-86ff-4527-a6cb-a23af2ce0cfe" providerId="ADAL" clId="{12CD37EC-F126-58A4-9D73-FCCAAE6DBE25}" dt="2025-11-11T14:05:18.830" v="92" actId="962"/>
+            <ac:spMkLst>
+              <pc:docMk/>
+              <pc:sldMasterMk cId="3365805559" sldId="2147483648"/>
+              <pc:sldLayoutMk cId="733244762" sldId="2147483655"/>
+              <ac:spMk id="18" creationId="{EA746E77-735E-B6A4-6378-CCABBC56BDE2}"/>
+            </ac:spMkLst>
+          </pc:spChg>
+          <pc:spChg chg="mod">
+            <ac:chgData name="Tina Korshøj" userId="fc9c1787-86ff-4527-a6cb-a23af2ce0cfe" providerId="ADAL" clId="{12CD37EC-F126-58A4-9D73-FCCAAE6DBE25}" dt="2025-11-11T14:05:12.297" v="91" actId="962"/>
+            <ac:spMkLst>
+              <pc:docMk/>
+              <pc:sldMasterMk cId="3365805559" sldId="2147483648"/>
+              <pc:sldLayoutMk cId="733244762" sldId="2147483655"/>
+              <ac:spMk id="19" creationId="{D6464BA6-28B1-506D-68A5-302CA1321183}"/>
+            </ac:spMkLst>
+          </pc:spChg>
+          <pc:spChg chg="mod">
+            <ac:chgData name="Tina Korshøj" userId="fc9c1787-86ff-4527-a6cb-a23af2ce0cfe" providerId="ADAL" clId="{12CD37EC-F126-58A4-9D73-FCCAAE6DBE25}" dt="2025-11-11T14:05:09.187" v="90" actId="962"/>
+            <ac:spMkLst>
+              <pc:docMk/>
+              <pc:sldMasterMk cId="3365805559" sldId="2147483648"/>
+              <pc:sldLayoutMk cId="733244762" sldId="2147483655"/>
+              <ac:spMk id="20" creationId="{CD424CCA-A51D-E67D-5BB3-EDE762A0FCA5}"/>
+            </ac:spMkLst>
+          </pc:spChg>
+          <pc:spChg chg="mod">
+            <ac:chgData name="Tina Korshøj" userId="fc9c1787-86ff-4527-a6cb-a23af2ce0cfe" providerId="ADAL" clId="{12CD37EC-F126-58A4-9D73-FCCAAE6DBE25}" dt="2025-11-11T14:05:05.637" v="89" actId="962"/>
+            <ac:spMkLst>
+              <pc:docMk/>
+              <pc:sldMasterMk cId="3365805559" sldId="2147483648"/>
+              <pc:sldLayoutMk cId="733244762" sldId="2147483655"/>
+              <ac:spMk id="21" creationId="{57341C95-B6DC-73BE-DF59-FC98EEE3128A}"/>
+            </ac:spMkLst>
+          </pc:spChg>
+          <pc:spChg chg="mod">
+            <ac:chgData name="Tina Korshøj" userId="fc9c1787-86ff-4527-a6cb-a23af2ce0cfe" providerId="ADAL" clId="{12CD37EC-F126-58A4-9D73-FCCAAE6DBE25}" dt="2025-11-11T14:04:56.823" v="88" actId="962"/>
+            <ac:spMkLst>
+              <pc:docMk/>
+              <pc:sldMasterMk cId="3365805559" sldId="2147483648"/>
+              <pc:sldLayoutMk cId="733244762" sldId="2147483655"/>
+              <ac:spMk id="27" creationId="{1161B3CD-F71F-F3ED-55EB-ED991412CD0D}"/>
+            </ac:spMkLst>
+          </pc:spChg>
+          <pc:spChg chg="mod">
+            <ac:chgData name="Tina Korshøj" userId="fc9c1787-86ff-4527-a6cb-a23af2ce0cfe" providerId="ADAL" clId="{12CD37EC-F126-58A4-9D73-FCCAAE6DBE25}" dt="2025-11-11T14:04:50.713" v="87" actId="962"/>
+            <ac:spMkLst>
+              <pc:docMk/>
+              <pc:sldMasterMk cId="3365805559" sldId="2147483648"/>
+              <pc:sldLayoutMk cId="733244762" sldId="2147483655"/>
+              <ac:spMk id="28" creationId="{CB7565EE-3FFC-C5D3-D3FC-36BAA210EABA}"/>
+            </ac:spMkLst>
+          </pc:spChg>
+          <pc:spChg chg="mod">
+            <ac:chgData name="Tina Korshøj" userId="fc9c1787-86ff-4527-a6cb-a23af2ce0cfe" providerId="ADAL" clId="{12CD37EC-F126-58A4-9D73-FCCAAE6DBE25}" dt="2025-11-11T14:04:45.465" v="86" actId="962"/>
+            <ac:spMkLst>
+              <pc:docMk/>
+              <pc:sldMasterMk cId="3365805559" sldId="2147483648"/>
+              <pc:sldLayoutMk cId="733244762" sldId="2147483655"/>
+              <ac:spMk id="29" creationId="{E982C4E3-7800-F391-55D4-8814046C2DF3}"/>
+            </ac:spMkLst>
+          </pc:spChg>
+          <pc:spChg chg="mod ord">
+            <ac:chgData name="Tina Korshøj" userId="fc9c1787-86ff-4527-a6cb-a23af2ce0cfe" providerId="ADAL" clId="{12CD37EC-F126-58A4-9D73-FCCAAE6DBE25}" dt="2025-11-11T14:04:04.741" v="78" actId="962"/>
+            <ac:spMkLst>
+              <pc:docMk/>
+              <pc:sldMasterMk cId="3365805559" sldId="2147483648"/>
+              <pc:sldLayoutMk cId="733244762" sldId="2147483655"/>
+              <ac:spMk id="30" creationId="{16B8FD2B-9445-BD8C-9A84-C2528646A624}"/>
+            </ac:spMkLst>
+          </pc:spChg>
+          <pc:spChg chg="mod">
+            <ac:chgData name="Tina Korshøj" userId="fc9c1787-86ff-4527-a6cb-a23af2ce0cfe" providerId="ADAL" clId="{12CD37EC-F126-58A4-9D73-FCCAAE6DBE25}" dt="2025-11-11T14:04:41.419" v="85" actId="962"/>
+            <ac:spMkLst>
+              <pc:docMk/>
+              <pc:sldMasterMk cId="3365805559" sldId="2147483648"/>
+              <pc:sldLayoutMk cId="733244762" sldId="2147483655"/>
+              <ac:spMk id="31" creationId="{329C47DA-9B37-F483-8F7F-B7E9910442B7}"/>
+            </ac:spMkLst>
+          </pc:spChg>
+          <pc:spChg chg="mod">
+            <ac:chgData name="Tina Korshøj" userId="fc9c1787-86ff-4527-a6cb-a23af2ce0cfe" providerId="ADAL" clId="{12CD37EC-F126-58A4-9D73-FCCAAE6DBE25}" dt="2025-11-11T14:04:32.608" v="84" actId="962"/>
+            <ac:spMkLst>
+              <pc:docMk/>
+              <pc:sldMasterMk cId="3365805559" sldId="2147483648"/>
+              <pc:sldLayoutMk cId="733244762" sldId="2147483655"/>
+              <ac:spMk id="32" creationId="{6FBC0EDC-9654-834F-D05D-3FB8D9D70883}"/>
+            </ac:spMkLst>
+          </pc:spChg>
+          <pc:spChg chg="mod">
+            <ac:chgData name="Tina Korshøj" userId="fc9c1787-86ff-4527-a6cb-a23af2ce0cfe" providerId="ADAL" clId="{12CD37EC-F126-58A4-9D73-FCCAAE6DBE25}" dt="2025-11-11T14:04:28.997" v="83" actId="962"/>
+            <ac:spMkLst>
+              <pc:docMk/>
+              <pc:sldMasterMk cId="3365805559" sldId="2147483648"/>
+              <pc:sldLayoutMk cId="733244762" sldId="2147483655"/>
+              <ac:spMk id="33" creationId="{055C292D-E0F5-D28C-3C64-4170CB7A5579}"/>
+            </ac:spMkLst>
+          </pc:spChg>
+          <pc:spChg chg="mod">
+            <ac:chgData name="Tina Korshøj" userId="fc9c1787-86ff-4527-a6cb-a23af2ce0cfe" providerId="ADAL" clId="{12CD37EC-F126-58A4-9D73-FCCAAE6DBE25}" dt="2025-11-11T14:04:24.978" v="82" actId="962"/>
+            <ac:spMkLst>
+              <pc:docMk/>
+              <pc:sldMasterMk cId="3365805559" sldId="2147483648"/>
+              <pc:sldLayoutMk cId="733244762" sldId="2147483655"/>
+              <ac:spMk id="34" creationId="{C04E6777-B7D6-2B95-861E-19DCFEA9880B}"/>
+            </ac:spMkLst>
+          </pc:spChg>
+          <pc:spChg chg="mod">
+            <ac:chgData name="Tina Korshøj" userId="fc9c1787-86ff-4527-a6cb-a23af2ce0cfe" providerId="ADAL" clId="{12CD37EC-F126-58A4-9D73-FCCAAE6DBE25}" dt="2025-11-11T14:04:20.713" v="81" actId="962"/>
+            <ac:spMkLst>
+              <pc:docMk/>
+              <pc:sldMasterMk cId="3365805559" sldId="2147483648"/>
+              <pc:sldLayoutMk cId="733244762" sldId="2147483655"/>
+              <ac:spMk id="35" creationId="{ADFFADB8-A281-71C0-EB97-79D1B6ACF8E3}"/>
+            </ac:spMkLst>
+          </pc:spChg>
+          <pc:spChg chg="mod">
+            <ac:chgData name="Tina Korshøj" userId="fc9c1787-86ff-4527-a6cb-a23af2ce0cfe" providerId="ADAL" clId="{12CD37EC-F126-58A4-9D73-FCCAAE6DBE25}" dt="2025-11-11T14:04:13.530" v="80" actId="962"/>
+            <ac:spMkLst>
+              <pc:docMk/>
+              <pc:sldMasterMk cId="3365805559" sldId="2147483648"/>
+              <pc:sldLayoutMk cId="733244762" sldId="2147483655"/>
+              <ac:spMk id="36" creationId="{5DF4A071-F123-AB63-F039-E933134E6768}"/>
+            </ac:spMkLst>
+          </pc:spChg>
+          <pc:spChg chg="mod ord">
+            <ac:chgData name="Tina Korshøj" userId="fc9c1787-86ff-4527-a6cb-a23af2ce0cfe" providerId="ADAL" clId="{12CD37EC-F126-58A4-9D73-FCCAAE6DBE25}" dt="2025-11-11T14:04:09.664" v="79" actId="962"/>
+            <ac:spMkLst>
+              <pc:docMk/>
+              <pc:sldMasterMk cId="3365805559" sldId="2147483648"/>
+              <pc:sldLayoutMk cId="733244762" sldId="2147483655"/>
+              <ac:spMk id="37" creationId="{BB6D6269-0299-2CA2-3C7A-E6DAE149670F}"/>
+            </ac:spMkLst>
+          </pc:spChg>
+          <pc:spChg chg="mod">
+            <ac:chgData name="Tina Korshøj" userId="fc9c1787-86ff-4527-a6cb-a23af2ce0cfe" providerId="ADAL" clId="{12CD37EC-F126-58A4-9D73-FCCAAE6DBE25}" dt="2025-11-11T14:03:14.740" v="64" actId="962"/>
+            <ac:spMkLst>
+              <pc:docMk/>
+              <pc:sldMasterMk cId="3365805559" sldId="2147483648"/>
+              <pc:sldLayoutMk cId="733244762" sldId="2147483655"/>
+              <ac:spMk id="38" creationId="{8E456BDB-A817-FCE7-764E-52D716AEF7BB}"/>
+            </ac:spMkLst>
+          </pc:spChg>
+          <pc:spChg chg="mod">
+            <ac:chgData name="Tina Korshøj" userId="fc9c1787-86ff-4527-a6cb-a23af2ce0cfe" providerId="ADAL" clId="{12CD37EC-F126-58A4-9D73-FCCAAE6DBE25}" dt="2025-11-11T14:03:05.073" v="62" actId="962"/>
+            <ac:spMkLst>
+              <pc:docMk/>
+              <pc:sldMasterMk cId="3365805559" sldId="2147483648"/>
+              <pc:sldLayoutMk cId="733244762" sldId="2147483655"/>
+              <ac:spMk id="39" creationId="{EF989D20-5B89-63D2-FB9B-A5D763788789}"/>
+            </ac:spMkLst>
+          </pc:spChg>
+          <pc:spChg chg="mod">
+            <ac:chgData name="Tina Korshøj" userId="fc9c1787-86ff-4527-a6cb-a23af2ce0cfe" providerId="ADAL" clId="{12CD37EC-F126-58A4-9D73-FCCAAE6DBE25}" dt="2025-11-11T14:02:52.531" v="61" actId="962"/>
+            <ac:spMkLst>
+              <pc:docMk/>
+              <pc:sldMasterMk cId="3365805559" sldId="2147483648"/>
+              <pc:sldLayoutMk cId="733244762" sldId="2147483655"/>
+              <ac:spMk id="40" creationId="{102DCF00-DE1F-44E8-289A-7E1EF2EAFE28}"/>
+            </ac:spMkLst>
+          </pc:spChg>
+          <pc:spChg chg="mod">
+            <ac:chgData name="Tina Korshøj" userId="fc9c1787-86ff-4527-a6cb-a23af2ce0cfe" providerId="ADAL" clId="{12CD37EC-F126-58A4-9D73-FCCAAE6DBE25}" dt="2025-11-11T14:01:41.715" v="54" actId="962"/>
+            <ac:spMkLst>
+              <pc:docMk/>
+              <pc:sldMasterMk cId="3365805559" sldId="2147483648"/>
+              <pc:sldLayoutMk cId="733244762" sldId="2147483655"/>
+              <ac:spMk id="41" creationId="{2205041E-506C-F9EC-0018-3B8F850FB9A4}"/>
+            </ac:spMkLst>
+          </pc:spChg>
+        </pc:sldLayoutChg>
+        <pc:sldLayoutChg chg="modSp">
+          <pc:chgData name="Tina Korshøj" userId="fc9c1787-86ff-4527-a6cb-a23af2ce0cfe" providerId="ADAL" clId="{12CD37EC-F126-58A4-9D73-FCCAAE6DBE25}" dt="2025-11-11T14:01:05.892" v="53" actId="962"/>
+          <pc:sldLayoutMkLst>
+            <pc:docMk/>
+            <pc:sldMasterMk cId="3365805559" sldId="2147483648"/>
+            <pc:sldLayoutMk cId="4044110134" sldId="2147483656"/>
+          </pc:sldLayoutMkLst>
+          <pc:spChg chg="mod">
+            <ac:chgData name="Tina Korshøj" userId="fc9c1787-86ff-4527-a6cb-a23af2ce0cfe" providerId="ADAL" clId="{12CD37EC-F126-58A4-9D73-FCCAAE6DBE25}" dt="2025-11-11T13:59:32.781" v="47" actId="962"/>
+            <ac:spMkLst>
+              <pc:docMk/>
+              <pc:sldMasterMk cId="3365805559" sldId="2147483648"/>
+              <pc:sldLayoutMk cId="4044110134" sldId="2147483656"/>
+              <ac:spMk id="2" creationId="{CE86F331-E2F9-D7F6-E722-A1EEEB63ACC6}"/>
+            </ac:spMkLst>
+          </pc:spChg>
+          <pc:spChg chg="mod">
+            <ac:chgData name="Tina Korshøj" userId="fc9c1787-86ff-4527-a6cb-a23af2ce0cfe" providerId="ADAL" clId="{12CD37EC-F126-58A4-9D73-FCCAAE6DBE25}" dt="2025-11-11T13:59:36.139" v="48" actId="962"/>
+            <ac:spMkLst>
+              <pc:docMk/>
+              <pc:sldMasterMk cId="3365805559" sldId="2147483648"/>
+              <pc:sldLayoutMk cId="4044110134" sldId="2147483656"/>
+              <ac:spMk id="3" creationId="{AF69B8FF-0DB6-3B59-928A-913DC69C9AC5}"/>
+            </ac:spMkLst>
+          </pc:spChg>
+          <pc:spChg chg="mod">
+            <ac:chgData name="Tina Korshøj" userId="fc9c1787-86ff-4527-a6cb-a23af2ce0cfe" providerId="ADAL" clId="{12CD37EC-F126-58A4-9D73-FCCAAE6DBE25}" dt="2025-11-11T13:59:38.923" v="49" actId="962"/>
+            <ac:spMkLst>
+              <pc:docMk/>
+              <pc:sldMasterMk cId="3365805559" sldId="2147483648"/>
+              <pc:sldLayoutMk cId="4044110134" sldId="2147483656"/>
+              <ac:spMk id="4" creationId="{86A24F90-873E-9FE4-94DC-6100C32E576D}"/>
+            </ac:spMkLst>
+          </pc:spChg>
+          <pc:spChg chg="mod">
+            <ac:chgData name="Tina Korshøj" userId="fc9c1787-86ff-4527-a6cb-a23af2ce0cfe" providerId="ADAL" clId="{12CD37EC-F126-58A4-9D73-FCCAAE6DBE25}" dt="2025-11-11T13:59:44.456" v="50" actId="962"/>
+            <ac:spMkLst>
+              <pc:docMk/>
+              <pc:sldMasterMk cId="3365805559" sldId="2147483648"/>
+              <pc:sldLayoutMk cId="4044110134" sldId="2147483656"/>
+              <ac:spMk id="5" creationId="{645AE15E-2F64-2787-1BE8-727F55928559}"/>
+            </ac:spMkLst>
+          </pc:spChg>
+          <pc:spChg chg="mod">
+            <ac:chgData name="Tina Korshøj" userId="fc9c1787-86ff-4527-a6cb-a23af2ce0cfe" providerId="ADAL" clId="{12CD37EC-F126-58A4-9D73-FCCAAE6DBE25}" dt="2025-11-11T13:59:47.253" v="51" actId="962"/>
+            <ac:spMkLst>
+              <pc:docMk/>
+              <pc:sldMasterMk cId="3365805559" sldId="2147483648"/>
+              <pc:sldLayoutMk cId="4044110134" sldId="2147483656"/>
+              <ac:spMk id="6" creationId="{848FAA35-BA30-421F-42AC-CE66A51B45D9}"/>
+            </ac:spMkLst>
+          </pc:spChg>
+          <pc:spChg chg="mod">
+            <ac:chgData name="Tina Korshøj" userId="fc9c1787-86ff-4527-a6cb-a23af2ce0cfe" providerId="ADAL" clId="{12CD37EC-F126-58A4-9D73-FCCAAE6DBE25}" dt="2025-11-11T13:59:50.273" v="52" actId="962"/>
+            <ac:spMkLst>
+              <pc:docMk/>
+              <pc:sldMasterMk cId="3365805559" sldId="2147483648"/>
+              <pc:sldLayoutMk cId="4044110134" sldId="2147483656"/>
+              <ac:spMk id="7" creationId="{2663DAF6-2B5D-B299-7377-58A1117104B9}"/>
+            </ac:spMkLst>
+          </pc:spChg>
+          <pc:spChg chg="mod">
+            <ac:chgData name="Tina Korshøj" userId="fc9c1787-86ff-4527-a6cb-a23af2ce0cfe" providerId="ADAL" clId="{12CD37EC-F126-58A4-9D73-FCCAAE6DBE25}" dt="2025-11-11T13:59:24.044" v="46" actId="962"/>
+            <ac:spMkLst>
+              <pc:docMk/>
+              <pc:sldMasterMk cId="3365805559" sldId="2147483648"/>
+              <pc:sldLayoutMk cId="4044110134" sldId="2147483656"/>
+              <ac:spMk id="12" creationId="{A1C6BF1B-99D8-B50E-57EF-A8C6FBF6C318}"/>
+            </ac:spMkLst>
+          </pc:spChg>
+          <pc:spChg chg="mod">
+            <ac:chgData name="Tina Korshøj" userId="fc9c1787-86ff-4527-a6cb-a23af2ce0cfe" providerId="ADAL" clId="{12CD37EC-F126-58A4-9D73-FCCAAE6DBE25}" dt="2025-11-11T14:01:05.892" v="53" actId="962"/>
+            <ac:spMkLst>
+              <pc:docMk/>
+              <pc:sldMasterMk cId="3365805559" sldId="2147483648"/>
+              <pc:sldLayoutMk cId="4044110134" sldId="2147483656"/>
+              <ac:spMk id="13" creationId="{555E0D52-4EBA-D06B-7478-C5D08ADE5680}"/>
+            </ac:spMkLst>
+          </pc:spChg>
+          <pc:spChg chg="mod">
+            <ac:chgData name="Tina Korshøj" userId="fc9c1787-86ff-4527-a6cb-a23af2ce0cfe" providerId="ADAL" clId="{12CD37EC-F126-58A4-9D73-FCCAAE6DBE25}" dt="2025-11-11T13:59:20.851" v="45" actId="962"/>
+            <ac:spMkLst>
+              <pc:docMk/>
+              <pc:sldMasterMk cId="3365805559" sldId="2147483648"/>
+              <pc:sldLayoutMk cId="4044110134" sldId="2147483656"/>
+              <ac:spMk id="22" creationId="{5E8163AB-3EDA-B614-FF12-090BEB5A28D8}"/>
+            </ac:spMkLst>
+          </pc:spChg>
+          <pc:spChg chg="mod">
+            <ac:chgData name="Tina Korshøj" userId="fc9c1787-86ff-4527-a6cb-a23af2ce0cfe" providerId="ADAL" clId="{12CD37EC-F126-58A4-9D73-FCCAAE6DBE25}" dt="2025-11-11T13:59:14.610" v="44" actId="962"/>
+            <ac:spMkLst>
+              <pc:docMk/>
+              <pc:sldMasterMk cId="3365805559" sldId="2147483648"/>
+              <pc:sldLayoutMk cId="4044110134" sldId="2147483656"/>
+              <ac:spMk id="23" creationId="{64508BA0-7053-180F-1ABC-76AD2F7E1BFA}"/>
+            </ac:spMkLst>
+          </pc:spChg>
+          <pc:spChg chg="mod">
+            <ac:chgData name="Tina Korshøj" userId="fc9c1787-86ff-4527-a6cb-a23af2ce0cfe" providerId="ADAL" clId="{12CD37EC-F126-58A4-9D73-FCCAAE6DBE25}" dt="2025-11-11T13:59:08.880" v="43" actId="962"/>
+            <ac:spMkLst>
+              <pc:docMk/>
+              <pc:sldMasterMk cId="3365805559" sldId="2147483648"/>
+              <pc:sldLayoutMk cId="4044110134" sldId="2147483656"/>
+              <ac:spMk id="24" creationId="{733513DB-98E2-9C17-738C-1A1CEEE4E1AE}"/>
+            </ac:spMkLst>
+          </pc:spChg>
+          <pc:spChg chg="mod">
+            <ac:chgData name="Tina Korshøj" userId="fc9c1787-86ff-4527-a6cb-a23af2ce0cfe" providerId="ADAL" clId="{12CD37EC-F126-58A4-9D73-FCCAAE6DBE25}" dt="2025-11-11T13:59:03.554" v="42" actId="962"/>
+            <ac:spMkLst>
+              <pc:docMk/>
+              <pc:sldMasterMk cId="3365805559" sldId="2147483648"/>
+              <pc:sldLayoutMk cId="4044110134" sldId="2147483656"/>
+              <ac:spMk id="25" creationId="{F31280FD-7A1B-C85D-7C3F-46F97215AA5A}"/>
+            </ac:spMkLst>
+          </pc:spChg>
+        </pc:sldLayoutChg>
+        <pc:sldLayoutChg chg="modSp">
+          <pc:chgData name="Tina Korshøj" userId="fc9c1787-86ff-4527-a6cb-a23af2ce0cfe" providerId="ADAL" clId="{12CD37EC-F126-58A4-9D73-FCCAAE6DBE25}" dt="2025-11-11T14:06:14.669" v="102" actId="962"/>
+          <pc:sldLayoutMkLst>
+            <pc:docMk/>
+            <pc:sldMasterMk cId="3365805559" sldId="2147483648"/>
+            <pc:sldLayoutMk cId="1087787301" sldId="2147483657"/>
+          </pc:sldLayoutMkLst>
+          <pc:spChg chg="mod">
+            <ac:chgData name="Tina Korshøj" userId="fc9c1787-86ff-4527-a6cb-a23af2ce0cfe" providerId="ADAL" clId="{12CD37EC-F126-58A4-9D73-FCCAAE6DBE25}" dt="2025-11-11T14:06:14.669" v="102" actId="962"/>
+            <ac:spMkLst>
+              <pc:docMk/>
+              <pc:sldMasterMk cId="3365805559" sldId="2147483648"/>
+              <pc:sldLayoutMk cId="1087787301" sldId="2147483657"/>
+              <ac:spMk id="8" creationId="{FDFEE6C3-D65F-4F19-E064-7EE29398FF31}"/>
+            </ac:spMkLst>
+          </pc:spChg>
+        </pc:sldLayoutChg>
+        <pc:sldLayoutChg chg="addSp delSp modSp mod">
+          <pc:chgData name="Tina Korshøj" userId="fc9c1787-86ff-4527-a6cb-a23af2ce0cfe" providerId="ADAL" clId="{12CD37EC-F126-58A4-9D73-FCCAAE6DBE25}" dt="2025-11-11T13:56:05.712" v="41"/>
+          <pc:sldLayoutMkLst>
+            <pc:docMk/>
+            <pc:sldMasterMk cId="3365805559" sldId="2147483648"/>
+            <pc:sldLayoutMk cId="3827358518" sldId="2147483658"/>
+          </pc:sldLayoutMkLst>
+          <pc:spChg chg="add del mod">
+            <ac:chgData name="Tina Korshøj" userId="fc9c1787-86ff-4527-a6cb-a23af2ce0cfe" providerId="ADAL" clId="{12CD37EC-F126-58A4-9D73-FCCAAE6DBE25}" dt="2025-11-11T13:56:05.712" v="41"/>
+            <ac:spMkLst>
+              <pc:docMk/>
+              <pc:sldMasterMk cId="3365805559" sldId="2147483648"/>
+              <pc:sldLayoutMk cId="3827358518" sldId="2147483658"/>
+              <ac:spMk id="2" creationId="{CEA62F8E-A730-FA29-4605-057CAF8DA7C1}"/>
+            </ac:spMkLst>
+          </pc:spChg>
+          <pc:spChg chg="mod">
+            <ac:chgData name="Tina Korshøj" userId="fc9c1787-86ff-4527-a6cb-a23af2ce0cfe" providerId="ADAL" clId="{12CD37EC-F126-58A4-9D73-FCCAAE6DBE25}" dt="2025-11-11T13:55:53.249" v="38" actId="5793"/>
+            <ac:spMkLst>
+              <pc:docMk/>
+              <pc:sldMasterMk cId="3365805559" sldId="2147483648"/>
+              <pc:sldLayoutMk cId="3827358518" sldId="2147483658"/>
+              <ac:spMk id="41" creationId="{00000000-0000-0000-0000-000000000000}"/>
+            </ac:spMkLst>
+          </pc:spChg>
+        </pc:sldLayoutChg>
       </pc:sldMasterChg>
     </pc:docChg>
   </pc:docChgLst>
@@ -243,7 +734,7 @@
       </p:grpSpPr>
       <p:sp>
         <p:nvSpPr>
-          <p:cNvPr id="12" name="{{Rendering}}&#10;{{Rendering}}&#10;{{Rendering}}">
+          <p:cNvPr id="12" name="Rendering1">
             <a:extLst>
               <a:ext uri="{FF2B5EF4-FFF2-40B4-BE49-F238E27FC236}">
                 <a16:creationId xmlns:a16="http://schemas.microsoft.com/office/drawing/2014/main" id="{A1C6BF1B-99D8-B50E-57EF-A8C6FBF6C318}"/>
@@ -273,7 +764,7 @@
       </p:sp>
       <p:sp>
         <p:nvSpPr>
-          <p:cNvPr id="2" name="{{Rendering}}&#10;{{Rendering}}&#10;{{Rendering}}">
+          <p:cNvPr id="2" name="Rendering2">
             <a:extLst>
               <a:ext uri="{FF2B5EF4-FFF2-40B4-BE49-F238E27FC236}">
                 <a16:creationId xmlns:a16="http://schemas.microsoft.com/office/drawing/2014/main" id="{CE86F331-E2F9-D7F6-E722-A1EEEB63ACC6}"/>
@@ -303,7 +794,7 @@
       </p:sp>
       <p:sp>
         <p:nvSpPr>
-          <p:cNvPr id="3" name="{{Rendering}}&#10;{{Rendering}}&#10;{{Rendering}}">
+          <p:cNvPr id="3" name="Rendering3">
             <a:extLst>
               <a:ext uri="{FF2B5EF4-FFF2-40B4-BE49-F238E27FC236}">
                 <a16:creationId xmlns:a16="http://schemas.microsoft.com/office/drawing/2014/main" id="{AF69B8FF-0DB6-3B59-928A-913DC69C9AC5}"/>
@@ -333,7 +824,7 @@
       </p:sp>
       <p:sp>
         <p:nvSpPr>
-          <p:cNvPr id="4" name="{{Rendering}}&#10;{{Rendering}}&#10;{{Rendering}}">
+          <p:cNvPr id="4" name="Rendering4">
             <a:extLst>
               <a:ext uri="{FF2B5EF4-FFF2-40B4-BE49-F238E27FC236}">
                 <a16:creationId xmlns:a16="http://schemas.microsoft.com/office/drawing/2014/main" id="{86A24F90-873E-9FE4-94DC-6100C32E576D}"/>
@@ -363,7 +854,7 @@
       </p:sp>
       <p:sp>
         <p:nvSpPr>
-          <p:cNvPr id="5" name="{{Rendering}}&#10;{{Rendering}}&#10;{{Rendering}}">
+          <p:cNvPr id="5" name="Rendering5">
             <a:extLst>
               <a:ext uri="{FF2B5EF4-FFF2-40B4-BE49-F238E27FC236}">
                 <a16:creationId xmlns:a16="http://schemas.microsoft.com/office/drawing/2014/main" id="{645AE15E-2F64-2787-1BE8-727F55928559}"/>
@@ -393,7 +884,7 @@
       </p:sp>
       <p:sp>
         <p:nvSpPr>
-          <p:cNvPr id="6" name="{{Rendering}}&#10;{{Rendering}}&#10;{{Rendering}}">
+          <p:cNvPr id="6" name="Rendering6">
             <a:extLst>
               <a:ext uri="{FF2B5EF4-FFF2-40B4-BE49-F238E27FC236}">
                 <a16:creationId xmlns:a16="http://schemas.microsoft.com/office/drawing/2014/main" id="{848FAA35-BA30-421F-42AC-CE66A51B45D9}"/>
@@ -423,7 +914,7 @@
       </p:sp>
       <p:sp>
         <p:nvSpPr>
-          <p:cNvPr id="7" name="{{Rendering}}&#10;{{Rendering}}&#10;{{Rendering}}">
+          <p:cNvPr id="7" name="Rendering7">
             <a:extLst>
               <a:ext uri="{FF2B5EF4-FFF2-40B4-BE49-F238E27FC236}">
                 <a16:creationId xmlns:a16="http://schemas.microsoft.com/office/drawing/2014/main" id="{2663DAF6-2B5D-B299-7377-58A1117104B9}"/>
@@ -453,7 +944,7 @@
       </p:sp>
       <p:sp>
         <p:nvSpPr>
-          <p:cNvPr id="13" name="{{Rendering}}&#10;{{Rendering}}&#10;{{Rendering}}">
+          <p:cNvPr id="13" name="Rendering8">
             <a:extLst>
               <a:ext uri="{FF2B5EF4-FFF2-40B4-BE49-F238E27FC236}">
                 <a16:creationId xmlns:a16="http://schemas.microsoft.com/office/drawing/2014/main" id="{555E0D52-4EBA-D06B-7478-C5D08ADE5680}"/>
@@ -483,7 +974,7 @@
       </p:sp>
       <p:sp>
         <p:nvSpPr>
-          <p:cNvPr id="22" name="{{Rendering}}&#10;{{Rendering}}&#10;{{Rendering}}">
+          <p:cNvPr id="22" name="Rendering9">
             <a:extLst>
               <a:ext uri="{FF2B5EF4-FFF2-40B4-BE49-F238E27FC236}">
                 <a16:creationId xmlns:a16="http://schemas.microsoft.com/office/drawing/2014/main" id="{5E8163AB-3EDA-B614-FF12-090BEB5A28D8}"/>
@@ -513,7 +1004,7 @@
       </p:sp>
       <p:sp>
         <p:nvSpPr>
-          <p:cNvPr id="23" name="{{Rendering}}&#10;{{Rendering}}&#10;{{Rendering}}">
+          <p:cNvPr id="23" name="Rendering10">
             <a:extLst>
               <a:ext uri="{FF2B5EF4-FFF2-40B4-BE49-F238E27FC236}">
                 <a16:creationId xmlns:a16="http://schemas.microsoft.com/office/drawing/2014/main" id="{64508BA0-7053-180F-1ABC-76AD2F7E1BFA}"/>
@@ -543,7 +1034,7 @@
       </p:sp>
       <p:sp>
         <p:nvSpPr>
-          <p:cNvPr id="24" name="{{Rendering}}&#10;{{Rendering}}&#10;{{Rendering}}">
+          <p:cNvPr id="24" name="Rendering11">
             <a:extLst>
               <a:ext uri="{FF2B5EF4-FFF2-40B4-BE49-F238E27FC236}">
                 <a16:creationId xmlns:a16="http://schemas.microsoft.com/office/drawing/2014/main" id="{733513DB-98E2-9C17-738C-1A1CEEE4E1AE}"/>
@@ -573,7 +1064,7 @@
       </p:sp>
       <p:sp>
         <p:nvSpPr>
-          <p:cNvPr id="25" name="{{Rendering}}&#10;{{Rendering}}&#10;{{Rendering}}">
+          <p:cNvPr id="25" name="Rendering12">
             <a:extLst>
               <a:ext uri="{FF2B5EF4-FFF2-40B4-BE49-F238E27FC236}">
                 <a16:creationId xmlns:a16="http://schemas.microsoft.com/office/drawing/2014/main" id="{F31280FD-7A1B-C85D-7C3F-46F97215AA5A}"/>
@@ -728,7 +1219,7 @@
       </p:grpSpPr>
       <p:sp>
         <p:nvSpPr>
-          <p:cNvPr id="8" name="{{ProductPackshot1}}">
+          <p:cNvPr id="8" name="ProductPackshot1">
             <a:extLst>
               <a:ext uri="{FF2B5EF4-FFF2-40B4-BE49-F238E27FC236}">
                 <a16:creationId xmlns:a16="http://schemas.microsoft.com/office/drawing/2014/main" id="{D7739F1F-1375-A7AC-4978-60208A803DE4}"/>
@@ -758,7 +1249,7 @@
       </p:sp>
       <p:sp>
         <p:nvSpPr>
-          <p:cNvPr id="9" name="{{ProductPackshot2}}">
+          <p:cNvPr id="9" name="ProductPackshot2">
             <a:extLst>
               <a:ext uri="{FF2B5EF4-FFF2-40B4-BE49-F238E27FC236}">
                 <a16:creationId xmlns:a16="http://schemas.microsoft.com/office/drawing/2014/main" id="{5ED1B38D-9F3C-7B17-3B9C-AD3E3BE01044}"/>
@@ -788,7 +1279,7 @@
       </p:sp>
       <p:sp>
         <p:nvSpPr>
-          <p:cNvPr id="10" name="{{ProductPackshot3}}">
+          <p:cNvPr id="10" name="ProductPackshot3">
             <a:extLst>
               <a:ext uri="{FF2B5EF4-FFF2-40B4-BE49-F238E27FC236}">
                 <a16:creationId xmlns:a16="http://schemas.microsoft.com/office/drawing/2014/main" id="{6DEC5D53-A46F-D1AE-1190-F598AC7B6207}"/>
@@ -818,7 +1309,7 @@
       </p:sp>
       <p:sp>
         <p:nvSpPr>
-          <p:cNvPr id="11" name="{{ProductPackshot4}}">
+          <p:cNvPr id="11" name="ProductPackshot4">
             <a:extLst>
               <a:ext uri="{FF2B5EF4-FFF2-40B4-BE49-F238E27FC236}">
                 <a16:creationId xmlns:a16="http://schemas.microsoft.com/office/drawing/2014/main" id="{3FBDFC4B-298D-5A91-8E0C-FE2119BAD63B}"/>
@@ -848,7 +1339,7 @@
       </p:sp>
       <p:sp>
         <p:nvSpPr>
-          <p:cNvPr id="12" name="{{Rendering}}&#10;{{Rendering}}&#10;{{Rendering}}">
+          <p:cNvPr id="12" name="Rendering&#10;{{Rendering}}&#10;{{Rendering}}">
             <a:extLst>
               <a:ext uri="{FF2B5EF4-FFF2-40B4-BE49-F238E27FC236}">
                 <a16:creationId xmlns:a16="http://schemas.microsoft.com/office/drawing/2014/main" id="{A1C6BF1B-99D8-B50E-57EF-A8C6FBF6C318}"/>
@@ -878,7 +1369,7 @@
       </p:sp>
       <p:sp>
         <p:nvSpPr>
-          <p:cNvPr id="14" name="{{ProductPackshot5}}">
+          <p:cNvPr id="14" name="ProductPackshot5">
             <a:extLst>
               <a:ext uri="{FF2B5EF4-FFF2-40B4-BE49-F238E27FC236}">
                 <a16:creationId xmlns:a16="http://schemas.microsoft.com/office/drawing/2014/main" id="{C4ECFDCB-145C-72F9-7D30-3A3A59003D01}"/>
@@ -908,7 +1399,7 @@
       </p:sp>
       <p:sp>
         <p:nvSpPr>
-          <p:cNvPr id="15" name="{{ProductPackshot6}}">
+          <p:cNvPr id="15" name="ProductPackshot6">
             <a:extLst>
               <a:ext uri="{FF2B5EF4-FFF2-40B4-BE49-F238E27FC236}">
                 <a16:creationId xmlns:a16="http://schemas.microsoft.com/office/drawing/2014/main" id="{EBC6AACF-33A3-970F-5C1D-A6B61754078E}"/>
@@ -938,7 +1429,7 @@
       </p:sp>
       <p:sp>
         <p:nvSpPr>
-          <p:cNvPr id="16" name="{{ProductPackshot7}}">
+          <p:cNvPr id="16" name="ProductPackshot7">
             <a:extLst>
               <a:ext uri="{FF2B5EF4-FFF2-40B4-BE49-F238E27FC236}">
                 <a16:creationId xmlns:a16="http://schemas.microsoft.com/office/drawing/2014/main" id="{9B4B450A-4416-295B-C574-97AF4B1E5033}"/>
@@ -968,7 +1459,7 @@
       </p:sp>
       <p:sp>
         <p:nvSpPr>
-          <p:cNvPr id="17" name="{{ProductPackshot8}}">
+          <p:cNvPr id="17" name="ProductPackshot8">
             <a:extLst>
               <a:ext uri="{FF2B5EF4-FFF2-40B4-BE49-F238E27FC236}">
                 <a16:creationId xmlns:a16="http://schemas.microsoft.com/office/drawing/2014/main" id="{39516A90-0B52-4208-352A-FB236F77D68A}"/>
@@ -998,7 +1489,7 @@
       </p:sp>
       <p:sp>
         <p:nvSpPr>
-          <p:cNvPr id="18" name="{{ProductPackshot9}}">
+          <p:cNvPr id="18" name="ProductPackshot9">
             <a:extLst>
               <a:ext uri="{FF2B5EF4-FFF2-40B4-BE49-F238E27FC236}">
                 <a16:creationId xmlns:a16="http://schemas.microsoft.com/office/drawing/2014/main" id="{EA746E77-735E-B6A4-6378-CCABBC56BDE2}"/>
@@ -1028,7 +1519,7 @@
       </p:sp>
       <p:sp>
         <p:nvSpPr>
-          <p:cNvPr id="19" name="{{ProductPackshot10}}">
+          <p:cNvPr id="19" name="ProductPackshot10">
             <a:extLst>
               <a:ext uri="{FF2B5EF4-FFF2-40B4-BE49-F238E27FC236}">
                 <a16:creationId xmlns:a16="http://schemas.microsoft.com/office/drawing/2014/main" id="{D6464BA6-28B1-506D-68A5-302CA1321183}"/>
@@ -1058,7 +1549,7 @@
       </p:sp>
       <p:sp>
         <p:nvSpPr>
-          <p:cNvPr id="20" name="{{ProductPackshot11}}">
+          <p:cNvPr id="20" name="ProductPackshot11">
             <a:extLst>
               <a:ext uri="{FF2B5EF4-FFF2-40B4-BE49-F238E27FC236}">
                 <a16:creationId xmlns:a16="http://schemas.microsoft.com/office/drawing/2014/main" id="{CD424CCA-A51D-E67D-5BB3-EDE762A0FCA5}"/>
@@ -1088,7 +1579,7 @@
       </p:sp>
       <p:sp>
         <p:nvSpPr>
-          <p:cNvPr id="21" name="{{ProductPackshot12}}">
+          <p:cNvPr id="21" name="ProductPackshot12">
             <a:extLst>
               <a:ext uri="{FF2B5EF4-FFF2-40B4-BE49-F238E27FC236}">
                 <a16:creationId xmlns:a16="http://schemas.microsoft.com/office/drawing/2014/main" id="{57341C95-B6DC-73BE-DF59-FC98EEE3128A}"/>
@@ -1118,7 +1609,7 @@
       </p:sp>
       <p:sp>
         <p:nvSpPr>
-          <p:cNvPr id="27" name="{{PRODUCT DESCRIPTION 1}}">
+          <p:cNvPr id="27" name="PRODUCT DESCRIPTION 1">
             <a:extLst>
               <a:ext uri="{FF2B5EF4-FFF2-40B4-BE49-F238E27FC236}">
                 <a16:creationId xmlns:a16="http://schemas.microsoft.com/office/drawing/2014/main" id="{1161B3CD-F71F-F3ED-55EB-ED991412CD0D}"/>
@@ -1156,7 +1647,7 @@
       </p:sp>
       <p:sp>
         <p:nvSpPr>
-          <p:cNvPr id="28" name="{{PRODUCT DESCRIPTION 2}}">
+          <p:cNvPr id="28" name="PRODUCT DESCRIPTION 2">
             <a:extLst>
               <a:ext uri="{FF2B5EF4-FFF2-40B4-BE49-F238E27FC236}">
                 <a16:creationId xmlns:a16="http://schemas.microsoft.com/office/drawing/2014/main" id="{CB7565EE-3FFC-C5D3-D3FC-36BAA210EABA}"/>
@@ -1194,7 +1685,7 @@
       </p:sp>
       <p:sp>
         <p:nvSpPr>
-          <p:cNvPr id="29" name="{{PRODUCT DESCRIPTION 3}}">
+          <p:cNvPr id="29" name="PRODUCT DESCRIPTION 3">
             <a:extLst>
               <a:ext uri="{FF2B5EF4-FFF2-40B4-BE49-F238E27FC236}">
                 <a16:creationId xmlns:a16="http://schemas.microsoft.com/office/drawing/2014/main" id="{E982C4E3-7800-F391-55D4-8814046C2DF3}"/>
@@ -1232,23 +1723,23 @@
       </p:sp>
       <p:sp>
         <p:nvSpPr>
-          <p:cNvPr id="30" name="{{PRODUCT DESCRIPTION 4}}">
-            <a:extLst>
-              <a:ext uri="{FF2B5EF4-FFF2-40B4-BE49-F238E27FC236}">
-                <a16:creationId xmlns:a16="http://schemas.microsoft.com/office/drawing/2014/main" id="{16B8FD2B-9445-BD8C-9A84-C2528646A624}"/>
-              </a:ext>
-            </a:extLst>
-          </p:cNvPr>
-          <p:cNvSpPr>
-            <a:spLocks noGrp="1"/>
-          </p:cNvSpPr>
-          <p:nvPr>
-            <p:ph type="body" sz="quarter" idx="29"/>
-          </p:nvPr>
-        </p:nvSpPr>
-        <p:spPr>
-          <a:xfrm>
-            <a:off x="10692391" y="2443448"/>
+          <p:cNvPr id="31" name="PRODUCT DESCRIPTION 5">
+            <a:extLst>
+              <a:ext uri="{FF2B5EF4-FFF2-40B4-BE49-F238E27FC236}">
+                <a16:creationId xmlns:a16="http://schemas.microsoft.com/office/drawing/2014/main" id="{329C47DA-9B37-F483-8F7F-B7E9910442B7}"/>
+              </a:ext>
+            </a:extLst>
+          </p:cNvPr>
+          <p:cNvSpPr>
+            <a:spLocks noGrp="1"/>
+          </p:cNvSpPr>
+          <p:nvPr>
+            <p:ph type="body" sz="quarter" idx="30"/>
+          </p:nvPr>
+        </p:nvSpPr>
+        <p:spPr>
+          <a:xfrm>
+            <a:off x="6234114" y="4365025"/>
             <a:ext cx="1243013" cy="404813"/>
           </a:xfrm>
         </p:spPr>
@@ -1270,23 +1761,23 @@
       </p:sp>
       <p:sp>
         <p:nvSpPr>
-          <p:cNvPr id="31" name="{{PRODUCT DESCRIPTION 5}}">
-            <a:extLst>
-              <a:ext uri="{FF2B5EF4-FFF2-40B4-BE49-F238E27FC236}">
-                <a16:creationId xmlns:a16="http://schemas.microsoft.com/office/drawing/2014/main" id="{329C47DA-9B37-F483-8F7F-B7E9910442B7}"/>
-              </a:ext>
-            </a:extLst>
-          </p:cNvPr>
-          <p:cNvSpPr>
-            <a:spLocks noGrp="1"/>
-          </p:cNvSpPr>
-          <p:nvPr>
-            <p:ph type="body" sz="quarter" idx="30"/>
-          </p:nvPr>
-        </p:nvSpPr>
-        <p:spPr>
-          <a:xfrm>
-            <a:off x="6234114" y="4365025"/>
+          <p:cNvPr id="32" name="PRODUCT DESCRIPTION 6">
+            <a:extLst>
+              <a:ext uri="{FF2B5EF4-FFF2-40B4-BE49-F238E27FC236}">
+                <a16:creationId xmlns:a16="http://schemas.microsoft.com/office/drawing/2014/main" id="{6FBC0EDC-9654-834F-D05D-3FB8D9D70883}"/>
+              </a:ext>
+            </a:extLst>
+          </p:cNvPr>
+          <p:cNvSpPr>
+            <a:spLocks noGrp="1"/>
+          </p:cNvSpPr>
+          <p:nvPr>
+            <p:ph type="body" sz="quarter" idx="31"/>
+          </p:nvPr>
+        </p:nvSpPr>
+        <p:spPr>
+          <a:xfrm>
+            <a:off x="7719990" y="4365025"/>
             <a:ext cx="1243013" cy="404813"/>
           </a:xfrm>
         </p:spPr>
@@ -1308,23 +1799,23 @@
       </p:sp>
       <p:sp>
         <p:nvSpPr>
-          <p:cNvPr id="32" name="{{PRODUCT DESCRIPTION 6}}">
-            <a:extLst>
-              <a:ext uri="{FF2B5EF4-FFF2-40B4-BE49-F238E27FC236}">
-                <a16:creationId xmlns:a16="http://schemas.microsoft.com/office/drawing/2014/main" id="{6FBC0EDC-9654-834F-D05D-3FB8D9D70883}"/>
-              </a:ext>
-            </a:extLst>
-          </p:cNvPr>
-          <p:cNvSpPr>
-            <a:spLocks noGrp="1"/>
-          </p:cNvSpPr>
-          <p:nvPr>
-            <p:ph type="body" sz="quarter" idx="31"/>
-          </p:nvPr>
-        </p:nvSpPr>
-        <p:spPr>
-          <a:xfrm>
-            <a:off x="7719990" y="4365025"/>
+          <p:cNvPr id="33" name="PRODUCT DESCRIPTION 7">
+            <a:extLst>
+              <a:ext uri="{FF2B5EF4-FFF2-40B4-BE49-F238E27FC236}">
+                <a16:creationId xmlns:a16="http://schemas.microsoft.com/office/drawing/2014/main" id="{055C292D-E0F5-D28C-3C64-4170CB7A5579}"/>
+              </a:ext>
+            </a:extLst>
+          </p:cNvPr>
+          <p:cNvSpPr>
+            <a:spLocks noGrp="1"/>
+          </p:cNvSpPr>
+          <p:nvPr>
+            <p:ph type="body" sz="quarter" idx="32"/>
+          </p:nvPr>
+        </p:nvSpPr>
+        <p:spPr>
+          <a:xfrm>
+            <a:off x="9205866" y="4365025"/>
             <a:ext cx="1243013" cy="404813"/>
           </a:xfrm>
         </p:spPr>
@@ -1346,23 +1837,23 @@
       </p:sp>
       <p:sp>
         <p:nvSpPr>
-          <p:cNvPr id="33" name="{{PRODUCT DESCRIPTION 7}}">
-            <a:extLst>
-              <a:ext uri="{FF2B5EF4-FFF2-40B4-BE49-F238E27FC236}">
-                <a16:creationId xmlns:a16="http://schemas.microsoft.com/office/drawing/2014/main" id="{055C292D-E0F5-D28C-3C64-4170CB7A5579}"/>
-              </a:ext>
-            </a:extLst>
-          </p:cNvPr>
-          <p:cNvSpPr>
-            <a:spLocks noGrp="1"/>
-          </p:cNvSpPr>
-          <p:nvPr>
-            <p:ph type="body" sz="quarter" idx="32"/>
-          </p:nvPr>
-        </p:nvSpPr>
-        <p:spPr>
-          <a:xfrm>
-            <a:off x="9205866" y="4365025"/>
+          <p:cNvPr id="34" name="PRODUCT DESCRIPTION 8">
+            <a:extLst>
+              <a:ext uri="{FF2B5EF4-FFF2-40B4-BE49-F238E27FC236}">
+                <a16:creationId xmlns:a16="http://schemas.microsoft.com/office/drawing/2014/main" id="{C04E6777-B7D6-2B95-861E-19DCFEA9880B}"/>
+              </a:ext>
+            </a:extLst>
+          </p:cNvPr>
+          <p:cNvSpPr>
+            <a:spLocks noGrp="1"/>
+          </p:cNvSpPr>
+          <p:nvPr>
+            <p:ph type="body" sz="quarter" idx="33"/>
+          </p:nvPr>
+        </p:nvSpPr>
+        <p:spPr>
+          <a:xfrm>
+            <a:off x="10691742" y="4365025"/>
             <a:ext cx="1243013" cy="404813"/>
           </a:xfrm>
         </p:spPr>
@@ -1384,23 +1875,23 @@
       </p:sp>
       <p:sp>
         <p:nvSpPr>
-          <p:cNvPr id="34" name="{{PRODUCT DESCRIPTION 8}}">
-            <a:extLst>
-              <a:ext uri="{FF2B5EF4-FFF2-40B4-BE49-F238E27FC236}">
-                <a16:creationId xmlns:a16="http://schemas.microsoft.com/office/drawing/2014/main" id="{C04E6777-B7D6-2B95-861E-19DCFEA9880B}"/>
-              </a:ext>
-            </a:extLst>
-          </p:cNvPr>
-          <p:cNvSpPr>
-            <a:spLocks noGrp="1"/>
-          </p:cNvSpPr>
-          <p:nvPr>
-            <p:ph type="body" sz="quarter" idx="33"/>
-          </p:nvPr>
-        </p:nvSpPr>
-        <p:spPr>
-          <a:xfrm>
-            <a:off x="10691742" y="4365025"/>
+          <p:cNvPr id="35" name="PRODUCT DESCRIPTION 9">
+            <a:extLst>
+              <a:ext uri="{FF2B5EF4-FFF2-40B4-BE49-F238E27FC236}">
+                <a16:creationId xmlns:a16="http://schemas.microsoft.com/office/drawing/2014/main" id="{ADFFADB8-A281-71C0-EB97-79D1B6ACF8E3}"/>
+              </a:ext>
+            </a:extLst>
+          </p:cNvPr>
+          <p:cNvSpPr>
+            <a:spLocks noGrp="1"/>
+          </p:cNvSpPr>
+          <p:nvPr>
+            <p:ph type="body" sz="quarter" idx="34"/>
+          </p:nvPr>
+        </p:nvSpPr>
+        <p:spPr>
+          <a:xfrm>
+            <a:off x="6233465" y="6286602"/>
             <a:ext cx="1243013" cy="404813"/>
           </a:xfrm>
         </p:spPr>
@@ -1422,23 +1913,23 @@
       </p:sp>
       <p:sp>
         <p:nvSpPr>
-          <p:cNvPr id="35" name="{{PRODUCT DESCRIPTION 9}}">
-            <a:extLst>
-              <a:ext uri="{FF2B5EF4-FFF2-40B4-BE49-F238E27FC236}">
-                <a16:creationId xmlns:a16="http://schemas.microsoft.com/office/drawing/2014/main" id="{ADFFADB8-A281-71C0-EB97-79D1B6ACF8E3}"/>
-              </a:ext>
-            </a:extLst>
-          </p:cNvPr>
-          <p:cNvSpPr>
-            <a:spLocks noGrp="1"/>
-          </p:cNvSpPr>
-          <p:nvPr>
-            <p:ph type="body" sz="quarter" idx="34"/>
-          </p:nvPr>
-        </p:nvSpPr>
-        <p:spPr>
-          <a:xfrm>
-            <a:off x="6233465" y="6286602"/>
+          <p:cNvPr id="36" name="PRODUCT DESCRIPTION 10">
+            <a:extLst>
+              <a:ext uri="{FF2B5EF4-FFF2-40B4-BE49-F238E27FC236}">
+                <a16:creationId xmlns:a16="http://schemas.microsoft.com/office/drawing/2014/main" id="{5DF4A071-F123-AB63-F039-E933134E6768}"/>
+              </a:ext>
+            </a:extLst>
+          </p:cNvPr>
+          <p:cNvSpPr>
+            <a:spLocks noGrp="1"/>
+          </p:cNvSpPr>
+          <p:nvPr>
+            <p:ph type="body" sz="quarter" idx="35"/>
+          </p:nvPr>
+        </p:nvSpPr>
+        <p:spPr>
+          <a:xfrm>
+            <a:off x="7719341" y="6286602"/>
             <a:ext cx="1243013" cy="404813"/>
           </a:xfrm>
         </p:spPr>
@@ -1460,23 +1951,23 @@
       </p:sp>
       <p:sp>
         <p:nvSpPr>
-          <p:cNvPr id="36" name="{{PRODUCT DESCRIPTION 10}}">
-            <a:extLst>
-              <a:ext uri="{FF2B5EF4-FFF2-40B4-BE49-F238E27FC236}">
-                <a16:creationId xmlns:a16="http://schemas.microsoft.com/office/drawing/2014/main" id="{5DF4A071-F123-AB63-F039-E933134E6768}"/>
-              </a:ext>
-            </a:extLst>
-          </p:cNvPr>
-          <p:cNvSpPr>
-            <a:spLocks noGrp="1"/>
-          </p:cNvSpPr>
-          <p:nvPr>
-            <p:ph type="body" sz="quarter" idx="35"/>
-          </p:nvPr>
-        </p:nvSpPr>
-        <p:spPr>
-          <a:xfrm>
-            <a:off x="7719341" y="6286602"/>
+          <p:cNvPr id="37" name="PRODUCT DESCRIPTION 11">
+            <a:extLst>
+              <a:ext uri="{FF2B5EF4-FFF2-40B4-BE49-F238E27FC236}">
+                <a16:creationId xmlns:a16="http://schemas.microsoft.com/office/drawing/2014/main" id="{BB6D6269-0299-2CA2-3C7A-E6DAE149670F}"/>
+              </a:ext>
+            </a:extLst>
+          </p:cNvPr>
+          <p:cNvSpPr>
+            <a:spLocks noGrp="1"/>
+          </p:cNvSpPr>
+          <p:nvPr>
+            <p:ph type="body" sz="quarter" idx="36" hasCustomPrompt="1"/>
+          </p:nvPr>
+        </p:nvSpPr>
+        <p:spPr>
+          <a:xfrm>
+            <a:off x="9205217" y="6286602"/>
             <a:ext cx="1243013" cy="404813"/>
           </a:xfrm>
         </p:spPr>
@@ -1492,29 +1983,32 @@
           </a:lstStyle>
           <a:p>
             <a:pPr lvl="0"/>
-            <a:endParaRPr lang="da-DK" dirty="0"/>
-          </a:p>
-        </p:txBody>
-      </p:sp>
-      <p:sp>
-        <p:nvSpPr>
-          <p:cNvPr id="37" name="{{PRODUCT DESCRIPTION 11}}">
-            <a:extLst>
-              <a:ext uri="{FF2B5EF4-FFF2-40B4-BE49-F238E27FC236}">
-                <a16:creationId xmlns:a16="http://schemas.microsoft.com/office/drawing/2014/main" id="{BB6D6269-0299-2CA2-3C7A-E6DAE149670F}"/>
-              </a:ext>
-            </a:extLst>
-          </p:cNvPr>
-          <p:cNvSpPr>
-            <a:spLocks noGrp="1"/>
-          </p:cNvSpPr>
-          <p:nvPr>
-            <p:ph type="body" sz="quarter" idx="36"/>
-          </p:nvPr>
-        </p:nvSpPr>
-        <p:spPr>
-          <a:xfrm>
-            <a:off x="9205217" y="6286602"/>
+            <a:r>
+              <a:rPr lang="da-DK" dirty="0"/>
+              <a:t>PRODUCT DESCRIPTION 12</a:t>
+            </a:r>
+          </a:p>
+        </p:txBody>
+      </p:sp>
+      <p:sp>
+        <p:nvSpPr>
+          <p:cNvPr id="38" name="PRODUCT DESCRIPTION 12">
+            <a:extLst>
+              <a:ext uri="{FF2B5EF4-FFF2-40B4-BE49-F238E27FC236}">
+                <a16:creationId xmlns:a16="http://schemas.microsoft.com/office/drawing/2014/main" id="{8E456BDB-A817-FCE7-764E-52D716AEF7BB}"/>
+              </a:ext>
+            </a:extLst>
+          </p:cNvPr>
+          <p:cNvSpPr>
+            <a:spLocks noGrp="1"/>
+          </p:cNvSpPr>
+          <p:nvPr>
+            <p:ph type="body" sz="quarter" idx="37"/>
+          </p:nvPr>
+        </p:nvSpPr>
+        <p:spPr>
+          <a:xfrm>
+            <a:off x="10691093" y="6286602"/>
             <a:ext cx="1243013" cy="404813"/>
           </a:xfrm>
         </p:spPr>
@@ -1536,23 +2030,23 @@
       </p:sp>
       <p:sp>
         <p:nvSpPr>
-          <p:cNvPr id="38" name="{{PRODUCT DESCRIPTION 12}}">
-            <a:extLst>
-              <a:ext uri="{FF2B5EF4-FFF2-40B4-BE49-F238E27FC236}">
-                <a16:creationId xmlns:a16="http://schemas.microsoft.com/office/drawing/2014/main" id="{8E456BDB-A817-FCE7-764E-52D716AEF7BB}"/>
-              </a:ext>
-            </a:extLst>
-          </p:cNvPr>
-          <p:cNvSpPr>
-            <a:spLocks noGrp="1"/>
-          </p:cNvSpPr>
-          <p:nvPr>
-            <p:ph type="body" sz="quarter" idx="37"/>
-          </p:nvPr>
-        </p:nvSpPr>
-        <p:spPr>
-          <a:xfrm>
-            <a:off x="10691093" y="6286602"/>
+          <p:cNvPr id="30" name="PRODUCT DESCRIPTION 4">
+            <a:extLst>
+              <a:ext uri="{FF2B5EF4-FFF2-40B4-BE49-F238E27FC236}">
+                <a16:creationId xmlns:a16="http://schemas.microsoft.com/office/drawing/2014/main" id="{16B8FD2B-9445-BD8C-9A84-C2528646A624}"/>
+              </a:ext>
+            </a:extLst>
+          </p:cNvPr>
+          <p:cNvSpPr>
+            <a:spLocks noGrp="1"/>
+          </p:cNvSpPr>
+          <p:nvPr>
+            <p:ph type="body" sz="quarter" idx="29"/>
+          </p:nvPr>
+        </p:nvSpPr>
+        <p:spPr>
+          <a:xfrm>
+            <a:off x="10692391" y="2443448"/>
             <a:ext cx="1243013" cy="404813"/>
           </a:xfrm>
         </p:spPr>
@@ -1574,7 +2068,7 @@
       </p:sp>
       <p:sp>
         <p:nvSpPr>
-          <p:cNvPr id="39" name="{{Linedrawing}}">
+          <p:cNvPr id="39" name="Linedrawing">
             <a:extLst>
               <a:ext uri="{FF2B5EF4-FFF2-40B4-BE49-F238E27FC236}">
                 <a16:creationId xmlns:a16="http://schemas.microsoft.com/office/drawing/2014/main" id="{EF989D20-5B89-63D2-FB9B-A5D763788789}"/>
@@ -1604,7 +2098,7 @@
       </p:sp>
       <p:sp>
         <p:nvSpPr>
-          <p:cNvPr id="40" name="{{SETTINGNAME}}">
+          <p:cNvPr id="40" name="SETTINGNAME">
             <a:extLst>
               <a:ext uri="{FF2B5EF4-FFF2-40B4-BE49-F238E27FC236}">
                 <a16:creationId xmlns:a16="http://schemas.microsoft.com/office/drawing/2014/main" id="{102DCF00-DE1F-44E8-289A-7E1EF2EAFE28}"/>
@@ -1644,7 +2138,7 @@
       </p:sp>
       <p:sp>
         <p:nvSpPr>
-          <p:cNvPr id="41" name="{{SETTINGNAME}}">
+          <p:cNvPr id="41" name="SETTINGNAME">
             <a:extLst>
               <a:ext uri="{FF2B5EF4-FFF2-40B4-BE49-F238E27FC236}">
                 <a16:creationId xmlns:a16="http://schemas.microsoft.com/office/drawing/2014/main" id="{2205041E-506C-F9EC-0018-3B8F850FB9A4}"/>
@@ -1802,7 +2296,7 @@
 
 <file path=ppt/slideLayouts/slideLayout3.xml><?xml version="1.0" encoding="utf-8"?>
 <p:sldLayout xmlns:a="http://schemas.openxmlformats.org/drawingml/2006/main" xmlns:r="http://schemas.openxmlformats.org/officeDocument/2006/relationships" xmlns:p="http://schemas.openxmlformats.org/presentationml/2006/main" preserve="1" userDrawn="1">
-  <p:cSld name="Blank">
+  <p:cSld name="ProductListBlank">
     <p:spTree>
       <p:nvGrpSpPr>
         <p:cNvPr id="1" name=""/>
@@ -1856,7 +2350,7 @@
       </p:sp>
       <p:sp>
         <p:nvSpPr>
-          <p:cNvPr id="8" name="{{SETTINGNAME}}">
+          <p:cNvPr id="8" name="SETTINGNAME">
             <a:extLst>
               <a:ext uri="{FF2B5EF4-FFF2-40B4-BE49-F238E27FC236}">
                 <a16:creationId xmlns:a16="http://schemas.microsoft.com/office/drawing/2014/main" id="{FDFEE6C3-D65F-4F19-E064-7EE29398FF31}"/>
@@ -2504,1171 +2998,6 @@
     </p:otherStyle>
   </p:txStyles>
 </p:sldMaster>
-</file>
-
-<file path=ppt/slides/slide1.xml><?xml version="1.0" encoding="utf-8"?>
-<p:sld xmlns:a="http://schemas.openxmlformats.org/drawingml/2006/main" xmlns:r="http://schemas.openxmlformats.org/officeDocument/2006/relationships" xmlns:p="http://schemas.openxmlformats.org/presentationml/2006/main">
-  <p:cSld>
-    <p:spTree>
-      <p:nvGrpSpPr>
-        <p:cNvPr id="1" name=""/>
-        <p:cNvGrpSpPr/>
-        <p:nvPr/>
-      </p:nvGrpSpPr>
-      <p:grpSpPr>
-        <a:xfrm>
-          <a:off x="0" y="0"/>
-          <a:ext cx="0" cy="0"/>
-          <a:chOff x="0" y="0"/>
-          <a:chExt cx="0" cy="0"/>
-        </a:xfrm>
-      </p:grpSpPr>
-      <p:sp>
-        <p:nvSpPr>
-          <p:cNvPr id="2" name="Picture Placeholder 1">
-            <a:extLst>
-              <a:ext uri="{FF2B5EF4-FFF2-40B4-BE49-F238E27FC236}">
-                <a16:creationId xmlns:a16="http://schemas.microsoft.com/office/drawing/2014/main" id="{DA325E19-6DA0-F347-66BA-D02754B6B52A}"/>
-              </a:ext>
-            </a:extLst>
-          </p:cNvPr>
-          <p:cNvSpPr>
-            <a:spLocks noGrp="1"/>
-          </p:cNvSpPr>
-          <p:nvPr>
-            <p:ph type="pic" sz="quarter" idx="17"/>
-          </p:nvPr>
-        </p:nvSpPr>
-        <p:spPr/>
-        <p:txBody>
-          <a:bodyPr/>
-          <a:lstStyle/>
-          <a:p>
-            <a:endParaRPr lang="da-DK"/>
-          </a:p>
-        </p:txBody>
-      </p:sp>
-      <p:sp>
-        <p:nvSpPr>
-          <p:cNvPr id="3" name="Picture Placeholder 2">
-            <a:extLst>
-              <a:ext uri="{FF2B5EF4-FFF2-40B4-BE49-F238E27FC236}">
-                <a16:creationId xmlns:a16="http://schemas.microsoft.com/office/drawing/2014/main" id="{1A1C69DE-EA4A-FC36-303B-2853D6E33F81}"/>
-              </a:ext>
-            </a:extLst>
-          </p:cNvPr>
-          <p:cNvSpPr>
-            <a:spLocks noGrp="1"/>
-          </p:cNvSpPr>
-          <p:nvPr>
-            <p:ph type="pic" sz="quarter" idx="40"/>
-          </p:nvPr>
-        </p:nvSpPr>
-        <p:spPr/>
-        <p:txBody>
-          <a:bodyPr/>
-          <a:lstStyle/>
-          <a:p>
-            <a:endParaRPr lang="da-DK"/>
-          </a:p>
-        </p:txBody>
-      </p:sp>
-      <p:sp>
-        <p:nvSpPr>
-          <p:cNvPr id="4" name="Picture Placeholder 3">
-            <a:extLst>
-              <a:ext uri="{FF2B5EF4-FFF2-40B4-BE49-F238E27FC236}">
-                <a16:creationId xmlns:a16="http://schemas.microsoft.com/office/drawing/2014/main" id="{598F905E-BD22-46CE-1E6F-04C0853E4921}"/>
-              </a:ext>
-            </a:extLst>
-          </p:cNvPr>
-          <p:cNvSpPr>
-            <a:spLocks noGrp="1"/>
-          </p:cNvSpPr>
-          <p:nvPr>
-            <p:ph type="pic" sz="quarter" idx="41"/>
-          </p:nvPr>
-        </p:nvSpPr>
-        <p:spPr/>
-        <p:txBody>
-          <a:bodyPr/>
-          <a:lstStyle/>
-          <a:p>
-            <a:endParaRPr lang="da-DK"/>
-          </a:p>
-        </p:txBody>
-      </p:sp>
-      <p:sp>
-        <p:nvSpPr>
-          <p:cNvPr id="5" name="Picture Placeholder 4">
-            <a:extLst>
-              <a:ext uri="{FF2B5EF4-FFF2-40B4-BE49-F238E27FC236}">
-                <a16:creationId xmlns:a16="http://schemas.microsoft.com/office/drawing/2014/main" id="{FCDE9C7E-CE01-109A-C468-25132C2938B8}"/>
-              </a:ext>
-            </a:extLst>
-          </p:cNvPr>
-          <p:cNvSpPr>
-            <a:spLocks noGrp="1"/>
-          </p:cNvSpPr>
-          <p:nvPr>
-            <p:ph type="pic" sz="quarter" idx="42"/>
-          </p:nvPr>
-        </p:nvSpPr>
-        <p:spPr/>
-        <p:txBody>
-          <a:bodyPr/>
-          <a:lstStyle/>
-          <a:p>
-            <a:endParaRPr lang="da-DK"/>
-          </a:p>
-        </p:txBody>
-      </p:sp>
-      <p:sp>
-        <p:nvSpPr>
-          <p:cNvPr id="6" name="Picture Placeholder 5">
-            <a:extLst>
-              <a:ext uri="{FF2B5EF4-FFF2-40B4-BE49-F238E27FC236}">
-                <a16:creationId xmlns:a16="http://schemas.microsoft.com/office/drawing/2014/main" id="{E9647C26-0D0C-3BEC-E67E-493111259E6F}"/>
-              </a:ext>
-            </a:extLst>
-          </p:cNvPr>
-          <p:cNvSpPr>
-            <a:spLocks noGrp="1"/>
-          </p:cNvSpPr>
-          <p:nvPr>
-            <p:ph type="pic" sz="quarter" idx="43"/>
-          </p:nvPr>
-        </p:nvSpPr>
-        <p:spPr/>
-        <p:txBody>
-          <a:bodyPr/>
-          <a:lstStyle/>
-          <a:p>
-            <a:endParaRPr lang="da-DK"/>
-          </a:p>
-        </p:txBody>
-      </p:sp>
-      <p:sp>
-        <p:nvSpPr>
-          <p:cNvPr id="7" name="Picture Placeholder 6">
-            <a:extLst>
-              <a:ext uri="{FF2B5EF4-FFF2-40B4-BE49-F238E27FC236}">
-                <a16:creationId xmlns:a16="http://schemas.microsoft.com/office/drawing/2014/main" id="{2E0A0566-B748-8D84-4167-18DC4CFD2350}"/>
-              </a:ext>
-            </a:extLst>
-          </p:cNvPr>
-          <p:cNvSpPr>
-            <a:spLocks noGrp="1"/>
-          </p:cNvSpPr>
-          <p:nvPr>
-            <p:ph type="pic" sz="quarter" idx="44"/>
-          </p:nvPr>
-        </p:nvSpPr>
-        <p:spPr/>
-        <p:txBody>
-          <a:bodyPr/>
-          <a:lstStyle/>
-          <a:p>
-            <a:endParaRPr lang="da-DK"/>
-          </a:p>
-        </p:txBody>
-      </p:sp>
-      <p:sp>
-        <p:nvSpPr>
-          <p:cNvPr id="8" name="Picture Placeholder 7">
-            <a:extLst>
-              <a:ext uri="{FF2B5EF4-FFF2-40B4-BE49-F238E27FC236}">
-                <a16:creationId xmlns:a16="http://schemas.microsoft.com/office/drawing/2014/main" id="{1BBF7AB7-E5D4-CE62-196D-29115F2F4B06}"/>
-              </a:ext>
-            </a:extLst>
-          </p:cNvPr>
-          <p:cNvSpPr>
-            <a:spLocks noGrp="1"/>
-          </p:cNvSpPr>
-          <p:nvPr>
-            <p:ph type="pic" sz="quarter" idx="45"/>
-          </p:nvPr>
-        </p:nvSpPr>
-        <p:spPr/>
-        <p:txBody>
-          <a:bodyPr/>
-          <a:lstStyle/>
-          <a:p>
-            <a:endParaRPr lang="da-DK"/>
-          </a:p>
-        </p:txBody>
-      </p:sp>
-      <p:sp>
-        <p:nvSpPr>
-          <p:cNvPr id="9" name="Picture Placeholder 8">
-            <a:extLst>
-              <a:ext uri="{FF2B5EF4-FFF2-40B4-BE49-F238E27FC236}">
-                <a16:creationId xmlns:a16="http://schemas.microsoft.com/office/drawing/2014/main" id="{198E67F1-FC68-6401-B24E-1631E6CAF22E}"/>
-              </a:ext>
-            </a:extLst>
-          </p:cNvPr>
-          <p:cNvSpPr>
-            <a:spLocks noGrp="1"/>
-          </p:cNvSpPr>
-          <p:nvPr>
-            <p:ph type="pic" sz="quarter" idx="46"/>
-          </p:nvPr>
-        </p:nvSpPr>
-        <p:spPr/>
-        <p:txBody>
-          <a:bodyPr/>
-          <a:lstStyle/>
-          <a:p>
-            <a:endParaRPr lang="da-DK"/>
-          </a:p>
-        </p:txBody>
-      </p:sp>
-      <p:sp>
-        <p:nvSpPr>
-          <p:cNvPr id="10" name="Picture Placeholder 9">
-            <a:extLst>
-              <a:ext uri="{FF2B5EF4-FFF2-40B4-BE49-F238E27FC236}">
-                <a16:creationId xmlns:a16="http://schemas.microsoft.com/office/drawing/2014/main" id="{07EDCD8A-927B-96AF-ADF4-4A6C22FB8589}"/>
-              </a:ext>
-            </a:extLst>
-          </p:cNvPr>
-          <p:cNvSpPr>
-            <a:spLocks noGrp="1"/>
-          </p:cNvSpPr>
-          <p:nvPr>
-            <p:ph type="pic" sz="quarter" idx="47"/>
-          </p:nvPr>
-        </p:nvSpPr>
-        <p:spPr/>
-        <p:txBody>
-          <a:bodyPr/>
-          <a:lstStyle/>
-          <a:p>
-            <a:endParaRPr lang="da-DK"/>
-          </a:p>
-        </p:txBody>
-      </p:sp>
-      <p:sp>
-        <p:nvSpPr>
-          <p:cNvPr id="11" name="Picture Placeholder 10">
-            <a:extLst>
-              <a:ext uri="{FF2B5EF4-FFF2-40B4-BE49-F238E27FC236}">
-                <a16:creationId xmlns:a16="http://schemas.microsoft.com/office/drawing/2014/main" id="{2423834E-0928-93DA-CE1B-445D99BD846F}"/>
-              </a:ext>
-            </a:extLst>
-          </p:cNvPr>
-          <p:cNvSpPr>
-            <a:spLocks noGrp="1"/>
-          </p:cNvSpPr>
-          <p:nvPr>
-            <p:ph type="pic" sz="quarter" idx="48"/>
-          </p:nvPr>
-        </p:nvSpPr>
-        <p:spPr/>
-        <p:txBody>
-          <a:bodyPr/>
-          <a:lstStyle/>
-          <a:p>
-            <a:endParaRPr lang="da-DK"/>
-          </a:p>
-        </p:txBody>
-      </p:sp>
-      <p:sp>
-        <p:nvSpPr>
-          <p:cNvPr id="12" name="Picture Placeholder 11">
-            <a:extLst>
-              <a:ext uri="{FF2B5EF4-FFF2-40B4-BE49-F238E27FC236}">
-                <a16:creationId xmlns:a16="http://schemas.microsoft.com/office/drawing/2014/main" id="{BEA18399-2DB3-CF2A-4912-2E238C80E8A2}"/>
-              </a:ext>
-            </a:extLst>
-          </p:cNvPr>
-          <p:cNvSpPr>
-            <a:spLocks noGrp="1"/>
-          </p:cNvSpPr>
-          <p:nvPr>
-            <p:ph type="pic" sz="quarter" idx="49"/>
-          </p:nvPr>
-        </p:nvSpPr>
-        <p:spPr/>
-        <p:txBody>
-          <a:bodyPr/>
-          <a:lstStyle/>
-          <a:p>
-            <a:endParaRPr lang="da-DK"/>
-          </a:p>
-        </p:txBody>
-      </p:sp>
-      <p:sp>
-        <p:nvSpPr>
-          <p:cNvPr id="13" name="Picture Placeholder 12">
-            <a:extLst>
-              <a:ext uri="{FF2B5EF4-FFF2-40B4-BE49-F238E27FC236}">
-                <a16:creationId xmlns:a16="http://schemas.microsoft.com/office/drawing/2014/main" id="{42D4B096-9DD9-57A5-0FB3-692642B9B570}"/>
-              </a:ext>
-            </a:extLst>
-          </p:cNvPr>
-          <p:cNvSpPr>
-            <a:spLocks noGrp="1"/>
-          </p:cNvSpPr>
-          <p:nvPr>
-            <p:ph type="pic" sz="quarter" idx="50"/>
-          </p:nvPr>
-        </p:nvSpPr>
-        <p:spPr/>
-        <p:txBody>
-          <a:bodyPr/>
-          <a:lstStyle/>
-          <a:p>
-            <a:endParaRPr lang="da-DK"/>
-          </a:p>
-        </p:txBody>
-      </p:sp>
-      <p:sp>
-        <p:nvSpPr>
-          <p:cNvPr id="14" name="Text Placeholder 13">
-            <a:extLst>
-              <a:ext uri="{FF2B5EF4-FFF2-40B4-BE49-F238E27FC236}">
-                <a16:creationId xmlns:a16="http://schemas.microsoft.com/office/drawing/2014/main" id="{2A477CF7-B5F9-E13A-0407-C6CE97093792}"/>
-              </a:ext>
-            </a:extLst>
-          </p:cNvPr>
-          <p:cNvSpPr>
-            <a:spLocks noGrp="1"/>
-          </p:cNvSpPr>
-          <p:nvPr>
-            <p:ph type="body" sz="quarter" idx="51"/>
-          </p:nvPr>
-        </p:nvSpPr>
-        <p:spPr/>
-        <p:txBody>
-          <a:bodyPr/>
-          <a:lstStyle/>
-          <a:p>
-            <a:endParaRPr lang="da-DK"/>
-          </a:p>
-        </p:txBody>
-      </p:sp>
-    </p:spTree>
-    <p:extLst>
-      <p:ext uri="{BB962C8B-B14F-4D97-AF65-F5344CB8AC3E}">
-        <p14:creationId xmlns:p14="http://schemas.microsoft.com/office/powerpoint/2010/main" val="3905008658"/>
-      </p:ext>
-    </p:extLst>
-  </p:cSld>
-  <p:clrMapOvr>
-    <a:masterClrMapping/>
-  </p:clrMapOvr>
-</p:sld>
-</file>
-
-<file path=ppt/slides/slide2.xml><?xml version="1.0" encoding="utf-8"?>
-<p:sld xmlns:a="http://schemas.openxmlformats.org/drawingml/2006/main" xmlns:r="http://schemas.openxmlformats.org/officeDocument/2006/relationships" xmlns:p="http://schemas.openxmlformats.org/presentationml/2006/main">
-  <p:cSld>
-    <p:spTree>
-      <p:nvGrpSpPr>
-        <p:cNvPr id="1" name=""/>
-        <p:cNvGrpSpPr/>
-        <p:nvPr/>
-      </p:nvGrpSpPr>
-      <p:grpSpPr>
-        <a:xfrm>
-          <a:off x="0" y="0"/>
-          <a:ext cx="0" cy="0"/>
-          <a:chOff x="0" y="0"/>
-          <a:chExt cx="0" cy="0"/>
-        </a:xfrm>
-      </p:grpSpPr>
-      <p:sp>
-        <p:nvSpPr>
-          <p:cNvPr id="2" name="Picture Placeholder 1">
-            <a:extLst>
-              <a:ext uri="{FF2B5EF4-FFF2-40B4-BE49-F238E27FC236}">
-                <a16:creationId xmlns:a16="http://schemas.microsoft.com/office/drawing/2014/main" id="{56F9CF0B-41E9-88E6-80B3-30F4025D5B1D}"/>
-              </a:ext>
-            </a:extLst>
-          </p:cNvPr>
-          <p:cNvSpPr>
-            <a:spLocks noGrp="1"/>
-          </p:cNvSpPr>
-          <p:nvPr>
-            <p:ph type="pic" sz="quarter" idx="13"/>
-          </p:nvPr>
-        </p:nvSpPr>
-        <p:spPr/>
-        <p:txBody>
-          <a:bodyPr/>
-          <a:lstStyle/>
-          <a:p>
-            <a:endParaRPr lang="da-DK"/>
-          </a:p>
-        </p:txBody>
-      </p:sp>
-      <p:sp>
-        <p:nvSpPr>
-          <p:cNvPr id="3" name="Picture Placeholder 2">
-            <a:extLst>
-              <a:ext uri="{FF2B5EF4-FFF2-40B4-BE49-F238E27FC236}">
-                <a16:creationId xmlns:a16="http://schemas.microsoft.com/office/drawing/2014/main" id="{5F969944-DB14-9CDF-5BCB-7C9BFB7D3710}"/>
-              </a:ext>
-            </a:extLst>
-          </p:cNvPr>
-          <p:cNvSpPr>
-            <a:spLocks noGrp="1"/>
-          </p:cNvSpPr>
-          <p:nvPr>
-            <p:ph type="pic" sz="quarter" idx="14"/>
-          </p:nvPr>
-        </p:nvSpPr>
-        <p:spPr/>
-        <p:txBody>
-          <a:bodyPr/>
-          <a:lstStyle/>
-          <a:p>
-            <a:endParaRPr lang="da-DK"/>
-          </a:p>
-        </p:txBody>
-      </p:sp>
-      <p:sp>
-        <p:nvSpPr>
-          <p:cNvPr id="4" name="Picture Placeholder 3">
-            <a:extLst>
-              <a:ext uri="{FF2B5EF4-FFF2-40B4-BE49-F238E27FC236}">
-                <a16:creationId xmlns:a16="http://schemas.microsoft.com/office/drawing/2014/main" id="{5EA64857-557E-12F7-394A-CF9261FEF4C9}"/>
-              </a:ext>
-            </a:extLst>
-          </p:cNvPr>
-          <p:cNvSpPr>
-            <a:spLocks noGrp="1"/>
-          </p:cNvSpPr>
-          <p:nvPr>
-            <p:ph type="pic" sz="quarter" idx="15"/>
-          </p:nvPr>
-        </p:nvSpPr>
-        <p:spPr/>
-        <p:txBody>
-          <a:bodyPr/>
-          <a:lstStyle/>
-          <a:p>
-            <a:endParaRPr lang="da-DK"/>
-          </a:p>
-        </p:txBody>
-      </p:sp>
-      <p:sp>
-        <p:nvSpPr>
-          <p:cNvPr id="5" name="Picture Placeholder 4">
-            <a:extLst>
-              <a:ext uri="{FF2B5EF4-FFF2-40B4-BE49-F238E27FC236}">
-                <a16:creationId xmlns:a16="http://schemas.microsoft.com/office/drawing/2014/main" id="{6F45DED4-3602-DB7B-B365-F3C09B7D6315}"/>
-              </a:ext>
-            </a:extLst>
-          </p:cNvPr>
-          <p:cNvSpPr>
-            <a:spLocks noGrp="1"/>
-          </p:cNvSpPr>
-          <p:nvPr>
-            <p:ph type="pic" sz="quarter" idx="16"/>
-          </p:nvPr>
-        </p:nvSpPr>
-        <p:spPr/>
-        <p:txBody>
-          <a:bodyPr/>
-          <a:lstStyle/>
-          <a:p>
-            <a:endParaRPr lang="da-DK"/>
-          </a:p>
-        </p:txBody>
-      </p:sp>
-      <p:sp>
-        <p:nvSpPr>
-          <p:cNvPr id="6" name="Picture Placeholder 5">
-            <a:extLst>
-              <a:ext uri="{FF2B5EF4-FFF2-40B4-BE49-F238E27FC236}">
-                <a16:creationId xmlns:a16="http://schemas.microsoft.com/office/drawing/2014/main" id="{70C94EBF-CAEC-EBEB-145D-1349886DCFA2}"/>
-              </a:ext>
-            </a:extLst>
-          </p:cNvPr>
-          <p:cNvSpPr>
-            <a:spLocks noGrp="1"/>
-          </p:cNvSpPr>
-          <p:nvPr>
-            <p:ph type="pic" sz="quarter" idx="17"/>
-          </p:nvPr>
-        </p:nvSpPr>
-        <p:spPr/>
-        <p:txBody>
-          <a:bodyPr/>
-          <a:lstStyle/>
-          <a:p>
-            <a:endParaRPr lang="da-DK"/>
-          </a:p>
-        </p:txBody>
-      </p:sp>
-      <p:sp>
-        <p:nvSpPr>
-          <p:cNvPr id="7" name="Picture Placeholder 6">
-            <a:extLst>
-              <a:ext uri="{FF2B5EF4-FFF2-40B4-BE49-F238E27FC236}">
-                <a16:creationId xmlns:a16="http://schemas.microsoft.com/office/drawing/2014/main" id="{453ECA54-BDDE-DD5C-9342-FDF28EC2E9E7}"/>
-              </a:ext>
-            </a:extLst>
-          </p:cNvPr>
-          <p:cNvSpPr>
-            <a:spLocks noGrp="1"/>
-          </p:cNvSpPr>
-          <p:nvPr>
-            <p:ph type="pic" sz="quarter" idx="18"/>
-          </p:nvPr>
-        </p:nvSpPr>
-        <p:spPr/>
-        <p:txBody>
-          <a:bodyPr/>
-          <a:lstStyle/>
-          <a:p>
-            <a:endParaRPr lang="da-DK"/>
-          </a:p>
-        </p:txBody>
-      </p:sp>
-      <p:sp>
-        <p:nvSpPr>
-          <p:cNvPr id="8" name="Picture Placeholder 7">
-            <a:extLst>
-              <a:ext uri="{FF2B5EF4-FFF2-40B4-BE49-F238E27FC236}">
-                <a16:creationId xmlns:a16="http://schemas.microsoft.com/office/drawing/2014/main" id="{CBF2C2C5-F067-A0F3-939C-CCEA683F05FC}"/>
-              </a:ext>
-            </a:extLst>
-          </p:cNvPr>
-          <p:cNvSpPr>
-            <a:spLocks noGrp="1"/>
-          </p:cNvSpPr>
-          <p:nvPr>
-            <p:ph type="pic" sz="quarter" idx="19"/>
-          </p:nvPr>
-        </p:nvSpPr>
-        <p:spPr/>
-        <p:txBody>
-          <a:bodyPr/>
-          <a:lstStyle/>
-          <a:p>
-            <a:endParaRPr lang="da-DK"/>
-          </a:p>
-        </p:txBody>
-      </p:sp>
-      <p:sp>
-        <p:nvSpPr>
-          <p:cNvPr id="9" name="Picture Placeholder 8">
-            <a:extLst>
-              <a:ext uri="{FF2B5EF4-FFF2-40B4-BE49-F238E27FC236}">
-                <a16:creationId xmlns:a16="http://schemas.microsoft.com/office/drawing/2014/main" id="{F192E25D-590B-22A3-9689-3205EB965D0D}"/>
-              </a:ext>
-            </a:extLst>
-          </p:cNvPr>
-          <p:cNvSpPr>
-            <a:spLocks noGrp="1"/>
-          </p:cNvSpPr>
-          <p:nvPr>
-            <p:ph type="pic" sz="quarter" idx="20"/>
-          </p:nvPr>
-        </p:nvSpPr>
-        <p:spPr/>
-        <p:txBody>
-          <a:bodyPr/>
-          <a:lstStyle/>
-          <a:p>
-            <a:endParaRPr lang="da-DK"/>
-          </a:p>
-        </p:txBody>
-      </p:sp>
-      <p:sp>
-        <p:nvSpPr>
-          <p:cNvPr id="10" name="Picture Placeholder 9">
-            <a:extLst>
-              <a:ext uri="{FF2B5EF4-FFF2-40B4-BE49-F238E27FC236}">
-                <a16:creationId xmlns:a16="http://schemas.microsoft.com/office/drawing/2014/main" id="{56D1BA10-FF1A-E723-76E1-AB7724D84F1E}"/>
-              </a:ext>
-            </a:extLst>
-          </p:cNvPr>
-          <p:cNvSpPr>
-            <a:spLocks noGrp="1"/>
-          </p:cNvSpPr>
-          <p:nvPr>
-            <p:ph type="pic" sz="quarter" idx="21"/>
-          </p:nvPr>
-        </p:nvSpPr>
-        <p:spPr/>
-        <p:txBody>
-          <a:bodyPr/>
-          <a:lstStyle/>
-          <a:p>
-            <a:endParaRPr lang="da-DK"/>
-          </a:p>
-        </p:txBody>
-      </p:sp>
-      <p:sp>
-        <p:nvSpPr>
-          <p:cNvPr id="11" name="Picture Placeholder 10">
-            <a:extLst>
-              <a:ext uri="{FF2B5EF4-FFF2-40B4-BE49-F238E27FC236}">
-                <a16:creationId xmlns:a16="http://schemas.microsoft.com/office/drawing/2014/main" id="{1AFF2991-DDB0-AA8E-A904-6D7B581551E5}"/>
-              </a:ext>
-            </a:extLst>
-          </p:cNvPr>
-          <p:cNvSpPr>
-            <a:spLocks noGrp="1"/>
-          </p:cNvSpPr>
-          <p:nvPr>
-            <p:ph type="pic" sz="quarter" idx="22"/>
-          </p:nvPr>
-        </p:nvSpPr>
-        <p:spPr/>
-        <p:txBody>
-          <a:bodyPr/>
-          <a:lstStyle/>
-          <a:p>
-            <a:endParaRPr lang="da-DK"/>
-          </a:p>
-        </p:txBody>
-      </p:sp>
-      <p:sp>
-        <p:nvSpPr>
-          <p:cNvPr id="12" name="Picture Placeholder 11">
-            <a:extLst>
-              <a:ext uri="{FF2B5EF4-FFF2-40B4-BE49-F238E27FC236}">
-                <a16:creationId xmlns:a16="http://schemas.microsoft.com/office/drawing/2014/main" id="{3AC4AD71-269A-1EAF-52AB-80BD9486B1FA}"/>
-              </a:ext>
-            </a:extLst>
-          </p:cNvPr>
-          <p:cNvSpPr>
-            <a:spLocks noGrp="1"/>
-          </p:cNvSpPr>
-          <p:nvPr>
-            <p:ph type="pic" sz="quarter" idx="23"/>
-          </p:nvPr>
-        </p:nvSpPr>
-        <p:spPr/>
-        <p:txBody>
-          <a:bodyPr/>
-          <a:lstStyle/>
-          <a:p>
-            <a:endParaRPr lang="da-DK"/>
-          </a:p>
-        </p:txBody>
-      </p:sp>
-      <p:sp>
-        <p:nvSpPr>
-          <p:cNvPr id="13" name="Picture Placeholder 12">
-            <a:extLst>
-              <a:ext uri="{FF2B5EF4-FFF2-40B4-BE49-F238E27FC236}">
-                <a16:creationId xmlns:a16="http://schemas.microsoft.com/office/drawing/2014/main" id="{64082C08-9077-A2B5-DD09-C69D36A055D3}"/>
-              </a:ext>
-            </a:extLst>
-          </p:cNvPr>
-          <p:cNvSpPr>
-            <a:spLocks noGrp="1"/>
-          </p:cNvSpPr>
-          <p:nvPr>
-            <p:ph type="pic" sz="quarter" idx="24"/>
-          </p:nvPr>
-        </p:nvSpPr>
-        <p:spPr/>
-        <p:txBody>
-          <a:bodyPr/>
-          <a:lstStyle/>
-          <a:p>
-            <a:endParaRPr lang="da-DK"/>
-          </a:p>
-        </p:txBody>
-      </p:sp>
-      <p:sp>
-        <p:nvSpPr>
-          <p:cNvPr id="14" name="Picture Placeholder 13">
-            <a:extLst>
-              <a:ext uri="{FF2B5EF4-FFF2-40B4-BE49-F238E27FC236}">
-                <a16:creationId xmlns:a16="http://schemas.microsoft.com/office/drawing/2014/main" id="{4ADE4942-3D88-C2F1-5634-9DDC4DEFB478}"/>
-              </a:ext>
-            </a:extLst>
-          </p:cNvPr>
-          <p:cNvSpPr>
-            <a:spLocks noGrp="1"/>
-          </p:cNvSpPr>
-          <p:nvPr>
-            <p:ph type="pic" sz="quarter" idx="25"/>
-          </p:nvPr>
-        </p:nvSpPr>
-        <p:spPr/>
-        <p:txBody>
-          <a:bodyPr/>
-          <a:lstStyle/>
-          <a:p>
-            <a:endParaRPr lang="da-DK"/>
-          </a:p>
-        </p:txBody>
-      </p:sp>
-      <p:sp>
-        <p:nvSpPr>
-          <p:cNvPr id="15" name="Text Placeholder 14">
-            <a:extLst>
-              <a:ext uri="{FF2B5EF4-FFF2-40B4-BE49-F238E27FC236}">
-                <a16:creationId xmlns:a16="http://schemas.microsoft.com/office/drawing/2014/main" id="{8E078B71-258D-F92D-F8E6-B386F7C8D3C1}"/>
-              </a:ext>
-            </a:extLst>
-          </p:cNvPr>
-          <p:cNvSpPr>
-            <a:spLocks noGrp="1"/>
-          </p:cNvSpPr>
-          <p:nvPr>
-            <p:ph type="body" sz="quarter" idx="26"/>
-          </p:nvPr>
-        </p:nvSpPr>
-        <p:spPr/>
-        <p:txBody>
-          <a:bodyPr/>
-          <a:lstStyle/>
-          <a:p>
-            <a:endParaRPr lang="da-DK"/>
-          </a:p>
-        </p:txBody>
-      </p:sp>
-      <p:sp>
-        <p:nvSpPr>
-          <p:cNvPr id="16" name="Text Placeholder 15">
-            <a:extLst>
-              <a:ext uri="{FF2B5EF4-FFF2-40B4-BE49-F238E27FC236}">
-                <a16:creationId xmlns:a16="http://schemas.microsoft.com/office/drawing/2014/main" id="{8E56D9C3-A0DB-77C3-A10F-B48841C091A5}"/>
-              </a:ext>
-            </a:extLst>
-          </p:cNvPr>
-          <p:cNvSpPr>
-            <a:spLocks noGrp="1"/>
-          </p:cNvSpPr>
-          <p:nvPr>
-            <p:ph type="body" sz="quarter" idx="27"/>
-          </p:nvPr>
-        </p:nvSpPr>
-        <p:spPr/>
-        <p:txBody>
-          <a:bodyPr/>
-          <a:lstStyle/>
-          <a:p>
-            <a:endParaRPr lang="da-DK"/>
-          </a:p>
-        </p:txBody>
-      </p:sp>
-      <p:sp>
-        <p:nvSpPr>
-          <p:cNvPr id="17" name="Text Placeholder 16">
-            <a:extLst>
-              <a:ext uri="{FF2B5EF4-FFF2-40B4-BE49-F238E27FC236}">
-                <a16:creationId xmlns:a16="http://schemas.microsoft.com/office/drawing/2014/main" id="{387AC5D2-D688-F624-88D6-4FDB2F7318EE}"/>
-              </a:ext>
-            </a:extLst>
-          </p:cNvPr>
-          <p:cNvSpPr>
-            <a:spLocks noGrp="1"/>
-          </p:cNvSpPr>
-          <p:nvPr>
-            <p:ph type="body" sz="quarter" idx="28"/>
-          </p:nvPr>
-        </p:nvSpPr>
-        <p:spPr/>
-        <p:txBody>
-          <a:bodyPr/>
-          <a:lstStyle/>
-          <a:p>
-            <a:endParaRPr lang="da-DK"/>
-          </a:p>
-        </p:txBody>
-      </p:sp>
-      <p:sp>
-        <p:nvSpPr>
-          <p:cNvPr id="18" name="Text Placeholder 17">
-            <a:extLst>
-              <a:ext uri="{FF2B5EF4-FFF2-40B4-BE49-F238E27FC236}">
-                <a16:creationId xmlns:a16="http://schemas.microsoft.com/office/drawing/2014/main" id="{AFF0DEAB-44CE-B270-72A9-7E4F1F7520A3}"/>
-              </a:ext>
-            </a:extLst>
-          </p:cNvPr>
-          <p:cNvSpPr>
-            <a:spLocks noGrp="1"/>
-          </p:cNvSpPr>
-          <p:nvPr>
-            <p:ph type="body" sz="quarter" idx="29"/>
-          </p:nvPr>
-        </p:nvSpPr>
-        <p:spPr/>
-        <p:txBody>
-          <a:bodyPr/>
-          <a:lstStyle/>
-          <a:p>
-            <a:endParaRPr lang="da-DK"/>
-          </a:p>
-        </p:txBody>
-      </p:sp>
-      <p:sp>
-        <p:nvSpPr>
-          <p:cNvPr id="19" name="Text Placeholder 18">
-            <a:extLst>
-              <a:ext uri="{FF2B5EF4-FFF2-40B4-BE49-F238E27FC236}">
-                <a16:creationId xmlns:a16="http://schemas.microsoft.com/office/drawing/2014/main" id="{E6FB9959-CA55-22BC-618F-BD924916B772}"/>
-              </a:ext>
-            </a:extLst>
-          </p:cNvPr>
-          <p:cNvSpPr>
-            <a:spLocks noGrp="1"/>
-          </p:cNvSpPr>
-          <p:nvPr>
-            <p:ph type="body" sz="quarter" idx="30"/>
-          </p:nvPr>
-        </p:nvSpPr>
-        <p:spPr/>
-        <p:txBody>
-          <a:bodyPr/>
-          <a:lstStyle/>
-          <a:p>
-            <a:endParaRPr lang="da-DK"/>
-          </a:p>
-        </p:txBody>
-      </p:sp>
-      <p:sp>
-        <p:nvSpPr>
-          <p:cNvPr id="20" name="Text Placeholder 19">
-            <a:extLst>
-              <a:ext uri="{FF2B5EF4-FFF2-40B4-BE49-F238E27FC236}">
-                <a16:creationId xmlns:a16="http://schemas.microsoft.com/office/drawing/2014/main" id="{31BD3982-DBC7-A5E9-0B54-26865B2FBC8C}"/>
-              </a:ext>
-            </a:extLst>
-          </p:cNvPr>
-          <p:cNvSpPr>
-            <a:spLocks noGrp="1"/>
-          </p:cNvSpPr>
-          <p:nvPr>
-            <p:ph type="body" sz="quarter" idx="31"/>
-          </p:nvPr>
-        </p:nvSpPr>
-        <p:spPr/>
-        <p:txBody>
-          <a:bodyPr/>
-          <a:lstStyle/>
-          <a:p>
-            <a:endParaRPr lang="da-DK"/>
-          </a:p>
-        </p:txBody>
-      </p:sp>
-      <p:sp>
-        <p:nvSpPr>
-          <p:cNvPr id="21" name="Text Placeholder 20">
-            <a:extLst>
-              <a:ext uri="{FF2B5EF4-FFF2-40B4-BE49-F238E27FC236}">
-                <a16:creationId xmlns:a16="http://schemas.microsoft.com/office/drawing/2014/main" id="{8C63BA0B-8305-CC04-3D93-379151005A2F}"/>
-              </a:ext>
-            </a:extLst>
-          </p:cNvPr>
-          <p:cNvSpPr>
-            <a:spLocks noGrp="1"/>
-          </p:cNvSpPr>
-          <p:nvPr>
-            <p:ph type="body" sz="quarter" idx="32"/>
-          </p:nvPr>
-        </p:nvSpPr>
-        <p:spPr/>
-        <p:txBody>
-          <a:bodyPr/>
-          <a:lstStyle/>
-          <a:p>
-            <a:endParaRPr lang="da-DK"/>
-          </a:p>
-        </p:txBody>
-      </p:sp>
-      <p:sp>
-        <p:nvSpPr>
-          <p:cNvPr id="22" name="Text Placeholder 21">
-            <a:extLst>
-              <a:ext uri="{FF2B5EF4-FFF2-40B4-BE49-F238E27FC236}">
-                <a16:creationId xmlns:a16="http://schemas.microsoft.com/office/drawing/2014/main" id="{93B63DAA-F0C3-547A-AC38-9AF16E82E59F}"/>
-              </a:ext>
-            </a:extLst>
-          </p:cNvPr>
-          <p:cNvSpPr>
-            <a:spLocks noGrp="1"/>
-          </p:cNvSpPr>
-          <p:nvPr>
-            <p:ph type="body" sz="quarter" idx="33"/>
-          </p:nvPr>
-        </p:nvSpPr>
-        <p:spPr/>
-        <p:txBody>
-          <a:bodyPr/>
-          <a:lstStyle/>
-          <a:p>
-            <a:endParaRPr lang="da-DK"/>
-          </a:p>
-        </p:txBody>
-      </p:sp>
-      <p:sp>
-        <p:nvSpPr>
-          <p:cNvPr id="23" name="Text Placeholder 22">
-            <a:extLst>
-              <a:ext uri="{FF2B5EF4-FFF2-40B4-BE49-F238E27FC236}">
-                <a16:creationId xmlns:a16="http://schemas.microsoft.com/office/drawing/2014/main" id="{4DE90732-5BBA-9D20-C258-F774FFF6C65D}"/>
-              </a:ext>
-            </a:extLst>
-          </p:cNvPr>
-          <p:cNvSpPr>
-            <a:spLocks noGrp="1"/>
-          </p:cNvSpPr>
-          <p:nvPr>
-            <p:ph type="body" sz="quarter" idx="34"/>
-          </p:nvPr>
-        </p:nvSpPr>
-        <p:spPr/>
-        <p:txBody>
-          <a:bodyPr/>
-          <a:lstStyle/>
-          <a:p>
-            <a:endParaRPr lang="da-DK"/>
-          </a:p>
-        </p:txBody>
-      </p:sp>
-      <p:sp>
-        <p:nvSpPr>
-          <p:cNvPr id="24" name="Text Placeholder 23">
-            <a:extLst>
-              <a:ext uri="{FF2B5EF4-FFF2-40B4-BE49-F238E27FC236}">
-                <a16:creationId xmlns:a16="http://schemas.microsoft.com/office/drawing/2014/main" id="{EB9316D4-E74A-F790-F3C4-ED19013EF349}"/>
-              </a:ext>
-            </a:extLst>
-          </p:cNvPr>
-          <p:cNvSpPr>
-            <a:spLocks noGrp="1"/>
-          </p:cNvSpPr>
-          <p:nvPr>
-            <p:ph type="body" sz="quarter" idx="35"/>
-          </p:nvPr>
-        </p:nvSpPr>
-        <p:spPr/>
-        <p:txBody>
-          <a:bodyPr/>
-          <a:lstStyle/>
-          <a:p>
-            <a:endParaRPr lang="da-DK"/>
-          </a:p>
-        </p:txBody>
-      </p:sp>
-      <p:sp>
-        <p:nvSpPr>
-          <p:cNvPr id="25" name="Text Placeholder 24">
-            <a:extLst>
-              <a:ext uri="{FF2B5EF4-FFF2-40B4-BE49-F238E27FC236}">
-                <a16:creationId xmlns:a16="http://schemas.microsoft.com/office/drawing/2014/main" id="{5436D1EA-E65B-598A-7EEE-F60040F3DFEC}"/>
-              </a:ext>
-            </a:extLst>
-          </p:cNvPr>
-          <p:cNvSpPr>
-            <a:spLocks noGrp="1"/>
-          </p:cNvSpPr>
-          <p:nvPr>
-            <p:ph type="body" sz="quarter" idx="36"/>
-          </p:nvPr>
-        </p:nvSpPr>
-        <p:spPr/>
-        <p:txBody>
-          <a:bodyPr/>
-          <a:lstStyle/>
-          <a:p>
-            <a:endParaRPr lang="da-DK"/>
-          </a:p>
-        </p:txBody>
-      </p:sp>
-      <p:sp>
-        <p:nvSpPr>
-          <p:cNvPr id="26" name="Text Placeholder 25">
-            <a:extLst>
-              <a:ext uri="{FF2B5EF4-FFF2-40B4-BE49-F238E27FC236}">
-                <a16:creationId xmlns:a16="http://schemas.microsoft.com/office/drawing/2014/main" id="{E3B030C1-FEB0-3129-202B-076F5431F36E}"/>
-              </a:ext>
-            </a:extLst>
-          </p:cNvPr>
-          <p:cNvSpPr>
-            <a:spLocks noGrp="1"/>
-          </p:cNvSpPr>
-          <p:nvPr>
-            <p:ph type="body" sz="quarter" idx="37"/>
-          </p:nvPr>
-        </p:nvSpPr>
-        <p:spPr/>
-        <p:txBody>
-          <a:bodyPr/>
-          <a:lstStyle/>
-          <a:p>
-            <a:endParaRPr lang="da-DK"/>
-          </a:p>
-        </p:txBody>
-      </p:sp>
-      <p:sp>
-        <p:nvSpPr>
-          <p:cNvPr id="27" name="Picture Placeholder 26">
-            <a:extLst>
-              <a:ext uri="{FF2B5EF4-FFF2-40B4-BE49-F238E27FC236}">
-                <a16:creationId xmlns:a16="http://schemas.microsoft.com/office/drawing/2014/main" id="{C4ACCEAB-A6AA-7C71-984B-B4D405B388F9}"/>
-              </a:ext>
-            </a:extLst>
-          </p:cNvPr>
-          <p:cNvSpPr>
-            <a:spLocks noGrp="1"/>
-          </p:cNvSpPr>
-          <p:nvPr>
-            <p:ph type="pic" sz="quarter" idx="38"/>
-          </p:nvPr>
-        </p:nvSpPr>
-        <p:spPr/>
-        <p:txBody>
-          <a:bodyPr/>
-          <a:lstStyle/>
-          <a:p>
-            <a:endParaRPr lang="da-DK"/>
-          </a:p>
-        </p:txBody>
-      </p:sp>
-      <p:sp>
-        <p:nvSpPr>
-          <p:cNvPr id="28" name="Text Placeholder 27">
-            <a:extLst>
-              <a:ext uri="{FF2B5EF4-FFF2-40B4-BE49-F238E27FC236}">
-                <a16:creationId xmlns:a16="http://schemas.microsoft.com/office/drawing/2014/main" id="{5DED0F39-DA4C-10E5-3371-FA61C9C81CD5}"/>
-              </a:ext>
-            </a:extLst>
-          </p:cNvPr>
-          <p:cNvSpPr>
-            <a:spLocks noGrp="1"/>
-          </p:cNvSpPr>
-          <p:nvPr>
-            <p:ph type="body" sz="quarter" idx="39"/>
-          </p:nvPr>
-        </p:nvSpPr>
-        <p:spPr/>
-        <p:txBody>
-          <a:bodyPr/>
-          <a:lstStyle/>
-          <a:p>
-            <a:endParaRPr lang="da-DK"/>
-          </a:p>
-        </p:txBody>
-      </p:sp>
-      <p:sp>
-        <p:nvSpPr>
-          <p:cNvPr id="29" name="Text Placeholder 28">
-            <a:extLst>
-              <a:ext uri="{FF2B5EF4-FFF2-40B4-BE49-F238E27FC236}">
-                <a16:creationId xmlns:a16="http://schemas.microsoft.com/office/drawing/2014/main" id="{22DE5BF0-E9A5-7DBB-A869-BA87CEB1A586}"/>
-              </a:ext>
-            </a:extLst>
-          </p:cNvPr>
-          <p:cNvSpPr>
-            <a:spLocks noGrp="1"/>
-          </p:cNvSpPr>
-          <p:nvPr>
-            <p:ph type="body" sz="quarter" idx="40"/>
-          </p:nvPr>
-        </p:nvSpPr>
-        <p:spPr/>
-        <p:txBody>
-          <a:bodyPr/>
-          <a:lstStyle/>
-          <a:p>
-            <a:endParaRPr lang="da-DK"/>
-          </a:p>
-        </p:txBody>
-      </p:sp>
-      <p:sp>
-        <p:nvSpPr>
-          <p:cNvPr id="30" name="Text Placeholder 29">
-            <a:extLst>
-              <a:ext uri="{FF2B5EF4-FFF2-40B4-BE49-F238E27FC236}">
-                <a16:creationId xmlns:a16="http://schemas.microsoft.com/office/drawing/2014/main" id="{5C7DFEF5-8E91-FC65-8469-4F6EEC287DF1}"/>
-              </a:ext>
-            </a:extLst>
-          </p:cNvPr>
-          <p:cNvSpPr>
-            <a:spLocks noGrp="1"/>
-          </p:cNvSpPr>
-          <p:nvPr>
-            <p:ph type="body" sz="quarter" idx="41"/>
-          </p:nvPr>
-        </p:nvSpPr>
-        <p:spPr/>
-        <p:txBody>
-          <a:bodyPr/>
-          <a:lstStyle/>
-          <a:p>
-            <a:endParaRPr lang="da-DK"/>
-          </a:p>
-        </p:txBody>
-      </p:sp>
-    </p:spTree>
-    <p:extLst>
-      <p:ext uri="{BB962C8B-B14F-4D97-AF65-F5344CB8AC3E}">
-        <p14:creationId xmlns:p14="http://schemas.microsoft.com/office/powerpoint/2010/main" val="2702963079"/>
-      </p:ext>
-    </p:extLst>
-  </p:cSld>
-  <p:clrMapOvr>
-    <a:masterClrMapping/>
-  </p:clrMapOvr>
-</p:sld>
-</file>
-
-<file path=ppt/slides/slide3.xml><?xml version="1.0" encoding="utf-8"?>
-<p:sld xmlns:a="http://schemas.openxmlformats.org/drawingml/2006/main" xmlns:r="http://schemas.openxmlformats.org/officeDocument/2006/relationships" xmlns:p="http://schemas.openxmlformats.org/presentationml/2006/main">
-  <p:cSld>
-    <p:spTree>
-      <p:nvGrpSpPr>
-        <p:cNvPr id="1" name=""/>
-        <p:cNvGrpSpPr/>
-        <p:nvPr/>
-      </p:nvGrpSpPr>
-      <p:grpSpPr>
-        <a:xfrm>
-          <a:off x="0" y="0"/>
-          <a:ext cx="0" cy="0"/>
-          <a:chOff x="0" y="0"/>
-          <a:chExt cx="0" cy="0"/>
-        </a:xfrm>
-      </p:grpSpPr>
-      <p:sp>
-        <p:nvSpPr>
-          <p:cNvPr id="2" name="Text Placeholder 1">
-            <a:extLst>
-              <a:ext uri="{FF2B5EF4-FFF2-40B4-BE49-F238E27FC236}">
-                <a16:creationId xmlns:a16="http://schemas.microsoft.com/office/drawing/2014/main" id="{38E8E2E1-F1B6-7D1A-6B4E-B3CEF36FB476}"/>
-              </a:ext>
-            </a:extLst>
-          </p:cNvPr>
-          <p:cNvSpPr>
-            <a:spLocks noGrp="1"/>
-          </p:cNvSpPr>
-          <p:nvPr>
-            <p:ph type="body" sz="quarter" idx="39"/>
-          </p:nvPr>
-        </p:nvSpPr>
-        <p:spPr/>
-        <p:txBody>
-          <a:bodyPr/>
-          <a:lstStyle/>
-          <a:p>
-            <a:endParaRPr lang="da-DK"/>
-          </a:p>
-        </p:txBody>
-      </p:sp>
-    </p:spTree>
-    <p:extLst>
-      <p:ext uri="{BB962C8B-B14F-4D97-AF65-F5344CB8AC3E}">
-        <p14:creationId xmlns:p14="http://schemas.microsoft.com/office/powerpoint/2010/main" val="3496048736"/>
-      </p:ext>
-    </p:extLst>
-  </p:cSld>
-  <p:clrMapOvr>
-    <a:masterClrMapping/>
-  </p:clrMapOvr>
-</p:sld>
 </file>
 
 <file path=ppt/theme/theme1.xml><?xml version="1.0" encoding="utf-8"?>

--- a/input-template.pptx
+++ b/input-template.pptx
@@ -4,6 +4,14 @@
   <p:sldMasterIdLst>
     <p:sldMasterId id="2147483648" r:id="rId1"/>
   </p:sldMasterIdLst>
+  <p:notesMasterIdLst>
+    <p:notesMasterId r:id="rId5"/>
+  </p:notesMasterIdLst>
+  <p:sldIdLst>
+    <p:sldId id="256" r:id="rId2"/>
+    <p:sldId id="257" r:id="rId3"/>
+    <p:sldId id="259" r:id="rId4"/>
+  </p:sldIdLst>
   <p:sldSz cx="12192000" cy="6858000"/>
   <p:notesSz cx="6858000" cy="9144000"/>
   <p:defaultTextStyle>
@@ -112,7 +120,7 @@
 <file path=ppt/revisionInfo.xml><?xml version="1.0" encoding="utf-8"?>
 <p1510:revInfo xmlns:a="http://schemas.openxmlformats.org/drawingml/2006/main" xmlns:r="http://schemas.openxmlformats.org/officeDocument/2006/relationships" xmlns:p1510="http://schemas.microsoft.com/office/powerpoint/2015/10/main">
   <p1510:revLst>
-    <p1510:client id="{36DEFE33-E062-8E49-BCED-1365D625C63C}" v="143" dt="2025-11-11T14:06:14.669"/>
+    <p1510:client id="{36DEFE33-E062-8E49-BCED-1365D625C63C}" v="184" dt="2025-11-11T16:23:58.427"/>
   </p1510:revLst>
 </p1510:revInfo>
 </file>
@@ -122,7 +130,7 @@
   <pc:docChgLst>
     <pc:chgData name="Tina Korshøj" userId="fc9c1787-86ff-4527-a6cb-a23af2ce0cfe" providerId="ADAL" clId="{12CD37EC-F126-58A4-9D73-FCCAAE6DBE25}"/>
     <pc:docChg chg="undo custSel addSld delSld modSld sldOrd modMainMaster">
-      <pc:chgData name="Tina Korshøj" userId="fc9c1787-86ff-4527-a6cb-a23af2ce0cfe" providerId="ADAL" clId="{12CD37EC-F126-58A4-9D73-FCCAAE6DBE25}" dt="2025-11-11T14:06:24.832" v="105" actId="2696"/>
+      <pc:chgData name="Tina Korshøj" userId="fc9c1787-86ff-4527-a6cb-a23af2ce0cfe" providerId="ADAL" clId="{12CD37EC-F126-58A4-9D73-FCCAAE6DBE25}" dt="2025-11-11T16:25:29.004" v="394" actId="20577"/>
       <pc:docMkLst>
         <pc:docMk/>
       </pc:docMkLst>
@@ -155,6 +163,117 @@
           </ac:spMkLst>
         </pc:spChg>
       </pc:sldChg>
+      <pc:sldChg chg="addSp delSp modSp new mod">
+        <pc:chgData name="Tina Korshøj" userId="fc9c1787-86ff-4527-a6cb-a23af2ce0cfe" providerId="ADAL" clId="{12CD37EC-F126-58A4-9D73-FCCAAE6DBE25}" dt="2025-11-11T16:17:19.722" v="176" actId="20577"/>
+        <pc:sldMkLst>
+          <pc:docMk/>
+          <pc:sldMk cId="3995881266" sldId="256"/>
+        </pc:sldMkLst>
+        <pc:spChg chg="mod">
+          <ac:chgData name="Tina Korshøj" userId="fc9c1787-86ff-4527-a6cb-a23af2ce0cfe" providerId="ADAL" clId="{12CD37EC-F126-58A4-9D73-FCCAAE6DBE25}" dt="2025-11-11T16:16:56.200" v="162" actId="20577"/>
+          <ac:spMkLst>
+            <pc:docMk/>
+            <pc:sldMk cId="3995881266" sldId="256"/>
+            <ac:spMk id="2" creationId="{862FAC17-A7ED-0DC2-12BE-A23A583AA7CB}"/>
+          </ac:spMkLst>
+        </pc:spChg>
+        <pc:spChg chg="mod">
+          <ac:chgData name="Tina Korshøj" userId="fc9c1787-86ff-4527-a6cb-a23af2ce0cfe" providerId="ADAL" clId="{12CD37EC-F126-58A4-9D73-FCCAAE6DBE25}" dt="2025-11-11T16:16:57.609" v="163" actId="20577"/>
+          <ac:spMkLst>
+            <pc:docMk/>
+            <pc:sldMk cId="3995881266" sldId="256"/>
+            <ac:spMk id="3" creationId="{66AA2499-611A-0739-74EC-7FDBD3D576B5}"/>
+          </ac:spMkLst>
+        </pc:spChg>
+        <pc:spChg chg="mod">
+          <ac:chgData name="Tina Korshøj" userId="fc9c1787-86ff-4527-a6cb-a23af2ce0cfe" providerId="ADAL" clId="{12CD37EC-F126-58A4-9D73-FCCAAE6DBE25}" dt="2025-11-11T16:16:58.731" v="164" actId="20577"/>
+          <ac:spMkLst>
+            <pc:docMk/>
+            <pc:sldMk cId="3995881266" sldId="256"/>
+            <ac:spMk id="4" creationId="{BB798141-C244-7EF5-A4F2-25471DB80C00}"/>
+          </ac:spMkLst>
+        </pc:spChg>
+        <pc:spChg chg="mod">
+          <ac:chgData name="Tina Korshøj" userId="fc9c1787-86ff-4527-a6cb-a23af2ce0cfe" providerId="ADAL" clId="{12CD37EC-F126-58A4-9D73-FCCAAE6DBE25}" dt="2025-11-11T16:17:00.782" v="165" actId="20577"/>
+          <ac:spMkLst>
+            <pc:docMk/>
+            <pc:sldMk cId="3995881266" sldId="256"/>
+            <ac:spMk id="5" creationId="{023BDF08-BAA0-7DB0-0AFF-7E1FDFBB95FC}"/>
+          </ac:spMkLst>
+        </pc:spChg>
+        <pc:spChg chg="mod">
+          <ac:chgData name="Tina Korshøj" userId="fc9c1787-86ff-4527-a6cb-a23af2ce0cfe" providerId="ADAL" clId="{12CD37EC-F126-58A4-9D73-FCCAAE6DBE25}" dt="2025-11-11T16:17:03.172" v="166" actId="20577"/>
+          <ac:spMkLst>
+            <pc:docMk/>
+            <pc:sldMk cId="3995881266" sldId="256"/>
+            <ac:spMk id="6" creationId="{2CC91FC0-8D62-1016-F61E-F7DF8674D53A}"/>
+          </ac:spMkLst>
+        </pc:spChg>
+        <pc:spChg chg="mod">
+          <ac:chgData name="Tina Korshøj" userId="fc9c1787-86ff-4527-a6cb-a23af2ce0cfe" providerId="ADAL" clId="{12CD37EC-F126-58A4-9D73-FCCAAE6DBE25}" dt="2025-11-11T16:17:04.566" v="167" actId="20577"/>
+          <ac:spMkLst>
+            <pc:docMk/>
+            <pc:sldMk cId="3995881266" sldId="256"/>
+            <ac:spMk id="7" creationId="{4500DEB7-FE3C-2DFE-EF40-4A2E4FDA9C5C}"/>
+          </ac:spMkLst>
+        </pc:spChg>
+        <pc:spChg chg="mod">
+          <ac:chgData name="Tina Korshøj" userId="fc9c1787-86ff-4527-a6cb-a23af2ce0cfe" providerId="ADAL" clId="{12CD37EC-F126-58A4-9D73-FCCAAE6DBE25}" dt="2025-11-11T16:17:07.368" v="168" actId="20577"/>
+          <ac:spMkLst>
+            <pc:docMk/>
+            <pc:sldMk cId="3995881266" sldId="256"/>
+            <ac:spMk id="8" creationId="{DAE330B2-209B-7953-50C0-6D1224801B93}"/>
+          </ac:spMkLst>
+        </pc:spChg>
+        <pc:spChg chg="mod">
+          <ac:chgData name="Tina Korshøj" userId="fc9c1787-86ff-4527-a6cb-a23af2ce0cfe" providerId="ADAL" clId="{12CD37EC-F126-58A4-9D73-FCCAAE6DBE25}" dt="2025-11-11T16:17:10.071" v="169" actId="20577"/>
+          <ac:spMkLst>
+            <pc:docMk/>
+            <pc:sldMk cId="3995881266" sldId="256"/>
+            <ac:spMk id="9" creationId="{65DD86E0-1708-E513-3DFA-F90BFE44950A}"/>
+          </ac:spMkLst>
+        </pc:spChg>
+        <pc:spChg chg="mod">
+          <ac:chgData name="Tina Korshøj" userId="fc9c1787-86ff-4527-a6cb-a23af2ce0cfe" providerId="ADAL" clId="{12CD37EC-F126-58A4-9D73-FCCAAE6DBE25}" dt="2025-11-11T16:17:19.722" v="176" actId="20577"/>
+          <ac:spMkLst>
+            <pc:docMk/>
+            <pc:sldMk cId="3995881266" sldId="256"/>
+            <ac:spMk id="10" creationId="{52AC03AF-5479-3C4C-ACF4-5B25599B4F68}"/>
+          </ac:spMkLst>
+        </pc:spChg>
+        <pc:spChg chg="mod">
+          <ac:chgData name="Tina Korshøj" userId="fc9c1787-86ff-4527-a6cb-a23af2ce0cfe" providerId="ADAL" clId="{12CD37EC-F126-58A4-9D73-FCCAAE6DBE25}" dt="2025-11-11T16:17:17.002" v="175" actId="20577"/>
+          <ac:spMkLst>
+            <pc:docMk/>
+            <pc:sldMk cId="3995881266" sldId="256"/>
+            <ac:spMk id="11" creationId="{7965AD62-C02D-F5C7-3AEF-7C3A4AEBED4F}"/>
+          </ac:spMkLst>
+        </pc:spChg>
+        <pc:spChg chg="mod">
+          <ac:chgData name="Tina Korshøj" userId="fc9c1787-86ff-4527-a6cb-a23af2ce0cfe" providerId="ADAL" clId="{12CD37EC-F126-58A4-9D73-FCCAAE6DBE25}" dt="2025-11-11T16:17:14.721" v="173" actId="20577"/>
+          <ac:spMkLst>
+            <pc:docMk/>
+            <pc:sldMk cId="3995881266" sldId="256"/>
+            <ac:spMk id="12" creationId="{8BF49EA9-3D3A-94A2-9F2B-130A9E4DD4BA}"/>
+          </ac:spMkLst>
+        </pc:spChg>
+        <pc:spChg chg="mod">
+          <ac:chgData name="Tina Korshøj" userId="fc9c1787-86ff-4527-a6cb-a23af2ce0cfe" providerId="ADAL" clId="{12CD37EC-F126-58A4-9D73-FCCAAE6DBE25}" dt="2025-11-11T16:17:12.602" v="171" actId="20577"/>
+          <ac:spMkLst>
+            <pc:docMk/>
+            <pc:sldMk cId="3995881266" sldId="256"/>
+            <ac:spMk id="13" creationId="{E61F66C5-3CD1-E313-287B-D4D4731C3CEB}"/>
+          </ac:spMkLst>
+        </pc:spChg>
+        <pc:spChg chg="add del">
+          <ac:chgData name="Tina Korshøj" userId="fc9c1787-86ff-4527-a6cb-a23af2ce0cfe" providerId="ADAL" clId="{12CD37EC-F126-58A4-9D73-FCCAAE6DBE25}" dt="2025-11-11T16:16:03.157" v="135" actId="22"/>
+          <ac:spMkLst>
+            <pc:docMk/>
+            <pc:sldMk cId="3995881266" sldId="256"/>
+            <ac:spMk id="16" creationId="{2954D848-9A52-1D23-FE06-458E1B35A894}"/>
+          </ac:spMkLst>
+        </pc:spChg>
+      </pc:sldChg>
       <pc:sldChg chg="modSp del mod">
         <pc:chgData name="Tina Korshøj" userId="fc9c1787-86ff-4527-a6cb-a23af2ce0cfe" providerId="ADAL" clId="{12CD37EC-F126-58A4-9D73-FCCAAE6DBE25}" dt="2025-11-11T09:26:06.294" v="4" actId="2696"/>
         <pc:sldMkLst>
@@ -167,6 +286,253 @@
             <pc:docMk/>
             <pc:sldMk cId="2213874997" sldId="257"/>
             <ac:spMk id="28" creationId="{C58F720C-DA8A-19CF-7A17-028BA9DBD9F2}"/>
+          </ac:spMkLst>
+        </pc:spChg>
+      </pc:sldChg>
+      <pc:sldChg chg="addSp delSp modSp new mod modNotesTx">
+        <pc:chgData name="Tina Korshøj" userId="fc9c1787-86ff-4527-a6cb-a23af2ce0cfe" providerId="ADAL" clId="{12CD37EC-F126-58A4-9D73-FCCAAE6DBE25}" dt="2025-11-11T16:25:29.004" v="394" actId="20577"/>
+        <pc:sldMkLst>
+          <pc:docMk/>
+          <pc:sldMk cId="3460949786" sldId="257"/>
+        </pc:sldMkLst>
+        <pc:spChg chg="mod">
+          <ac:chgData name="Tina Korshøj" userId="fc9c1787-86ff-4527-a6cb-a23af2ce0cfe" providerId="ADAL" clId="{12CD37EC-F126-58A4-9D73-FCCAAE6DBE25}" dt="2025-11-11T16:17:41.951" v="200" actId="20577"/>
+          <ac:spMkLst>
+            <pc:docMk/>
+            <pc:sldMk cId="3460949786" sldId="257"/>
+            <ac:spMk id="2" creationId="{3DF4295E-AB8C-8EF4-AB24-AF7F4C6139C8}"/>
+          </ac:spMkLst>
+        </pc:spChg>
+        <pc:spChg chg="mod">
+          <ac:chgData name="Tina Korshøj" userId="fc9c1787-86ff-4527-a6cb-a23af2ce0cfe" providerId="ADAL" clId="{12CD37EC-F126-58A4-9D73-FCCAAE6DBE25}" dt="2025-11-11T16:18:00.906" v="220" actId="20577"/>
+          <ac:spMkLst>
+            <pc:docMk/>
+            <pc:sldMk cId="3460949786" sldId="257"/>
+            <ac:spMk id="3" creationId="{C17F4C6F-4077-267F-89A5-36AF33A638A6}"/>
+          </ac:spMkLst>
+        </pc:spChg>
+        <pc:spChg chg="mod">
+          <ac:chgData name="Tina Korshøj" userId="fc9c1787-86ff-4527-a6cb-a23af2ce0cfe" providerId="ADAL" clId="{12CD37EC-F126-58A4-9D73-FCCAAE6DBE25}" dt="2025-11-11T16:18:04.369" v="225" actId="20577"/>
+          <ac:spMkLst>
+            <pc:docMk/>
+            <pc:sldMk cId="3460949786" sldId="257"/>
+            <ac:spMk id="4" creationId="{B474616A-CF1A-96B1-34E1-33518B7D6CE4}"/>
+          </ac:spMkLst>
+        </pc:spChg>
+        <pc:spChg chg="mod">
+          <ac:chgData name="Tina Korshøj" userId="fc9c1787-86ff-4527-a6cb-a23af2ce0cfe" providerId="ADAL" clId="{12CD37EC-F126-58A4-9D73-FCCAAE6DBE25}" dt="2025-11-11T16:25:29.004" v="394" actId="20577"/>
+          <ac:spMkLst>
+            <pc:docMk/>
+            <pc:sldMk cId="3460949786" sldId="257"/>
+            <ac:spMk id="5" creationId="{571134D0-80E3-3A6B-FCF6-7C66AF3B82F4}"/>
+          </ac:spMkLst>
+        </pc:spChg>
+        <pc:spChg chg="mod">
+          <ac:chgData name="Tina Korshøj" userId="fc9c1787-86ff-4527-a6cb-a23af2ce0cfe" providerId="ADAL" clId="{12CD37EC-F126-58A4-9D73-FCCAAE6DBE25}" dt="2025-11-11T16:18:13.518" v="234" actId="20577"/>
+          <ac:spMkLst>
+            <pc:docMk/>
+            <pc:sldMk cId="3460949786" sldId="257"/>
+            <ac:spMk id="6" creationId="{C3D5F76F-CD21-B8C7-4B05-DB3C9D400939}"/>
+          </ac:spMkLst>
+        </pc:spChg>
+        <pc:spChg chg="mod">
+          <ac:chgData name="Tina Korshøj" userId="fc9c1787-86ff-4527-a6cb-a23af2ce0cfe" providerId="ADAL" clId="{12CD37EC-F126-58A4-9D73-FCCAAE6DBE25}" dt="2025-11-11T16:18:19.671" v="239" actId="20577"/>
+          <ac:spMkLst>
+            <pc:docMk/>
+            <pc:sldMk cId="3460949786" sldId="257"/>
+            <ac:spMk id="7" creationId="{1571EB0B-9610-EABF-CEA1-5AB8B6F3AE91}"/>
+          </ac:spMkLst>
+        </pc:spChg>
+        <pc:spChg chg="mod">
+          <ac:chgData name="Tina Korshøj" userId="fc9c1787-86ff-4527-a6cb-a23af2ce0cfe" providerId="ADAL" clId="{12CD37EC-F126-58A4-9D73-FCCAAE6DBE25}" dt="2025-11-11T16:18:25.296" v="244" actId="20577"/>
+          <ac:spMkLst>
+            <pc:docMk/>
+            <pc:sldMk cId="3460949786" sldId="257"/>
+            <ac:spMk id="8" creationId="{B1D15A1F-65FF-C34D-D164-49D5230633D4}"/>
+          </ac:spMkLst>
+        </pc:spChg>
+        <pc:spChg chg="mod">
+          <ac:chgData name="Tina Korshøj" userId="fc9c1787-86ff-4527-a6cb-a23af2ce0cfe" providerId="ADAL" clId="{12CD37EC-F126-58A4-9D73-FCCAAE6DBE25}" dt="2025-11-11T16:18:29.420" v="249" actId="20577"/>
+          <ac:spMkLst>
+            <pc:docMk/>
+            <pc:sldMk cId="3460949786" sldId="257"/>
+            <ac:spMk id="9" creationId="{20C7012B-3BEF-1F3F-25D2-0BBE8CB001D2}"/>
+          </ac:spMkLst>
+        </pc:spChg>
+        <pc:spChg chg="mod">
+          <ac:chgData name="Tina Korshøj" userId="fc9c1787-86ff-4527-a6cb-a23af2ce0cfe" providerId="ADAL" clId="{12CD37EC-F126-58A4-9D73-FCCAAE6DBE25}" dt="2025-11-11T16:21:30.236" v="354" actId="20577"/>
+          <ac:spMkLst>
+            <pc:docMk/>
+            <pc:sldMk cId="3460949786" sldId="257"/>
+            <ac:spMk id="10" creationId="{61CC68B9-49FE-5853-C758-407D7A88380F}"/>
+          </ac:spMkLst>
+        </pc:spChg>
+        <pc:spChg chg="mod">
+          <ac:chgData name="Tina Korshøj" userId="fc9c1787-86ff-4527-a6cb-a23af2ce0cfe" providerId="ADAL" clId="{12CD37EC-F126-58A4-9D73-FCCAAE6DBE25}" dt="2025-11-11T16:18:48.881" v="268" actId="20577"/>
+          <ac:spMkLst>
+            <pc:docMk/>
+            <pc:sldMk cId="3460949786" sldId="257"/>
+            <ac:spMk id="11" creationId="{A1CEAFA4-6121-FE73-2497-9C08F41D1CB2}"/>
+          </ac:spMkLst>
+        </pc:spChg>
+        <pc:spChg chg="mod">
+          <ac:chgData name="Tina Korshøj" userId="fc9c1787-86ff-4527-a6cb-a23af2ce0cfe" providerId="ADAL" clId="{12CD37EC-F126-58A4-9D73-FCCAAE6DBE25}" dt="2025-11-11T16:21:28.190" v="353" actId="20577"/>
+          <ac:spMkLst>
+            <pc:docMk/>
+            <pc:sldMk cId="3460949786" sldId="257"/>
+            <ac:spMk id="12" creationId="{CC9F99F7-C11A-6EE0-5691-8F1205DAAA46}"/>
+          </ac:spMkLst>
+        </pc:spChg>
+        <pc:spChg chg="mod">
+          <ac:chgData name="Tina Korshøj" userId="fc9c1787-86ff-4527-a6cb-a23af2ce0cfe" providerId="ADAL" clId="{12CD37EC-F126-58A4-9D73-FCCAAE6DBE25}" dt="2025-11-11T16:18:44.389" v="264" actId="20577"/>
+          <ac:spMkLst>
+            <pc:docMk/>
+            <pc:sldMk cId="3460949786" sldId="257"/>
+            <ac:spMk id="13" creationId="{526315D9-6235-6877-7505-BD43ADCE6A09}"/>
+          </ac:spMkLst>
+        </pc:spChg>
+        <pc:spChg chg="mod">
+          <ac:chgData name="Tina Korshøj" userId="fc9c1787-86ff-4527-a6cb-a23af2ce0cfe" providerId="ADAL" clId="{12CD37EC-F126-58A4-9D73-FCCAAE6DBE25}" dt="2025-11-11T16:19:39.316" v="303" actId="20577"/>
+          <ac:spMkLst>
+            <pc:docMk/>
+            <pc:sldMk cId="3460949786" sldId="257"/>
+            <ac:spMk id="14" creationId="{22F29832-42AF-EC7D-B4AA-BB0D531B4028}"/>
+          </ac:spMkLst>
+        </pc:spChg>
+        <pc:spChg chg="mod">
+          <ac:chgData name="Tina Korshøj" userId="fc9c1787-86ff-4527-a6cb-a23af2ce0cfe" providerId="ADAL" clId="{12CD37EC-F126-58A4-9D73-FCCAAE6DBE25}" dt="2025-11-11T16:20:19.058" v="326" actId="20577"/>
+          <ac:spMkLst>
+            <pc:docMk/>
+            <pc:sldMk cId="3460949786" sldId="257"/>
+            <ac:spMk id="15" creationId="{F97659F6-19A8-FF67-3CE2-5CAD60B35333}"/>
+          </ac:spMkLst>
+        </pc:spChg>
+        <pc:spChg chg="mod">
+          <ac:chgData name="Tina Korshøj" userId="fc9c1787-86ff-4527-a6cb-a23af2ce0cfe" providerId="ADAL" clId="{12CD37EC-F126-58A4-9D73-FCCAAE6DBE25}" dt="2025-11-11T16:21:11.883" v="343" actId="20577"/>
+          <ac:spMkLst>
+            <pc:docMk/>
+            <pc:sldMk cId="3460949786" sldId="257"/>
+            <ac:spMk id="16" creationId="{2AB03F15-FFAB-A859-9356-1C2F1D132A9A}"/>
+          </ac:spMkLst>
+        </pc:spChg>
+        <pc:spChg chg="mod">
+          <ac:chgData name="Tina Korshøj" userId="fc9c1787-86ff-4527-a6cb-a23af2ce0cfe" providerId="ADAL" clId="{12CD37EC-F126-58A4-9D73-FCCAAE6DBE25}" dt="2025-11-11T16:21:14.601" v="345" actId="20577"/>
+          <ac:spMkLst>
+            <pc:docMk/>
+            <pc:sldMk cId="3460949786" sldId="257"/>
+            <ac:spMk id="17" creationId="{64BD4D51-1DA3-9C12-9D63-D784E50E4CA7}"/>
+          </ac:spMkLst>
+        </pc:spChg>
+        <pc:spChg chg="mod">
+          <ac:chgData name="Tina Korshøj" userId="fc9c1787-86ff-4527-a6cb-a23af2ce0cfe" providerId="ADAL" clId="{12CD37EC-F126-58A4-9D73-FCCAAE6DBE25}" dt="2025-11-11T16:21:33.879" v="355" actId="20577"/>
+          <ac:spMkLst>
+            <pc:docMk/>
+            <pc:sldMk cId="3460949786" sldId="257"/>
+            <ac:spMk id="18" creationId="{F494EF72-1B0C-F96A-A7A0-EFA3BFBE6321}"/>
+          </ac:spMkLst>
+        </pc:spChg>
+        <pc:spChg chg="mod">
+          <ac:chgData name="Tina Korshøj" userId="fc9c1787-86ff-4527-a6cb-a23af2ce0cfe" providerId="ADAL" clId="{12CD37EC-F126-58A4-9D73-FCCAAE6DBE25}" dt="2025-11-11T16:18:40.085" v="260" actId="20577"/>
+          <ac:spMkLst>
+            <pc:docMk/>
+            <pc:sldMk cId="3460949786" sldId="257"/>
+            <ac:spMk id="19" creationId="{E37C0D46-2F7B-5E5D-80D8-5F4819D988BB}"/>
+          </ac:spMkLst>
+        </pc:spChg>
+        <pc:spChg chg="mod">
+          <ac:chgData name="Tina Korshøj" userId="fc9c1787-86ff-4527-a6cb-a23af2ce0cfe" providerId="ADAL" clId="{12CD37EC-F126-58A4-9D73-FCCAAE6DBE25}" dt="2025-11-11T16:21:36.218" v="357" actId="20577"/>
+          <ac:spMkLst>
+            <pc:docMk/>
+            <pc:sldMk cId="3460949786" sldId="257"/>
+            <ac:spMk id="20" creationId="{031E1088-8B77-6E99-C6BD-92C2078829EB}"/>
+          </ac:spMkLst>
+        </pc:spChg>
+        <pc:spChg chg="mod">
+          <ac:chgData name="Tina Korshøj" userId="fc9c1787-86ff-4527-a6cb-a23af2ce0cfe" providerId="ADAL" clId="{12CD37EC-F126-58A4-9D73-FCCAAE6DBE25}" dt="2025-11-11T16:18:34.236" v="254" actId="20577"/>
+          <ac:spMkLst>
+            <pc:docMk/>
+            <pc:sldMk cId="3460949786" sldId="257"/>
+            <ac:spMk id="21" creationId="{8D1A8566-91E6-01F3-08A9-14FEC3FA0D09}"/>
+          </ac:spMkLst>
+        </pc:spChg>
+        <pc:spChg chg="mod">
+          <ac:chgData name="Tina Korshøj" userId="fc9c1787-86ff-4527-a6cb-a23af2ce0cfe" providerId="ADAL" clId="{12CD37EC-F126-58A4-9D73-FCCAAE6DBE25}" dt="2025-11-11T16:21:19.835" v="349" actId="20577"/>
+          <ac:spMkLst>
+            <pc:docMk/>
+            <pc:sldMk cId="3460949786" sldId="257"/>
+            <ac:spMk id="22" creationId="{1D5052F0-9509-B490-4CAC-96E68460C451}"/>
+          </ac:spMkLst>
+        </pc:spChg>
+        <pc:spChg chg="mod">
+          <ac:chgData name="Tina Korshøj" userId="fc9c1787-86ff-4527-a6cb-a23af2ce0cfe" providerId="ADAL" clId="{12CD37EC-F126-58A4-9D73-FCCAAE6DBE25}" dt="2025-11-11T16:21:17.244" v="347" actId="20577"/>
+          <ac:spMkLst>
+            <pc:docMk/>
+            <pc:sldMk cId="3460949786" sldId="257"/>
+            <ac:spMk id="23" creationId="{EDEFBE19-E23F-618E-98A2-739358A9D0AD}"/>
+          </ac:spMkLst>
+        </pc:spChg>
+        <pc:spChg chg="mod">
+          <ac:chgData name="Tina Korshøj" userId="fc9c1787-86ff-4527-a6cb-a23af2ce0cfe" providerId="ADAL" clId="{12CD37EC-F126-58A4-9D73-FCCAAE6DBE25}" dt="2025-11-11T16:20:23.531" v="327" actId="108"/>
+          <ac:spMkLst>
+            <pc:docMk/>
+            <pc:sldMk cId="3460949786" sldId="257"/>
+            <ac:spMk id="24" creationId="{12EE4272-4FBA-8121-A960-0FB1B034787A}"/>
+          </ac:spMkLst>
+        </pc:spChg>
+        <pc:spChg chg="mod">
+          <ac:chgData name="Tina Korshøj" userId="fc9c1787-86ff-4527-a6cb-a23af2ce0cfe" providerId="ADAL" clId="{12CD37EC-F126-58A4-9D73-FCCAAE6DBE25}" dt="2025-11-11T16:19:09.291" v="292" actId="12"/>
+          <ac:spMkLst>
+            <pc:docMk/>
+            <pc:sldMk cId="3460949786" sldId="257"/>
+            <ac:spMk id="25" creationId="{E434329F-E94C-D969-4294-A821426266BA}"/>
+          </ac:spMkLst>
+        </pc:spChg>
+        <pc:spChg chg="mod">
+          <ac:chgData name="Tina Korshøj" userId="fc9c1787-86ff-4527-a6cb-a23af2ce0cfe" providerId="ADAL" clId="{12CD37EC-F126-58A4-9D73-FCCAAE6DBE25}" dt="2025-11-11T16:21:46.093" v="368" actId="20577"/>
+          <ac:spMkLst>
+            <pc:docMk/>
+            <pc:sldMk cId="3460949786" sldId="257"/>
+            <ac:spMk id="27" creationId="{9A51DCEB-AF58-CC5D-6EEA-53D890DCACCD}"/>
+          </ac:spMkLst>
+        </pc:spChg>
+        <pc:spChg chg="mod">
+          <ac:chgData name="Tina Korshøj" userId="fc9c1787-86ff-4527-a6cb-a23af2ce0cfe" providerId="ADAL" clId="{12CD37EC-F126-58A4-9D73-FCCAAE6DBE25}" dt="2025-11-11T16:25:18.458" v="393" actId="20577"/>
+          <ac:spMkLst>
+            <pc:docMk/>
+            <pc:sldMk cId="3460949786" sldId="257"/>
+            <ac:spMk id="28" creationId="{E367D596-D420-BB6A-3A73-7983BC169E89}"/>
+          </ac:spMkLst>
+        </pc:spChg>
+        <pc:spChg chg="mod">
+          <ac:chgData name="Tina Korshøj" userId="fc9c1787-86ff-4527-a6cb-a23af2ce0cfe" providerId="ADAL" clId="{12CD37EC-F126-58A4-9D73-FCCAAE6DBE25}" dt="2025-11-11T16:16:52.329" v="161"/>
+          <ac:spMkLst>
+            <pc:docMk/>
+            <pc:sldMk cId="3460949786" sldId="257"/>
+            <ac:spMk id="29" creationId="{874E1AB5-B935-8695-377A-D5C416E05376}"/>
+          </ac:spMkLst>
+        </pc:spChg>
+        <pc:spChg chg="mod">
+          <ac:chgData name="Tina Korshøj" userId="fc9c1787-86ff-4527-a6cb-a23af2ce0cfe" providerId="ADAL" clId="{12CD37EC-F126-58A4-9D73-FCCAAE6DBE25}" dt="2025-11-11T16:21:50.886" v="369"/>
+          <ac:spMkLst>
+            <pc:docMk/>
+            <pc:sldMk cId="3460949786" sldId="257"/>
+            <ac:spMk id="30" creationId="{496D6A1B-DF12-7C80-0108-B1166B9C1D89}"/>
+          </ac:spMkLst>
+        </pc:spChg>
+        <pc:spChg chg="add del">
+          <ac:chgData name="Tina Korshøj" userId="fc9c1787-86ff-4527-a6cb-a23af2ce0cfe" providerId="ADAL" clId="{12CD37EC-F126-58A4-9D73-FCCAAE6DBE25}" dt="2025-11-11T16:17:56.882" v="215" actId="22"/>
+          <ac:spMkLst>
+            <pc:docMk/>
+            <pc:sldMk cId="3460949786" sldId="257"/>
+            <ac:spMk id="32" creationId="{E5453441-1C68-C2C2-EE56-45E35434D804}"/>
+          </ac:spMkLst>
+        </pc:spChg>
+        <pc:spChg chg="add del mod">
+          <ac:chgData name="Tina Korshøj" userId="fc9c1787-86ff-4527-a6cb-a23af2ce0cfe" providerId="ADAL" clId="{12CD37EC-F126-58A4-9D73-FCCAAE6DBE25}" dt="2025-11-11T16:21:56.275" v="371"/>
+          <ac:spMkLst>
+            <pc:docMk/>
+            <pc:sldMk cId="3460949786" sldId="257"/>
+            <ac:spMk id="33" creationId="{887A6E98-C594-4E08-941A-1C284AE23C6F}"/>
           </ac:spMkLst>
         </pc:spChg>
       </pc:sldChg>
@@ -185,6 +551,101 @@
           </ac:spMkLst>
         </pc:spChg>
       </pc:sldChg>
+      <pc:sldChg chg="addSp delSp modSp new del mod modClrScheme chgLayout">
+        <pc:chgData name="Tina Korshøj" userId="fc9c1787-86ff-4527-a6cb-a23af2ce0cfe" providerId="ADAL" clId="{12CD37EC-F126-58A4-9D73-FCCAAE6DBE25}" dt="2025-11-11T16:23:52.755" v="376" actId="2696"/>
+        <pc:sldMkLst>
+          <pc:docMk/>
+          <pc:sldMk cId="683842756" sldId="258"/>
+        </pc:sldMkLst>
+        <pc:spChg chg="del">
+          <ac:chgData name="Tina Korshøj" userId="fc9c1787-86ff-4527-a6cb-a23af2ce0cfe" providerId="ADAL" clId="{12CD37EC-F126-58A4-9D73-FCCAAE6DBE25}" dt="2025-11-11T16:15:15.949" v="122" actId="700"/>
+          <ac:spMkLst>
+            <pc:docMk/>
+            <pc:sldMk cId="683842756" sldId="258"/>
+            <ac:spMk id="2" creationId="{6A6CE565-8379-E3BD-F784-3489351E1B19}"/>
+          </ac:spMkLst>
+        </pc:spChg>
+        <pc:spChg chg="del">
+          <ac:chgData name="Tina Korshøj" userId="fc9c1787-86ff-4527-a6cb-a23af2ce0cfe" providerId="ADAL" clId="{12CD37EC-F126-58A4-9D73-FCCAAE6DBE25}" dt="2025-11-11T16:15:15.949" v="122" actId="700"/>
+          <ac:spMkLst>
+            <pc:docMk/>
+            <pc:sldMk cId="683842756" sldId="258"/>
+            <ac:spMk id="3" creationId="{BE532C81-5CD5-D8E9-59E2-937CC45F03D4}"/>
+          </ac:spMkLst>
+        </pc:spChg>
+        <pc:spChg chg="del">
+          <ac:chgData name="Tina Korshøj" userId="fc9c1787-86ff-4527-a6cb-a23af2ce0cfe" providerId="ADAL" clId="{12CD37EC-F126-58A4-9D73-FCCAAE6DBE25}" dt="2025-11-11T16:15:15.949" v="122" actId="700"/>
+          <ac:spMkLst>
+            <pc:docMk/>
+            <pc:sldMk cId="683842756" sldId="258"/>
+            <ac:spMk id="4" creationId="{7CDFEC00-24E0-6BA5-85D6-31813E6FBEC0}"/>
+          </ac:spMkLst>
+        </pc:spChg>
+        <pc:spChg chg="del">
+          <ac:chgData name="Tina Korshøj" userId="fc9c1787-86ff-4527-a6cb-a23af2ce0cfe" providerId="ADAL" clId="{12CD37EC-F126-58A4-9D73-FCCAAE6DBE25}" dt="2025-11-11T16:15:15.949" v="122" actId="700"/>
+          <ac:spMkLst>
+            <pc:docMk/>
+            <pc:sldMk cId="683842756" sldId="258"/>
+            <ac:spMk id="5" creationId="{3EA35AC0-AE48-EA1F-A6BB-DFF670A284A6}"/>
+          </ac:spMkLst>
+        </pc:spChg>
+        <pc:spChg chg="del">
+          <ac:chgData name="Tina Korshøj" userId="fc9c1787-86ff-4527-a6cb-a23af2ce0cfe" providerId="ADAL" clId="{12CD37EC-F126-58A4-9D73-FCCAAE6DBE25}" dt="2025-11-11T16:15:15.949" v="122" actId="700"/>
+          <ac:spMkLst>
+            <pc:docMk/>
+            <pc:sldMk cId="683842756" sldId="258"/>
+            <ac:spMk id="7" creationId="{455A1F6A-94EA-85E7-C174-104AD1C7A8B2}"/>
+          </ac:spMkLst>
+        </pc:spChg>
+        <pc:spChg chg="del">
+          <ac:chgData name="Tina Korshøj" userId="fc9c1787-86ff-4527-a6cb-a23af2ce0cfe" providerId="ADAL" clId="{12CD37EC-F126-58A4-9D73-FCCAAE6DBE25}" dt="2025-11-11T16:15:15.949" v="122" actId="700"/>
+          <ac:spMkLst>
+            <pc:docMk/>
+            <pc:sldMk cId="683842756" sldId="258"/>
+            <ac:spMk id="12" creationId="{4F452A4A-FCEB-D283-82E0-A6E3C6FF55C7}"/>
+          </ac:spMkLst>
+        </pc:spChg>
+        <pc:spChg chg="del">
+          <ac:chgData name="Tina Korshøj" userId="fc9c1787-86ff-4527-a6cb-a23af2ce0cfe" providerId="ADAL" clId="{12CD37EC-F126-58A4-9D73-FCCAAE6DBE25}" dt="2025-11-11T16:15:15.949" v="122" actId="700"/>
+          <ac:spMkLst>
+            <pc:docMk/>
+            <pc:sldMk cId="683842756" sldId="258"/>
+            <ac:spMk id="16" creationId="{8204EE34-5A2F-C1A4-FF80-FEF6657140B5}"/>
+          </ac:spMkLst>
+        </pc:spChg>
+        <pc:spChg chg="del">
+          <ac:chgData name="Tina Korshøj" userId="fc9c1787-86ff-4527-a6cb-a23af2ce0cfe" providerId="ADAL" clId="{12CD37EC-F126-58A4-9D73-FCCAAE6DBE25}" dt="2025-11-11T16:15:15.949" v="122" actId="700"/>
+          <ac:spMkLst>
+            <pc:docMk/>
+            <pc:sldMk cId="683842756" sldId="258"/>
+            <ac:spMk id="17" creationId="{03F288C9-6C8D-7D3E-1BF6-F8931B784E72}"/>
+          </ac:spMkLst>
+        </pc:spChg>
+        <pc:spChg chg="del">
+          <ac:chgData name="Tina Korshøj" userId="fc9c1787-86ff-4527-a6cb-a23af2ce0cfe" providerId="ADAL" clId="{12CD37EC-F126-58A4-9D73-FCCAAE6DBE25}" dt="2025-11-11T16:15:15.949" v="122" actId="700"/>
+          <ac:spMkLst>
+            <pc:docMk/>
+            <pc:sldMk cId="683842756" sldId="258"/>
+            <ac:spMk id="22" creationId="{F67D3A2F-CA83-02D5-CF9C-13B216F38CDF}"/>
+          </ac:spMkLst>
+        </pc:spChg>
+        <pc:spChg chg="del">
+          <ac:chgData name="Tina Korshøj" userId="fc9c1787-86ff-4527-a6cb-a23af2ce0cfe" providerId="ADAL" clId="{12CD37EC-F126-58A4-9D73-FCCAAE6DBE25}" dt="2025-11-11T16:15:15.949" v="122" actId="700"/>
+          <ac:spMkLst>
+            <pc:docMk/>
+            <pc:sldMk cId="683842756" sldId="258"/>
+            <ac:spMk id="30" creationId="{EF0F9709-E097-B2D6-F976-153B0A3BC01C}"/>
+          </ac:spMkLst>
+        </pc:spChg>
+        <pc:spChg chg="mod">
+          <ac:chgData name="Tina Korshøj" userId="fc9c1787-86ff-4527-a6cb-a23af2ce0cfe" providerId="ADAL" clId="{12CD37EC-F126-58A4-9D73-FCCAAE6DBE25}" dt="2025-11-11T16:21:59.894" v="372"/>
+          <ac:spMkLst>
+            <pc:docMk/>
+            <pc:sldMk cId="683842756" sldId="258"/>
+            <ac:spMk id="31" creationId="{4650C3AC-5AE5-9C23-32D1-80D6FE99F3DF}"/>
+          </ac:spMkLst>
+        </pc:spChg>
+      </pc:sldChg>
       <pc:sldChg chg="modSp del mod">
         <pc:chgData name="Tina Korshøj" userId="fc9c1787-86ff-4527-a6cb-a23af2ce0cfe" providerId="ADAL" clId="{12CD37EC-F126-58A4-9D73-FCCAAE6DBE25}" dt="2025-11-11T09:26:06.297" v="5" actId="2696"/>
         <pc:sldMkLst>
@@ -212,6 +673,29 @@
             <pc:docMk/>
             <pc:sldMk cId="2702963079" sldId="258"/>
             <ac:spMk id="28" creationId="{5DED0F39-DA4C-10E5-3371-FA61C9C81CD5}"/>
+          </ac:spMkLst>
+        </pc:spChg>
+      </pc:sldChg>
+      <pc:sldChg chg="modSp new mod">
+        <pc:chgData name="Tina Korshøj" userId="fc9c1787-86ff-4527-a6cb-a23af2ce0cfe" providerId="ADAL" clId="{12CD37EC-F126-58A4-9D73-FCCAAE6DBE25}" dt="2025-11-11T16:24:04.147" v="392" actId="20577"/>
+        <pc:sldMkLst>
+          <pc:docMk/>
+          <pc:sldMk cId="4123982136" sldId="259"/>
+        </pc:sldMkLst>
+        <pc:spChg chg="mod">
+          <ac:chgData name="Tina Korshøj" userId="fc9c1787-86ff-4527-a6cb-a23af2ce0cfe" providerId="ADAL" clId="{12CD37EC-F126-58A4-9D73-FCCAAE6DBE25}" dt="2025-11-11T16:24:04.147" v="392" actId="20577"/>
+          <ac:spMkLst>
+            <pc:docMk/>
+            <pc:sldMk cId="4123982136" sldId="259"/>
+            <ac:spMk id="2" creationId="{3D889CAD-BBFC-341D-E04B-19EA416EAA7C}"/>
+          </ac:spMkLst>
+        </pc:spChg>
+        <pc:spChg chg="mod">
+          <ac:chgData name="Tina Korshøj" userId="fc9c1787-86ff-4527-a6cb-a23af2ce0cfe" providerId="ADAL" clId="{12CD37EC-F126-58A4-9D73-FCCAAE6DBE25}" dt="2025-11-11T16:23:58.427" v="378"/>
+          <ac:spMkLst>
+            <pc:docMk/>
+            <pc:sldMk cId="4123982136" sldId="259"/>
+            <ac:spMk id="3" creationId="{B8399E4A-273D-B3CD-489F-A28E729526EC}"/>
           </ac:spMkLst>
         </pc:spChg>
       </pc:sldChg>
@@ -269,7 +753,7 @@
         </pc:spChg>
       </pc:sldChg>
       <pc:sldMasterChg chg="modSp modSldLayout">
-        <pc:chgData name="Tina Korshøj" userId="fc9c1787-86ff-4527-a6cb-a23af2ce0cfe" providerId="ADAL" clId="{12CD37EC-F126-58A4-9D73-FCCAAE6DBE25}" dt="2025-11-11T14:06:14.669" v="102" actId="962"/>
+        <pc:chgData name="Tina Korshøj" userId="fc9c1787-86ff-4527-a6cb-a23af2ce0cfe" providerId="ADAL" clId="{12CD37EC-F126-58A4-9D73-FCCAAE6DBE25}" dt="2025-11-11T16:23:36.836" v="374" actId="962"/>
         <pc:sldMasterMkLst>
           <pc:docMk/>
           <pc:sldMasterMk cId="3365805559" sldId="2147483648"/>
@@ -291,7 +775,7 @@
           </ac:spMkLst>
         </pc:spChg>
         <pc:sldLayoutChg chg="modSp mod">
-          <pc:chgData name="Tina Korshøj" userId="fc9c1787-86ff-4527-a6cb-a23af2ce0cfe" providerId="ADAL" clId="{12CD37EC-F126-58A4-9D73-FCCAAE6DBE25}" dt="2025-11-11T14:06:03.015" v="101" actId="962"/>
+          <pc:chgData name="Tina Korshøj" userId="fc9c1787-86ff-4527-a6cb-a23af2ce0cfe" providerId="ADAL" clId="{12CD37EC-F126-58A4-9D73-FCCAAE6DBE25}" dt="2025-11-11T16:10:43.166" v="119" actId="13244"/>
           <pc:sldLayoutMkLst>
             <pc:docMk/>
             <pc:sldMasterMk cId="3365805559" sldId="2147483648"/>
@@ -333,8 +817,8 @@
               <ac:spMk id="11" creationId="{3FBDFC4B-298D-5A91-8E0C-FE2119BAD63B}"/>
             </ac:spMkLst>
           </pc:spChg>
-          <pc:spChg chg="mod">
-            <ac:chgData name="Tina Korshøj" userId="fc9c1787-86ff-4527-a6cb-a23af2ce0cfe" providerId="ADAL" clId="{12CD37EC-F126-58A4-9D73-FCCAAE6DBE25}" dt="2025-11-11T14:05:47.797" v="97" actId="962"/>
+          <pc:spChg chg="mod ord">
+            <ac:chgData name="Tina Korshøj" userId="fc9c1787-86ff-4527-a6cb-a23af2ce0cfe" providerId="ADAL" clId="{12CD37EC-F126-58A4-9D73-FCCAAE6DBE25}" dt="2025-11-11T16:09:29.923" v="107" actId="13244"/>
             <ac:spMkLst>
               <pc:docMk/>
               <pc:sldMasterMk cId="3365805559" sldId="2147483648"/>
@@ -378,8 +862,8 @@
               <ac:spMk id="17" creationId="{39516A90-0B52-4208-352A-FB236F77D68A}"/>
             </ac:spMkLst>
           </pc:spChg>
-          <pc:spChg chg="mod">
-            <ac:chgData name="Tina Korshøj" userId="fc9c1787-86ff-4527-a6cb-a23af2ce0cfe" providerId="ADAL" clId="{12CD37EC-F126-58A4-9D73-FCCAAE6DBE25}" dt="2025-11-11T14:05:18.830" v="92" actId="962"/>
+          <pc:spChg chg="mod ord">
+            <ac:chgData name="Tina Korshøj" userId="fc9c1787-86ff-4527-a6cb-a23af2ce0cfe" providerId="ADAL" clId="{12CD37EC-F126-58A4-9D73-FCCAAE6DBE25}" dt="2025-11-11T16:10:35.287" v="117" actId="13244"/>
             <ac:spMkLst>
               <pc:docMk/>
               <pc:sldMasterMk cId="3365805559" sldId="2147483648"/>
@@ -387,8 +871,8 @@
               <ac:spMk id="18" creationId="{EA746E77-735E-B6A4-6378-CCABBC56BDE2}"/>
             </ac:spMkLst>
           </pc:spChg>
-          <pc:spChg chg="mod">
-            <ac:chgData name="Tina Korshøj" userId="fc9c1787-86ff-4527-a6cb-a23af2ce0cfe" providerId="ADAL" clId="{12CD37EC-F126-58A4-9D73-FCCAAE6DBE25}" dt="2025-11-11T14:05:12.297" v="91" actId="962"/>
+          <pc:spChg chg="mod ord">
+            <ac:chgData name="Tina Korshøj" userId="fc9c1787-86ff-4527-a6cb-a23af2ce0cfe" providerId="ADAL" clId="{12CD37EC-F126-58A4-9D73-FCCAAE6DBE25}" dt="2025-11-11T16:10:24.237" v="115" actId="13244"/>
             <ac:spMkLst>
               <pc:docMk/>
               <pc:sldMasterMk cId="3365805559" sldId="2147483648"/>
@@ -396,8 +880,8 @@
               <ac:spMk id="19" creationId="{D6464BA6-28B1-506D-68A5-302CA1321183}"/>
             </ac:spMkLst>
           </pc:spChg>
-          <pc:spChg chg="mod">
-            <ac:chgData name="Tina Korshøj" userId="fc9c1787-86ff-4527-a6cb-a23af2ce0cfe" providerId="ADAL" clId="{12CD37EC-F126-58A4-9D73-FCCAAE6DBE25}" dt="2025-11-11T14:05:09.187" v="90" actId="962"/>
+          <pc:spChg chg="mod ord">
+            <ac:chgData name="Tina Korshøj" userId="fc9c1787-86ff-4527-a6cb-a23af2ce0cfe" providerId="ADAL" clId="{12CD37EC-F126-58A4-9D73-FCCAAE6DBE25}" dt="2025-11-11T16:10:09.741" v="113" actId="13244"/>
             <ac:spMkLst>
               <pc:docMk/>
               <pc:sldMasterMk cId="3365805559" sldId="2147483648"/>
@@ -414,8 +898,8 @@
               <ac:spMk id="21" creationId="{57341C95-B6DC-73BE-DF59-FC98EEE3128A}"/>
             </ac:spMkLst>
           </pc:spChg>
-          <pc:spChg chg="mod">
-            <ac:chgData name="Tina Korshøj" userId="fc9c1787-86ff-4527-a6cb-a23af2ce0cfe" providerId="ADAL" clId="{12CD37EC-F126-58A4-9D73-FCCAAE6DBE25}" dt="2025-11-11T14:04:56.823" v="88" actId="962"/>
+          <pc:spChg chg="mod ord">
+            <ac:chgData name="Tina Korshøj" userId="fc9c1787-86ff-4527-a6cb-a23af2ce0cfe" providerId="ADAL" clId="{12CD37EC-F126-58A4-9D73-FCCAAE6DBE25}" dt="2025-11-11T16:10:00.883" v="111" actId="13244"/>
             <ac:spMkLst>
               <pc:docMk/>
               <pc:sldMasterMk cId="3365805559" sldId="2147483648"/>
@@ -468,8 +952,8 @@
               <ac:spMk id="32" creationId="{6FBC0EDC-9654-834F-D05D-3FB8D9D70883}"/>
             </ac:spMkLst>
           </pc:spChg>
-          <pc:spChg chg="mod">
-            <ac:chgData name="Tina Korshøj" userId="fc9c1787-86ff-4527-a6cb-a23af2ce0cfe" providerId="ADAL" clId="{12CD37EC-F126-58A4-9D73-FCCAAE6DBE25}" dt="2025-11-11T14:04:28.997" v="83" actId="962"/>
+          <pc:spChg chg="mod ord">
+            <ac:chgData name="Tina Korshøj" userId="fc9c1787-86ff-4527-a6cb-a23af2ce0cfe" providerId="ADAL" clId="{12CD37EC-F126-58A4-9D73-FCCAAE6DBE25}" dt="2025-11-11T16:10:43.166" v="119" actId="13244"/>
             <ac:spMkLst>
               <pc:docMk/>
               <pc:sldMasterMk cId="3365805559" sldId="2147483648"/>
@@ -477,8 +961,8 @@
               <ac:spMk id="33" creationId="{055C292D-E0F5-D28C-3C64-4170CB7A5579}"/>
             </ac:spMkLst>
           </pc:spChg>
-          <pc:spChg chg="mod">
-            <ac:chgData name="Tina Korshøj" userId="fc9c1787-86ff-4527-a6cb-a23af2ce0cfe" providerId="ADAL" clId="{12CD37EC-F126-58A4-9D73-FCCAAE6DBE25}" dt="2025-11-11T14:04:24.978" v="82" actId="962"/>
+          <pc:spChg chg="mod ord">
+            <ac:chgData name="Tina Korshøj" userId="fc9c1787-86ff-4527-a6cb-a23af2ce0cfe" providerId="ADAL" clId="{12CD37EC-F126-58A4-9D73-FCCAAE6DBE25}" dt="2025-11-11T16:10:41.121" v="118" actId="13244"/>
             <ac:spMkLst>
               <pc:docMk/>
               <pc:sldMasterMk cId="3365805559" sldId="2147483648"/>
@@ -486,8 +970,8 @@
               <ac:spMk id="34" creationId="{C04E6777-B7D6-2B95-861E-19DCFEA9880B}"/>
             </ac:spMkLst>
           </pc:spChg>
-          <pc:spChg chg="mod">
-            <ac:chgData name="Tina Korshøj" userId="fc9c1787-86ff-4527-a6cb-a23af2ce0cfe" providerId="ADAL" clId="{12CD37EC-F126-58A4-9D73-FCCAAE6DBE25}" dt="2025-11-11T14:04:20.713" v="81" actId="962"/>
+          <pc:spChg chg="mod ord">
+            <ac:chgData name="Tina Korshøj" userId="fc9c1787-86ff-4527-a6cb-a23af2ce0cfe" providerId="ADAL" clId="{12CD37EC-F126-58A4-9D73-FCCAAE6DBE25}" dt="2025-11-11T16:10:35.287" v="117" actId="13244"/>
             <ac:spMkLst>
               <pc:docMk/>
               <pc:sldMasterMk cId="3365805559" sldId="2147483648"/>
@@ -505,7 +989,7 @@
             </ac:spMkLst>
           </pc:spChg>
           <pc:spChg chg="mod ord">
-            <ac:chgData name="Tina Korshøj" userId="fc9c1787-86ff-4527-a6cb-a23af2ce0cfe" providerId="ADAL" clId="{12CD37EC-F126-58A4-9D73-FCCAAE6DBE25}" dt="2025-11-11T14:04:09.664" v="79" actId="962"/>
+            <ac:chgData name="Tina Korshøj" userId="fc9c1787-86ff-4527-a6cb-a23af2ce0cfe" providerId="ADAL" clId="{12CD37EC-F126-58A4-9D73-FCCAAE6DBE25}" dt="2025-11-11T16:10:18.275" v="114" actId="13244"/>
             <ac:spMkLst>
               <pc:docMk/>
               <pc:sldMasterMk cId="3365805559" sldId="2147483648"/>
@@ -513,8 +997,8 @@
               <ac:spMk id="37" creationId="{BB6D6269-0299-2CA2-3C7A-E6DAE149670F}"/>
             </ac:spMkLst>
           </pc:spChg>
-          <pc:spChg chg="mod">
-            <ac:chgData name="Tina Korshøj" userId="fc9c1787-86ff-4527-a6cb-a23af2ce0cfe" providerId="ADAL" clId="{12CD37EC-F126-58A4-9D73-FCCAAE6DBE25}" dt="2025-11-11T14:03:14.740" v="64" actId="962"/>
+          <pc:spChg chg="mod ord">
+            <ac:chgData name="Tina Korshøj" userId="fc9c1787-86ff-4527-a6cb-a23af2ce0cfe" providerId="ADAL" clId="{12CD37EC-F126-58A4-9D73-FCCAAE6DBE25}" dt="2025-11-11T16:10:06.805" v="112" actId="13244"/>
             <ac:spMkLst>
               <pc:docMk/>
               <pc:sldMasterMk cId="3365805559" sldId="2147483648"/>
@@ -522,8 +1006,8 @@
               <ac:spMk id="38" creationId="{8E456BDB-A817-FCE7-764E-52D716AEF7BB}"/>
             </ac:spMkLst>
           </pc:spChg>
-          <pc:spChg chg="mod">
-            <ac:chgData name="Tina Korshøj" userId="fc9c1787-86ff-4527-a6cb-a23af2ce0cfe" providerId="ADAL" clId="{12CD37EC-F126-58A4-9D73-FCCAAE6DBE25}" dt="2025-11-11T14:03:05.073" v="62" actId="962"/>
+          <pc:spChg chg="mod ord">
+            <ac:chgData name="Tina Korshøj" userId="fc9c1787-86ff-4527-a6cb-a23af2ce0cfe" providerId="ADAL" clId="{12CD37EC-F126-58A4-9D73-FCCAAE6DBE25}" dt="2025-11-11T16:09:48.117" v="110" actId="13244"/>
             <ac:spMkLst>
               <pc:docMk/>
               <pc:sldMasterMk cId="3365805559" sldId="2147483648"/>
@@ -531,8 +1015,8 @@
               <ac:spMk id="39" creationId="{EF989D20-5B89-63D2-FB9B-A5D763788789}"/>
             </ac:spMkLst>
           </pc:spChg>
-          <pc:spChg chg="mod">
-            <ac:chgData name="Tina Korshøj" userId="fc9c1787-86ff-4527-a6cb-a23af2ce0cfe" providerId="ADAL" clId="{12CD37EC-F126-58A4-9D73-FCCAAE6DBE25}" dt="2025-11-11T14:02:52.531" v="61" actId="962"/>
+          <pc:spChg chg="mod ord">
+            <ac:chgData name="Tina Korshøj" userId="fc9c1787-86ff-4527-a6cb-a23af2ce0cfe" providerId="ADAL" clId="{12CD37EC-F126-58A4-9D73-FCCAAE6DBE25}" dt="2025-11-11T16:09:36.050" v="108" actId="13244"/>
             <ac:spMkLst>
               <pc:docMk/>
               <pc:sldMasterMk cId="3365805559" sldId="2147483648"/>
@@ -547,6 +1031,15 @@
               <pc:sldMasterMk cId="3365805559" sldId="2147483648"/>
               <pc:sldLayoutMk cId="733244762" sldId="2147483655"/>
               <ac:spMk id="41" creationId="{2205041E-506C-F9EC-0018-3B8F850FB9A4}"/>
+            </ac:spMkLst>
+          </pc:spChg>
+          <pc:spChg chg="ord">
+            <ac:chgData name="Tina Korshøj" userId="fc9c1787-86ff-4527-a6cb-a23af2ce0cfe" providerId="ADAL" clId="{12CD37EC-F126-58A4-9D73-FCCAAE6DBE25}" dt="2025-11-11T16:09:42.161" v="109" actId="13244"/>
+            <ac:spMkLst>
+              <pc:docMk/>
+              <pc:sldMasterMk cId="3365805559" sldId="2147483648"/>
+              <pc:sldLayoutMk cId="733244762" sldId="2147483655"/>
+              <ac:spMk id="44" creationId="{C0CF9D10-A2AA-5DF2-D8AD-44A8CEABA6FA}"/>
             </ac:spMkLst>
           </pc:spChg>
         </pc:sldLayoutChg>
@@ -666,13 +1159,31 @@
             </ac:spMkLst>
           </pc:spChg>
         </pc:sldLayoutChg>
-        <pc:sldLayoutChg chg="modSp">
-          <pc:chgData name="Tina Korshøj" userId="fc9c1787-86ff-4527-a6cb-a23af2ce0cfe" providerId="ADAL" clId="{12CD37EC-F126-58A4-9D73-FCCAAE6DBE25}" dt="2025-11-11T14:06:14.669" v="102" actId="962"/>
+        <pc:sldLayoutChg chg="addSp delSp modSp">
+          <pc:chgData name="Tina Korshøj" userId="fc9c1787-86ff-4527-a6cb-a23af2ce0cfe" providerId="ADAL" clId="{12CD37EC-F126-58A4-9D73-FCCAAE6DBE25}" dt="2025-11-11T16:23:36.836" v="374" actId="962"/>
           <pc:sldLayoutMkLst>
             <pc:docMk/>
             <pc:sldMasterMk cId="3365805559" sldId="2147483648"/>
             <pc:sldLayoutMk cId="1087787301" sldId="2147483657"/>
           </pc:sldLayoutMkLst>
+          <pc:spChg chg="add del">
+            <ac:chgData name="Tina Korshøj" userId="fc9c1787-86ff-4527-a6cb-a23af2ce0cfe" providerId="ADAL" clId="{12CD37EC-F126-58A4-9D73-FCCAAE6DBE25}" dt="2025-11-11T16:22:58.428" v="373" actId="11529"/>
+            <ac:spMkLst>
+              <pc:docMk/>
+              <pc:sldMasterMk cId="3365805559" sldId="2147483648"/>
+              <pc:sldLayoutMk cId="1087787301" sldId="2147483657"/>
+              <ac:spMk id="2" creationId="{7A3C733A-15C0-0058-AEDF-4F7D07113311}"/>
+            </ac:spMkLst>
+          </pc:spChg>
+          <pc:spChg chg="add mod">
+            <ac:chgData name="Tina Korshøj" userId="fc9c1787-86ff-4527-a6cb-a23af2ce0cfe" providerId="ADAL" clId="{12CD37EC-F126-58A4-9D73-FCCAAE6DBE25}" dt="2025-11-11T16:23:36.836" v="374" actId="962"/>
+            <ac:spMkLst>
+              <pc:docMk/>
+              <pc:sldMasterMk cId="3365805559" sldId="2147483648"/>
+              <pc:sldLayoutMk cId="1087787301" sldId="2147483657"/>
+              <ac:spMk id="3" creationId="{386F4288-9549-71EC-7EB8-388F742C6633}"/>
+            </ac:spMkLst>
+          </pc:spChg>
           <pc:spChg chg="mod">
             <ac:chgData name="Tina Korshøj" userId="fc9c1787-86ff-4527-a6cb-a23af2ce0cfe" providerId="ADAL" clId="{12CD37EC-F126-58A4-9D73-FCCAAE6DBE25}" dt="2025-11-11T14:06:14.669" v="102" actId="962"/>
             <ac:spMkLst>
@@ -713,6 +1224,443 @@
     </pc:docChg>
   </pc:docChgLst>
 </pc:chgInfo>
+</file>
+
+<file path=ppt/notesMasters/notesMaster1.xml><?xml version="1.0" encoding="utf-8"?>
+<p:notesMaster xmlns:a="http://schemas.openxmlformats.org/drawingml/2006/main" xmlns:r="http://schemas.openxmlformats.org/officeDocument/2006/relationships" xmlns:p="http://schemas.openxmlformats.org/presentationml/2006/main">
+  <p:cSld>
+    <p:bg>
+      <p:bgRef idx="1001">
+        <a:schemeClr val="bg1"/>
+      </p:bgRef>
+    </p:bg>
+    <p:spTree>
+      <p:nvGrpSpPr>
+        <p:cNvPr id="1" name=""/>
+        <p:cNvGrpSpPr/>
+        <p:nvPr/>
+      </p:nvGrpSpPr>
+      <p:grpSpPr>
+        <a:xfrm>
+          <a:off x="0" y="0"/>
+          <a:ext cx="0" cy="0"/>
+          <a:chOff x="0" y="0"/>
+          <a:chExt cx="0" cy="0"/>
+        </a:xfrm>
+      </p:grpSpPr>
+      <p:sp>
+        <p:nvSpPr>
+          <p:cNvPr id="2" name="Header Placeholder 1"/>
+          <p:cNvSpPr>
+            <a:spLocks noGrp="1"/>
+          </p:cNvSpPr>
+          <p:nvPr>
+            <p:ph type="hdr" sz="quarter"/>
+          </p:nvPr>
+        </p:nvSpPr>
+        <p:spPr>
+          <a:xfrm>
+            <a:off x="0" y="0"/>
+            <a:ext cx="2971800" cy="458788"/>
+          </a:xfrm>
+          <a:prstGeom prst="rect">
+            <a:avLst/>
+          </a:prstGeom>
+        </p:spPr>
+        <p:txBody>
+          <a:bodyPr vert="horz" lIns="91440" tIns="45720" rIns="91440" bIns="45720" rtlCol="0"/>
+          <a:lstStyle>
+            <a:lvl1pPr algn="l">
+              <a:defRPr sz="1200"/>
+            </a:lvl1pPr>
+          </a:lstStyle>
+          <a:p>
+            <a:endParaRPr lang="da-DK"/>
+          </a:p>
+        </p:txBody>
+      </p:sp>
+      <p:sp>
+        <p:nvSpPr>
+          <p:cNvPr id="3" name="Date Placeholder 2"/>
+          <p:cNvSpPr>
+            <a:spLocks noGrp="1"/>
+          </p:cNvSpPr>
+          <p:nvPr>
+            <p:ph type="dt" idx="1"/>
+          </p:nvPr>
+        </p:nvSpPr>
+        <p:spPr>
+          <a:xfrm>
+            <a:off x="3884613" y="0"/>
+            <a:ext cx="2971800" cy="458788"/>
+          </a:xfrm>
+          <a:prstGeom prst="rect">
+            <a:avLst/>
+          </a:prstGeom>
+        </p:spPr>
+        <p:txBody>
+          <a:bodyPr vert="horz" lIns="91440" tIns="45720" rIns="91440" bIns="45720" rtlCol="0"/>
+          <a:lstStyle>
+            <a:lvl1pPr algn="r">
+              <a:defRPr sz="1200"/>
+            </a:lvl1pPr>
+          </a:lstStyle>
+          <a:p>
+            <a:fld id="{579413FE-2651-AB45-B54F-A3FC48DA1E58}" type="datetimeFigureOut">
+              <a:rPr lang="da-DK" smtClean="0"/>
+              <a:t>11.11.2025</a:t>
+            </a:fld>
+            <a:endParaRPr lang="da-DK"/>
+          </a:p>
+        </p:txBody>
+      </p:sp>
+      <p:sp>
+        <p:nvSpPr>
+          <p:cNvPr id="4" name="Slide Image Placeholder 3"/>
+          <p:cNvSpPr>
+            <a:spLocks noGrp="1" noRot="1" noChangeAspect="1"/>
+          </p:cNvSpPr>
+          <p:nvPr>
+            <p:ph type="sldImg" idx="2"/>
+          </p:nvPr>
+        </p:nvSpPr>
+        <p:spPr>
+          <a:xfrm>
+            <a:off x="685800" y="1143000"/>
+            <a:ext cx="5486400" cy="3086100"/>
+          </a:xfrm>
+          <a:prstGeom prst="rect">
+            <a:avLst/>
+          </a:prstGeom>
+          <a:noFill/>
+          <a:ln w="12700">
+            <a:solidFill>
+              <a:prstClr val="black"/>
+            </a:solidFill>
+          </a:ln>
+        </p:spPr>
+        <p:txBody>
+          <a:bodyPr vert="horz" lIns="91440" tIns="45720" rIns="91440" bIns="45720" rtlCol="0" anchor="ctr"/>
+          <a:lstStyle/>
+          <a:p>
+            <a:endParaRPr lang="da-DK"/>
+          </a:p>
+        </p:txBody>
+      </p:sp>
+      <p:sp>
+        <p:nvSpPr>
+          <p:cNvPr id="5" name="Notes Placeholder 4"/>
+          <p:cNvSpPr>
+            <a:spLocks noGrp="1"/>
+          </p:cNvSpPr>
+          <p:nvPr>
+            <p:ph type="body" sz="quarter" idx="3"/>
+          </p:nvPr>
+        </p:nvSpPr>
+        <p:spPr>
+          <a:xfrm>
+            <a:off x="685800" y="4400550"/>
+            <a:ext cx="5486400" cy="3600450"/>
+          </a:xfrm>
+          <a:prstGeom prst="rect">
+            <a:avLst/>
+          </a:prstGeom>
+        </p:spPr>
+        <p:txBody>
+          <a:bodyPr vert="horz" lIns="91440" tIns="45720" rIns="91440" bIns="45720" rtlCol="0"/>
+          <a:lstStyle/>
+          <a:p>
+            <a:pPr lvl="0"/>
+            <a:r>
+              <a:rPr lang="en-GB"/>
+              <a:t>Click to edit Master text styles</a:t>
+            </a:r>
+          </a:p>
+          <a:p>
+            <a:pPr lvl="1"/>
+            <a:r>
+              <a:rPr lang="en-GB"/>
+              <a:t>Second level</a:t>
+            </a:r>
+          </a:p>
+          <a:p>
+            <a:pPr lvl="2"/>
+            <a:r>
+              <a:rPr lang="en-GB"/>
+              <a:t>Third level</a:t>
+            </a:r>
+          </a:p>
+          <a:p>
+            <a:pPr lvl="3"/>
+            <a:r>
+              <a:rPr lang="en-GB"/>
+              <a:t>Fourth level</a:t>
+            </a:r>
+          </a:p>
+          <a:p>
+            <a:pPr lvl="4"/>
+            <a:r>
+              <a:rPr lang="en-GB"/>
+              <a:t>Fifth level</a:t>
+            </a:r>
+            <a:endParaRPr lang="da-DK"/>
+          </a:p>
+        </p:txBody>
+      </p:sp>
+      <p:sp>
+        <p:nvSpPr>
+          <p:cNvPr id="6" name="Footer Placeholder 5"/>
+          <p:cNvSpPr>
+            <a:spLocks noGrp="1"/>
+          </p:cNvSpPr>
+          <p:nvPr>
+            <p:ph type="ftr" sz="quarter" idx="4"/>
+          </p:nvPr>
+        </p:nvSpPr>
+        <p:spPr>
+          <a:xfrm>
+            <a:off x="0" y="8685213"/>
+            <a:ext cx="2971800" cy="458787"/>
+          </a:xfrm>
+          <a:prstGeom prst="rect">
+            <a:avLst/>
+          </a:prstGeom>
+        </p:spPr>
+        <p:txBody>
+          <a:bodyPr vert="horz" lIns="91440" tIns="45720" rIns="91440" bIns="45720" rtlCol="0" anchor="b"/>
+          <a:lstStyle>
+            <a:lvl1pPr algn="l">
+              <a:defRPr sz="1200"/>
+            </a:lvl1pPr>
+          </a:lstStyle>
+          <a:p>
+            <a:endParaRPr lang="da-DK"/>
+          </a:p>
+        </p:txBody>
+      </p:sp>
+      <p:sp>
+        <p:nvSpPr>
+          <p:cNvPr id="7" name="Slide Number Placeholder 6"/>
+          <p:cNvSpPr>
+            <a:spLocks noGrp="1"/>
+          </p:cNvSpPr>
+          <p:nvPr>
+            <p:ph type="sldNum" sz="quarter" idx="5"/>
+          </p:nvPr>
+        </p:nvSpPr>
+        <p:spPr>
+          <a:xfrm>
+            <a:off x="3884613" y="8685213"/>
+            <a:ext cx="2971800" cy="458787"/>
+          </a:xfrm>
+          <a:prstGeom prst="rect">
+            <a:avLst/>
+          </a:prstGeom>
+        </p:spPr>
+        <p:txBody>
+          <a:bodyPr vert="horz" lIns="91440" tIns="45720" rIns="91440" bIns="45720" rtlCol="0" anchor="b"/>
+          <a:lstStyle>
+            <a:lvl1pPr algn="r">
+              <a:defRPr sz="1200"/>
+            </a:lvl1pPr>
+          </a:lstStyle>
+          <a:p>
+            <a:fld id="{D0E91B2B-EF91-584D-A06A-C4DAFC2120B2}" type="slidenum">
+              <a:rPr lang="da-DK" smtClean="0"/>
+              <a:t>‹#›</a:t>
+            </a:fld>
+            <a:endParaRPr lang="da-DK"/>
+          </a:p>
+        </p:txBody>
+      </p:sp>
+    </p:spTree>
+    <p:extLst>
+      <p:ext uri="{BB962C8B-B14F-4D97-AF65-F5344CB8AC3E}">
+        <p14:creationId xmlns:p14="http://schemas.microsoft.com/office/powerpoint/2010/main" val="3879357367"/>
+      </p:ext>
+    </p:extLst>
+  </p:cSld>
+  <p:clrMap bg1="lt1" tx1="dk1" bg2="lt2" tx2="dk2" accent1="accent1" accent2="accent2" accent3="accent3" accent4="accent4" accent5="accent5" accent6="accent6" hlink="hlink" folHlink="folHlink"/>
+  <p:notesStyle>
+    <a:lvl1pPr marL="0" algn="l" defTabSz="914400" rtl="0" eaLnBrk="1" latinLnBrk="0" hangingPunct="1">
+      <a:defRPr sz="1200" kern="1200">
+        <a:solidFill>
+          <a:schemeClr val="tx1"/>
+        </a:solidFill>
+        <a:latin typeface="+mn-lt"/>
+        <a:ea typeface="+mn-ea"/>
+        <a:cs typeface="+mn-cs"/>
+      </a:defRPr>
+    </a:lvl1pPr>
+    <a:lvl2pPr marL="457200" algn="l" defTabSz="914400" rtl="0" eaLnBrk="1" latinLnBrk="0" hangingPunct="1">
+      <a:defRPr sz="1200" kern="1200">
+        <a:solidFill>
+          <a:schemeClr val="tx1"/>
+        </a:solidFill>
+        <a:latin typeface="+mn-lt"/>
+        <a:ea typeface="+mn-ea"/>
+        <a:cs typeface="+mn-cs"/>
+      </a:defRPr>
+    </a:lvl2pPr>
+    <a:lvl3pPr marL="914400" algn="l" defTabSz="914400" rtl="0" eaLnBrk="1" latinLnBrk="0" hangingPunct="1">
+      <a:defRPr sz="1200" kern="1200">
+        <a:solidFill>
+          <a:schemeClr val="tx1"/>
+        </a:solidFill>
+        <a:latin typeface="+mn-lt"/>
+        <a:ea typeface="+mn-ea"/>
+        <a:cs typeface="+mn-cs"/>
+      </a:defRPr>
+    </a:lvl3pPr>
+    <a:lvl4pPr marL="1371600" algn="l" defTabSz="914400" rtl="0" eaLnBrk="1" latinLnBrk="0" hangingPunct="1">
+      <a:defRPr sz="1200" kern="1200">
+        <a:solidFill>
+          <a:schemeClr val="tx1"/>
+        </a:solidFill>
+        <a:latin typeface="+mn-lt"/>
+        <a:ea typeface="+mn-ea"/>
+        <a:cs typeface="+mn-cs"/>
+      </a:defRPr>
+    </a:lvl4pPr>
+    <a:lvl5pPr marL="1828800" algn="l" defTabSz="914400" rtl="0" eaLnBrk="1" latinLnBrk="0" hangingPunct="1">
+      <a:defRPr sz="1200" kern="1200">
+        <a:solidFill>
+          <a:schemeClr val="tx1"/>
+        </a:solidFill>
+        <a:latin typeface="+mn-lt"/>
+        <a:ea typeface="+mn-ea"/>
+        <a:cs typeface="+mn-cs"/>
+      </a:defRPr>
+    </a:lvl5pPr>
+    <a:lvl6pPr marL="2286000" algn="l" defTabSz="914400" rtl="0" eaLnBrk="1" latinLnBrk="0" hangingPunct="1">
+      <a:defRPr sz="1200" kern="1200">
+        <a:solidFill>
+          <a:schemeClr val="tx1"/>
+        </a:solidFill>
+        <a:latin typeface="+mn-lt"/>
+        <a:ea typeface="+mn-ea"/>
+        <a:cs typeface="+mn-cs"/>
+      </a:defRPr>
+    </a:lvl6pPr>
+    <a:lvl7pPr marL="2743200" algn="l" defTabSz="914400" rtl="0" eaLnBrk="1" latinLnBrk="0" hangingPunct="1">
+      <a:defRPr sz="1200" kern="1200">
+        <a:solidFill>
+          <a:schemeClr val="tx1"/>
+        </a:solidFill>
+        <a:latin typeface="+mn-lt"/>
+        <a:ea typeface="+mn-ea"/>
+        <a:cs typeface="+mn-cs"/>
+      </a:defRPr>
+    </a:lvl7pPr>
+    <a:lvl8pPr marL="3200400" algn="l" defTabSz="914400" rtl="0" eaLnBrk="1" latinLnBrk="0" hangingPunct="1">
+      <a:defRPr sz="1200" kern="1200">
+        <a:solidFill>
+          <a:schemeClr val="tx1"/>
+        </a:solidFill>
+        <a:latin typeface="+mn-lt"/>
+        <a:ea typeface="+mn-ea"/>
+        <a:cs typeface="+mn-cs"/>
+      </a:defRPr>
+    </a:lvl8pPr>
+    <a:lvl9pPr marL="3657600" algn="l" defTabSz="914400" rtl="0" eaLnBrk="1" latinLnBrk="0" hangingPunct="1">
+      <a:defRPr sz="1200" kern="1200">
+        <a:solidFill>
+          <a:schemeClr val="tx1"/>
+        </a:solidFill>
+        <a:latin typeface="+mn-lt"/>
+        <a:ea typeface="+mn-ea"/>
+        <a:cs typeface="+mn-cs"/>
+      </a:defRPr>
+    </a:lvl9pPr>
+  </p:notesStyle>
+</p:notesMaster>
+</file>
+
+<file path=ppt/notesSlides/notesSlide1.xml><?xml version="1.0" encoding="utf-8"?>
+<p:notes xmlns:a="http://schemas.openxmlformats.org/drawingml/2006/main" xmlns:r="http://schemas.openxmlformats.org/officeDocument/2006/relationships" xmlns:p="http://schemas.openxmlformats.org/presentationml/2006/main">
+  <p:cSld>
+    <p:spTree>
+      <p:nvGrpSpPr>
+        <p:cNvPr id="1" name=""/>
+        <p:cNvGrpSpPr/>
+        <p:nvPr/>
+      </p:nvGrpSpPr>
+      <p:grpSpPr>
+        <a:xfrm>
+          <a:off x="0" y="0"/>
+          <a:ext cx="0" cy="0"/>
+          <a:chOff x="0" y="0"/>
+          <a:chExt cx="0" cy="0"/>
+        </a:xfrm>
+      </p:grpSpPr>
+      <p:sp>
+        <p:nvSpPr>
+          <p:cNvPr id="2" name="Slide Image Placeholder 1"/>
+          <p:cNvSpPr>
+            <a:spLocks noGrp="1" noRot="1" noChangeAspect="1"/>
+          </p:cNvSpPr>
+          <p:nvPr>
+            <p:ph type="sldImg"/>
+          </p:nvPr>
+        </p:nvSpPr>
+        <p:spPr/>
+      </p:sp>
+      <p:sp>
+        <p:nvSpPr>
+          <p:cNvPr id="3" name="Notes Placeholder 2"/>
+          <p:cNvSpPr>
+            <a:spLocks noGrp="1"/>
+          </p:cNvSpPr>
+          <p:nvPr>
+            <p:ph type="body" idx="1"/>
+          </p:nvPr>
+        </p:nvSpPr>
+        <p:spPr/>
+        <p:txBody>
+          <a:bodyPr/>
+          <a:lstStyle/>
+          <a:p>
+            <a:r>
+              <a:rPr lang="da-DK" dirty="0"/>
+              <a:t>2</a:t>
+            </a:r>
+          </a:p>
+        </p:txBody>
+      </p:sp>
+      <p:sp>
+        <p:nvSpPr>
+          <p:cNvPr id="4" name="Slide Number Placeholder 3"/>
+          <p:cNvSpPr>
+            <a:spLocks noGrp="1"/>
+          </p:cNvSpPr>
+          <p:nvPr>
+            <p:ph type="sldNum" sz="quarter" idx="5"/>
+          </p:nvPr>
+        </p:nvSpPr>
+        <p:spPr/>
+        <p:txBody>
+          <a:bodyPr/>
+          <a:lstStyle/>
+          <a:p>
+            <a:fld id="{D0E91B2B-EF91-584D-A06A-C4DAFC2120B2}" type="slidenum">
+              <a:rPr lang="da-DK" smtClean="0"/>
+              <a:t>2</a:t>
+            </a:fld>
+            <a:endParaRPr lang="da-DK"/>
+          </a:p>
+        </p:txBody>
+      </p:sp>
+    </p:spTree>
+    <p:extLst>
+      <p:ext uri="{BB962C8B-B14F-4D97-AF65-F5344CB8AC3E}">
+        <p14:creationId xmlns:p14="http://schemas.microsoft.com/office/powerpoint/2010/main" val="1069758482"/>
+      </p:ext>
+    </p:extLst>
+  </p:cSld>
+  <p:clrMapOvr>
+    <a:masterClrMapping/>
+  </p:clrMapOvr>
+</p:notes>
 </file>
 
 <file path=ppt/slideLayouts/slideLayout1.xml><?xml version="1.0" encoding="utf-8"?>
@@ -1339,36 +2287,6 @@
       </p:sp>
       <p:sp>
         <p:nvSpPr>
-          <p:cNvPr id="12" name="Rendering&#10;{{Rendering}}&#10;{{Rendering}}">
-            <a:extLst>
-              <a:ext uri="{FF2B5EF4-FFF2-40B4-BE49-F238E27FC236}">
-                <a16:creationId xmlns:a16="http://schemas.microsoft.com/office/drawing/2014/main" id="{A1C6BF1B-99D8-B50E-57EF-A8C6FBF6C318}"/>
-              </a:ext>
-            </a:extLst>
-          </p:cNvPr>
-          <p:cNvSpPr>
-            <a:spLocks noGrp="1"/>
-          </p:cNvSpPr>
-          <p:nvPr>
-            <p:ph type="pic" sz="quarter" idx="17"/>
-          </p:nvPr>
-        </p:nvSpPr>
-        <p:spPr>
-          <a:xfrm>
-            <a:off x="703709" y="1079590"/>
-            <a:ext cx="5286372" cy="3042704"/>
-          </a:xfrm>
-        </p:spPr>
-        <p:txBody>
-          <a:bodyPr/>
-          <a:lstStyle/>
-          <a:p>
-            <a:endParaRPr lang="da-DK"/>
-          </a:p>
-        </p:txBody>
-      </p:sp>
-      <p:sp>
-        <p:nvSpPr>
           <p:cNvPr id="14" name="ProductPackshot5">
             <a:extLst>
               <a:ext uri="{FF2B5EF4-FFF2-40B4-BE49-F238E27FC236}">
@@ -1489,143 +2407,23 @@
       </p:sp>
       <p:sp>
         <p:nvSpPr>
-          <p:cNvPr id="18" name="ProductPackshot9">
-            <a:extLst>
-              <a:ext uri="{FF2B5EF4-FFF2-40B4-BE49-F238E27FC236}">
-                <a16:creationId xmlns:a16="http://schemas.microsoft.com/office/drawing/2014/main" id="{EA746E77-735E-B6A4-6378-CCABBC56BDE2}"/>
-              </a:ext>
-            </a:extLst>
-          </p:cNvPr>
-          <p:cNvSpPr>
-            <a:spLocks noGrp="1"/>
-          </p:cNvSpPr>
-          <p:nvPr>
-            <p:ph type="pic" sz="quarter" idx="22"/>
+          <p:cNvPr id="38" name="PRODUCT DESCRIPTION 12">
+            <a:extLst>
+              <a:ext uri="{FF2B5EF4-FFF2-40B4-BE49-F238E27FC236}">
+                <a16:creationId xmlns:a16="http://schemas.microsoft.com/office/drawing/2014/main" id="{8E456BDB-A817-FCE7-764E-52D716AEF7BB}"/>
+              </a:ext>
+            </a:extLst>
+          </p:cNvPr>
+          <p:cNvSpPr>
+            <a:spLocks noGrp="1"/>
+          </p:cNvSpPr>
+          <p:nvPr>
+            <p:ph type="body" sz="quarter" idx="37"/>
           </p:nvPr>
         </p:nvSpPr>
         <p:spPr>
           <a:xfrm>
-            <a:off x="6234114" y="4887547"/>
-            <a:ext cx="1243140" cy="1244444"/>
-          </a:xfrm>
-        </p:spPr>
-        <p:txBody>
-          <a:bodyPr/>
-          <a:lstStyle/>
-          <a:p>
-            <a:endParaRPr lang="da-DK"/>
-          </a:p>
-        </p:txBody>
-      </p:sp>
-      <p:sp>
-        <p:nvSpPr>
-          <p:cNvPr id="19" name="ProductPackshot10">
-            <a:extLst>
-              <a:ext uri="{FF2B5EF4-FFF2-40B4-BE49-F238E27FC236}">
-                <a16:creationId xmlns:a16="http://schemas.microsoft.com/office/drawing/2014/main" id="{D6464BA6-28B1-506D-68A5-302CA1321183}"/>
-              </a:ext>
-            </a:extLst>
-          </p:cNvPr>
-          <p:cNvSpPr>
-            <a:spLocks noGrp="1"/>
-          </p:cNvSpPr>
-          <p:nvPr>
-            <p:ph type="pic" sz="quarter" idx="23"/>
-          </p:nvPr>
-        </p:nvSpPr>
-        <p:spPr>
-          <a:xfrm>
-            <a:off x="7720639" y="4887547"/>
-            <a:ext cx="1243140" cy="1244444"/>
-          </a:xfrm>
-        </p:spPr>
-        <p:txBody>
-          <a:bodyPr/>
-          <a:lstStyle/>
-          <a:p>
-            <a:endParaRPr lang="da-DK"/>
-          </a:p>
-        </p:txBody>
-      </p:sp>
-      <p:sp>
-        <p:nvSpPr>
-          <p:cNvPr id="20" name="ProductPackshot11">
-            <a:extLst>
-              <a:ext uri="{FF2B5EF4-FFF2-40B4-BE49-F238E27FC236}">
-                <a16:creationId xmlns:a16="http://schemas.microsoft.com/office/drawing/2014/main" id="{CD424CCA-A51D-E67D-5BB3-EDE762A0FCA5}"/>
-              </a:ext>
-            </a:extLst>
-          </p:cNvPr>
-          <p:cNvSpPr>
-            <a:spLocks noGrp="1"/>
-          </p:cNvSpPr>
-          <p:nvPr>
-            <p:ph type="pic" sz="quarter" idx="24"/>
-          </p:nvPr>
-        </p:nvSpPr>
-        <p:spPr>
-          <a:xfrm>
-            <a:off x="9207164" y="4887547"/>
-            <a:ext cx="1243140" cy="1244444"/>
-          </a:xfrm>
-        </p:spPr>
-        <p:txBody>
-          <a:bodyPr/>
-          <a:lstStyle/>
-          <a:p>
-            <a:endParaRPr lang="da-DK"/>
-          </a:p>
-        </p:txBody>
-      </p:sp>
-      <p:sp>
-        <p:nvSpPr>
-          <p:cNvPr id="21" name="ProductPackshot12">
-            <a:extLst>
-              <a:ext uri="{FF2B5EF4-FFF2-40B4-BE49-F238E27FC236}">
-                <a16:creationId xmlns:a16="http://schemas.microsoft.com/office/drawing/2014/main" id="{57341C95-B6DC-73BE-DF59-FC98EEE3128A}"/>
-              </a:ext>
-            </a:extLst>
-          </p:cNvPr>
-          <p:cNvSpPr>
-            <a:spLocks noGrp="1"/>
-          </p:cNvSpPr>
-          <p:nvPr>
-            <p:ph type="pic" sz="quarter" idx="25"/>
-          </p:nvPr>
-        </p:nvSpPr>
-        <p:spPr>
-          <a:xfrm>
-            <a:off x="10693689" y="4887547"/>
-            <a:ext cx="1243140" cy="1244444"/>
-          </a:xfrm>
-        </p:spPr>
-        <p:txBody>
-          <a:bodyPr/>
-          <a:lstStyle/>
-          <a:p>
-            <a:endParaRPr lang="da-DK"/>
-          </a:p>
-        </p:txBody>
-      </p:sp>
-      <p:sp>
-        <p:nvSpPr>
-          <p:cNvPr id="27" name="PRODUCT DESCRIPTION 1">
-            <a:extLst>
-              <a:ext uri="{FF2B5EF4-FFF2-40B4-BE49-F238E27FC236}">
-                <a16:creationId xmlns:a16="http://schemas.microsoft.com/office/drawing/2014/main" id="{1161B3CD-F71F-F3ED-55EB-ED991412CD0D}"/>
-              </a:ext>
-            </a:extLst>
-          </p:cNvPr>
-          <p:cNvSpPr>
-            <a:spLocks noGrp="1"/>
-          </p:cNvSpPr>
-          <p:nvPr>
-            <p:ph type="body" sz="quarter" idx="26"/>
-          </p:nvPr>
-        </p:nvSpPr>
-        <p:spPr>
-          <a:xfrm>
-            <a:off x="6234763" y="2443448"/>
+            <a:off x="10691093" y="6286602"/>
             <a:ext cx="1243013" cy="404813"/>
           </a:xfrm>
         </p:spPr>
@@ -1647,23 +2445,53 @@
       </p:sp>
       <p:sp>
         <p:nvSpPr>
-          <p:cNvPr id="28" name="PRODUCT DESCRIPTION 2">
-            <a:extLst>
-              <a:ext uri="{FF2B5EF4-FFF2-40B4-BE49-F238E27FC236}">
-                <a16:creationId xmlns:a16="http://schemas.microsoft.com/office/drawing/2014/main" id="{CB7565EE-3FFC-C5D3-D3FC-36BAA210EABA}"/>
-              </a:ext>
-            </a:extLst>
-          </p:cNvPr>
-          <p:cNvSpPr>
-            <a:spLocks noGrp="1"/>
-          </p:cNvSpPr>
-          <p:nvPr>
-            <p:ph type="body" sz="quarter" idx="27"/>
+          <p:cNvPr id="21" name="ProductPackshot12">
+            <a:extLst>
+              <a:ext uri="{FF2B5EF4-FFF2-40B4-BE49-F238E27FC236}">
+                <a16:creationId xmlns:a16="http://schemas.microsoft.com/office/drawing/2014/main" id="{57341C95-B6DC-73BE-DF59-FC98EEE3128A}"/>
+              </a:ext>
+            </a:extLst>
+          </p:cNvPr>
+          <p:cNvSpPr>
+            <a:spLocks noGrp="1"/>
+          </p:cNvSpPr>
+          <p:nvPr>
+            <p:ph type="pic" sz="quarter" idx="25"/>
           </p:nvPr>
         </p:nvSpPr>
         <p:spPr>
           <a:xfrm>
-            <a:off x="7720639" y="2443448"/>
+            <a:off x="10693689" y="4887547"/>
+            <a:ext cx="1243140" cy="1244444"/>
+          </a:xfrm>
+        </p:spPr>
+        <p:txBody>
+          <a:bodyPr/>
+          <a:lstStyle/>
+          <a:p>
+            <a:endParaRPr lang="da-DK"/>
+          </a:p>
+        </p:txBody>
+      </p:sp>
+      <p:sp>
+        <p:nvSpPr>
+          <p:cNvPr id="37" name="PRODUCT DESCRIPTION 11">
+            <a:extLst>
+              <a:ext uri="{FF2B5EF4-FFF2-40B4-BE49-F238E27FC236}">
+                <a16:creationId xmlns:a16="http://schemas.microsoft.com/office/drawing/2014/main" id="{BB6D6269-0299-2CA2-3C7A-E6DAE149670F}"/>
+              </a:ext>
+            </a:extLst>
+          </p:cNvPr>
+          <p:cNvSpPr>
+            <a:spLocks noGrp="1"/>
+          </p:cNvSpPr>
+          <p:nvPr>
+            <p:ph type="body" sz="quarter" idx="36" hasCustomPrompt="1"/>
+          </p:nvPr>
+        </p:nvSpPr>
+        <p:spPr>
+          <a:xfrm>
+            <a:off x="9205217" y="6286602"/>
             <a:ext cx="1243013" cy="404813"/>
           </a:xfrm>
         </p:spPr>
@@ -1679,29 +2507,62 @@
           </a:lstStyle>
           <a:p>
             <a:pPr lvl="0"/>
-            <a:endParaRPr lang="da-DK" dirty="0"/>
-          </a:p>
-        </p:txBody>
-      </p:sp>
-      <p:sp>
-        <p:nvSpPr>
-          <p:cNvPr id="29" name="PRODUCT DESCRIPTION 3">
-            <a:extLst>
-              <a:ext uri="{FF2B5EF4-FFF2-40B4-BE49-F238E27FC236}">
-                <a16:creationId xmlns:a16="http://schemas.microsoft.com/office/drawing/2014/main" id="{E982C4E3-7800-F391-55D4-8814046C2DF3}"/>
-              </a:ext>
-            </a:extLst>
-          </p:cNvPr>
-          <p:cNvSpPr>
-            <a:spLocks noGrp="1"/>
-          </p:cNvSpPr>
-          <p:nvPr>
-            <p:ph type="body" sz="quarter" idx="28"/>
+            <a:r>
+              <a:rPr lang="da-DK" dirty="0"/>
+              <a:t>PRODUCT DESCRIPTION 12</a:t>
+            </a:r>
+          </a:p>
+        </p:txBody>
+      </p:sp>
+      <p:sp>
+        <p:nvSpPr>
+          <p:cNvPr id="20" name="ProductPackshot11">
+            <a:extLst>
+              <a:ext uri="{FF2B5EF4-FFF2-40B4-BE49-F238E27FC236}">
+                <a16:creationId xmlns:a16="http://schemas.microsoft.com/office/drawing/2014/main" id="{CD424CCA-A51D-E67D-5BB3-EDE762A0FCA5}"/>
+              </a:ext>
+            </a:extLst>
+          </p:cNvPr>
+          <p:cNvSpPr>
+            <a:spLocks noGrp="1"/>
+          </p:cNvSpPr>
+          <p:nvPr>
+            <p:ph type="pic" sz="quarter" idx="24"/>
           </p:nvPr>
         </p:nvSpPr>
         <p:spPr>
           <a:xfrm>
-            <a:off x="9206515" y="2443448"/>
+            <a:off x="9207164" y="4887547"/>
+            <a:ext cx="1243140" cy="1244444"/>
+          </a:xfrm>
+        </p:spPr>
+        <p:txBody>
+          <a:bodyPr/>
+          <a:lstStyle/>
+          <a:p>
+            <a:endParaRPr lang="da-DK"/>
+          </a:p>
+        </p:txBody>
+      </p:sp>
+      <p:sp>
+        <p:nvSpPr>
+          <p:cNvPr id="28" name="PRODUCT DESCRIPTION 2">
+            <a:extLst>
+              <a:ext uri="{FF2B5EF4-FFF2-40B4-BE49-F238E27FC236}">
+                <a16:creationId xmlns:a16="http://schemas.microsoft.com/office/drawing/2014/main" id="{CB7565EE-3FFC-C5D3-D3FC-36BAA210EABA}"/>
+              </a:ext>
+            </a:extLst>
+          </p:cNvPr>
+          <p:cNvSpPr>
+            <a:spLocks noGrp="1"/>
+          </p:cNvSpPr>
+          <p:nvPr>
+            <p:ph type="body" sz="quarter" idx="27"/>
+          </p:nvPr>
+        </p:nvSpPr>
+        <p:spPr>
+          <a:xfrm>
+            <a:off x="7720639" y="2443448"/>
             <a:ext cx="1243013" cy="404813"/>
           </a:xfrm>
         </p:spPr>
@@ -1723,23 +2584,23 @@
       </p:sp>
       <p:sp>
         <p:nvSpPr>
-          <p:cNvPr id="31" name="PRODUCT DESCRIPTION 5">
-            <a:extLst>
-              <a:ext uri="{FF2B5EF4-FFF2-40B4-BE49-F238E27FC236}">
-                <a16:creationId xmlns:a16="http://schemas.microsoft.com/office/drawing/2014/main" id="{329C47DA-9B37-F483-8F7F-B7E9910442B7}"/>
-              </a:ext>
-            </a:extLst>
-          </p:cNvPr>
-          <p:cNvSpPr>
-            <a:spLocks noGrp="1"/>
-          </p:cNvSpPr>
-          <p:nvPr>
-            <p:ph type="body" sz="quarter" idx="30"/>
+          <p:cNvPr id="29" name="PRODUCT DESCRIPTION 3">
+            <a:extLst>
+              <a:ext uri="{FF2B5EF4-FFF2-40B4-BE49-F238E27FC236}">
+                <a16:creationId xmlns:a16="http://schemas.microsoft.com/office/drawing/2014/main" id="{E982C4E3-7800-F391-55D4-8814046C2DF3}"/>
+              </a:ext>
+            </a:extLst>
+          </p:cNvPr>
+          <p:cNvSpPr>
+            <a:spLocks noGrp="1"/>
+          </p:cNvSpPr>
+          <p:nvPr>
+            <p:ph type="body" sz="quarter" idx="28"/>
           </p:nvPr>
         </p:nvSpPr>
         <p:spPr>
           <a:xfrm>
-            <a:off x="6234114" y="4365025"/>
+            <a:off x="9206515" y="2443448"/>
             <a:ext cx="1243013" cy="404813"/>
           </a:xfrm>
         </p:spPr>
@@ -1761,23 +2622,23 @@
       </p:sp>
       <p:sp>
         <p:nvSpPr>
-          <p:cNvPr id="32" name="PRODUCT DESCRIPTION 6">
-            <a:extLst>
-              <a:ext uri="{FF2B5EF4-FFF2-40B4-BE49-F238E27FC236}">
-                <a16:creationId xmlns:a16="http://schemas.microsoft.com/office/drawing/2014/main" id="{6FBC0EDC-9654-834F-D05D-3FB8D9D70883}"/>
-              </a:ext>
-            </a:extLst>
-          </p:cNvPr>
-          <p:cNvSpPr>
-            <a:spLocks noGrp="1"/>
-          </p:cNvSpPr>
-          <p:nvPr>
-            <p:ph type="body" sz="quarter" idx="31"/>
+          <p:cNvPr id="31" name="PRODUCT DESCRIPTION 5">
+            <a:extLst>
+              <a:ext uri="{FF2B5EF4-FFF2-40B4-BE49-F238E27FC236}">
+                <a16:creationId xmlns:a16="http://schemas.microsoft.com/office/drawing/2014/main" id="{329C47DA-9B37-F483-8F7F-B7E9910442B7}"/>
+              </a:ext>
+            </a:extLst>
+          </p:cNvPr>
+          <p:cNvSpPr>
+            <a:spLocks noGrp="1"/>
+          </p:cNvSpPr>
+          <p:nvPr>
+            <p:ph type="body" sz="quarter" idx="30"/>
           </p:nvPr>
         </p:nvSpPr>
         <p:spPr>
           <a:xfrm>
-            <a:off x="7719990" y="4365025"/>
+            <a:off x="6234114" y="4365025"/>
             <a:ext cx="1243013" cy="404813"/>
           </a:xfrm>
         </p:spPr>
@@ -1799,23 +2660,23 @@
       </p:sp>
       <p:sp>
         <p:nvSpPr>
-          <p:cNvPr id="33" name="PRODUCT DESCRIPTION 7">
-            <a:extLst>
-              <a:ext uri="{FF2B5EF4-FFF2-40B4-BE49-F238E27FC236}">
-                <a16:creationId xmlns:a16="http://schemas.microsoft.com/office/drawing/2014/main" id="{055C292D-E0F5-D28C-3C64-4170CB7A5579}"/>
-              </a:ext>
-            </a:extLst>
-          </p:cNvPr>
-          <p:cNvSpPr>
-            <a:spLocks noGrp="1"/>
-          </p:cNvSpPr>
-          <p:nvPr>
-            <p:ph type="body" sz="quarter" idx="32"/>
+          <p:cNvPr id="32" name="PRODUCT DESCRIPTION 6">
+            <a:extLst>
+              <a:ext uri="{FF2B5EF4-FFF2-40B4-BE49-F238E27FC236}">
+                <a16:creationId xmlns:a16="http://schemas.microsoft.com/office/drawing/2014/main" id="{6FBC0EDC-9654-834F-D05D-3FB8D9D70883}"/>
+              </a:ext>
+            </a:extLst>
+          </p:cNvPr>
+          <p:cNvSpPr>
+            <a:spLocks noGrp="1"/>
+          </p:cNvSpPr>
+          <p:nvPr>
+            <p:ph type="body" sz="quarter" idx="31"/>
           </p:nvPr>
         </p:nvSpPr>
         <p:spPr>
           <a:xfrm>
-            <a:off x="9205866" y="4365025"/>
+            <a:off x="7719990" y="4365025"/>
             <a:ext cx="1243013" cy="404813"/>
           </a:xfrm>
         </p:spPr>
@@ -1837,23 +2698,23 @@
       </p:sp>
       <p:sp>
         <p:nvSpPr>
-          <p:cNvPr id="34" name="PRODUCT DESCRIPTION 8">
-            <a:extLst>
-              <a:ext uri="{FF2B5EF4-FFF2-40B4-BE49-F238E27FC236}">
-                <a16:creationId xmlns:a16="http://schemas.microsoft.com/office/drawing/2014/main" id="{C04E6777-B7D6-2B95-861E-19DCFEA9880B}"/>
-              </a:ext>
-            </a:extLst>
-          </p:cNvPr>
-          <p:cNvSpPr>
-            <a:spLocks noGrp="1"/>
-          </p:cNvSpPr>
-          <p:nvPr>
-            <p:ph type="body" sz="quarter" idx="33"/>
+          <p:cNvPr id="36" name="PRODUCT DESCRIPTION 10">
+            <a:extLst>
+              <a:ext uri="{FF2B5EF4-FFF2-40B4-BE49-F238E27FC236}">
+                <a16:creationId xmlns:a16="http://schemas.microsoft.com/office/drawing/2014/main" id="{5DF4A071-F123-AB63-F039-E933134E6768}"/>
+              </a:ext>
+            </a:extLst>
+          </p:cNvPr>
+          <p:cNvSpPr>
+            <a:spLocks noGrp="1"/>
+          </p:cNvSpPr>
+          <p:nvPr>
+            <p:ph type="body" sz="quarter" idx="35"/>
           </p:nvPr>
         </p:nvSpPr>
         <p:spPr>
           <a:xfrm>
-            <a:off x="10691742" y="4365025"/>
+            <a:off x="7719341" y="6286602"/>
             <a:ext cx="1243013" cy="404813"/>
           </a:xfrm>
         </p:spPr>
@@ -1875,6 +2736,36 @@
       </p:sp>
       <p:sp>
         <p:nvSpPr>
+          <p:cNvPr id="19" name="ProductPackshot10">
+            <a:extLst>
+              <a:ext uri="{FF2B5EF4-FFF2-40B4-BE49-F238E27FC236}">
+                <a16:creationId xmlns:a16="http://schemas.microsoft.com/office/drawing/2014/main" id="{D6464BA6-28B1-506D-68A5-302CA1321183}"/>
+              </a:ext>
+            </a:extLst>
+          </p:cNvPr>
+          <p:cNvSpPr>
+            <a:spLocks noGrp="1"/>
+          </p:cNvSpPr>
+          <p:nvPr>
+            <p:ph type="pic" sz="quarter" idx="23"/>
+          </p:nvPr>
+        </p:nvSpPr>
+        <p:spPr>
+          <a:xfrm>
+            <a:off x="7720639" y="4887547"/>
+            <a:ext cx="1243140" cy="1244444"/>
+          </a:xfrm>
+        </p:spPr>
+        <p:txBody>
+          <a:bodyPr/>
+          <a:lstStyle/>
+          <a:p>
+            <a:endParaRPr lang="da-DK"/>
+          </a:p>
+        </p:txBody>
+      </p:sp>
+      <p:sp>
+        <p:nvSpPr>
           <p:cNvPr id="35" name="PRODUCT DESCRIPTION 9">
             <a:extLst>
               <a:ext uri="{FF2B5EF4-FFF2-40B4-BE49-F238E27FC236}">
@@ -1913,23 +2804,53 @@
       </p:sp>
       <p:sp>
         <p:nvSpPr>
-          <p:cNvPr id="36" name="PRODUCT DESCRIPTION 10">
-            <a:extLst>
-              <a:ext uri="{FF2B5EF4-FFF2-40B4-BE49-F238E27FC236}">
-                <a16:creationId xmlns:a16="http://schemas.microsoft.com/office/drawing/2014/main" id="{5DF4A071-F123-AB63-F039-E933134E6768}"/>
-              </a:ext>
-            </a:extLst>
-          </p:cNvPr>
-          <p:cNvSpPr>
-            <a:spLocks noGrp="1"/>
-          </p:cNvSpPr>
-          <p:nvPr>
-            <p:ph type="body" sz="quarter" idx="35"/>
+          <p:cNvPr id="18" name="ProductPackshot9">
+            <a:extLst>
+              <a:ext uri="{FF2B5EF4-FFF2-40B4-BE49-F238E27FC236}">
+                <a16:creationId xmlns:a16="http://schemas.microsoft.com/office/drawing/2014/main" id="{EA746E77-735E-B6A4-6378-CCABBC56BDE2}"/>
+              </a:ext>
+            </a:extLst>
+          </p:cNvPr>
+          <p:cNvSpPr>
+            <a:spLocks noGrp="1"/>
+          </p:cNvSpPr>
+          <p:nvPr>
+            <p:ph type="pic" sz="quarter" idx="22"/>
           </p:nvPr>
         </p:nvSpPr>
         <p:spPr>
           <a:xfrm>
-            <a:off x="7719341" y="6286602"/>
+            <a:off x="6234114" y="4887547"/>
+            <a:ext cx="1243140" cy="1244444"/>
+          </a:xfrm>
+        </p:spPr>
+        <p:txBody>
+          <a:bodyPr/>
+          <a:lstStyle/>
+          <a:p>
+            <a:endParaRPr lang="da-DK"/>
+          </a:p>
+        </p:txBody>
+      </p:sp>
+      <p:sp>
+        <p:nvSpPr>
+          <p:cNvPr id="34" name="PRODUCT DESCRIPTION 8">
+            <a:extLst>
+              <a:ext uri="{FF2B5EF4-FFF2-40B4-BE49-F238E27FC236}">
+                <a16:creationId xmlns:a16="http://schemas.microsoft.com/office/drawing/2014/main" id="{C04E6777-B7D6-2B95-861E-19DCFEA9880B}"/>
+              </a:ext>
+            </a:extLst>
+          </p:cNvPr>
+          <p:cNvSpPr>
+            <a:spLocks noGrp="1"/>
+          </p:cNvSpPr>
+          <p:nvPr>
+            <p:ph type="body" sz="quarter" idx="33"/>
+          </p:nvPr>
+        </p:nvSpPr>
+        <p:spPr>
+          <a:xfrm>
+            <a:off x="10691742" y="4365025"/>
             <a:ext cx="1243013" cy="404813"/>
           </a:xfrm>
         </p:spPr>
@@ -1951,23 +2872,23 @@
       </p:sp>
       <p:sp>
         <p:nvSpPr>
-          <p:cNvPr id="37" name="PRODUCT DESCRIPTION 11">
-            <a:extLst>
-              <a:ext uri="{FF2B5EF4-FFF2-40B4-BE49-F238E27FC236}">
-                <a16:creationId xmlns:a16="http://schemas.microsoft.com/office/drawing/2014/main" id="{BB6D6269-0299-2CA2-3C7A-E6DAE149670F}"/>
-              </a:ext>
-            </a:extLst>
-          </p:cNvPr>
-          <p:cNvSpPr>
-            <a:spLocks noGrp="1"/>
-          </p:cNvSpPr>
-          <p:nvPr>
-            <p:ph type="body" sz="quarter" idx="36" hasCustomPrompt="1"/>
+          <p:cNvPr id="33" name="PRODUCT DESCRIPTION 7">
+            <a:extLst>
+              <a:ext uri="{FF2B5EF4-FFF2-40B4-BE49-F238E27FC236}">
+                <a16:creationId xmlns:a16="http://schemas.microsoft.com/office/drawing/2014/main" id="{055C292D-E0F5-D28C-3C64-4170CB7A5579}"/>
+              </a:ext>
+            </a:extLst>
+          </p:cNvPr>
+          <p:cNvSpPr>
+            <a:spLocks noGrp="1"/>
+          </p:cNvSpPr>
+          <p:nvPr>
+            <p:ph type="body" sz="quarter" idx="32"/>
           </p:nvPr>
         </p:nvSpPr>
         <p:spPr>
           <a:xfrm>
-            <a:off x="9205217" y="6286602"/>
+            <a:off x="9205866" y="4365025"/>
             <a:ext cx="1243013" cy="404813"/>
           </a:xfrm>
         </p:spPr>
@@ -1983,32 +2904,29 @@
           </a:lstStyle>
           <a:p>
             <a:pPr lvl="0"/>
-            <a:r>
-              <a:rPr lang="da-DK" dirty="0"/>
-              <a:t>PRODUCT DESCRIPTION 12</a:t>
-            </a:r>
-          </a:p>
-        </p:txBody>
-      </p:sp>
-      <p:sp>
-        <p:nvSpPr>
-          <p:cNvPr id="38" name="PRODUCT DESCRIPTION 12">
-            <a:extLst>
-              <a:ext uri="{FF2B5EF4-FFF2-40B4-BE49-F238E27FC236}">
-                <a16:creationId xmlns:a16="http://schemas.microsoft.com/office/drawing/2014/main" id="{8E456BDB-A817-FCE7-764E-52D716AEF7BB}"/>
-              </a:ext>
-            </a:extLst>
-          </p:cNvPr>
-          <p:cNvSpPr>
-            <a:spLocks noGrp="1"/>
-          </p:cNvSpPr>
-          <p:nvPr>
-            <p:ph type="body" sz="quarter" idx="37"/>
+            <a:endParaRPr lang="da-DK" dirty="0"/>
+          </a:p>
+        </p:txBody>
+      </p:sp>
+      <p:sp>
+        <p:nvSpPr>
+          <p:cNvPr id="30" name="PRODUCT DESCRIPTION 4">
+            <a:extLst>
+              <a:ext uri="{FF2B5EF4-FFF2-40B4-BE49-F238E27FC236}">
+                <a16:creationId xmlns:a16="http://schemas.microsoft.com/office/drawing/2014/main" id="{16B8FD2B-9445-BD8C-9A84-C2528646A624}"/>
+              </a:ext>
+            </a:extLst>
+          </p:cNvPr>
+          <p:cNvSpPr>
+            <a:spLocks noGrp="1"/>
+          </p:cNvSpPr>
+          <p:nvPr>
+            <p:ph type="body" sz="quarter" idx="29"/>
           </p:nvPr>
         </p:nvSpPr>
         <p:spPr>
           <a:xfrm>
-            <a:off x="10691093" y="6286602"/>
+            <a:off x="10692391" y="2443448"/>
             <a:ext cx="1243013" cy="404813"/>
           </a:xfrm>
         </p:spPr>
@@ -2030,23 +2948,23 @@
       </p:sp>
       <p:sp>
         <p:nvSpPr>
-          <p:cNvPr id="30" name="PRODUCT DESCRIPTION 4">
-            <a:extLst>
-              <a:ext uri="{FF2B5EF4-FFF2-40B4-BE49-F238E27FC236}">
-                <a16:creationId xmlns:a16="http://schemas.microsoft.com/office/drawing/2014/main" id="{16B8FD2B-9445-BD8C-9A84-C2528646A624}"/>
-              </a:ext>
-            </a:extLst>
-          </p:cNvPr>
-          <p:cNvSpPr>
-            <a:spLocks noGrp="1"/>
-          </p:cNvSpPr>
-          <p:nvPr>
-            <p:ph type="body" sz="quarter" idx="29"/>
+          <p:cNvPr id="27" name="PRODUCT DESCRIPTION 1">
+            <a:extLst>
+              <a:ext uri="{FF2B5EF4-FFF2-40B4-BE49-F238E27FC236}">
+                <a16:creationId xmlns:a16="http://schemas.microsoft.com/office/drawing/2014/main" id="{1161B3CD-F71F-F3ED-55EB-ED991412CD0D}"/>
+              </a:ext>
+            </a:extLst>
+          </p:cNvPr>
+          <p:cNvSpPr>
+            <a:spLocks noGrp="1"/>
+          </p:cNvSpPr>
+          <p:nvPr>
+            <p:ph type="body" sz="quarter" idx="26"/>
           </p:nvPr>
         </p:nvSpPr>
         <p:spPr>
           <a:xfrm>
-            <a:off x="10692391" y="2443448"/>
+            <a:off x="6234763" y="2443448"/>
             <a:ext cx="1243013" cy="404813"/>
           </a:xfrm>
         </p:spPr>
@@ -2057,114 +2975,6 @@
               <a:buNone/>
               <a:defRPr sz="900">
                 <a:latin typeface="Euclid Flex" panose="020B0500030000000000" pitchFamily="34" charset="77"/>
-              </a:defRPr>
-            </a:lvl1pPr>
-          </a:lstStyle>
-          <a:p>
-            <a:pPr lvl="0"/>
-            <a:endParaRPr lang="da-DK" dirty="0"/>
-          </a:p>
-        </p:txBody>
-      </p:sp>
-      <p:sp>
-        <p:nvSpPr>
-          <p:cNvPr id="39" name="Linedrawing">
-            <a:extLst>
-              <a:ext uri="{FF2B5EF4-FFF2-40B4-BE49-F238E27FC236}">
-                <a16:creationId xmlns:a16="http://schemas.microsoft.com/office/drawing/2014/main" id="{EF989D20-5B89-63D2-FB9B-A5D763788789}"/>
-              </a:ext>
-            </a:extLst>
-          </p:cNvPr>
-          <p:cNvSpPr>
-            <a:spLocks noGrp="1"/>
-          </p:cNvSpPr>
-          <p:nvPr>
-            <p:ph type="pic" sz="quarter" idx="38"/>
-          </p:nvPr>
-        </p:nvSpPr>
-        <p:spPr>
-          <a:xfrm>
-            <a:off x="676853" y="4267030"/>
-            <a:ext cx="2655600" cy="2424386"/>
-          </a:xfrm>
-        </p:spPr>
-        <p:txBody>
-          <a:bodyPr/>
-          <a:lstStyle/>
-          <a:p>
-            <a:endParaRPr lang="da-DK"/>
-          </a:p>
-        </p:txBody>
-      </p:sp>
-      <p:sp>
-        <p:nvSpPr>
-          <p:cNvPr id="40" name="SETTINGNAME">
-            <a:extLst>
-              <a:ext uri="{FF2B5EF4-FFF2-40B4-BE49-F238E27FC236}">
-                <a16:creationId xmlns:a16="http://schemas.microsoft.com/office/drawing/2014/main" id="{102DCF00-DE1F-44E8-289A-7E1EF2EAFE28}"/>
-              </a:ext>
-            </a:extLst>
-          </p:cNvPr>
-          <p:cNvSpPr>
-            <a:spLocks noGrp="1"/>
-          </p:cNvSpPr>
-          <p:nvPr>
-            <p:ph type="body" sz="quarter" idx="39"/>
-          </p:nvPr>
-        </p:nvSpPr>
-        <p:spPr>
-          <a:xfrm>
-            <a:off x="703709" y="679231"/>
-            <a:ext cx="11257254" cy="255624"/>
-          </a:xfrm>
-        </p:spPr>
-        <p:txBody>
-          <a:bodyPr>
-            <a:normAutofit/>
-          </a:bodyPr>
-          <a:lstStyle>
-            <a:lvl1pPr>
-              <a:buNone/>
-              <a:defRPr sz="1400" b="0">
-                <a:latin typeface="Euclid Flex Bold" panose="020B0500030000000000" pitchFamily="34" charset="77"/>
-              </a:defRPr>
-            </a:lvl1pPr>
-          </a:lstStyle>
-          <a:p>
-            <a:pPr lvl="0"/>
-            <a:endParaRPr lang="da-DK" dirty="0"/>
-          </a:p>
-        </p:txBody>
-      </p:sp>
-      <p:sp>
-        <p:nvSpPr>
-          <p:cNvPr id="41" name="SETTINGNAME">
-            <a:extLst>
-              <a:ext uri="{FF2B5EF4-FFF2-40B4-BE49-F238E27FC236}">
-                <a16:creationId xmlns:a16="http://schemas.microsoft.com/office/drawing/2014/main" id="{2205041E-506C-F9EC-0018-3B8F850FB9A4}"/>
-              </a:ext>
-            </a:extLst>
-          </p:cNvPr>
-          <p:cNvSpPr>
-            <a:spLocks noGrp="1"/>
-          </p:cNvSpPr>
-          <p:nvPr>
-            <p:ph type="body" sz="quarter" idx="40"/>
-          </p:nvPr>
-        </p:nvSpPr>
-        <p:spPr>
-          <a:xfrm>
-            <a:off x="3576590" y="4312298"/>
-            <a:ext cx="2413491" cy="404813"/>
-          </a:xfrm>
-        </p:spPr>
-        <p:txBody>
-          <a:bodyPr/>
-          <a:lstStyle>
-            <a:lvl1pPr>
-              <a:buNone/>
-              <a:defRPr sz="1400" b="1">
-                <a:latin typeface="Euclid Flex Bold" panose="020B0500030000000000" pitchFamily="34" charset="77"/>
               </a:defRPr>
             </a:lvl1pPr>
           </a:lstStyle>
@@ -2246,6 +3056,144 @@
       </p:sp>
       <p:sp>
         <p:nvSpPr>
+          <p:cNvPr id="41" name="SETTINGNAME">
+            <a:extLst>
+              <a:ext uri="{FF2B5EF4-FFF2-40B4-BE49-F238E27FC236}">
+                <a16:creationId xmlns:a16="http://schemas.microsoft.com/office/drawing/2014/main" id="{2205041E-506C-F9EC-0018-3B8F850FB9A4}"/>
+              </a:ext>
+            </a:extLst>
+          </p:cNvPr>
+          <p:cNvSpPr>
+            <a:spLocks noGrp="1"/>
+          </p:cNvSpPr>
+          <p:nvPr>
+            <p:ph type="body" sz="quarter" idx="40"/>
+          </p:nvPr>
+        </p:nvSpPr>
+        <p:spPr>
+          <a:xfrm>
+            <a:off x="3576590" y="4312298"/>
+            <a:ext cx="2413491" cy="404813"/>
+          </a:xfrm>
+        </p:spPr>
+        <p:txBody>
+          <a:bodyPr/>
+          <a:lstStyle>
+            <a:lvl1pPr>
+              <a:buNone/>
+              <a:defRPr sz="1400" b="1">
+                <a:latin typeface="Euclid Flex Bold" panose="020B0500030000000000" pitchFamily="34" charset="77"/>
+              </a:defRPr>
+            </a:lvl1pPr>
+          </a:lstStyle>
+          <a:p>
+            <a:pPr lvl="0"/>
+            <a:endParaRPr lang="da-DK" dirty="0"/>
+          </a:p>
+        </p:txBody>
+      </p:sp>
+      <p:sp>
+        <p:nvSpPr>
+          <p:cNvPr id="39" name="Linedrawing">
+            <a:extLst>
+              <a:ext uri="{FF2B5EF4-FFF2-40B4-BE49-F238E27FC236}">
+                <a16:creationId xmlns:a16="http://schemas.microsoft.com/office/drawing/2014/main" id="{EF989D20-5B89-63D2-FB9B-A5D763788789}"/>
+              </a:ext>
+            </a:extLst>
+          </p:cNvPr>
+          <p:cNvSpPr>
+            <a:spLocks noGrp="1"/>
+          </p:cNvSpPr>
+          <p:nvPr>
+            <p:ph type="pic" sz="quarter" idx="38"/>
+          </p:nvPr>
+        </p:nvSpPr>
+        <p:spPr>
+          <a:xfrm>
+            <a:off x="676853" y="4267030"/>
+            <a:ext cx="2655600" cy="2424386"/>
+          </a:xfrm>
+        </p:spPr>
+        <p:txBody>
+          <a:bodyPr/>
+          <a:lstStyle/>
+          <a:p>
+            <a:endParaRPr lang="da-DK"/>
+          </a:p>
+        </p:txBody>
+      </p:sp>
+      <p:sp>
+        <p:nvSpPr>
+          <p:cNvPr id="12" name="Rendering&#10;{{Rendering}}&#10;{{Rendering}}">
+            <a:extLst>
+              <a:ext uri="{FF2B5EF4-FFF2-40B4-BE49-F238E27FC236}">
+                <a16:creationId xmlns:a16="http://schemas.microsoft.com/office/drawing/2014/main" id="{A1C6BF1B-99D8-B50E-57EF-A8C6FBF6C318}"/>
+              </a:ext>
+            </a:extLst>
+          </p:cNvPr>
+          <p:cNvSpPr>
+            <a:spLocks noGrp="1"/>
+          </p:cNvSpPr>
+          <p:nvPr>
+            <p:ph type="pic" sz="quarter" idx="17"/>
+          </p:nvPr>
+        </p:nvSpPr>
+        <p:spPr>
+          <a:xfrm>
+            <a:off x="703709" y="1079590"/>
+            <a:ext cx="5286372" cy="3042704"/>
+          </a:xfrm>
+        </p:spPr>
+        <p:txBody>
+          <a:bodyPr/>
+          <a:lstStyle/>
+          <a:p>
+            <a:endParaRPr lang="da-DK"/>
+          </a:p>
+        </p:txBody>
+      </p:sp>
+      <p:sp>
+        <p:nvSpPr>
+          <p:cNvPr id="40" name="SETTINGNAME">
+            <a:extLst>
+              <a:ext uri="{FF2B5EF4-FFF2-40B4-BE49-F238E27FC236}">
+                <a16:creationId xmlns:a16="http://schemas.microsoft.com/office/drawing/2014/main" id="{102DCF00-DE1F-44E8-289A-7E1EF2EAFE28}"/>
+              </a:ext>
+            </a:extLst>
+          </p:cNvPr>
+          <p:cNvSpPr>
+            <a:spLocks noGrp="1"/>
+          </p:cNvSpPr>
+          <p:nvPr>
+            <p:ph type="body" sz="quarter" idx="39"/>
+          </p:nvPr>
+        </p:nvSpPr>
+        <p:spPr>
+          <a:xfrm>
+            <a:off x="703709" y="679231"/>
+            <a:ext cx="11257254" cy="255624"/>
+          </a:xfrm>
+        </p:spPr>
+        <p:txBody>
+          <a:bodyPr>
+            <a:normAutofit/>
+          </a:bodyPr>
+          <a:lstStyle>
+            <a:lvl1pPr>
+              <a:buNone/>
+              <a:defRPr sz="1400" b="0">
+                <a:latin typeface="Euclid Flex Bold" panose="020B0500030000000000" pitchFamily="34" charset="77"/>
+              </a:defRPr>
+            </a:lvl1pPr>
+          </a:lstStyle>
+          <a:p>
+            <a:pPr lvl="0"/>
+            <a:endParaRPr lang="da-DK" dirty="0"/>
+          </a:p>
+        </p:txBody>
+      </p:sp>
+      <p:sp>
+        <p:nvSpPr>
           <p:cNvPr id="45" name="TextBox 44">
             <a:extLst>
               <a:ext uri="{FF2B5EF4-FFF2-40B4-BE49-F238E27FC236}">
@@ -2422,6 +3370,69 @@
               </a:rPr>
               <a:t>SHOP THE LOOK</a:t>
             </a:r>
+          </a:p>
+        </p:txBody>
+      </p:sp>
+      <p:sp>
+        <p:nvSpPr>
+          <p:cNvPr id="3" name="TableAnchor">
+            <a:extLst>
+              <a:ext uri="{FF2B5EF4-FFF2-40B4-BE49-F238E27FC236}">
+                <a16:creationId xmlns:a16="http://schemas.microsoft.com/office/drawing/2014/main" id="{386F4288-9549-71EC-7EB8-388F742C6633}"/>
+              </a:ext>
+            </a:extLst>
+          </p:cNvPr>
+          <p:cNvSpPr>
+            <a:spLocks noGrp="1"/>
+          </p:cNvSpPr>
+          <p:nvPr>
+            <p:ph sz="quarter" idx="40"/>
+          </p:nvPr>
+        </p:nvSpPr>
+        <p:spPr>
+          <a:xfrm>
+            <a:off x="676275" y="1503363"/>
+            <a:ext cx="9394825" cy="4403725"/>
+          </a:xfrm>
+        </p:spPr>
+        <p:txBody>
+          <a:bodyPr/>
+          <a:lstStyle/>
+          <a:p>
+            <a:pPr lvl="0"/>
+            <a:r>
+              <a:rPr lang="en-GB"/>
+              <a:t>Click to edit Master text styles</a:t>
+            </a:r>
+          </a:p>
+          <a:p>
+            <a:pPr lvl="1"/>
+            <a:r>
+              <a:rPr lang="en-GB"/>
+              <a:t>Second level</a:t>
+            </a:r>
+          </a:p>
+          <a:p>
+            <a:pPr lvl="2"/>
+            <a:r>
+              <a:rPr lang="en-GB"/>
+              <a:t>Third level</a:t>
+            </a:r>
+          </a:p>
+          <a:p>
+            <a:pPr lvl="3"/>
+            <a:r>
+              <a:rPr lang="en-GB"/>
+              <a:t>Fourth level</a:t>
+            </a:r>
+          </a:p>
+          <a:p>
+            <a:pPr lvl="4"/>
+            <a:r>
+              <a:rPr lang="en-GB"/>
+              <a:t>Fifth level</a:t>
+            </a:r>
+            <a:endParaRPr lang="da-DK"/>
           </a:p>
         </p:txBody>
       </p:sp>
@@ -2998,6 +4009,1546 @@
     </p:otherStyle>
   </p:txStyles>
 </p:sldMaster>
+</file>
+
+<file path=ppt/slides/slide1.xml><?xml version="1.0" encoding="utf-8"?>
+<p:sld xmlns:a="http://schemas.openxmlformats.org/drawingml/2006/main" xmlns:r="http://schemas.openxmlformats.org/officeDocument/2006/relationships" xmlns:p="http://schemas.openxmlformats.org/presentationml/2006/main">
+  <p:cSld>
+    <p:spTree>
+      <p:nvGrpSpPr>
+        <p:cNvPr id="1" name=""/>
+        <p:cNvGrpSpPr/>
+        <p:nvPr/>
+      </p:nvGrpSpPr>
+      <p:grpSpPr>
+        <a:xfrm>
+          <a:off x="0" y="0"/>
+          <a:ext cx="0" cy="0"/>
+          <a:chOff x="0" y="0"/>
+          <a:chExt cx="0" cy="0"/>
+        </a:xfrm>
+      </p:grpSpPr>
+      <p:sp>
+        <p:nvSpPr>
+          <p:cNvPr id="2" name="Picture Placeholder 1">
+            <a:extLst>
+              <a:ext uri="{FF2B5EF4-FFF2-40B4-BE49-F238E27FC236}">
+                <a16:creationId xmlns:a16="http://schemas.microsoft.com/office/drawing/2014/main" id="{862FAC17-A7ED-0DC2-12BE-A23A583AA7CB}"/>
+              </a:ext>
+            </a:extLst>
+          </p:cNvPr>
+          <p:cNvSpPr>
+            <a:spLocks noGrp="1"/>
+          </p:cNvSpPr>
+          <p:nvPr>
+            <p:ph type="pic" sz="quarter" idx="17"/>
+          </p:nvPr>
+        </p:nvSpPr>
+        <p:spPr/>
+        <p:txBody>
+          <a:bodyPr/>
+          <a:lstStyle/>
+          <a:p>
+            <a:pPr marL="0" indent="0">
+              <a:buNone/>
+            </a:pPr>
+            <a:r>
+              <a:rPr lang="da-DK" dirty="0"/>
+              <a:t>Rendering1</a:t>
+            </a:r>
+          </a:p>
+        </p:txBody>
+      </p:sp>
+      <p:sp>
+        <p:nvSpPr>
+          <p:cNvPr id="3" name="Picture Placeholder 2">
+            <a:extLst>
+              <a:ext uri="{FF2B5EF4-FFF2-40B4-BE49-F238E27FC236}">
+                <a16:creationId xmlns:a16="http://schemas.microsoft.com/office/drawing/2014/main" id="{66AA2499-611A-0739-74EC-7FDBD3D576B5}"/>
+              </a:ext>
+            </a:extLst>
+          </p:cNvPr>
+          <p:cNvSpPr>
+            <a:spLocks noGrp="1"/>
+          </p:cNvSpPr>
+          <p:nvPr>
+            <p:ph type="pic" sz="quarter" idx="40"/>
+          </p:nvPr>
+        </p:nvSpPr>
+        <p:spPr/>
+        <p:txBody>
+          <a:bodyPr/>
+          <a:lstStyle/>
+          <a:p>
+            <a:pPr marL="0" indent="0">
+              <a:buNone/>
+            </a:pPr>
+            <a:r>
+              <a:rPr lang="da-DK" dirty="0"/>
+              <a:t>Rendering2</a:t>
+            </a:r>
+          </a:p>
+        </p:txBody>
+      </p:sp>
+      <p:sp>
+        <p:nvSpPr>
+          <p:cNvPr id="4" name="Picture Placeholder 3">
+            <a:extLst>
+              <a:ext uri="{FF2B5EF4-FFF2-40B4-BE49-F238E27FC236}">
+                <a16:creationId xmlns:a16="http://schemas.microsoft.com/office/drawing/2014/main" id="{BB798141-C244-7EF5-A4F2-25471DB80C00}"/>
+              </a:ext>
+            </a:extLst>
+          </p:cNvPr>
+          <p:cNvSpPr>
+            <a:spLocks noGrp="1"/>
+          </p:cNvSpPr>
+          <p:nvPr>
+            <p:ph type="pic" sz="quarter" idx="41"/>
+          </p:nvPr>
+        </p:nvSpPr>
+        <p:spPr/>
+        <p:txBody>
+          <a:bodyPr/>
+          <a:lstStyle/>
+          <a:p>
+            <a:pPr marL="0" indent="0">
+              <a:buNone/>
+            </a:pPr>
+            <a:r>
+              <a:rPr lang="da-DK" dirty="0"/>
+              <a:t>Rendering3</a:t>
+            </a:r>
+          </a:p>
+          <a:p>
+            <a:pPr marL="0" indent="0">
+              <a:buNone/>
+            </a:pPr>
+            <a:endParaRPr lang="da-DK" dirty="0"/>
+          </a:p>
+        </p:txBody>
+      </p:sp>
+      <p:sp>
+        <p:nvSpPr>
+          <p:cNvPr id="5" name="Picture Placeholder 4">
+            <a:extLst>
+              <a:ext uri="{FF2B5EF4-FFF2-40B4-BE49-F238E27FC236}">
+                <a16:creationId xmlns:a16="http://schemas.microsoft.com/office/drawing/2014/main" id="{023BDF08-BAA0-7DB0-0AFF-7E1FDFBB95FC}"/>
+              </a:ext>
+            </a:extLst>
+          </p:cNvPr>
+          <p:cNvSpPr>
+            <a:spLocks noGrp="1"/>
+          </p:cNvSpPr>
+          <p:nvPr>
+            <p:ph type="pic" sz="quarter" idx="42"/>
+          </p:nvPr>
+        </p:nvSpPr>
+        <p:spPr/>
+        <p:txBody>
+          <a:bodyPr/>
+          <a:lstStyle/>
+          <a:p>
+            <a:pPr marL="0" indent="0">
+              <a:buNone/>
+            </a:pPr>
+            <a:r>
+              <a:rPr lang="da-DK" dirty="0"/>
+              <a:t>Rendering4</a:t>
+            </a:r>
+          </a:p>
+          <a:p>
+            <a:pPr marL="0" indent="0">
+              <a:buNone/>
+            </a:pPr>
+            <a:endParaRPr lang="da-DK" dirty="0"/>
+          </a:p>
+        </p:txBody>
+      </p:sp>
+      <p:sp>
+        <p:nvSpPr>
+          <p:cNvPr id="6" name="Picture Placeholder 5">
+            <a:extLst>
+              <a:ext uri="{FF2B5EF4-FFF2-40B4-BE49-F238E27FC236}">
+                <a16:creationId xmlns:a16="http://schemas.microsoft.com/office/drawing/2014/main" id="{2CC91FC0-8D62-1016-F61E-F7DF8674D53A}"/>
+              </a:ext>
+            </a:extLst>
+          </p:cNvPr>
+          <p:cNvSpPr>
+            <a:spLocks noGrp="1"/>
+          </p:cNvSpPr>
+          <p:nvPr>
+            <p:ph type="pic" sz="quarter" idx="43"/>
+          </p:nvPr>
+        </p:nvSpPr>
+        <p:spPr/>
+        <p:txBody>
+          <a:bodyPr/>
+          <a:lstStyle/>
+          <a:p>
+            <a:pPr marL="0" indent="0">
+              <a:buNone/>
+            </a:pPr>
+            <a:r>
+              <a:rPr lang="da-DK" dirty="0"/>
+              <a:t>Rendering5</a:t>
+            </a:r>
+          </a:p>
+          <a:p>
+            <a:pPr marL="0" indent="0">
+              <a:buNone/>
+            </a:pPr>
+            <a:endParaRPr lang="da-DK" dirty="0"/>
+          </a:p>
+        </p:txBody>
+      </p:sp>
+      <p:sp>
+        <p:nvSpPr>
+          <p:cNvPr id="7" name="Picture Placeholder 6">
+            <a:extLst>
+              <a:ext uri="{FF2B5EF4-FFF2-40B4-BE49-F238E27FC236}">
+                <a16:creationId xmlns:a16="http://schemas.microsoft.com/office/drawing/2014/main" id="{4500DEB7-FE3C-2DFE-EF40-4A2E4FDA9C5C}"/>
+              </a:ext>
+            </a:extLst>
+          </p:cNvPr>
+          <p:cNvSpPr>
+            <a:spLocks noGrp="1"/>
+          </p:cNvSpPr>
+          <p:nvPr>
+            <p:ph type="pic" sz="quarter" idx="44"/>
+          </p:nvPr>
+        </p:nvSpPr>
+        <p:spPr/>
+        <p:txBody>
+          <a:bodyPr/>
+          <a:lstStyle/>
+          <a:p>
+            <a:pPr marL="0" indent="0">
+              <a:buNone/>
+            </a:pPr>
+            <a:r>
+              <a:rPr lang="da-DK" dirty="0"/>
+              <a:t>Rendering6</a:t>
+            </a:r>
+          </a:p>
+          <a:p>
+            <a:pPr marL="0" indent="0">
+              <a:buNone/>
+            </a:pPr>
+            <a:endParaRPr lang="da-DK" dirty="0"/>
+          </a:p>
+        </p:txBody>
+      </p:sp>
+      <p:sp>
+        <p:nvSpPr>
+          <p:cNvPr id="8" name="Picture Placeholder 7">
+            <a:extLst>
+              <a:ext uri="{FF2B5EF4-FFF2-40B4-BE49-F238E27FC236}">
+                <a16:creationId xmlns:a16="http://schemas.microsoft.com/office/drawing/2014/main" id="{DAE330B2-209B-7953-50C0-6D1224801B93}"/>
+              </a:ext>
+            </a:extLst>
+          </p:cNvPr>
+          <p:cNvSpPr>
+            <a:spLocks noGrp="1"/>
+          </p:cNvSpPr>
+          <p:nvPr>
+            <p:ph type="pic" sz="quarter" idx="45"/>
+          </p:nvPr>
+        </p:nvSpPr>
+        <p:spPr/>
+        <p:txBody>
+          <a:bodyPr/>
+          <a:lstStyle/>
+          <a:p>
+            <a:pPr marL="0" indent="0">
+              <a:buNone/>
+            </a:pPr>
+            <a:r>
+              <a:rPr lang="da-DK" dirty="0"/>
+              <a:t>Rendering7</a:t>
+            </a:r>
+          </a:p>
+          <a:p>
+            <a:pPr marL="0" indent="0">
+              <a:buNone/>
+            </a:pPr>
+            <a:endParaRPr lang="da-DK" dirty="0"/>
+          </a:p>
+        </p:txBody>
+      </p:sp>
+      <p:sp>
+        <p:nvSpPr>
+          <p:cNvPr id="9" name="Picture Placeholder 8">
+            <a:extLst>
+              <a:ext uri="{FF2B5EF4-FFF2-40B4-BE49-F238E27FC236}">
+                <a16:creationId xmlns:a16="http://schemas.microsoft.com/office/drawing/2014/main" id="{65DD86E0-1708-E513-3DFA-F90BFE44950A}"/>
+              </a:ext>
+            </a:extLst>
+          </p:cNvPr>
+          <p:cNvSpPr>
+            <a:spLocks noGrp="1"/>
+          </p:cNvSpPr>
+          <p:nvPr>
+            <p:ph type="pic" sz="quarter" idx="46"/>
+          </p:nvPr>
+        </p:nvSpPr>
+        <p:spPr/>
+        <p:txBody>
+          <a:bodyPr/>
+          <a:lstStyle/>
+          <a:p>
+            <a:pPr marL="0" indent="0">
+              <a:buNone/>
+            </a:pPr>
+            <a:r>
+              <a:rPr lang="da-DK" dirty="0"/>
+              <a:t>Rendering8</a:t>
+            </a:r>
+          </a:p>
+          <a:p>
+            <a:pPr marL="0" indent="0">
+              <a:buNone/>
+            </a:pPr>
+            <a:endParaRPr lang="da-DK" dirty="0"/>
+          </a:p>
+        </p:txBody>
+      </p:sp>
+      <p:sp>
+        <p:nvSpPr>
+          <p:cNvPr id="10" name="Picture Placeholder 9">
+            <a:extLst>
+              <a:ext uri="{FF2B5EF4-FFF2-40B4-BE49-F238E27FC236}">
+                <a16:creationId xmlns:a16="http://schemas.microsoft.com/office/drawing/2014/main" id="{52AC03AF-5479-3C4C-ACF4-5B25599B4F68}"/>
+              </a:ext>
+            </a:extLst>
+          </p:cNvPr>
+          <p:cNvSpPr>
+            <a:spLocks noGrp="1"/>
+          </p:cNvSpPr>
+          <p:nvPr>
+            <p:ph type="pic" sz="quarter" idx="47"/>
+          </p:nvPr>
+        </p:nvSpPr>
+        <p:spPr/>
+        <p:txBody>
+          <a:bodyPr/>
+          <a:lstStyle/>
+          <a:p>
+            <a:pPr marL="0" indent="0">
+              <a:buNone/>
+            </a:pPr>
+            <a:r>
+              <a:rPr lang="da-DK" dirty="0"/>
+              <a:t>Rendering9</a:t>
+            </a:r>
+          </a:p>
+          <a:p>
+            <a:pPr marL="0" indent="0">
+              <a:buNone/>
+            </a:pPr>
+            <a:endParaRPr lang="da-DK" dirty="0"/>
+          </a:p>
+        </p:txBody>
+      </p:sp>
+      <p:sp>
+        <p:nvSpPr>
+          <p:cNvPr id="11" name="Picture Placeholder 10">
+            <a:extLst>
+              <a:ext uri="{FF2B5EF4-FFF2-40B4-BE49-F238E27FC236}">
+                <a16:creationId xmlns:a16="http://schemas.microsoft.com/office/drawing/2014/main" id="{7965AD62-C02D-F5C7-3AEF-7C3A4AEBED4F}"/>
+              </a:ext>
+            </a:extLst>
+          </p:cNvPr>
+          <p:cNvSpPr>
+            <a:spLocks noGrp="1"/>
+          </p:cNvSpPr>
+          <p:nvPr>
+            <p:ph type="pic" sz="quarter" idx="48"/>
+          </p:nvPr>
+        </p:nvSpPr>
+        <p:spPr/>
+        <p:txBody>
+          <a:bodyPr/>
+          <a:lstStyle/>
+          <a:p>
+            <a:pPr marL="0" indent="0">
+              <a:buNone/>
+            </a:pPr>
+            <a:r>
+              <a:rPr lang="da-DK" dirty="0"/>
+              <a:t>Rendering10</a:t>
+            </a:r>
+          </a:p>
+          <a:p>
+            <a:pPr marL="0" indent="0">
+              <a:buNone/>
+            </a:pPr>
+            <a:endParaRPr lang="da-DK" dirty="0"/>
+          </a:p>
+        </p:txBody>
+      </p:sp>
+      <p:sp>
+        <p:nvSpPr>
+          <p:cNvPr id="12" name="Picture Placeholder 11">
+            <a:extLst>
+              <a:ext uri="{FF2B5EF4-FFF2-40B4-BE49-F238E27FC236}">
+                <a16:creationId xmlns:a16="http://schemas.microsoft.com/office/drawing/2014/main" id="{8BF49EA9-3D3A-94A2-9F2B-130A9E4DD4BA}"/>
+              </a:ext>
+            </a:extLst>
+          </p:cNvPr>
+          <p:cNvSpPr>
+            <a:spLocks noGrp="1"/>
+          </p:cNvSpPr>
+          <p:nvPr>
+            <p:ph type="pic" sz="quarter" idx="49"/>
+          </p:nvPr>
+        </p:nvSpPr>
+        <p:spPr/>
+        <p:txBody>
+          <a:bodyPr/>
+          <a:lstStyle/>
+          <a:p>
+            <a:pPr marL="0" indent="0">
+              <a:buNone/>
+            </a:pPr>
+            <a:r>
+              <a:rPr lang="da-DK" dirty="0"/>
+              <a:t>Rendering11</a:t>
+            </a:r>
+          </a:p>
+          <a:p>
+            <a:pPr marL="0" indent="0">
+              <a:buNone/>
+            </a:pPr>
+            <a:endParaRPr lang="da-DK" dirty="0"/>
+          </a:p>
+        </p:txBody>
+      </p:sp>
+      <p:sp>
+        <p:nvSpPr>
+          <p:cNvPr id="13" name="Picture Placeholder 12">
+            <a:extLst>
+              <a:ext uri="{FF2B5EF4-FFF2-40B4-BE49-F238E27FC236}">
+                <a16:creationId xmlns:a16="http://schemas.microsoft.com/office/drawing/2014/main" id="{E61F66C5-3CD1-E313-287B-D4D4731C3CEB}"/>
+              </a:ext>
+            </a:extLst>
+          </p:cNvPr>
+          <p:cNvSpPr>
+            <a:spLocks noGrp="1"/>
+          </p:cNvSpPr>
+          <p:nvPr>
+            <p:ph type="pic" sz="quarter" idx="50"/>
+          </p:nvPr>
+        </p:nvSpPr>
+        <p:spPr/>
+        <p:txBody>
+          <a:bodyPr/>
+          <a:lstStyle/>
+          <a:p>
+            <a:pPr marL="0" indent="0">
+              <a:buNone/>
+            </a:pPr>
+            <a:r>
+              <a:rPr lang="da-DK" dirty="0"/>
+              <a:t>Rendering12</a:t>
+            </a:r>
+          </a:p>
+          <a:p>
+            <a:pPr marL="0" indent="0">
+              <a:buNone/>
+            </a:pPr>
+            <a:endParaRPr lang="da-DK" dirty="0"/>
+          </a:p>
+        </p:txBody>
+      </p:sp>
+      <p:sp>
+        <p:nvSpPr>
+          <p:cNvPr id="14" name="Text Placeholder 13">
+            <a:extLst>
+              <a:ext uri="{FF2B5EF4-FFF2-40B4-BE49-F238E27FC236}">
+                <a16:creationId xmlns:a16="http://schemas.microsoft.com/office/drawing/2014/main" id="{94DF4C77-3649-A285-52D4-7800FD0EE3F3}"/>
+              </a:ext>
+            </a:extLst>
+          </p:cNvPr>
+          <p:cNvSpPr>
+            <a:spLocks noGrp="1"/>
+          </p:cNvSpPr>
+          <p:nvPr>
+            <p:ph type="body" sz="quarter" idx="51"/>
+          </p:nvPr>
+        </p:nvSpPr>
+        <p:spPr/>
+        <p:txBody>
+          <a:bodyPr/>
+          <a:lstStyle/>
+          <a:p>
+            <a:endParaRPr lang="da-DK"/>
+          </a:p>
+        </p:txBody>
+      </p:sp>
+    </p:spTree>
+    <p:extLst>
+      <p:ext uri="{BB962C8B-B14F-4D97-AF65-F5344CB8AC3E}">
+        <p14:creationId xmlns:p14="http://schemas.microsoft.com/office/powerpoint/2010/main" val="3995881266"/>
+      </p:ext>
+    </p:extLst>
+  </p:cSld>
+  <p:clrMapOvr>
+    <a:masterClrMapping/>
+  </p:clrMapOvr>
+</p:sld>
+</file>
+
+<file path=ppt/slides/slide2.xml><?xml version="1.0" encoding="utf-8"?>
+<p:sld xmlns:a="http://schemas.openxmlformats.org/drawingml/2006/main" xmlns:r="http://schemas.openxmlformats.org/officeDocument/2006/relationships" xmlns:p="http://schemas.openxmlformats.org/presentationml/2006/main">
+  <p:cSld>
+    <p:spTree>
+      <p:nvGrpSpPr>
+        <p:cNvPr id="1" name=""/>
+        <p:cNvGrpSpPr/>
+        <p:nvPr/>
+      </p:nvGrpSpPr>
+      <p:grpSpPr>
+        <a:xfrm>
+          <a:off x="0" y="0"/>
+          <a:ext cx="0" cy="0"/>
+          <a:chOff x="0" y="0"/>
+          <a:chExt cx="0" cy="0"/>
+        </a:xfrm>
+      </p:grpSpPr>
+      <p:sp>
+        <p:nvSpPr>
+          <p:cNvPr id="2" name="Picture Placeholder 1">
+            <a:extLst>
+              <a:ext uri="{FF2B5EF4-FFF2-40B4-BE49-F238E27FC236}">
+                <a16:creationId xmlns:a16="http://schemas.microsoft.com/office/drawing/2014/main" id="{3DF4295E-AB8C-8EF4-AB24-AF7F4C6139C8}"/>
+              </a:ext>
+            </a:extLst>
+          </p:cNvPr>
+          <p:cNvSpPr>
+            <a:spLocks noGrp="1"/>
+          </p:cNvSpPr>
+          <p:nvPr>
+            <p:ph type="pic" sz="quarter" idx="13"/>
+          </p:nvPr>
+        </p:nvSpPr>
+        <p:spPr/>
+        <p:txBody>
+          <a:bodyPr/>
+          <a:lstStyle/>
+          <a:p>
+            <a:pPr marL="0" indent="0">
+              <a:buNone/>
+            </a:pPr>
+            <a:r>
+              <a:rPr lang="da-DK" dirty="0"/>
+              <a:t>Packshot1</a:t>
+            </a:r>
+          </a:p>
+        </p:txBody>
+      </p:sp>
+      <p:sp>
+        <p:nvSpPr>
+          <p:cNvPr id="3" name="Picture Placeholder 2">
+            <a:extLst>
+              <a:ext uri="{FF2B5EF4-FFF2-40B4-BE49-F238E27FC236}">
+                <a16:creationId xmlns:a16="http://schemas.microsoft.com/office/drawing/2014/main" id="{C17F4C6F-4077-267F-89A5-36AF33A638A6}"/>
+              </a:ext>
+            </a:extLst>
+          </p:cNvPr>
+          <p:cNvSpPr>
+            <a:spLocks noGrp="1"/>
+          </p:cNvSpPr>
+          <p:nvPr>
+            <p:ph type="pic" sz="quarter" idx="14"/>
+          </p:nvPr>
+        </p:nvSpPr>
+        <p:spPr/>
+        <p:txBody>
+          <a:bodyPr/>
+          <a:lstStyle/>
+          <a:p>
+            <a:pPr marL="0" indent="0">
+              <a:buNone/>
+            </a:pPr>
+            <a:r>
+              <a:rPr lang="da-DK" dirty="0"/>
+              <a:t>Packshot2</a:t>
+            </a:r>
+          </a:p>
+        </p:txBody>
+      </p:sp>
+      <p:sp>
+        <p:nvSpPr>
+          <p:cNvPr id="4" name="Picture Placeholder 3">
+            <a:extLst>
+              <a:ext uri="{FF2B5EF4-FFF2-40B4-BE49-F238E27FC236}">
+                <a16:creationId xmlns:a16="http://schemas.microsoft.com/office/drawing/2014/main" id="{B474616A-CF1A-96B1-34E1-33518B7D6CE4}"/>
+              </a:ext>
+            </a:extLst>
+          </p:cNvPr>
+          <p:cNvSpPr>
+            <a:spLocks noGrp="1"/>
+          </p:cNvSpPr>
+          <p:nvPr>
+            <p:ph type="pic" sz="quarter" idx="15"/>
+          </p:nvPr>
+        </p:nvSpPr>
+        <p:spPr/>
+        <p:txBody>
+          <a:bodyPr/>
+          <a:lstStyle/>
+          <a:p>
+            <a:pPr marL="0" indent="0">
+              <a:buNone/>
+            </a:pPr>
+            <a:r>
+              <a:rPr lang="da-DK" dirty="0"/>
+              <a:t>Packshot3</a:t>
+            </a:r>
+          </a:p>
+        </p:txBody>
+      </p:sp>
+      <p:sp>
+        <p:nvSpPr>
+          <p:cNvPr id="5" name="Picture Placeholder 4">
+            <a:extLst>
+              <a:ext uri="{FF2B5EF4-FFF2-40B4-BE49-F238E27FC236}">
+                <a16:creationId xmlns:a16="http://schemas.microsoft.com/office/drawing/2014/main" id="{571134D0-80E3-3A6B-FCF6-7C66AF3B82F4}"/>
+              </a:ext>
+            </a:extLst>
+          </p:cNvPr>
+          <p:cNvSpPr>
+            <a:spLocks noGrp="1"/>
+          </p:cNvSpPr>
+          <p:nvPr>
+            <p:ph type="pic" sz="quarter" idx="16"/>
+          </p:nvPr>
+        </p:nvSpPr>
+        <p:spPr/>
+        <p:txBody>
+          <a:bodyPr/>
+          <a:lstStyle/>
+          <a:p>
+            <a:pPr marL="0" indent="0">
+              <a:buNone/>
+            </a:pPr>
+            <a:r>
+              <a:rPr lang="da-DK"/>
+              <a:t>Packshot4</a:t>
+            </a:r>
+            <a:endParaRPr lang="da-DK" dirty="0"/>
+          </a:p>
+        </p:txBody>
+      </p:sp>
+      <p:sp>
+        <p:nvSpPr>
+          <p:cNvPr id="6" name="Picture Placeholder 5">
+            <a:extLst>
+              <a:ext uri="{FF2B5EF4-FFF2-40B4-BE49-F238E27FC236}">
+                <a16:creationId xmlns:a16="http://schemas.microsoft.com/office/drawing/2014/main" id="{C3D5F76F-CD21-B8C7-4B05-DB3C9D400939}"/>
+              </a:ext>
+            </a:extLst>
+          </p:cNvPr>
+          <p:cNvSpPr>
+            <a:spLocks noGrp="1"/>
+          </p:cNvSpPr>
+          <p:nvPr>
+            <p:ph type="pic" sz="quarter" idx="18"/>
+          </p:nvPr>
+        </p:nvSpPr>
+        <p:spPr/>
+        <p:txBody>
+          <a:bodyPr/>
+          <a:lstStyle/>
+          <a:p>
+            <a:pPr marL="0" indent="0">
+              <a:buNone/>
+            </a:pPr>
+            <a:r>
+              <a:rPr lang="da-DK" dirty="0"/>
+              <a:t>Packshot5</a:t>
+            </a:r>
+          </a:p>
+        </p:txBody>
+      </p:sp>
+      <p:sp>
+        <p:nvSpPr>
+          <p:cNvPr id="7" name="Picture Placeholder 6">
+            <a:extLst>
+              <a:ext uri="{FF2B5EF4-FFF2-40B4-BE49-F238E27FC236}">
+                <a16:creationId xmlns:a16="http://schemas.microsoft.com/office/drawing/2014/main" id="{1571EB0B-9610-EABF-CEA1-5AB8B6F3AE91}"/>
+              </a:ext>
+            </a:extLst>
+          </p:cNvPr>
+          <p:cNvSpPr>
+            <a:spLocks noGrp="1"/>
+          </p:cNvSpPr>
+          <p:nvPr>
+            <p:ph type="pic" sz="quarter" idx="19"/>
+          </p:nvPr>
+        </p:nvSpPr>
+        <p:spPr/>
+        <p:txBody>
+          <a:bodyPr/>
+          <a:lstStyle/>
+          <a:p>
+            <a:pPr marL="0" indent="0">
+              <a:buNone/>
+            </a:pPr>
+            <a:r>
+              <a:rPr lang="da-DK" dirty="0"/>
+              <a:t>Packshot6</a:t>
+            </a:r>
+          </a:p>
+        </p:txBody>
+      </p:sp>
+      <p:sp>
+        <p:nvSpPr>
+          <p:cNvPr id="8" name="Picture Placeholder 7">
+            <a:extLst>
+              <a:ext uri="{FF2B5EF4-FFF2-40B4-BE49-F238E27FC236}">
+                <a16:creationId xmlns:a16="http://schemas.microsoft.com/office/drawing/2014/main" id="{B1D15A1F-65FF-C34D-D164-49D5230633D4}"/>
+              </a:ext>
+            </a:extLst>
+          </p:cNvPr>
+          <p:cNvSpPr>
+            <a:spLocks noGrp="1"/>
+          </p:cNvSpPr>
+          <p:nvPr>
+            <p:ph type="pic" sz="quarter" idx="20"/>
+          </p:nvPr>
+        </p:nvSpPr>
+        <p:spPr/>
+        <p:txBody>
+          <a:bodyPr/>
+          <a:lstStyle/>
+          <a:p>
+            <a:pPr marL="0" indent="0">
+              <a:buNone/>
+            </a:pPr>
+            <a:r>
+              <a:rPr lang="da-DK" dirty="0"/>
+              <a:t>Packshot7</a:t>
+            </a:r>
+          </a:p>
+        </p:txBody>
+      </p:sp>
+      <p:sp>
+        <p:nvSpPr>
+          <p:cNvPr id="9" name="Picture Placeholder 8">
+            <a:extLst>
+              <a:ext uri="{FF2B5EF4-FFF2-40B4-BE49-F238E27FC236}">
+                <a16:creationId xmlns:a16="http://schemas.microsoft.com/office/drawing/2014/main" id="{20C7012B-3BEF-1F3F-25D2-0BBE8CB001D2}"/>
+              </a:ext>
+            </a:extLst>
+          </p:cNvPr>
+          <p:cNvSpPr>
+            <a:spLocks noGrp="1"/>
+          </p:cNvSpPr>
+          <p:nvPr>
+            <p:ph type="pic" sz="quarter" idx="21"/>
+          </p:nvPr>
+        </p:nvSpPr>
+        <p:spPr/>
+        <p:txBody>
+          <a:bodyPr/>
+          <a:lstStyle/>
+          <a:p>
+            <a:pPr marL="0" indent="0">
+              <a:buNone/>
+            </a:pPr>
+            <a:r>
+              <a:rPr lang="da-DK" dirty="0"/>
+              <a:t>Packshot8</a:t>
+            </a:r>
+          </a:p>
+        </p:txBody>
+      </p:sp>
+      <p:sp>
+        <p:nvSpPr>
+          <p:cNvPr id="10" name="Text Placeholder 9">
+            <a:extLst>
+              <a:ext uri="{FF2B5EF4-FFF2-40B4-BE49-F238E27FC236}">
+                <a16:creationId xmlns:a16="http://schemas.microsoft.com/office/drawing/2014/main" id="{61CC68B9-49FE-5853-C758-407D7A88380F}"/>
+              </a:ext>
+            </a:extLst>
+          </p:cNvPr>
+          <p:cNvSpPr>
+            <a:spLocks noGrp="1"/>
+          </p:cNvSpPr>
+          <p:nvPr>
+            <p:ph type="body" sz="quarter" idx="37"/>
+          </p:nvPr>
+        </p:nvSpPr>
+        <p:spPr/>
+        <p:txBody>
+          <a:bodyPr vert="horz" lIns="91440" tIns="45720" rIns="91440" bIns="45720" rtlCol="0">
+            <a:normAutofit/>
+          </a:bodyPr>
+          <a:lstStyle/>
+          <a:p>
+            <a:pPr marL="0" indent="0"/>
+            <a:r>
+              <a:rPr lang="da-DK" dirty="0"/>
+              <a:t>PRODUCT DESCRIPTION 12</a:t>
+            </a:r>
+          </a:p>
+          <a:p>
+            <a:pPr marL="0" indent="0"/>
+            <a:endParaRPr lang="da-DK" dirty="0"/>
+          </a:p>
+        </p:txBody>
+      </p:sp>
+      <p:sp>
+        <p:nvSpPr>
+          <p:cNvPr id="11" name="Picture Placeholder 10">
+            <a:extLst>
+              <a:ext uri="{FF2B5EF4-FFF2-40B4-BE49-F238E27FC236}">
+                <a16:creationId xmlns:a16="http://schemas.microsoft.com/office/drawing/2014/main" id="{A1CEAFA4-6121-FE73-2497-9C08F41D1CB2}"/>
+              </a:ext>
+            </a:extLst>
+          </p:cNvPr>
+          <p:cNvSpPr>
+            <a:spLocks noGrp="1"/>
+          </p:cNvSpPr>
+          <p:nvPr>
+            <p:ph type="pic" sz="quarter" idx="25"/>
+          </p:nvPr>
+        </p:nvSpPr>
+        <p:spPr/>
+        <p:txBody>
+          <a:bodyPr/>
+          <a:lstStyle/>
+          <a:p>
+            <a:pPr marL="0" indent="0">
+              <a:buNone/>
+            </a:pPr>
+            <a:r>
+              <a:rPr lang="da-DK" dirty="0"/>
+              <a:t>Packshot12</a:t>
+            </a:r>
+          </a:p>
+        </p:txBody>
+      </p:sp>
+      <p:sp>
+        <p:nvSpPr>
+          <p:cNvPr id="12" name="Text Placeholder 11">
+            <a:extLst>
+              <a:ext uri="{FF2B5EF4-FFF2-40B4-BE49-F238E27FC236}">
+                <a16:creationId xmlns:a16="http://schemas.microsoft.com/office/drawing/2014/main" id="{CC9F99F7-C11A-6EE0-5691-8F1205DAAA46}"/>
+              </a:ext>
+            </a:extLst>
+          </p:cNvPr>
+          <p:cNvSpPr>
+            <a:spLocks noGrp="1"/>
+          </p:cNvSpPr>
+          <p:nvPr>
+            <p:ph type="body" sz="quarter" idx="36"/>
+          </p:nvPr>
+        </p:nvSpPr>
+        <p:spPr/>
+        <p:txBody>
+          <a:bodyPr vert="horz" lIns="91440" tIns="45720" rIns="91440" bIns="45720" rtlCol="0">
+            <a:normAutofit/>
+          </a:bodyPr>
+          <a:lstStyle/>
+          <a:p>
+            <a:pPr marL="0" indent="0"/>
+            <a:r>
+              <a:rPr lang="da-DK" dirty="0"/>
+              <a:t>PRODUCT DESCRIPTION 11</a:t>
+            </a:r>
+          </a:p>
+          <a:p>
+            <a:pPr marL="0" indent="0"/>
+            <a:endParaRPr lang="da-DK" dirty="0"/>
+          </a:p>
+        </p:txBody>
+      </p:sp>
+      <p:sp>
+        <p:nvSpPr>
+          <p:cNvPr id="13" name="Picture Placeholder 12">
+            <a:extLst>
+              <a:ext uri="{FF2B5EF4-FFF2-40B4-BE49-F238E27FC236}">
+                <a16:creationId xmlns:a16="http://schemas.microsoft.com/office/drawing/2014/main" id="{526315D9-6235-6877-7505-BD43ADCE6A09}"/>
+              </a:ext>
+            </a:extLst>
+          </p:cNvPr>
+          <p:cNvSpPr>
+            <a:spLocks noGrp="1"/>
+          </p:cNvSpPr>
+          <p:nvPr>
+            <p:ph type="pic" sz="quarter" idx="24"/>
+          </p:nvPr>
+        </p:nvSpPr>
+        <p:spPr/>
+        <p:txBody>
+          <a:bodyPr/>
+          <a:lstStyle/>
+          <a:p>
+            <a:pPr marL="0" indent="0">
+              <a:buNone/>
+            </a:pPr>
+            <a:r>
+              <a:rPr lang="da-DK" dirty="0"/>
+              <a:t>Packshot11</a:t>
+            </a:r>
+          </a:p>
+        </p:txBody>
+      </p:sp>
+      <p:sp>
+        <p:nvSpPr>
+          <p:cNvPr id="14" name="Text Placeholder 13">
+            <a:extLst>
+              <a:ext uri="{FF2B5EF4-FFF2-40B4-BE49-F238E27FC236}">
+                <a16:creationId xmlns:a16="http://schemas.microsoft.com/office/drawing/2014/main" id="{22F29832-42AF-EC7D-B4AA-BB0D531B4028}"/>
+              </a:ext>
+            </a:extLst>
+          </p:cNvPr>
+          <p:cNvSpPr>
+            <a:spLocks noGrp="1"/>
+          </p:cNvSpPr>
+          <p:nvPr>
+            <p:ph type="body" sz="quarter" idx="27"/>
+          </p:nvPr>
+        </p:nvSpPr>
+        <p:spPr/>
+        <p:txBody>
+          <a:bodyPr/>
+          <a:lstStyle/>
+          <a:p>
+            <a:pPr marL="0" indent="0"/>
+            <a:r>
+              <a:rPr lang="da-DK" dirty="0"/>
+              <a:t>PRODUCT DESCRIPTION 2</a:t>
+            </a:r>
+          </a:p>
+        </p:txBody>
+      </p:sp>
+      <p:sp>
+        <p:nvSpPr>
+          <p:cNvPr id="15" name="Text Placeholder 14">
+            <a:extLst>
+              <a:ext uri="{FF2B5EF4-FFF2-40B4-BE49-F238E27FC236}">
+                <a16:creationId xmlns:a16="http://schemas.microsoft.com/office/drawing/2014/main" id="{F97659F6-19A8-FF67-3CE2-5CAD60B35333}"/>
+              </a:ext>
+            </a:extLst>
+          </p:cNvPr>
+          <p:cNvSpPr>
+            <a:spLocks noGrp="1"/>
+          </p:cNvSpPr>
+          <p:nvPr>
+            <p:ph type="body" sz="quarter" idx="28"/>
+          </p:nvPr>
+        </p:nvSpPr>
+        <p:spPr/>
+        <p:txBody>
+          <a:bodyPr vert="horz" lIns="91440" tIns="45720" rIns="91440" bIns="45720" rtlCol="0">
+            <a:normAutofit/>
+          </a:bodyPr>
+          <a:lstStyle/>
+          <a:p>
+            <a:pPr marL="0" indent="0"/>
+            <a:r>
+              <a:rPr lang="da-DK" dirty="0"/>
+              <a:t>PRODUCT DESCRIPTION 3</a:t>
+            </a:r>
+          </a:p>
+        </p:txBody>
+      </p:sp>
+      <p:sp>
+        <p:nvSpPr>
+          <p:cNvPr id="16" name="Text Placeholder 15">
+            <a:extLst>
+              <a:ext uri="{FF2B5EF4-FFF2-40B4-BE49-F238E27FC236}">
+                <a16:creationId xmlns:a16="http://schemas.microsoft.com/office/drawing/2014/main" id="{2AB03F15-FFAB-A859-9356-1C2F1D132A9A}"/>
+              </a:ext>
+            </a:extLst>
+          </p:cNvPr>
+          <p:cNvSpPr>
+            <a:spLocks noGrp="1"/>
+          </p:cNvSpPr>
+          <p:nvPr>
+            <p:ph type="body" sz="quarter" idx="30"/>
+          </p:nvPr>
+        </p:nvSpPr>
+        <p:spPr/>
+        <p:txBody>
+          <a:bodyPr vert="horz" lIns="91440" tIns="45720" rIns="91440" bIns="45720" rtlCol="0">
+            <a:normAutofit/>
+          </a:bodyPr>
+          <a:lstStyle/>
+          <a:p>
+            <a:pPr marL="0" indent="0"/>
+            <a:r>
+              <a:rPr lang="da-DK" dirty="0"/>
+              <a:t>PRODUCT DESCRIPTION 5</a:t>
+            </a:r>
+          </a:p>
+          <a:p>
+            <a:pPr marL="0" indent="0"/>
+            <a:endParaRPr lang="da-DK" dirty="0"/>
+          </a:p>
+        </p:txBody>
+      </p:sp>
+      <p:sp>
+        <p:nvSpPr>
+          <p:cNvPr id="17" name="Text Placeholder 16">
+            <a:extLst>
+              <a:ext uri="{FF2B5EF4-FFF2-40B4-BE49-F238E27FC236}">
+                <a16:creationId xmlns:a16="http://schemas.microsoft.com/office/drawing/2014/main" id="{64BD4D51-1DA3-9C12-9D63-D784E50E4CA7}"/>
+              </a:ext>
+            </a:extLst>
+          </p:cNvPr>
+          <p:cNvSpPr>
+            <a:spLocks noGrp="1"/>
+          </p:cNvSpPr>
+          <p:nvPr>
+            <p:ph type="body" sz="quarter" idx="31"/>
+          </p:nvPr>
+        </p:nvSpPr>
+        <p:spPr/>
+        <p:txBody>
+          <a:bodyPr vert="horz" lIns="91440" tIns="45720" rIns="91440" bIns="45720" rtlCol="0">
+            <a:normAutofit/>
+          </a:bodyPr>
+          <a:lstStyle/>
+          <a:p>
+            <a:pPr marL="0" indent="0"/>
+            <a:r>
+              <a:rPr lang="da-DK" dirty="0"/>
+              <a:t>PRODUCT DESCRIPTION 6</a:t>
+            </a:r>
+          </a:p>
+          <a:p>
+            <a:pPr marL="0" indent="0"/>
+            <a:endParaRPr lang="da-DK" dirty="0"/>
+          </a:p>
+        </p:txBody>
+      </p:sp>
+      <p:sp>
+        <p:nvSpPr>
+          <p:cNvPr id="18" name="Text Placeholder 17">
+            <a:extLst>
+              <a:ext uri="{FF2B5EF4-FFF2-40B4-BE49-F238E27FC236}">
+                <a16:creationId xmlns:a16="http://schemas.microsoft.com/office/drawing/2014/main" id="{F494EF72-1B0C-F96A-A7A0-EFA3BFBE6321}"/>
+              </a:ext>
+            </a:extLst>
+          </p:cNvPr>
+          <p:cNvSpPr>
+            <a:spLocks noGrp="1"/>
+          </p:cNvSpPr>
+          <p:nvPr>
+            <p:ph type="body" sz="quarter" idx="35"/>
+          </p:nvPr>
+        </p:nvSpPr>
+        <p:spPr/>
+        <p:txBody>
+          <a:bodyPr vert="horz" lIns="91440" tIns="45720" rIns="91440" bIns="45720" rtlCol="0">
+            <a:normAutofit/>
+          </a:bodyPr>
+          <a:lstStyle/>
+          <a:p>
+            <a:pPr marL="0" indent="0"/>
+            <a:r>
+              <a:rPr lang="da-DK" dirty="0"/>
+              <a:t>PRODUCT DESCRIPTION 10</a:t>
+            </a:r>
+          </a:p>
+          <a:p>
+            <a:pPr marL="0" indent="0"/>
+            <a:endParaRPr lang="da-DK" dirty="0"/>
+          </a:p>
+        </p:txBody>
+      </p:sp>
+      <p:sp>
+        <p:nvSpPr>
+          <p:cNvPr id="19" name="Picture Placeholder 18">
+            <a:extLst>
+              <a:ext uri="{FF2B5EF4-FFF2-40B4-BE49-F238E27FC236}">
+                <a16:creationId xmlns:a16="http://schemas.microsoft.com/office/drawing/2014/main" id="{E37C0D46-2F7B-5E5D-80D8-5F4819D988BB}"/>
+              </a:ext>
+            </a:extLst>
+          </p:cNvPr>
+          <p:cNvSpPr>
+            <a:spLocks noGrp="1"/>
+          </p:cNvSpPr>
+          <p:nvPr>
+            <p:ph type="pic" sz="quarter" idx="23"/>
+          </p:nvPr>
+        </p:nvSpPr>
+        <p:spPr/>
+        <p:txBody>
+          <a:bodyPr/>
+          <a:lstStyle/>
+          <a:p>
+            <a:pPr marL="0" indent="0">
+              <a:buNone/>
+            </a:pPr>
+            <a:r>
+              <a:rPr lang="da-DK" dirty="0"/>
+              <a:t>Packshot10</a:t>
+            </a:r>
+          </a:p>
+        </p:txBody>
+      </p:sp>
+      <p:sp>
+        <p:nvSpPr>
+          <p:cNvPr id="20" name="Text Placeholder 19">
+            <a:extLst>
+              <a:ext uri="{FF2B5EF4-FFF2-40B4-BE49-F238E27FC236}">
+                <a16:creationId xmlns:a16="http://schemas.microsoft.com/office/drawing/2014/main" id="{031E1088-8B77-6E99-C6BD-92C2078829EB}"/>
+              </a:ext>
+            </a:extLst>
+          </p:cNvPr>
+          <p:cNvSpPr>
+            <a:spLocks noGrp="1"/>
+          </p:cNvSpPr>
+          <p:nvPr>
+            <p:ph type="body" sz="quarter" idx="34"/>
+          </p:nvPr>
+        </p:nvSpPr>
+        <p:spPr/>
+        <p:txBody>
+          <a:bodyPr vert="horz" lIns="91440" tIns="45720" rIns="91440" bIns="45720" rtlCol="0">
+            <a:normAutofit/>
+          </a:bodyPr>
+          <a:lstStyle/>
+          <a:p>
+            <a:pPr marL="0" indent="0"/>
+            <a:r>
+              <a:rPr lang="da-DK" dirty="0"/>
+              <a:t>PRODUCT DESCRIPTION 9</a:t>
+            </a:r>
+          </a:p>
+          <a:p>
+            <a:pPr marL="0" indent="0"/>
+            <a:endParaRPr lang="da-DK" dirty="0"/>
+          </a:p>
+        </p:txBody>
+      </p:sp>
+      <p:sp>
+        <p:nvSpPr>
+          <p:cNvPr id="21" name="Picture Placeholder 20">
+            <a:extLst>
+              <a:ext uri="{FF2B5EF4-FFF2-40B4-BE49-F238E27FC236}">
+                <a16:creationId xmlns:a16="http://schemas.microsoft.com/office/drawing/2014/main" id="{8D1A8566-91E6-01F3-08A9-14FEC3FA0D09}"/>
+              </a:ext>
+            </a:extLst>
+          </p:cNvPr>
+          <p:cNvSpPr>
+            <a:spLocks noGrp="1"/>
+          </p:cNvSpPr>
+          <p:nvPr>
+            <p:ph type="pic" sz="quarter" idx="22"/>
+          </p:nvPr>
+        </p:nvSpPr>
+        <p:spPr/>
+        <p:txBody>
+          <a:bodyPr/>
+          <a:lstStyle/>
+          <a:p>
+            <a:pPr marL="0" indent="0">
+              <a:buNone/>
+            </a:pPr>
+            <a:r>
+              <a:rPr lang="da-DK" dirty="0"/>
+              <a:t>Packshot9</a:t>
+            </a:r>
+          </a:p>
+        </p:txBody>
+      </p:sp>
+      <p:sp>
+        <p:nvSpPr>
+          <p:cNvPr id="22" name="Text Placeholder 21">
+            <a:extLst>
+              <a:ext uri="{FF2B5EF4-FFF2-40B4-BE49-F238E27FC236}">
+                <a16:creationId xmlns:a16="http://schemas.microsoft.com/office/drawing/2014/main" id="{1D5052F0-9509-B490-4CAC-96E68460C451}"/>
+              </a:ext>
+            </a:extLst>
+          </p:cNvPr>
+          <p:cNvSpPr>
+            <a:spLocks noGrp="1"/>
+          </p:cNvSpPr>
+          <p:nvPr>
+            <p:ph type="body" sz="quarter" idx="33"/>
+          </p:nvPr>
+        </p:nvSpPr>
+        <p:spPr/>
+        <p:txBody>
+          <a:bodyPr vert="horz" lIns="91440" tIns="45720" rIns="91440" bIns="45720" rtlCol="0">
+            <a:normAutofit/>
+          </a:bodyPr>
+          <a:lstStyle/>
+          <a:p>
+            <a:pPr marL="0" indent="0"/>
+            <a:r>
+              <a:rPr lang="da-DK" dirty="0"/>
+              <a:t>PRODUCT DESCRIPTION 8</a:t>
+            </a:r>
+          </a:p>
+          <a:p>
+            <a:pPr marL="0" indent="0"/>
+            <a:endParaRPr lang="da-DK" dirty="0"/>
+          </a:p>
+        </p:txBody>
+      </p:sp>
+      <p:sp>
+        <p:nvSpPr>
+          <p:cNvPr id="23" name="Text Placeholder 22">
+            <a:extLst>
+              <a:ext uri="{FF2B5EF4-FFF2-40B4-BE49-F238E27FC236}">
+                <a16:creationId xmlns:a16="http://schemas.microsoft.com/office/drawing/2014/main" id="{EDEFBE19-E23F-618E-98A2-739358A9D0AD}"/>
+              </a:ext>
+            </a:extLst>
+          </p:cNvPr>
+          <p:cNvSpPr>
+            <a:spLocks noGrp="1"/>
+          </p:cNvSpPr>
+          <p:nvPr>
+            <p:ph type="body" sz="quarter" idx="32"/>
+          </p:nvPr>
+        </p:nvSpPr>
+        <p:spPr/>
+        <p:txBody>
+          <a:bodyPr vert="horz" lIns="91440" tIns="45720" rIns="91440" bIns="45720" rtlCol="0">
+            <a:normAutofit/>
+          </a:bodyPr>
+          <a:lstStyle/>
+          <a:p>
+            <a:pPr marL="0" indent="0"/>
+            <a:r>
+              <a:rPr lang="da-DK" dirty="0"/>
+              <a:t>PRODUCT DESCRIPTION 7</a:t>
+            </a:r>
+          </a:p>
+          <a:p>
+            <a:pPr marL="0" indent="0"/>
+            <a:endParaRPr lang="da-DK" dirty="0"/>
+          </a:p>
+        </p:txBody>
+      </p:sp>
+      <p:sp>
+        <p:nvSpPr>
+          <p:cNvPr id="24" name="Text Placeholder 23">
+            <a:extLst>
+              <a:ext uri="{FF2B5EF4-FFF2-40B4-BE49-F238E27FC236}">
+                <a16:creationId xmlns:a16="http://schemas.microsoft.com/office/drawing/2014/main" id="{12EE4272-4FBA-8121-A960-0FB1B034787A}"/>
+              </a:ext>
+            </a:extLst>
+          </p:cNvPr>
+          <p:cNvSpPr>
+            <a:spLocks noGrp="1"/>
+          </p:cNvSpPr>
+          <p:nvPr>
+            <p:ph type="body" sz="quarter" idx="29"/>
+          </p:nvPr>
+        </p:nvSpPr>
+        <p:spPr/>
+        <p:txBody>
+          <a:bodyPr vert="horz" lIns="91440" tIns="45720" rIns="91440" bIns="45720" rtlCol="0">
+            <a:normAutofit/>
+          </a:bodyPr>
+          <a:lstStyle/>
+          <a:p>
+            <a:pPr marL="0" indent="0"/>
+            <a:r>
+              <a:rPr lang="da-DK" dirty="0"/>
+              <a:t>PRODUCT DESCRIPTION 4</a:t>
+            </a:r>
+          </a:p>
+        </p:txBody>
+      </p:sp>
+      <p:sp>
+        <p:nvSpPr>
+          <p:cNvPr id="25" name="Text Placeholder 24">
+            <a:extLst>
+              <a:ext uri="{FF2B5EF4-FFF2-40B4-BE49-F238E27FC236}">
+                <a16:creationId xmlns:a16="http://schemas.microsoft.com/office/drawing/2014/main" id="{E434329F-E94C-D969-4294-A821426266BA}"/>
+              </a:ext>
+            </a:extLst>
+          </p:cNvPr>
+          <p:cNvSpPr>
+            <a:spLocks noGrp="1"/>
+          </p:cNvSpPr>
+          <p:nvPr>
+            <p:ph type="body" sz="quarter" idx="26"/>
+          </p:nvPr>
+        </p:nvSpPr>
+        <p:spPr/>
+        <p:txBody>
+          <a:bodyPr/>
+          <a:lstStyle/>
+          <a:p>
+            <a:pPr marL="0" indent="0"/>
+            <a:r>
+              <a:rPr lang="da-DK" dirty="0"/>
+              <a:t>PRODUCT DESCRIPTION 1</a:t>
+            </a:r>
+          </a:p>
+        </p:txBody>
+      </p:sp>
+      <p:sp>
+        <p:nvSpPr>
+          <p:cNvPr id="26" name="Text Placeholder 25">
+            <a:extLst>
+              <a:ext uri="{FF2B5EF4-FFF2-40B4-BE49-F238E27FC236}">
+                <a16:creationId xmlns:a16="http://schemas.microsoft.com/office/drawing/2014/main" id="{3C94A0C3-45B8-6B32-7FE3-27E4A4499429}"/>
+              </a:ext>
+            </a:extLst>
+          </p:cNvPr>
+          <p:cNvSpPr>
+            <a:spLocks noGrp="1"/>
+          </p:cNvSpPr>
+          <p:nvPr>
+            <p:ph type="body" sz="quarter" idx="41"/>
+          </p:nvPr>
+        </p:nvSpPr>
+        <p:spPr/>
+        <p:txBody>
+          <a:bodyPr/>
+          <a:lstStyle/>
+          <a:p>
+            <a:endParaRPr lang="da-DK"/>
+          </a:p>
+        </p:txBody>
+      </p:sp>
+      <p:sp>
+        <p:nvSpPr>
+          <p:cNvPr id="27" name="Text Placeholder 26">
+            <a:extLst>
+              <a:ext uri="{FF2B5EF4-FFF2-40B4-BE49-F238E27FC236}">
+                <a16:creationId xmlns:a16="http://schemas.microsoft.com/office/drawing/2014/main" id="{9A51DCEB-AF58-CC5D-6EEA-53D890DCACCD}"/>
+              </a:ext>
+            </a:extLst>
+          </p:cNvPr>
+          <p:cNvSpPr>
+            <a:spLocks noGrp="1"/>
+          </p:cNvSpPr>
+          <p:nvPr>
+            <p:ph type="body" sz="quarter" idx="40"/>
+          </p:nvPr>
+        </p:nvSpPr>
+        <p:spPr/>
+        <p:txBody>
+          <a:bodyPr/>
+          <a:lstStyle/>
+          <a:p>
+            <a:r>
+              <a:rPr lang="da-DK" dirty="0" err="1"/>
+              <a:t>SettingName</a:t>
+            </a:r>
+            <a:endParaRPr lang="da-DK" dirty="0"/>
+          </a:p>
+        </p:txBody>
+      </p:sp>
+      <p:sp>
+        <p:nvSpPr>
+          <p:cNvPr id="28" name="Picture Placeholder 27">
+            <a:extLst>
+              <a:ext uri="{FF2B5EF4-FFF2-40B4-BE49-F238E27FC236}">
+                <a16:creationId xmlns:a16="http://schemas.microsoft.com/office/drawing/2014/main" id="{E367D596-D420-BB6A-3A73-7983BC169E89}"/>
+              </a:ext>
+            </a:extLst>
+          </p:cNvPr>
+          <p:cNvSpPr>
+            <a:spLocks noGrp="1"/>
+          </p:cNvSpPr>
+          <p:nvPr>
+            <p:ph type="pic" sz="quarter" idx="38"/>
+          </p:nvPr>
+        </p:nvSpPr>
+        <p:spPr/>
+        <p:txBody>
+          <a:bodyPr/>
+          <a:lstStyle/>
+          <a:p>
+            <a:pPr marL="0" indent="0">
+              <a:buNone/>
+            </a:pPr>
+            <a:r>
+              <a:rPr lang="da-DK" dirty="0" err="1"/>
+              <a:t>LineDrawing</a:t>
+            </a:r>
+            <a:endParaRPr lang="da-DK" dirty="0"/>
+          </a:p>
+        </p:txBody>
+      </p:sp>
+      <p:sp>
+        <p:nvSpPr>
+          <p:cNvPr id="29" name="Picture Placeholder 28">
+            <a:extLst>
+              <a:ext uri="{FF2B5EF4-FFF2-40B4-BE49-F238E27FC236}">
+                <a16:creationId xmlns:a16="http://schemas.microsoft.com/office/drawing/2014/main" id="{874E1AB5-B935-8695-377A-D5C416E05376}"/>
+              </a:ext>
+            </a:extLst>
+          </p:cNvPr>
+          <p:cNvSpPr>
+            <a:spLocks noGrp="1"/>
+          </p:cNvSpPr>
+          <p:nvPr>
+            <p:ph type="pic" sz="quarter" idx="17"/>
+          </p:nvPr>
+        </p:nvSpPr>
+        <p:spPr/>
+        <p:txBody>
+          <a:bodyPr/>
+          <a:lstStyle/>
+          <a:p>
+            <a:pPr marL="0" indent="0">
+              <a:buNone/>
+            </a:pPr>
+            <a:r>
+              <a:rPr lang="da-DK" dirty="0"/>
+              <a:t>Rendering</a:t>
+            </a:r>
+          </a:p>
+          <a:p>
+            <a:pPr marL="0" indent="0">
+              <a:buNone/>
+            </a:pPr>
+            <a:endParaRPr lang="da-DK" dirty="0"/>
+          </a:p>
+        </p:txBody>
+      </p:sp>
+      <p:sp>
+        <p:nvSpPr>
+          <p:cNvPr id="30" name="Text Placeholder 29">
+            <a:extLst>
+              <a:ext uri="{FF2B5EF4-FFF2-40B4-BE49-F238E27FC236}">
+                <a16:creationId xmlns:a16="http://schemas.microsoft.com/office/drawing/2014/main" id="{496D6A1B-DF12-7C80-0108-B1166B9C1D89}"/>
+              </a:ext>
+            </a:extLst>
+          </p:cNvPr>
+          <p:cNvSpPr>
+            <a:spLocks noGrp="1"/>
+          </p:cNvSpPr>
+          <p:nvPr>
+            <p:ph type="body" sz="quarter" idx="39"/>
+          </p:nvPr>
+        </p:nvSpPr>
+        <p:spPr/>
+        <p:txBody>
+          <a:bodyPr>
+            <a:normAutofit fontScale="92500" lnSpcReduction="10000"/>
+          </a:bodyPr>
+          <a:lstStyle/>
+          <a:p>
+            <a:r>
+              <a:rPr lang="da-DK" dirty="0" err="1"/>
+              <a:t>SettingName</a:t>
+            </a:r>
+            <a:endParaRPr lang="da-DK" dirty="0"/>
+          </a:p>
+          <a:p>
+            <a:endParaRPr lang="da-DK" dirty="0"/>
+          </a:p>
+        </p:txBody>
+      </p:sp>
+    </p:spTree>
+    <p:extLst>
+      <p:ext uri="{BB962C8B-B14F-4D97-AF65-F5344CB8AC3E}">
+        <p14:creationId xmlns:p14="http://schemas.microsoft.com/office/powerpoint/2010/main" val="3460949786"/>
+      </p:ext>
+    </p:extLst>
+  </p:cSld>
+  <p:clrMapOvr>
+    <a:masterClrMapping/>
+  </p:clrMapOvr>
+</p:sld>
+</file>
+
+<file path=ppt/slides/slide3.xml><?xml version="1.0" encoding="utf-8"?>
+<p:sld xmlns:a="http://schemas.openxmlformats.org/drawingml/2006/main" xmlns:r="http://schemas.openxmlformats.org/officeDocument/2006/relationships" xmlns:p="http://schemas.openxmlformats.org/presentationml/2006/main">
+  <p:cSld>
+    <p:spTree>
+      <p:nvGrpSpPr>
+        <p:cNvPr id="1" name=""/>
+        <p:cNvGrpSpPr/>
+        <p:nvPr/>
+      </p:nvGrpSpPr>
+      <p:grpSpPr>
+        <a:xfrm>
+          <a:off x="0" y="0"/>
+          <a:ext cx="0" cy="0"/>
+          <a:chOff x="0" y="0"/>
+          <a:chExt cx="0" cy="0"/>
+        </a:xfrm>
+      </p:grpSpPr>
+      <p:sp>
+        <p:nvSpPr>
+          <p:cNvPr id="2" name="Text Placeholder 1">
+            <a:extLst>
+              <a:ext uri="{FF2B5EF4-FFF2-40B4-BE49-F238E27FC236}">
+                <a16:creationId xmlns:a16="http://schemas.microsoft.com/office/drawing/2014/main" id="{3D889CAD-BBFC-341D-E04B-19EA416EAA7C}"/>
+              </a:ext>
+            </a:extLst>
+          </p:cNvPr>
+          <p:cNvSpPr>
+            <a:spLocks noGrp="1"/>
+          </p:cNvSpPr>
+          <p:nvPr>
+            <p:ph type="body" sz="quarter" idx="39"/>
+          </p:nvPr>
+        </p:nvSpPr>
+        <p:spPr/>
+        <p:txBody>
+          <a:bodyPr>
+            <a:normAutofit fontScale="92500" lnSpcReduction="10000"/>
+          </a:bodyPr>
+          <a:lstStyle/>
+          <a:p>
+            <a:r>
+              <a:rPr lang="da-DK" dirty="0" err="1"/>
+              <a:t>SettingName</a:t>
+            </a:r>
+            <a:endParaRPr lang="da-DK" dirty="0"/>
+          </a:p>
+        </p:txBody>
+      </p:sp>
+      <p:sp>
+        <p:nvSpPr>
+          <p:cNvPr id="3" name="Content Placeholder 2">
+            <a:extLst>
+              <a:ext uri="{FF2B5EF4-FFF2-40B4-BE49-F238E27FC236}">
+                <a16:creationId xmlns:a16="http://schemas.microsoft.com/office/drawing/2014/main" id="{B8399E4A-273D-B3CD-489F-A28E729526EC}"/>
+              </a:ext>
+            </a:extLst>
+          </p:cNvPr>
+          <p:cNvSpPr>
+            <a:spLocks noGrp="1"/>
+          </p:cNvSpPr>
+          <p:nvPr>
+            <p:ph sz="quarter" idx="40"/>
+          </p:nvPr>
+        </p:nvSpPr>
+        <p:spPr/>
+        <p:txBody>
+          <a:bodyPr/>
+          <a:lstStyle/>
+          <a:p>
+            <a:pPr marL="0" indent="0">
+              <a:buNone/>
+            </a:pPr>
+            <a:r>
+              <a:rPr lang="en-GB" dirty="0" err="1"/>
+              <a:t>TableAnchor</a:t>
+            </a:r>
+            <a:endParaRPr lang="da-DK" dirty="0"/>
+          </a:p>
+        </p:txBody>
+      </p:sp>
+    </p:spTree>
+    <p:extLst>
+      <p:ext uri="{BB962C8B-B14F-4D97-AF65-F5344CB8AC3E}">
+        <p14:creationId xmlns:p14="http://schemas.microsoft.com/office/powerpoint/2010/main" val="4123982136"/>
+      </p:ext>
+    </p:extLst>
+  </p:cSld>
+  <p:clrMapOvr>
+    <a:masterClrMapping/>
+  </p:clrMapOvr>
+</p:sld>
 </file>
 
 <file path=ppt/theme/theme1.xml><?xml version="1.0" encoding="utf-8"?>
@@ -3313,4 +5864,319 @@
     </a:ext>
   </a:extLst>
 </a:theme>
+</file>
+
+<file path=ppt/theme/theme2.xml><?xml version="1.0" encoding="utf-8"?>
+<a:theme xmlns:a="http://schemas.openxmlformats.org/drawingml/2006/main" name="Office Theme">
+  <a:themeElements>
+    <a:clrScheme name="Office">
+      <a:dk1>
+        <a:sysClr val="windowText" lastClr="000000"/>
+      </a:dk1>
+      <a:lt1>
+        <a:sysClr val="window" lastClr="FFFFFF"/>
+      </a:lt1>
+      <a:dk2>
+        <a:srgbClr val="0E2841"/>
+      </a:dk2>
+      <a:lt2>
+        <a:srgbClr val="E8E8E8"/>
+      </a:lt2>
+      <a:accent1>
+        <a:srgbClr val="156082"/>
+      </a:accent1>
+      <a:accent2>
+        <a:srgbClr val="E97132"/>
+      </a:accent2>
+      <a:accent3>
+        <a:srgbClr val="196B24"/>
+      </a:accent3>
+      <a:accent4>
+        <a:srgbClr val="0F9ED5"/>
+      </a:accent4>
+      <a:accent5>
+        <a:srgbClr val="A02B93"/>
+      </a:accent5>
+      <a:accent6>
+        <a:srgbClr val="4EA72E"/>
+      </a:accent6>
+      <a:hlink>
+        <a:srgbClr val="467886"/>
+      </a:hlink>
+      <a:folHlink>
+        <a:srgbClr val="96607D"/>
+      </a:folHlink>
+    </a:clrScheme>
+    <a:fontScheme name="Office">
+      <a:majorFont>
+        <a:latin typeface="Aptos Display" panose="02110004020202020204"/>
+        <a:ea typeface=""/>
+        <a:cs typeface=""/>
+        <a:font script="Jpan" typeface="游ゴシック Light"/>
+        <a:font script="Hang" typeface="맑은 고딕"/>
+        <a:font script="Hans" typeface="等线 Light"/>
+        <a:font script="Hant" typeface="新細明體"/>
+        <a:font script="Arab" typeface="Times New Roman"/>
+        <a:font script="Hebr" typeface="Times New Roman"/>
+        <a:font script="Thai" typeface="Angsana New"/>
+        <a:font script="Ethi" typeface="Nyala"/>
+        <a:font script="Beng" typeface="Vrinda"/>
+        <a:font script="Gujr" typeface="Shruti"/>
+        <a:font script="Khmr" typeface="MoolBoran"/>
+        <a:font script="Knda" typeface="Tunga"/>
+        <a:font script="Guru" typeface="Raavi"/>
+        <a:font script="Cans" typeface="Euphemia"/>
+        <a:font script="Cher" typeface="Plantagenet Cherokee"/>
+        <a:font script="Yiii" typeface="Microsoft Yi Baiti"/>
+        <a:font script="Tibt" typeface="Microsoft Himalaya"/>
+        <a:font script="Thaa" typeface="MV Boli"/>
+        <a:font script="Deva" typeface="Mangal"/>
+        <a:font script="Telu" typeface="Gautami"/>
+        <a:font script="Taml" typeface="Latha"/>
+        <a:font script="Syrc" typeface="Estrangelo Edessa"/>
+        <a:font script="Orya" typeface="Kalinga"/>
+        <a:font script="Mlym" typeface="Kartika"/>
+        <a:font script="Laoo" typeface="DokChampa"/>
+        <a:font script="Sinh" typeface="Iskoola Pota"/>
+        <a:font script="Mong" typeface="Mongolian Baiti"/>
+        <a:font script="Viet" typeface="Times New Roman"/>
+        <a:font script="Uigh" typeface="Microsoft Uighur"/>
+        <a:font script="Geor" typeface="Sylfaen"/>
+        <a:font script="Armn" typeface="Arial"/>
+        <a:font script="Bugi" typeface="Leelawadee UI"/>
+        <a:font script="Bopo" typeface="Microsoft JhengHei"/>
+        <a:font script="Java" typeface="Javanese Text"/>
+        <a:font script="Lisu" typeface="Segoe UI"/>
+        <a:font script="Mymr" typeface="Myanmar Text"/>
+        <a:font script="Nkoo" typeface="Ebrima"/>
+        <a:font script="Olck" typeface="Nirmala UI"/>
+        <a:font script="Osma" typeface="Ebrima"/>
+        <a:font script="Phag" typeface="Phagspa"/>
+        <a:font script="Syrn" typeface="Estrangelo Edessa"/>
+        <a:font script="Syrj" typeface="Estrangelo Edessa"/>
+        <a:font script="Syre" typeface="Estrangelo Edessa"/>
+        <a:font script="Sora" typeface="Nirmala UI"/>
+        <a:font script="Tale" typeface="Microsoft Tai Le"/>
+        <a:font script="Talu" typeface="Microsoft New Tai Lue"/>
+        <a:font script="Tfng" typeface="Ebrima"/>
+      </a:majorFont>
+      <a:minorFont>
+        <a:latin typeface="Aptos" panose="02110004020202020204"/>
+        <a:ea typeface=""/>
+        <a:cs typeface=""/>
+        <a:font script="Jpan" typeface="游ゴシック"/>
+        <a:font script="Hang" typeface="맑은 고딕"/>
+        <a:font script="Hans" typeface="等线"/>
+        <a:font script="Hant" typeface="新細明體"/>
+        <a:font script="Arab" typeface="Arial"/>
+        <a:font script="Hebr" typeface="Arial"/>
+        <a:font script="Thai" typeface="Cordia New"/>
+        <a:font script="Ethi" typeface="Nyala"/>
+        <a:font script="Beng" typeface="Vrinda"/>
+        <a:font script="Gujr" typeface="Shruti"/>
+        <a:font script="Khmr" typeface="DaunPenh"/>
+        <a:font script="Knda" typeface="Tunga"/>
+        <a:font script="Guru" typeface="Raavi"/>
+        <a:font script="Cans" typeface="Euphemia"/>
+        <a:font script="Cher" typeface="Plantagenet Cherokee"/>
+        <a:font script="Yiii" typeface="Microsoft Yi Baiti"/>
+        <a:font script="Tibt" typeface="Microsoft Himalaya"/>
+        <a:font script="Thaa" typeface="MV Boli"/>
+        <a:font script="Deva" typeface="Mangal"/>
+        <a:font script="Telu" typeface="Gautami"/>
+        <a:font script="Taml" typeface="Latha"/>
+        <a:font script="Syrc" typeface="Estrangelo Edessa"/>
+        <a:font script="Orya" typeface="Kalinga"/>
+        <a:font script="Mlym" typeface="Kartika"/>
+        <a:font script="Laoo" typeface="DokChampa"/>
+        <a:font script="Sinh" typeface="Iskoola Pota"/>
+        <a:font script="Mong" typeface="Mongolian Baiti"/>
+        <a:font script="Viet" typeface="Arial"/>
+        <a:font script="Uigh" typeface="Microsoft Uighur"/>
+        <a:font script="Geor" typeface="Sylfaen"/>
+        <a:font script="Armn" typeface="Arial"/>
+        <a:font script="Bugi" typeface="Leelawadee UI"/>
+        <a:font script="Bopo" typeface="Microsoft JhengHei"/>
+        <a:font script="Java" typeface="Javanese Text"/>
+        <a:font script="Lisu" typeface="Segoe UI"/>
+        <a:font script="Mymr" typeface="Myanmar Text"/>
+        <a:font script="Nkoo" typeface="Ebrima"/>
+        <a:font script="Olck" typeface="Nirmala UI"/>
+        <a:font script="Osma" typeface="Ebrima"/>
+        <a:font script="Phag" typeface="Phagspa"/>
+        <a:font script="Syrn" typeface="Estrangelo Edessa"/>
+        <a:font script="Syrj" typeface="Estrangelo Edessa"/>
+        <a:font script="Syre" typeface="Estrangelo Edessa"/>
+        <a:font script="Sora" typeface="Nirmala UI"/>
+        <a:font script="Tale" typeface="Microsoft Tai Le"/>
+        <a:font script="Talu" typeface="Microsoft New Tai Lue"/>
+        <a:font script="Tfng" typeface="Ebrima"/>
+      </a:minorFont>
+    </a:fontScheme>
+    <a:fmtScheme name="Office">
+      <a:fillStyleLst>
+        <a:solidFill>
+          <a:schemeClr val="phClr"/>
+        </a:solidFill>
+        <a:gradFill rotWithShape="1">
+          <a:gsLst>
+            <a:gs pos="0">
+              <a:schemeClr val="phClr">
+                <a:lumMod val="110000"/>
+                <a:satMod val="105000"/>
+                <a:tint val="67000"/>
+              </a:schemeClr>
+            </a:gs>
+            <a:gs pos="50000">
+              <a:schemeClr val="phClr">
+                <a:lumMod val="105000"/>
+                <a:satMod val="103000"/>
+                <a:tint val="73000"/>
+              </a:schemeClr>
+            </a:gs>
+            <a:gs pos="100000">
+              <a:schemeClr val="phClr">
+                <a:lumMod val="105000"/>
+                <a:satMod val="109000"/>
+                <a:tint val="81000"/>
+              </a:schemeClr>
+            </a:gs>
+          </a:gsLst>
+          <a:lin ang="5400000" scaled="0"/>
+        </a:gradFill>
+        <a:gradFill rotWithShape="1">
+          <a:gsLst>
+            <a:gs pos="0">
+              <a:schemeClr val="phClr">
+                <a:satMod val="103000"/>
+                <a:lumMod val="102000"/>
+                <a:tint val="94000"/>
+              </a:schemeClr>
+            </a:gs>
+            <a:gs pos="50000">
+              <a:schemeClr val="phClr">
+                <a:satMod val="110000"/>
+                <a:lumMod val="100000"/>
+                <a:shade val="100000"/>
+              </a:schemeClr>
+            </a:gs>
+            <a:gs pos="100000">
+              <a:schemeClr val="phClr">
+                <a:lumMod val="99000"/>
+                <a:satMod val="120000"/>
+                <a:shade val="78000"/>
+              </a:schemeClr>
+            </a:gs>
+          </a:gsLst>
+          <a:lin ang="5400000" scaled="0"/>
+        </a:gradFill>
+      </a:fillStyleLst>
+      <a:lnStyleLst>
+        <a:ln w="12700" cap="flat" cmpd="sng" algn="ctr">
+          <a:solidFill>
+            <a:schemeClr val="phClr"/>
+          </a:solidFill>
+          <a:prstDash val="solid"/>
+          <a:miter lim="800000"/>
+        </a:ln>
+        <a:ln w="19050" cap="flat" cmpd="sng" algn="ctr">
+          <a:solidFill>
+            <a:schemeClr val="phClr"/>
+          </a:solidFill>
+          <a:prstDash val="solid"/>
+          <a:miter lim="800000"/>
+        </a:ln>
+        <a:ln w="25400" cap="flat" cmpd="sng" algn="ctr">
+          <a:solidFill>
+            <a:schemeClr val="phClr"/>
+          </a:solidFill>
+          <a:prstDash val="solid"/>
+          <a:miter lim="800000"/>
+        </a:ln>
+      </a:lnStyleLst>
+      <a:effectStyleLst>
+        <a:effectStyle>
+          <a:effectLst/>
+        </a:effectStyle>
+        <a:effectStyle>
+          <a:effectLst/>
+        </a:effectStyle>
+        <a:effectStyle>
+          <a:effectLst>
+            <a:outerShdw blurRad="57150" dist="19050" dir="5400000" algn="ctr" rotWithShape="0">
+              <a:srgbClr val="000000">
+                <a:alpha val="63000"/>
+              </a:srgbClr>
+            </a:outerShdw>
+          </a:effectLst>
+        </a:effectStyle>
+      </a:effectStyleLst>
+      <a:bgFillStyleLst>
+        <a:solidFill>
+          <a:schemeClr val="phClr"/>
+        </a:solidFill>
+        <a:solidFill>
+          <a:schemeClr val="phClr">
+            <a:tint val="95000"/>
+            <a:satMod val="170000"/>
+          </a:schemeClr>
+        </a:solidFill>
+        <a:gradFill rotWithShape="1">
+          <a:gsLst>
+            <a:gs pos="0">
+              <a:schemeClr val="phClr">
+                <a:tint val="93000"/>
+                <a:satMod val="150000"/>
+                <a:shade val="98000"/>
+                <a:lumMod val="102000"/>
+              </a:schemeClr>
+            </a:gs>
+            <a:gs pos="50000">
+              <a:schemeClr val="phClr">
+                <a:tint val="98000"/>
+                <a:satMod val="130000"/>
+                <a:shade val="90000"/>
+                <a:lumMod val="103000"/>
+              </a:schemeClr>
+            </a:gs>
+            <a:gs pos="100000">
+              <a:schemeClr val="phClr">
+                <a:shade val="63000"/>
+                <a:satMod val="120000"/>
+              </a:schemeClr>
+            </a:gs>
+          </a:gsLst>
+          <a:lin ang="5400000" scaled="0"/>
+        </a:gradFill>
+      </a:bgFillStyleLst>
+    </a:fmtScheme>
+  </a:themeElements>
+  <a:objectDefaults>
+    <a:lnDef>
+      <a:spPr/>
+      <a:bodyPr/>
+      <a:lstStyle/>
+      <a:style>
+        <a:lnRef idx="2">
+          <a:schemeClr val="accent1"/>
+        </a:lnRef>
+        <a:fillRef idx="0">
+          <a:schemeClr val="accent1"/>
+        </a:fillRef>
+        <a:effectRef idx="1">
+          <a:schemeClr val="accent1"/>
+        </a:effectRef>
+        <a:fontRef idx="minor">
+          <a:schemeClr val="tx1"/>
+        </a:fontRef>
+      </a:style>
+    </a:lnDef>
+  </a:objectDefaults>
+  <a:extraClrSchemeLst/>
+  <a:extLst>
+    <a:ext uri="{05A4C25C-085E-4340-85A3-A5531E510DB2}">
+      <thm15:themeFamily xmlns:thm15="http://schemas.microsoft.com/office/thememl/2012/main" name="Office Theme" id="{2E142A2C-CD16-42D6-873A-C26D2A0506FA}" vid="{1BDDFF52-6CD6-40A5-AB3C-68EB2F1E4D0A}"/>
+    </a:ext>
+  </a:extLst>
+</a:theme>
 </file>
--- a/input-template.pptx
+++ b/input-template.pptx
@@ -5,13 +5,8 @@
     <p:sldMasterId id="2147483648" r:id="rId1"/>
   </p:sldMasterIdLst>
   <p:notesMasterIdLst>
-    <p:notesMasterId r:id="rId5"/>
+    <p:notesMasterId r:id="rId2"/>
   </p:notesMasterIdLst>
-  <p:sldIdLst>
-    <p:sldId id="256" r:id="rId2"/>
-    <p:sldId id="257" r:id="rId3"/>
-    <p:sldId id="259" r:id="rId4"/>
-  </p:sldIdLst>
   <p:sldSz cx="12192000" cy="6858000"/>
   <p:notesSz cx="6858000" cy="9144000"/>
   <p:defaultTextStyle>
@@ -130,7 +125,7 @@
   <pc:docChgLst>
     <pc:chgData name="Tina Korshøj" userId="fc9c1787-86ff-4527-a6cb-a23af2ce0cfe" providerId="ADAL" clId="{12CD37EC-F126-58A4-9D73-FCCAAE6DBE25}"/>
     <pc:docChg chg="undo custSel addSld delSld modSld sldOrd modMainMaster">
-      <pc:chgData name="Tina Korshøj" userId="fc9c1787-86ff-4527-a6cb-a23af2ce0cfe" providerId="ADAL" clId="{12CD37EC-F126-58A4-9D73-FCCAAE6DBE25}" dt="2025-11-11T16:25:29.004" v="394" actId="20577"/>
+      <pc:chgData name="Tina Korshøj" userId="fc9c1787-86ff-4527-a6cb-a23af2ce0cfe" providerId="ADAL" clId="{12CD37EC-F126-58A4-9D73-FCCAAE6DBE25}" dt="2025-11-11T17:04:28.108" v="395" actId="2696"/>
       <pc:docMkLst>
         <pc:docMk/>
       </pc:docMkLst>
@@ -163,8 +158,8 @@
           </ac:spMkLst>
         </pc:spChg>
       </pc:sldChg>
-      <pc:sldChg chg="addSp delSp modSp new mod">
-        <pc:chgData name="Tina Korshøj" userId="fc9c1787-86ff-4527-a6cb-a23af2ce0cfe" providerId="ADAL" clId="{12CD37EC-F126-58A4-9D73-FCCAAE6DBE25}" dt="2025-11-11T16:17:19.722" v="176" actId="20577"/>
+      <pc:sldChg chg="addSp delSp modSp new del mod">
+        <pc:chgData name="Tina Korshøj" userId="fc9c1787-86ff-4527-a6cb-a23af2ce0cfe" providerId="ADAL" clId="{12CD37EC-F126-58A4-9D73-FCCAAE6DBE25}" dt="2025-11-11T17:04:28.108" v="395" actId="2696"/>
         <pc:sldMkLst>
           <pc:docMk/>
           <pc:sldMk cId="3995881266" sldId="256"/>
@@ -289,8 +284,8 @@
           </ac:spMkLst>
         </pc:spChg>
       </pc:sldChg>
-      <pc:sldChg chg="addSp delSp modSp new mod modNotesTx">
-        <pc:chgData name="Tina Korshøj" userId="fc9c1787-86ff-4527-a6cb-a23af2ce0cfe" providerId="ADAL" clId="{12CD37EC-F126-58A4-9D73-FCCAAE6DBE25}" dt="2025-11-11T16:25:29.004" v="394" actId="20577"/>
+      <pc:sldChg chg="addSp delSp modSp new del mod modNotesTx">
+        <pc:chgData name="Tina Korshøj" userId="fc9c1787-86ff-4527-a6cb-a23af2ce0cfe" providerId="ADAL" clId="{12CD37EC-F126-58A4-9D73-FCCAAE6DBE25}" dt="2025-11-11T17:04:28.108" v="395" actId="2696"/>
         <pc:sldMkLst>
           <pc:docMk/>
           <pc:sldMk cId="3460949786" sldId="257"/>
@@ -676,8 +671,8 @@
           </ac:spMkLst>
         </pc:spChg>
       </pc:sldChg>
-      <pc:sldChg chg="modSp new mod">
-        <pc:chgData name="Tina Korshøj" userId="fc9c1787-86ff-4527-a6cb-a23af2ce0cfe" providerId="ADAL" clId="{12CD37EC-F126-58A4-9D73-FCCAAE6DBE25}" dt="2025-11-11T16:24:04.147" v="392" actId="20577"/>
+      <pc:sldChg chg="modSp new del mod">
+        <pc:chgData name="Tina Korshøj" userId="fc9c1787-86ff-4527-a6cb-a23af2ce0cfe" providerId="ADAL" clId="{12CD37EC-F126-58A4-9D73-FCCAAE6DBE25}" dt="2025-11-11T17:04:28.108" v="395" actId="2696"/>
         <pc:sldMkLst>
           <pc:docMk/>
           <pc:sldMk cId="4123982136" sldId="259"/>
@@ -1574,93 +1569,6 @@
     </a:lvl9pPr>
   </p:notesStyle>
 </p:notesMaster>
-</file>
-
-<file path=ppt/notesSlides/notesSlide1.xml><?xml version="1.0" encoding="utf-8"?>
-<p:notes xmlns:a="http://schemas.openxmlformats.org/drawingml/2006/main" xmlns:r="http://schemas.openxmlformats.org/officeDocument/2006/relationships" xmlns:p="http://schemas.openxmlformats.org/presentationml/2006/main">
-  <p:cSld>
-    <p:spTree>
-      <p:nvGrpSpPr>
-        <p:cNvPr id="1" name=""/>
-        <p:cNvGrpSpPr/>
-        <p:nvPr/>
-      </p:nvGrpSpPr>
-      <p:grpSpPr>
-        <a:xfrm>
-          <a:off x="0" y="0"/>
-          <a:ext cx="0" cy="0"/>
-          <a:chOff x="0" y="0"/>
-          <a:chExt cx="0" cy="0"/>
-        </a:xfrm>
-      </p:grpSpPr>
-      <p:sp>
-        <p:nvSpPr>
-          <p:cNvPr id="2" name="Slide Image Placeholder 1"/>
-          <p:cNvSpPr>
-            <a:spLocks noGrp="1" noRot="1" noChangeAspect="1"/>
-          </p:cNvSpPr>
-          <p:nvPr>
-            <p:ph type="sldImg"/>
-          </p:nvPr>
-        </p:nvSpPr>
-        <p:spPr/>
-      </p:sp>
-      <p:sp>
-        <p:nvSpPr>
-          <p:cNvPr id="3" name="Notes Placeholder 2"/>
-          <p:cNvSpPr>
-            <a:spLocks noGrp="1"/>
-          </p:cNvSpPr>
-          <p:nvPr>
-            <p:ph type="body" idx="1"/>
-          </p:nvPr>
-        </p:nvSpPr>
-        <p:spPr/>
-        <p:txBody>
-          <a:bodyPr/>
-          <a:lstStyle/>
-          <a:p>
-            <a:r>
-              <a:rPr lang="da-DK" dirty="0"/>
-              <a:t>2</a:t>
-            </a:r>
-          </a:p>
-        </p:txBody>
-      </p:sp>
-      <p:sp>
-        <p:nvSpPr>
-          <p:cNvPr id="4" name="Slide Number Placeholder 3"/>
-          <p:cNvSpPr>
-            <a:spLocks noGrp="1"/>
-          </p:cNvSpPr>
-          <p:nvPr>
-            <p:ph type="sldNum" sz="quarter" idx="5"/>
-          </p:nvPr>
-        </p:nvSpPr>
-        <p:spPr/>
-        <p:txBody>
-          <a:bodyPr/>
-          <a:lstStyle/>
-          <a:p>
-            <a:fld id="{D0E91B2B-EF91-584D-A06A-C4DAFC2120B2}" type="slidenum">
-              <a:rPr lang="da-DK" smtClean="0"/>
-              <a:t>2</a:t>
-            </a:fld>
-            <a:endParaRPr lang="da-DK"/>
-          </a:p>
-        </p:txBody>
-      </p:sp>
-    </p:spTree>
-    <p:extLst>
-      <p:ext uri="{BB962C8B-B14F-4D97-AF65-F5344CB8AC3E}">
-        <p14:creationId xmlns:p14="http://schemas.microsoft.com/office/powerpoint/2010/main" val="1069758482"/>
-      </p:ext>
-    </p:extLst>
-  </p:cSld>
-  <p:clrMapOvr>
-    <a:masterClrMapping/>
-  </p:clrMapOvr>
-</p:notes>
 </file>
 
 <file path=ppt/slideLayouts/slideLayout1.xml><?xml version="1.0" encoding="utf-8"?>
@@ -4009,1546 +3917,6 @@
     </p:otherStyle>
   </p:txStyles>
 </p:sldMaster>
-</file>
-
-<file path=ppt/slides/slide1.xml><?xml version="1.0" encoding="utf-8"?>
-<p:sld xmlns:a="http://schemas.openxmlformats.org/drawingml/2006/main" xmlns:r="http://schemas.openxmlformats.org/officeDocument/2006/relationships" xmlns:p="http://schemas.openxmlformats.org/presentationml/2006/main">
-  <p:cSld>
-    <p:spTree>
-      <p:nvGrpSpPr>
-        <p:cNvPr id="1" name=""/>
-        <p:cNvGrpSpPr/>
-        <p:nvPr/>
-      </p:nvGrpSpPr>
-      <p:grpSpPr>
-        <a:xfrm>
-          <a:off x="0" y="0"/>
-          <a:ext cx="0" cy="0"/>
-          <a:chOff x="0" y="0"/>
-          <a:chExt cx="0" cy="0"/>
-        </a:xfrm>
-      </p:grpSpPr>
-      <p:sp>
-        <p:nvSpPr>
-          <p:cNvPr id="2" name="Picture Placeholder 1">
-            <a:extLst>
-              <a:ext uri="{FF2B5EF4-FFF2-40B4-BE49-F238E27FC236}">
-                <a16:creationId xmlns:a16="http://schemas.microsoft.com/office/drawing/2014/main" id="{862FAC17-A7ED-0DC2-12BE-A23A583AA7CB}"/>
-              </a:ext>
-            </a:extLst>
-          </p:cNvPr>
-          <p:cNvSpPr>
-            <a:spLocks noGrp="1"/>
-          </p:cNvSpPr>
-          <p:nvPr>
-            <p:ph type="pic" sz="quarter" idx="17"/>
-          </p:nvPr>
-        </p:nvSpPr>
-        <p:spPr/>
-        <p:txBody>
-          <a:bodyPr/>
-          <a:lstStyle/>
-          <a:p>
-            <a:pPr marL="0" indent="0">
-              <a:buNone/>
-            </a:pPr>
-            <a:r>
-              <a:rPr lang="da-DK" dirty="0"/>
-              <a:t>Rendering1</a:t>
-            </a:r>
-          </a:p>
-        </p:txBody>
-      </p:sp>
-      <p:sp>
-        <p:nvSpPr>
-          <p:cNvPr id="3" name="Picture Placeholder 2">
-            <a:extLst>
-              <a:ext uri="{FF2B5EF4-FFF2-40B4-BE49-F238E27FC236}">
-                <a16:creationId xmlns:a16="http://schemas.microsoft.com/office/drawing/2014/main" id="{66AA2499-611A-0739-74EC-7FDBD3D576B5}"/>
-              </a:ext>
-            </a:extLst>
-          </p:cNvPr>
-          <p:cNvSpPr>
-            <a:spLocks noGrp="1"/>
-          </p:cNvSpPr>
-          <p:nvPr>
-            <p:ph type="pic" sz="quarter" idx="40"/>
-          </p:nvPr>
-        </p:nvSpPr>
-        <p:spPr/>
-        <p:txBody>
-          <a:bodyPr/>
-          <a:lstStyle/>
-          <a:p>
-            <a:pPr marL="0" indent="0">
-              <a:buNone/>
-            </a:pPr>
-            <a:r>
-              <a:rPr lang="da-DK" dirty="0"/>
-              <a:t>Rendering2</a:t>
-            </a:r>
-          </a:p>
-        </p:txBody>
-      </p:sp>
-      <p:sp>
-        <p:nvSpPr>
-          <p:cNvPr id="4" name="Picture Placeholder 3">
-            <a:extLst>
-              <a:ext uri="{FF2B5EF4-FFF2-40B4-BE49-F238E27FC236}">
-                <a16:creationId xmlns:a16="http://schemas.microsoft.com/office/drawing/2014/main" id="{BB798141-C244-7EF5-A4F2-25471DB80C00}"/>
-              </a:ext>
-            </a:extLst>
-          </p:cNvPr>
-          <p:cNvSpPr>
-            <a:spLocks noGrp="1"/>
-          </p:cNvSpPr>
-          <p:nvPr>
-            <p:ph type="pic" sz="quarter" idx="41"/>
-          </p:nvPr>
-        </p:nvSpPr>
-        <p:spPr/>
-        <p:txBody>
-          <a:bodyPr/>
-          <a:lstStyle/>
-          <a:p>
-            <a:pPr marL="0" indent="0">
-              <a:buNone/>
-            </a:pPr>
-            <a:r>
-              <a:rPr lang="da-DK" dirty="0"/>
-              <a:t>Rendering3</a:t>
-            </a:r>
-          </a:p>
-          <a:p>
-            <a:pPr marL="0" indent="0">
-              <a:buNone/>
-            </a:pPr>
-            <a:endParaRPr lang="da-DK" dirty="0"/>
-          </a:p>
-        </p:txBody>
-      </p:sp>
-      <p:sp>
-        <p:nvSpPr>
-          <p:cNvPr id="5" name="Picture Placeholder 4">
-            <a:extLst>
-              <a:ext uri="{FF2B5EF4-FFF2-40B4-BE49-F238E27FC236}">
-                <a16:creationId xmlns:a16="http://schemas.microsoft.com/office/drawing/2014/main" id="{023BDF08-BAA0-7DB0-0AFF-7E1FDFBB95FC}"/>
-              </a:ext>
-            </a:extLst>
-          </p:cNvPr>
-          <p:cNvSpPr>
-            <a:spLocks noGrp="1"/>
-          </p:cNvSpPr>
-          <p:nvPr>
-            <p:ph type="pic" sz="quarter" idx="42"/>
-          </p:nvPr>
-        </p:nvSpPr>
-        <p:spPr/>
-        <p:txBody>
-          <a:bodyPr/>
-          <a:lstStyle/>
-          <a:p>
-            <a:pPr marL="0" indent="0">
-              <a:buNone/>
-            </a:pPr>
-            <a:r>
-              <a:rPr lang="da-DK" dirty="0"/>
-              <a:t>Rendering4</a:t>
-            </a:r>
-          </a:p>
-          <a:p>
-            <a:pPr marL="0" indent="0">
-              <a:buNone/>
-            </a:pPr>
-            <a:endParaRPr lang="da-DK" dirty="0"/>
-          </a:p>
-        </p:txBody>
-      </p:sp>
-      <p:sp>
-        <p:nvSpPr>
-          <p:cNvPr id="6" name="Picture Placeholder 5">
-            <a:extLst>
-              <a:ext uri="{FF2B5EF4-FFF2-40B4-BE49-F238E27FC236}">
-                <a16:creationId xmlns:a16="http://schemas.microsoft.com/office/drawing/2014/main" id="{2CC91FC0-8D62-1016-F61E-F7DF8674D53A}"/>
-              </a:ext>
-            </a:extLst>
-          </p:cNvPr>
-          <p:cNvSpPr>
-            <a:spLocks noGrp="1"/>
-          </p:cNvSpPr>
-          <p:nvPr>
-            <p:ph type="pic" sz="quarter" idx="43"/>
-          </p:nvPr>
-        </p:nvSpPr>
-        <p:spPr/>
-        <p:txBody>
-          <a:bodyPr/>
-          <a:lstStyle/>
-          <a:p>
-            <a:pPr marL="0" indent="0">
-              <a:buNone/>
-            </a:pPr>
-            <a:r>
-              <a:rPr lang="da-DK" dirty="0"/>
-              <a:t>Rendering5</a:t>
-            </a:r>
-          </a:p>
-          <a:p>
-            <a:pPr marL="0" indent="0">
-              <a:buNone/>
-            </a:pPr>
-            <a:endParaRPr lang="da-DK" dirty="0"/>
-          </a:p>
-        </p:txBody>
-      </p:sp>
-      <p:sp>
-        <p:nvSpPr>
-          <p:cNvPr id="7" name="Picture Placeholder 6">
-            <a:extLst>
-              <a:ext uri="{FF2B5EF4-FFF2-40B4-BE49-F238E27FC236}">
-                <a16:creationId xmlns:a16="http://schemas.microsoft.com/office/drawing/2014/main" id="{4500DEB7-FE3C-2DFE-EF40-4A2E4FDA9C5C}"/>
-              </a:ext>
-            </a:extLst>
-          </p:cNvPr>
-          <p:cNvSpPr>
-            <a:spLocks noGrp="1"/>
-          </p:cNvSpPr>
-          <p:nvPr>
-            <p:ph type="pic" sz="quarter" idx="44"/>
-          </p:nvPr>
-        </p:nvSpPr>
-        <p:spPr/>
-        <p:txBody>
-          <a:bodyPr/>
-          <a:lstStyle/>
-          <a:p>
-            <a:pPr marL="0" indent="0">
-              <a:buNone/>
-            </a:pPr>
-            <a:r>
-              <a:rPr lang="da-DK" dirty="0"/>
-              <a:t>Rendering6</a:t>
-            </a:r>
-          </a:p>
-          <a:p>
-            <a:pPr marL="0" indent="0">
-              <a:buNone/>
-            </a:pPr>
-            <a:endParaRPr lang="da-DK" dirty="0"/>
-          </a:p>
-        </p:txBody>
-      </p:sp>
-      <p:sp>
-        <p:nvSpPr>
-          <p:cNvPr id="8" name="Picture Placeholder 7">
-            <a:extLst>
-              <a:ext uri="{FF2B5EF4-FFF2-40B4-BE49-F238E27FC236}">
-                <a16:creationId xmlns:a16="http://schemas.microsoft.com/office/drawing/2014/main" id="{DAE330B2-209B-7953-50C0-6D1224801B93}"/>
-              </a:ext>
-            </a:extLst>
-          </p:cNvPr>
-          <p:cNvSpPr>
-            <a:spLocks noGrp="1"/>
-          </p:cNvSpPr>
-          <p:nvPr>
-            <p:ph type="pic" sz="quarter" idx="45"/>
-          </p:nvPr>
-        </p:nvSpPr>
-        <p:spPr/>
-        <p:txBody>
-          <a:bodyPr/>
-          <a:lstStyle/>
-          <a:p>
-            <a:pPr marL="0" indent="0">
-              <a:buNone/>
-            </a:pPr>
-            <a:r>
-              <a:rPr lang="da-DK" dirty="0"/>
-              <a:t>Rendering7</a:t>
-            </a:r>
-          </a:p>
-          <a:p>
-            <a:pPr marL="0" indent="0">
-              <a:buNone/>
-            </a:pPr>
-            <a:endParaRPr lang="da-DK" dirty="0"/>
-          </a:p>
-        </p:txBody>
-      </p:sp>
-      <p:sp>
-        <p:nvSpPr>
-          <p:cNvPr id="9" name="Picture Placeholder 8">
-            <a:extLst>
-              <a:ext uri="{FF2B5EF4-FFF2-40B4-BE49-F238E27FC236}">
-                <a16:creationId xmlns:a16="http://schemas.microsoft.com/office/drawing/2014/main" id="{65DD86E0-1708-E513-3DFA-F90BFE44950A}"/>
-              </a:ext>
-            </a:extLst>
-          </p:cNvPr>
-          <p:cNvSpPr>
-            <a:spLocks noGrp="1"/>
-          </p:cNvSpPr>
-          <p:nvPr>
-            <p:ph type="pic" sz="quarter" idx="46"/>
-          </p:nvPr>
-        </p:nvSpPr>
-        <p:spPr/>
-        <p:txBody>
-          <a:bodyPr/>
-          <a:lstStyle/>
-          <a:p>
-            <a:pPr marL="0" indent="0">
-              <a:buNone/>
-            </a:pPr>
-            <a:r>
-              <a:rPr lang="da-DK" dirty="0"/>
-              <a:t>Rendering8</a:t>
-            </a:r>
-          </a:p>
-          <a:p>
-            <a:pPr marL="0" indent="0">
-              <a:buNone/>
-            </a:pPr>
-            <a:endParaRPr lang="da-DK" dirty="0"/>
-          </a:p>
-        </p:txBody>
-      </p:sp>
-      <p:sp>
-        <p:nvSpPr>
-          <p:cNvPr id="10" name="Picture Placeholder 9">
-            <a:extLst>
-              <a:ext uri="{FF2B5EF4-FFF2-40B4-BE49-F238E27FC236}">
-                <a16:creationId xmlns:a16="http://schemas.microsoft.com/office/drawing/2014/main" id="{52AC03AF-5479-3C4C-ACF4-5B25599B4F68}"/>
-              </a:ext>
-            </a:extLst>
-          </p:cNvPr>
-          <p:cNvSpPr>
-            <a:spLocks noGrp="1"/>
-          </p:cNvSpPr>
-          <p:nvPr>
-            <p:ph type="pic" sz="quarter" idx="47"/>
-          </p:nvPr>
-        </p:nvSpPr>
-        <p:spPr/>
-        <p:txBody>
-          <a:bodyPr/>
-          <a:lstStyle/>
-          <a:p>
-            <a:pPr marL="0" indent="0">
-              <a:buNone/>
-            </a:pPr>
-            <a:r>
-              <a:rPr lang="da-DK" dirty="0"/>
-              <a:t>Rendering9</a:t>
-            </a:r>
-          </a:p>
-          <a:p>
-            <a:pPr marL="0" indent="0">
-              <a:buNone/>
-            </a:pPr>
-            <a:endParaRPr lang="da-DK" dirty="0"/>
-          </a:p>
-        </p:txBody>
-      </p:sp>
-      <p:sp>
-        <p:nvSpPr>
-          <p:cNvPr id="11" name="Picture Placeholder 10">
-            <a:extLst>
-              <a:ext uri="{FF2B5EF4-FFF2-40B4-BE49-F238E27FC236}">
-                <a16:creationId xmlns:a16="http://schemas.microsoft.com/office/drawing/2014/main" id="{7965AD62-C02D-F5C7-3AEF-7C3A4AEBED4F}"/>
-              </a:ext>
-            </a:extLst>
-          </p:cNvPr>
-          <p:cNvSpPr>
-            <a:spLocks noGrp="1"/>
-          </p:cNvSpPr>
-          <p:nvPr>
-            <p:ph type="pic" sz="quarter" idx="48"/>
-          </p:nvPr>
-        </p:nvSpPr>
-        <p:spPr/>
-        <p:txBody>
-          <a:bodyPr/>
-          <a:lstStyle/>
-          <a:p>
-            <a:pPr marL="0" indent="0">
-              <a:buNone/>
-            </a:pPr>
-            <a:r>
-              <a:rPr lang="da-DK" dirty="0"/>
-              <a:t>Rendering10</a:t>
-            </a:r>
-          </a:p>
-          <a:p>
-            <a:pPr marL="0" indent="0">
-              <a:buNone/>
-            </a:pPr>
-            <a:endParaRPr lang="da-DK" dirty="0"/>
-          </a:p>
-        </p:txBody>
-      </p:sp>
-      <p:sp>
-        <p:nvSpPr>
-          <p:cNvPr id="12" name="Picture Placeholder 11">
-            <a:extLst>
-              <a:ext uri="{FF2B5EF4-FFF2-40B4-BE49-F238E27FC236}">
-                <a16:creationId xmlns:a16="http://schemas.microsoft.com/office/drawing/2014/main" id="{8BF49EA9-3D3A-94A2-9F2B-130A9E4DD4BA}"/>
-              </a:ext>
-            </a:extLst>
-          </p:cNvPr>
-          <p:cNvSpPr>
-            <a:spLocks noGrp="1"/>
-          </p:cNvSpPr>
-          <p:nvPr>
-            <p:ph type="pic" sz="quarter" idx="49"/>
-          </p:nvPr>
-        </p:nvSpPr>
-        <p:spPr/>
-        <p:txBody>
-          <a:bodyPr/>
-          <a:lstStyle/>
-          <a:p>
-            <a:pPr marL="0" indent="0">
-              <a:buNone/>
-            </a:pPr>
-            <a:r>
-              <a:rPr lang="da-DK" dirty="0"/>
-              <a:t>Rendering11</a:t>
-            </a:r>
-          </a:p>
-          <a:p>
-            <a:pPr marL="0" indent="0">
-              <a:buNone/>
-            </a:pPr>
-            <a:endParaRPr lang="da-DK" dirty="0"/>
-          </a:p>
-        </p:txBody>
-      </p:sp>
-      <p:sp>
-        <p:nvSpPr>
-          <p:cNvPr id="13" name="Picture Placeholder 12">
-            <a:extLst>
-              <a:ext uri="{FF2B5EF4-FFF2-40B4-BE49-F238E27FC236}">
-                <a16:creationId xmlns:a16="http://schemas.microsoft.com/office/drawing/2014/main" id="{E61F66C5-3CD1-E313-287B-D4D4731C3CEB}"/>
-              </a:ext>
-            </a:extLst>
-          </p:cNvPr>
-          <p:cNvSpPr>
-            <a:spLocks noGrp="1"/>
-          </p:cNvSpPr>
-          <p:nvPr>
-            <p:ph type="pic" sz="quarter" idx="50"/>
-          </p:nvPr>
-        </p:nvSpPr>
-        <p:spPr/>
-        <p:txBody>
-          <a:bodyPr/>
-          <a:lstStyle/>
-          <a:p>
-            <a:pPr marL="0" indent="0">
-              <a:buNone/>
-            </a:pPr>
-            <a:r>
-              <a:rPr lang="da-DK" dirty="0"/>
-              <a:t>Rendering12</a:t>
-            </a:r>
-          </a:p>
-          <a:p>
-            <a:pPr marL="0" indent="0">
-              <a:buNone/>
-            </a:pPr>
-            <a:endParaRPr lang="da-DK" dirty="0"/>
-          </a:p>
-        </p:txBody>
-      </p:sp>
-      <p:sp>
-        <p:nvSpPr>
-          <p:cNvPr id="14" name="Text Placeholder 13">
-            <a:extLst>
-              <a:ext uri="{FF2B5EF4-FFF2-40B4-BE49-F238E27FC236}">
-                <a16:creationId xmlns:a16="http://schemas.microsoft.com/office/drawing/2014/main" id="{94DF4C77-3649-A285-52D4-7800FD0EE3F3}"/>
-              </a:ext>
-            </a:extLst>
-          </p:cNvPr>
-          <p:cNvSpPr>
-            <a:spLocks noGrp="1"/>
-          </p:cNvSpPr>
-          <p:nvPr>
-            <p:ph type="body" sz="quarter" idx="51"/>
-          </p:nvPr>
-        </p:nvSpPr>
-        <p:spPr/>
-        <p:txBody>
-          <a:bodyPr/>
-          <a:lstStyle/>
-          <a:p>
-            <a:endParaRPr lang="da-DK"/>
-          </a:p>
-        </p:txBody>
-      </p:sp>
-    </p:spTree>
-    <p:extLst>
-      <p:ext uri="{BB962C8B-B14F-4D97-AF65-F5344CB8AC3E}">
-        <p14:creationId xmlns:p14="http://schemas.microsoft.com/office/powerpoint/2010/main" val="3995881266"/>
-      </p:ext>
-    </p:extLst>
-  </p:cSld>
-  <p:clrMapOvr>
-    <a:masterClrMapping/>
-  </p:clrMapOvr>
-</p:sld>
-</file>
-
-<file path=ppt/slides/slide2.xml><?xml version="1.0" encoding="utf-8"?>
-<p:sld xmlns:a="http://schemas.openxmlformats.org/drawingml/2006/main" xmlns:r="http://schemas.openxmlformats.org/officeDocument/2006/relationships" xmlns:p="http://schemas.openxmlformats.org/presentationml/2006/main">
-  <p:cSld>
-    <p:spTree>
-      <p:nvGrpSpPr>
-        <p:cNvPr id="1" name=""/>
-        <p:cNvGrpSpPr/>
-        <p:nvPr/>
-      </p:nvGrpSpPr>
-      <p:grpSpPr>
-        <a:xfrm>
-          <a:off x="0" y="0"/>
-          <a:ext cx="0" cy="0"/>
-          <a:chOff x="0" y="0"/>
-          <a:chExt cx="0" cy="0"/>
-        </a:xfrm>
-      </p:grpSpPr>
-      <p:sp>
-        <p:nvSpPr>
-          <p:cNvPr id="2" name="Picture Placeholder 1">
-            <a:extLst>
-              <a:ext uri="{FF2B5EF4-FFF2-40B4-BE49-F238E27FC236}">
-                <a16:creationId xmlns:a16="http://schemas.microsoft.com/office/drawing/2014/main" id="{3DF4295E-AB8C-8EF4-AB24-AF7F4C6139C8}"/>
-              </a:ext>
-            </a:extLst>
-          </p:cNvPr>
-          <p:cNvSpPr>
-            <a:spLocks noGrp="1"/>
-          </p:cNvSpPr>
-          <p:nvPr>
-            <p:ph type="pic" sz="quarter" idx="13"/>
-          </p:nvPr>
-        </p:nvSpPr>
-        <p:spPr/>
-        <p:txBody>
-          <a:bodyPr/>
-          <a:lstStyle/>
-          <a:p>
-            <a:pPr marL="0" indent="0">
-              <a:buNone/>
-            </a:pPr>
-            <a:r>
-              <a:rPr lang="da-DK" dirty="0"/>
-              <a:t>Packshot1</a:t>
-            </a:r>
-          </a:p>
-        </p:txBody>
-      </p:sp>
-      <p:sp>
-        <p:nvSpPr>
-          <p:cNvPr id="3" name="Picture Placeholder 2">
-            <a:extLst>
-              <a:ext uri="{FF2B5EF4-FFF2-40B4-BE49-F238E27FC236}">
-                <a16:creationId xmlns:a16="http://schemas.microsoft.com/office/drawing/2014/main" id="{C17F4C6F-4077-267F-89A5-36AF33A638A6}"/>
-              </a:ext>
-            </a:extLst>
-          </p:cNvPr>
-          <p:cNvSpPr>
-            <a:spLocks noGrp="1"/>
-          </p:cNvSpPr>
-          <p:nvPr>
-            <p:ph type="pic" sz="quarter" idx="14"/>
-          </p:nvPr>
-        </p:nvSpPr>
-        <p:spPr/>
-        <p:txBody>
-          <a:bodyPr/>
-          <a:lstStyle/>
-          <a:p>
-            <a:pPr marL="0" indent="0">
-              <a:buNone/>
-            </a:pPr>
-            <a:r>
-              <a:rPr lang="da-DK" dirty="0"/>
-              <a:t>Packshot2</a:t>
-            </a:r>
-          </a:p>
-        </p:txBody>
-      </p:sp>
-      <p:sp>
-        <p:nvSpPr>
-          <p:cNvPr id="4" name="Picture Placeholder 3">
-            <a:extLst>
-              <a:ext uri="{FF2B5EF4-FFF2-40B4-BE49-F238E27FC236}">
-                <a16:creationId xmlns:a16="http://schemas.microsoft.com/office/drawing/2014/main" id="{B474616A-CF1A-96B1-34E1-33518B7D6CE4}"/>
-              </a:ext>
-            </a:extLst>
-          </p:cNvPr>
-          <p:cNvSpPr>
-            <a:spLocks noGrp="1"/>
-          </p:cNvSpPr>
-          <p:nvPr>
-            <p:ph type="pic" sz="quarter" idx="15"/>
-          </p:nvPr>
-        </p:nvSpPr>
-        <p:spPr/>
-        <p:txBody>
-          <a:bodyPr/>
-          <a:lstStyle/>
-          <a:p>
-            <a:pPr marL="0" indent="0">
-              <a:buNone/>
-            </a:pPr>
-            <a:r>
-              <a:rPr lang="da-DK" dirty="0"/>
-              <a:t>Packshot3</a:t>
-            </a:r>
-          </a:p>
-        </p:txBody>
-      </p:sp>
-      <p:sp>
-        <p:nvSpPr>
-          <p:cNvPr id="5" name="Picture Placeholder 4">
-            <a:extLst>
-              <a:ext uri="{FF2B5EF4-FFF2-40B4-BE49-F238E27FC236}">
-                <a16:creationId xmlns:a16="http://schemas.microsoft.com/office/drawing/2014/main" id="{571134D0-80E3-3A6B-FCF6-7C66AF3B82F4}"/>
-              </a:ext>
-            </a:extLst>
-          </p:cNvPr>
-          <p:cNvSpPr>
-            <a:spLocks noGrp="1"/>
-          </p:cNvSpPr>
-          <p:nvPr>
-            <p:ph type="pic" sz="quarter" idx="16"/>
-          </p:nvPr>
-        </p:nvSpPr>
-        <p:spPr/>
-        <p:txBody>
-          <a:bodyPr/>
-          <a:lstStyle/>
-          <a:p>
-            <a:pPr marL="0" indent="0">
-              <a:buNone/>
-            </a:pPr>
-            <a:r>
-              <a:rPr lang="da-DK"/>
-              <a:t>Packshot4</a:t>
-            </a:r>
-            <a:endParaRPr lang="da-DK" dirty="0"/>
-          </a:p>
-        </p:txBody>
-      </p:sp>
-      <p:sp>
-        <p:nvSpPr>
-          <p:cNvPr id="6" name="Picture Placeholder 5">
-            <a:extLst>
-              <a:ext uri="{FF2B5EF4-FFF2-40B4-BE49-F238E27FC236}">
-                <a16:creationId xmlns:a16="http://schemas.microsoft.com/office/drawing/2014/main" id="{C3D5F76F-CD21-B8C7-4B05-DB3C9D400939}"/>
-              </a:ext>
-            </a:extLst>
-          </p:cNvPr>
-          <p:cNvSpPr>
-            <a:spLocks noGrp="1"/>
-          </p:cNvSpPr>
-          <p:nvPr>
-            <p:ph type="pic" sz="quarter" idx="18"/>
-          </p:nvPr>
-        </p:nvSpPr>
-        <p:spPr/>
-        <p:txBody>
-          <a:bodyPr/>
-          <a:lstStyle/>
-          <a:p>
-            <a:pPr marL="0" indent="0">
-              <a:buNone/>
-            </a:pPr>
-            <a:r>
-              <a:rPr lang="da-DK" dirty="0"/>
-              <a:t>Packshot5</a:t>
-            </a:r>
-          </a:p>
-        </p:txBody>
-      </p:sp>
-      <p:sp>
-        <p:nvSpPr>
-          <p:cNvPr id="7" name="Picture Placeholder 6">
-            <a:extLst>
-              <a:ext uri="{FF2B5EF4-FFF2-40B4-BE49-F238E27FC236}">
-                <a16:creationId xmlns:a16="http://schemas.microsoft.com/office/drawing/2014/main" id="{1571EB0B-9610-EABF-CEA1-5AB8B6F3AE91}"/>
-              </a:ext>
-            </a:extLst>
-          </p:cNvPr>
-          <p:cNvSpPr>
-            <a:spLocks noGrp="1"/>
-          </p:cNvSpPr>
-          <p:nvPr>
-            <p:ph type="pic" sz="quarter" idx="19"/>
-          </p:nvPr>
-        </p:nvSpPr>
-        <p:spPr/>
-        <p:txBody>
-          <a:bodyPr/>
-          <a:lstStyle/>
-          <a:p>
-            <a:pPr marL="0" indent="0">
-              <a:buNone/>
-            </a:pPr>
-            <a:r>
-              <a:rPr lang="da-DK" dirty="0"/>
-              <a:t>Packshot6</a:t>
-            </a:r>
-          </a:p>
-        </p:txBody>
-      </p:sp>
-      <p:sp>
-        <p:nvSpPr>
-          <p:cNvPr id="8" name="Picture Placeholder 7">
-            <a:extLst>
-              <a:ext uri="{FF2B5EF4-FFF2-40B4-BE49-F238E27FC236}">
-                <a16:creationId xmlns:a16="http://schemas.microsoft.com/office/drawing/2014/main" id="{B1D15A1F-65FF-C34D-D164-49D5230633D4}"/>
-              </a:ext>
-            </a:extLst>
-          </p:cNvPr>
-          <p:cNvSpPr>
-            <a:spLocks noGrp="1"/>
-          </p:cNvSpPr>
-          <p:nvPr>
-            <p:ph type="pic" sz="quarter" idx="20"/>
-          </p:nvPr>
-        </p:nvSpPr>
-        <p:spPr/>
-        <p:txBody>
-          <a:bodyPr/>
-          <a:lstStyle/>
-          <a:p>
-            <a:pPr marL="0" indent="0">
-              <a:buNone/>
-            </a:pPr>
-            <a:r>
-              <a:rPr lang="da-DK" dirty="0"/>
-              <a:t>Packshot7</a:t>
-            </a:r>
-          </a:p>
-        </p:txBody>
-      </p:sp>
-      <p:sp>
-        <p:nvSpPr>
-          <p:cNvPr id="9" name="Picture Placeholder 8">
-            <a:extLst>
-              <a:ext uri="{FF2B5EF4-FFF2-40B4-BE49-F238E27FC236}">
-                <a16:creationId xmlns:a16="http://schemas.microsoft.com/office/drawing/2014/main" id="{20C7012B-3BEF-1F3F-25D2-0BBE8CB001D2}"/>
-              </a:ext>
-            </a:extLst>
-          </p:cNvPr>
-          <p:cNvSpPr>
-            <a:spLocks noGrp="1"/>
-          </p:cNvSpPr>
-          <p:nvPr>
-            <p:ph type="pic" sz="quarter" idx="21"/>
-          </p:nvPr>
-        </p:nvSpPr>
-        <p:spPr/>
-        <p:txBody>
-          <a:bodyPr/>
-          <a:lstStyle/>
-          <a:p>
-            <a:pPr marL="0" indent="0">
-              <a:buNone/>
-            </a:pPr>
-            <a:r>
-              <a:rPr lang="da-DK" dirty="0"/>
-              <a:t>Packshot8</a:t>
-            </a:r>
-          </a:p>
-        </p:txBody>
-      </p:sp>
-      <p:sp>
-        <p:nvSpPr>
-          <p:cNvPr id="10" name="Text Placeholder 9">
-            <a:extLst>
-              <a:ext uri="{FF2B5EF4-FFF2-40B4-BE49-F238E27FC236}">
-                <a16:creationId xmlns:a16="http://schemas.microsoft.com/office/drawing/2014/main" id="{61CC68B9-49FE-5853-C758-407D7A88380F}"/>
-              </a:ext>
-            </a:extLst>
-          </p:cNvPr>
-          <p:cNvSpPr>
-            <a:spLocks noGrp="1"/>
-          </p:cNvSpPr>
-          <p:nvPr>
-            <p:ph type="body" sz="quarter" idx="37"/>
-          </p:nvPr>
-        </p:nvSpPr>
-        <p:spPr/>
-        <p:txBody>
-          <a:bodyPr vert="horz" lIns="91440" tIns="45720" rIns="91440" bIns="45720" rtlCol="0">
-            <a:normAutofit/>
-          </a:bodyPr>
-          <a:lstStyle/>
-          <a:p>
-            <a:pPr marL="0" indent="0"/>
-            <a:r>
-              <a:rPr lang="da-DK" dirty="0"/>
-              <a:t>PRODUCT DESCRIPTION 12</a:t>
-            </a:r>
-          </a:p>
-          <a:p>
-            <a:pPr marL="0" indent="0"/>
-            <a:endParaRPr lang="da-DK" dirty="0"/>
-          </a:p>
-        </p:txBody>
-      </p:sp>
-      <p:sp>
-        <p:nvSpPr>
-          <p:cNvPr id="11" name="Picture Placeholder 10">
-            <a:extLst>
-              <a:ext uri="{FF2B5EF4-FFF2-40B4-BE49-F238E27FC236}">
-                <a16:creationId xmlns:a16="http://schemas.microsoft.com/office/drawing/2014/main" id="{A1CEAFA4-6121-FE73-2497-9C08F41D1CB2}"/>
-              </a:ext>
-            </a:extLst>
-          </p:cNvPr>
-          <p:cNvSpPr>
-            <a:spLocks noGrp="1"/>
-          </p:cNvSpPr>
-          <p:nvPr>
-            <p:ph type="pic" sz="quarter" idx="25"/>
-          </p:nvPr>
-        </p:nvSpPr>
-        <p:spPr/>
-        <p:txBody>
-          <a:bodyPr/>
-          <a:lstStyle/>
-          <a:p>
-            <a:pPr marL="0" indent="0">
-              <a:buNone/>
-            </a:pPr>
-            <a:r>
-              <a:rPr lang="da-DK" dirty="0"/>
-              <a:t>Packshot12</a:t>
-            </a:r>
-          </a:p>
-        </p:txBody>
-      </p:sp>
-      <p:sp>
-        <p:nvSpPr>
-          <p:cNvPr id="12" name="Text Placeholder 11">
-            <a:extLst>
-              <a:ext uri="{FF2B5EF4-FFF2-40B4-BE49-F238E27FC236}">
-                <a16:creationId xmlns:a16="http://schemas.microsoft.com/office/drawing/2014/main" id="{CC9F99F7-C11A-6EE0-5691-8F1205DAAA46}"/>
-              </a:ext>
-            </a:extLst>
-          </p:cNvPr>
-          <p:cNvSpPr>
-            <a:spLocks noGrp="1"/>
-          </p:cNvSpPr>
-          <p:nvPr>
-            <p:ph type="body" sz="quarter" idx="36"/>
-          </p:nvPr>
-        </p:nvSpPr>
-        <p:spPr/>
-        <p:txBody>
-          <a:bodyPr vert="horz" lIns="91440" tIns="45720" rIns="91440" bIns="45720" rtlCol="0">
-            <a:normAutofit/>
-          </a:bodyPr>
-          <a:lstStyle/>
-          <a:p>
-            <a:pPr marL="0" indent="0"/>
-            <a:r>
-              <a:rPr lang="da-DK" dirty="0"/>
-              <a:t>PRODUCT DESCRIPTION 11</a:t>
-            </a:r>
-          </a:p>
-          <a:p>
-            <a:pPr marL="0" indent="0"/>
-            <a:endParaRPr lang="da-DK" dirty="0"/>
-          </a:p>
-        </p:txBody>
-      </p:sp>
-      <p:sp>
-        <p:nvSpPr>
-          <p:cNvPr id="13" name="Picture Placeholder 12">
-            <a:extLst>
-              <a:ext uri="{FF2B5EF4-FFF2-40B4-BE49-F238E27FC236}">
-                <a16:creationId xmlns:a16="http://schemas.microsoft.com/office/drawing/2014/main" id="{526315D9-6235-6877-7505-BD43ADCE6A09}"/>
-              </a:ext>
-            </a:extLst>
-          </p:cNvPr>
-          <p:cNvSpPr>
-            <a:spLocks noGrp="1"/>
-          </p:cNvSpPr>
-          <p:nvPr>
-            <p:ph type="pic" sz="quarter" idx="24"/>
-          </p:nvPr>
-        </p:nvSpPr>
-        <p:spPr/>
-        <p:txBody>
-          <a:bodyPr/>
-          <a:lstStyle/>
-          <a:p>
-            <a:pPr marL="0" indent="0">
-              <a:buNone/>
-            </a:pPr>
-            <a:r>
-              <a:rPr lang="da-DK" dirty="0"/>
-              <a:t>Packshot11</a:t>
-            </a:r>
-          </a:p>
-        </p:txBody>
-      </p:sp>
-      <p:sp>
-        <p:nvSpPr>
-          <p:cNvPr id="14" name="Text Placeholder 13">
-            <a:extLst>
-              <a:ext uri="{FF2B5EF4-FFF2-40B4-BE49-F238E27FC236}">
-                <a16:creationId xmlns:a16="http://schemas.microsoft.com/office/drawing/2014/main" id="{22F29832-42AF-EC7D-B4AA-BB0D531B4028}"/>
-              </a:ext>
-            </a:extLst>
-          </p:cNvPr>
-          <p:cNvSpPr>
-            <a:spLocks noGrp="1"/>
-          </p:cNvSpPr>
-          <p:nvPr>
-            <p:ph type="body" sz="quarter" idx="27"/>
-          </p:nvPr>
-        </p:nvSpPr>
-        <p:spPr/>
-        <p:txBody>
-          <a:bodyPr/>
-          <a:lstStyle/>
-          <a:p>
-            <a:pPr marL="0" indent="0"/>
-            <a:r>
-              <a:rPr lang="da-DK" dirty="0"/>
-              <a:t>PRODUCT DESCRIPTION 2</a:t>
-            </a:r>
-          </a:p>
-        </p:txBody>
-      </p:sp>
-      <p:sp>
-        <p:nvSpPr>
-          <p:cNvPr id="15" name="Text Placeholder 14">
-            <a:extLst>
-              <a:ext uri="{FF2B5EF4-FFF2-40B4-BE49-F238E27FC236}">
-                <a16:creationId xmlns:a16="http://schemas.microsoft.com/office/drawing/2014/main" id="{F97659F6-19A8-FF67-3CE2-5CAD60B35333}"/>
-              </a:ext>
-            </a:extLst>
-          </p:cNvPr>
-          <p:cNvSpPr>
-            <a:spLocks noGrp="1"/>
-          </p:cNvSpPr>
-          <p:nvPr>
-            <p:ph type="body" sz="quarter" idx="28"/>
-          </p:nvPr>
-        </p:nvSpPr>
-        <p:spPr/>
-        <p:txBody>
-          <a:bodyPr vert="horz" lIns="91440" tIns="45720" rIns="91440" bIns="45720" rtlCol="0">
-            <a:normAutofit/>
-          </a:bodyPr>
-          <a:lstStyle/>
-          <a:p>
-            <a:pPr marL="0" indent="0"/>
-            <a:r>
-              <a:rPr lang="da-DK" dirty="0"/>
-              <a:t>PRODUCT DESCRIPTION 3</a:t>
-            </a:r>
-          </a:p>
-        </p:txBody>
-      </p:sp>
-      <p:sp>
-        <p:nvSpPr>
-          <p:cNvPr id="16" name="Text Placeholder 15">
-            <a:extLst>
-              <a:ext uri="{FF2B5EF4-FFF2-40B4-BE49-F238E27FC236}">
-                <a16:creationId xmlns:a16="http://schemas.microsoft.com/office/drawing/2014/main" id="{2AB03F15-FFAB-A859-9356-1C2F1D132A9A}"/>
-              </a:ext>
-            </a:extLst>
-          </p:cNvPr>
-          <p:cNvSpPr>
-            <a:spLocks noGrp="1"/>
-          </p:cNvSpPr>
-          <p:nvPr>
-            <p:ph type="body" sz="quarter" idx="30"/>
-          </p:nvPr>
-        </p:nvSpPr>
-        <p:spPr/>
-        <p:txBody>
-          <a:bodyPr vert="horz" lIns="91440" tIns="45720" rIns="91440" bIns="45720" rtlCol="0">
-            <a:normAutofit/>
-          </a:bodyPr>
-          <a:lstStyle/>
-          <a:p>
-            <a:pPr marL="0" indent="0"/>
-            <a:r>
-              <a:rPr lang="da-DK" dirty="0"/>
-              <a:t>PRODUCT DESCRIPTION 5</a:t>
-            </a:r>
-          </a:p>
-          <a:p>
-            <a:pPr marL="0" indent="0"/>
-            <a:endParaRPr lang="da-DK" dirty="0"/>
-          </a:p>
-        </p:txBody>
-      </p:sp>
-      <p:sp>
-        <p:nvSpPr>
-          <p:cNvPr id="17" name="Text Placeholder 16">
-            <a:extLst>
-              <a:ext uri="{FF2B5EF4-FFF2-40B4-BE49-F238E27FC236}">
-                <a16:creationId xmlns:a16="http://schemas.microsoft.com/office/drawing/2014/main" id="{64BD4D51-1DA3-9C12-9D63-D784E50E4CA7}"/>
-              </a:ext>
-            </a:extLst>
-          </p:cNvPr>
-          <p:cNvSpPr>
-            <a:spLocks noGrp="1"/>
-          </p:cNvSpPr>
-          <p:nvPr>
-            <p:ph type="body" sz="quarter" idx="31"/>
-          </p:nvPr>
-        </p:nvSpPr>
-        <p:spPr/>
-        <p:txBody>
-          <a:bodyPr vert="horz" lIns="91440" tIns="45720" rIns="91440" bIns="45720" rtlCol="0">
-            <a:normAutofit/>
-          </a:bodyPr>
-          <a:lstStyle/>
-          <a:p>
-            <a:pPr marL="0" indent="0"/>
-            <a:r>
-              <a:rPr lang="da-DK" dirty="0"/>
-              <a:t>PRODUCT DESCRIPTION 6</a:t>
-            </a:r>
-          </a:p>
-          <a:p>
-            <a:pPr marL="0" indent="0"/>
-            <a:endParaRPr lang="da-DK" dirty="0"/>
-          </a:p>
-        </p:txBody>
-      </p:sp>
-      <p:sp>
-        <p:nvSpPr>
-          <p:cNvPr id="18" name="Text Placeholder 17">
-            <a:extLst>
-              <a:ext uri="{FF2B5EF4-FFF2-40B4-BE49-F238E27FC236}">
-                <a16:creationId xmlns:a16="http://schemas.microsoft.com/office/drawing/2014/main" id="{F494EF72-1B0C-F96A-A7A0-EFA3BFBE6321}"/>
-              </a:ext>
-            </a:extLst>
-          </p:cNvPr>
-          <p:cNvSpPr>
-            <a:spLocks noGrp="1"/>
-          </p:cNvSpPr>
-          <p:nvPr>
-            <p:ph type="body" sz="quarter" idx="35"/>
-          </p:nvPr>
-        </p:nvSpPr>
-        <p:spPr/>
-        <p:txBody>
-          <a:bodyPr vert="horz" lIns="91440" tIns="45720" rIns="91440" bIns="45720" rtlCol="0">
-            <a:normAutofit/>
-          </a:bodyPr>
-          <a:lstStyle/>
-          <a:p>
-            <a:pPr marL="0" indent="0"/>
-            <a:r>
-              <a:rPr lang="da-DK" dirty="0"/>
-              <a:t>PRODUCT DESCRIPTION 10</a:t>
-            </a:r>
-          </a:p>
-          <a:p>
-            <a:pPr marL="0" indent="0"/>
-            <a:endParaRPr lang="da-DK" dirty="0"/>
-          </a:p>
-        </p:txBody>
-      </p:sp>
-      <p:sp>
-        <p:nvSpPr>
-          <p:cNvPr id="19" name="Picture Placeholder 18">
-            <a:extLst>
-              <a:ext uri="{FF2B5EF4-FFF2-40B4-BE49-F238E27FC236}">
-                <a16:creationId xmlns:a16="http://schemas.microsoft.com/office/drawing/2014/main" id="{E37C0D46-2F7B-5E5D-80D8-5F4819D988BB}"/>
-              </a:ext>
-            </a:extLst>
-          </p:cNvPr>
-          <p:cNvSpPr>
-            <a:spLocks noGrp="1"/>
-          </p:cNvSpPr>
-          <p:nvPr>
-            <p:ph type="pic" sz="quarter" idx="23"/>
-          </p:nvPr>
-        </p:nvSpPr>
-        <p:spPr/>
-        <p:txBody>
-          <a:bodyPr/>
-          <a:lstStyle/>
-          <a:p>
-            <a:pPr marL="0" indent="0">
-              <a:buNone/>
-            </a:pPr>
-            <a:r>
-              <a:rPr lang="da-DK" dirty="0"/>
-              <a:t>Packshot10</a:t>
-            </a:r>
-          </a:p>
-        </p:txBody>
-      </p:sp>
-      <p:sp>
-        <p:nvSpPr>
-          <p:cNvPr id="20" name="Text Placeholder 19">
-            <a:extLst>
-              <a:ext uri="{FF2B5EF4-FFF2-40B4-BE49-F238E27FC236}">
-                <a16:creationId xmlns:a16="http://schemas.microsoft.com/office/drawing/2014/main" id="{031E1088-8B77-6E99-C6BD-92C2078829EB}"/>
-              </a:ext>
-            </a:extLst>
-          </p:cNvPr>
-          <p:cNvSpPr>
-            <a:spLocks noGrp="1"/>
-          </p:cNvSpPr>
-          <p:nvPr>
-            <p:ph type="body" sz="quarter" idx="34"/>
-          </p:nvPr>
-        </p:nvSpPr>
-        <p:spPr/>
-        <p:txBody>
-          <a:bodyPr vert="horz" lIns="91440" tIns="45720" rIns="91440" bIns="45720" rtlCol="0">
-            <a:normAutofit/>
-          </a:bodyPr>
-          <a:lstStyle/>
-          <a:p>
-            <a:pPr marL="0" indent="0"/>
-            <a:r>
-              <a:rPr lang="da-DK" dirty="0"/>
-              <a:t>PRODUCT DESCRIPTION 9</a:t>
-            </a:r>
-          </a:p>
-          <a:p>
-            <a:pPr marL="0" indent="0"/>
-            <a:endParaRPr lang="da-DK" dirty="0"/>
-          </a:p>
-        </p:txBody>
-      </p:sp>
-      <p:sp>
-        <p:nvSpPr>
-          <p:cNvPr id="21" name="Picture Placeholder 20">
-            <a:extLst>
-              <a:ext uri="{FF2B5EF4-FFF2-40B4-BE49-F238E27FC236}">
-                <a16:creationId xmlns:a16="http://schemas.microsoft.com/office/drawing/2014/main" id="{8D1A8566-91E6-01F3-08A9-14FEC3FA0D09}"/>
-              </a:ext>
-            </a:extLst>
-          </p:cNvPr>
-          <p:cNvSpPr>
-            <a:spLocks noGrp="1"/>
-          </p:cNvSpPr>
-          <p:nvPr>
-            <p:ph type="pic" sz="quarter" idx="22"/>
-          </p:nvPr>
-        </p:nvSpPr>
-        <p:spPr/>
-        <p:txBody>
-          <a:bodyPr/>
-          <a:lstStyle/>
-          <a:p>
-            <a:pPr marL="0" indent="0">
-              <a:buNone/>
-            </a:pPr>
-            <a:r>
-              <a:rPr lang="da-DK" dirty="0"/>
-              <a:t>Packshot9</a:t>
-            </a:r>
-          </a:p>
-        </p:txBody>
-      </p:sp>
-      <p:sp>
-        <p:nvSpPr>
-          <p:cNvPr id="22" name="Text Placeholder 21">
-            <a:extLst>
-              <a:ext uri="{FF2B5EF4-FFF2-40B4-BE49-F238E27FC236}">
-                <a16:creationId xmlns:a16="http://schemas.microsoft.com/office/drawing/2014/main" id="{1D5052F0-9509-B490-4CAC-96E68460C451}"/>
-              </a:ext>
-            </a:extLst>
-          </p:cNvPr>
-          <p:cNvSpPr>
-            <a:spLocks noGrp="1"/>
-          </p:cNvSpPr>
-          <p:nvPr>
-            <p:ph type="body" sz="quarter" idx="33"/>
-          </p:nvPr>
-        </p:nvSpPr>
-        <p:spPr/>
-        <p:txBody>
-          <a:bodyPr vert="horz" lIns="91440" tIns="45720" rIns="91440" bIns="45720" rtlCol="0">
-            <a:normAutofit/>
-          </a:bodyPr>
-          <a:lstStyle/>
-          <a:p>
-            <a:pPr marL="0" indent="0"/>
-            <a:r>
-              <a:rPr lang="da-DK" dirty="0"/>
-              <a:t>PRODUCT DESCRIPTION 8</a:t>
-            </a:r>
-          </a:p>
-          <a:p>
-            <a:pPr marL="0" indent="0"/>
-            <a:endParaRPr lang="da-DK" dirty="0"/>
-          </a:p>
-        </p:txBody>
-      </p:sp>
-      <p:sp>
-        <p:nvSpPr>
-          <p:cNvPr id="23" name="Text Placeholder 22">
-            <a:extLst>
-              <a:ext uri="{FF2B5EF4-FFF2-40B4-BE49-F238E27FC236}">
-                <a16:creationId xmlns:a16="http://schemas.microsoft.com/office/drawing/2014/main" id="{EDEFBE19-E23F-618E-98A2-739358A9D0AD}"/>
-              </a:ext>
-            </a:extLst>
-          </p:cNvPr>
-          <p:cNvSpPr>
-            <a:spLocks noGrp="1"/>
-          </p:cNvSpPr>
-          <p:nvPr>
-            <p:ph type="body" sz="quarter" idx="32"/>
-          </p:nvPr>
-        </p:nvSpPr>
-        <p:spPr/>
-        <p:txBody>
-          <a:bodyPr vert="horz" lIns="91440" tIns="45720" rIns="91440" bIns="45720" rtlCol="0">
-            <a:normAutofit/>
-          </a:bodyPr>
-          <a:lstStyle/>
-          <a:p>
-            <a:pPr marL="0" indent="0"/>
-            <a:r>
-              <a:rPr lang="da-DK" dirty="0"/>
-              <a:t>PRODUCT DESCRIPTION 7</a:t>
-            </a:r>
-          </a:p>
-          <a:p>
-            <a:pPr marL="0" indent="0"/>
-            <a:endParaRPr lang="da-DK" dirty="0"/>
-          </a:p>
-        </p:txBody>
-      </p:sp>
-      <p:sp>
-        <p:nvSpPr>
-          <p:cNvPr id="24" name="Text Placeholder 23">
-            <a:extLst>
-              <a:ext uri="{FF2B5EF4-FFF2-40B4-BE49-F238E27FC236}">
-                <a16:creationId xmlns:a16="http://schemas.microsoft.com/office/drawing/2014/main" id="{12EE4272-4FBA-8121-A960-0FB1B034787A}"/>
-              </a:ext>
-            </a:extLst>
-          </p:cNvPr>
-          <p:cNvSpPr>
-            <a:spLocks noGrp="1"/>
-          </p:cNvSpPr>
-          <p:nvPr>
-            <p:ph type="body" sz="quarter" idx="29"/>
-          </p:nvPr>
-        </p:nvSpPr>
-        <p:spPr/>
-        <p:txBody>
-          <a:bodyPr vert="horz" lIns="91440" tIns="45720" rIns="91440" bIns="45720" rtlCol="0">
-            <a:normAutofit/>
-          </a:bodyPr>
-          <a:lstStyle/>
-          <a:p>
-            <a:pPr marL="0" indent="0"/>
-            <a:r>
-              <a:rPr lang="da-DK" dirty="0"/>
-              <a:t>PRODUCT DESCRIPTION 4</a:t>
-            </a:r>
-          </a:p>
-        </p:txBody>
-      </p:sp>
-      <p:sp>
-        <p:nvSpPr>
-          <p:cNvPr id="25" name="Text Placeholder 24">
-            <a:extLst>
-              <a:ext uri="{FF2B5EF4-FFF2-40B4-BE49-F238E27FC236}">
-                <a16:creationId xmlns:a16="http://schemas.microsoft.com/office/drawing/2014/main" id="{E434329F-E94C-D969-4294-A821426266BA}"/>
-              </a:ext>
-            </a:extLst>
-          </p:cNvPr>
-          <p:cNvSpPr>
-            <a:spLocks noGrp="1"/>
-          </p:cNvSpPr>
-          <p:nvPr>
-            <p:ph type="body" sz="quarter" idx="26"/>
-          </p:nvPr>
-        </p:nvSpPr>
-        <p:spPr/>
-        <p:txBody>
-          <a:bodyPr/>
-          <a:lstStyle/>
-          <a:p>
-            <a:pPr marL="0" indent="0"/>
-            <a:r>
-              <a:rPr lang="da-DK" dirty="0"/>
-              <a:t>PRODUCT DESCRIPTION 1</a:t>
-            </a:r>
-          </a:p>
-        </p:txBody>
-      </p:sp>
-      <p:sp>
-        <p:nvSpPr>
-          <p:cNvPr id="26" name="Text Placeholder 25">
-            <a:extLst>
-              <a:ext uri="{FF2B5EF4-FFF2-40B4-BE49-F238E27FC236}">
-                <a16:creationId xmlns:a16="http://schemas.microsoft.com/office/drawing/2014/main" id="{3C94A0C3-45B8-6B32-7FE3-27E4A4499429}"/>
-              </a:ext>
-            </a:extLst>
-          </p:cNvPr>
-          <p:cNvSpPr>
-            <a:spLocks noGrp="1"/>
-          </p:cNvSpPr>
-          <p:nvPr>
-            <p:ph type="body" sz="quarter" idx="41"/>
-          </p:nvPr>
-        </p:nvSpPr>
-        <p:spPr/>
-        <p:txBody>
-          <a:bodyPr/>
-          <a:lstStyle/>
-          <a:p>
-            <a:endParaRPr lang="da-DK"/>
-          </a:p>
-        </p:txBody>
-      </p:sp>
-      <p:sp>
-        <p:nvSpPr>
-          <p:cNvPr id="27" name="Text Placeholder 26">
-            <a:extLst>
-              <a:ext uri="{FF2B5EF4-FFF2-40B4-BE49-F238E27FC236}">
-                <a16:creationId xmlns:a16="http://schemas.microsoft.com/office/drawing/2014/main" id="{9A51DCEB-AF58-CC5D-6EEA-53D890DCACCD}"/>
-              </a:ext>
-            </a:extLst>
-          </p:cNvPr>
-          <p:cNvSpPr>
-            <a:spLocks noGrp="1"/>
-          </p:cNvSpPr>
-          <p:nvPr>
-            <p:ph type="body" sz="quarter" idx="40"/>
-          </p:nvPr>
-        </p:nvSpPr>
-        <p:spPr/>
-        <p:txBody>
-          <a:bodyPr/>
-          <a:lstStyle/>
-          <a:p>
-            <a:r>
-              <a:rPr lang="da-DK" dirty="0" err="1"/>
-              <a:t>SettingName</a:t>
-            </a:r>
-            <a:endParaRPr lang="da-DK" dirty="0"/>
-          </a:p>
-        </p:txBody>
-      </p:sp>
-      <p:sp>
-        <p:nvSpPr>
-          <p:cNvPr id="28" name="Picture Placeholder 27">
-            <a:extLst>
-              <a:ext uri="{FF2B5EF4-FFF2-40B4-BE49-F238E27FC236}">
-                <a16:creationId xmlns:a16="http://schemas.microsoft.com/office/drawing/2014/main" id="{E367D596-D420-BB6A-3A73-7983BC169E89}"/>
-              </a:ext>
-            </a:extLst>
-          </p:cNvPr>
-          <p:cNvSpPr>
-            <a:spLocks noGrp="1"/>
-          </p:cNvSpPr>
-          <p:nvPr>
-            <p:ph type="pic" sz="quarter" idx="38"/>
-          </p:nvPr>
-        </p:nvSpPr>
-        <p:spPr/>
-        <p:txBody>
-          <a:bodyPr/>
-          <a:lstStyle/>
-          <a:p>
-            <a:pPr marL="0" indent="0">
-              <a:buNone/>
-            </a:pPr>
-            <a:r>
-              <a:rPr lang="da-DK" dirty="0" err="1"/>
-              <a:t>LineDrawing</a:t>
-            </a:r>
-            <a:endParaRPr lang="da-DK" dirty="0"/>
-          </a:p>
-        </p:txBody>
-      </p:sp>
-      <p:sp>
-        <p:nvSpPr>
-          <p:cNvPr id="29" name="Picture Placeholder 28">
-            <a:extLst>
-              <a:ext uri="{FF2B5EF4-FFF2-40B4-BE49-F238E27FC236}">
-                <a16:creationId xmlns:a16="http://schemas.microsoft.com/office/drawing/2014/main" id="{874E1AB5-B935-8695-377A-D5C416E05376}"/>
-              </a:ext>
-            </a:extLst>
-          </p:cNvPr>
-          <p:cNvSpPr>
-            <a:spLocks noGrp="1"/>
-          </p:cNvSpPr>
-          <p:nvPr>
-            <p:ph type="pic" sz="quarter" idx="17"/>
-          </p:nvPr>
-        </p:nvSpPr>
-        <p:spPr/>
-        <p:txBody>
-          <a:bodyPr/>
-          <a:lstStyle/>
-          <a:p>
-            <a:pPr marL="0" indent="0">
-              <a:buNone/>
-            </a:pPr>
-            <a:r>
-              <a:rPr lang="da-DK" dirty="0"/>
-              <a:t>Rendering</a:t>
-            </a:r>
-          </a:p>
-          <a:p>
-            <a:pPr marL="0" indent="0">
-              <a:buNone/>
-            </a:pPr>
-            <a:endParaRPr lang="da-DK" dirty="0"/>
-          </a:p>
-        </p:txBody>
-      </p:sp>
-      <p:sp>
-        <p:nvSpPr>
-          <p:cNvPr id="30" name="Text Placeholder 29">
-            <a:extLst>
-              <a:ext uri="{FF2B5EF4-FFF2-40B4-BE49-F238E27FC236}">
-                <a16:creationId xmlns:a16="http://schemas.microsoft.com/office/drawing/2014/main" id="{496D6A1B-DF12-7C80-0108-B1166B9C1D89}"/>
-              </a:ext>
-            </a:extLst>
-          </p:cNvPr>
-          <p:cNvSpPr>
-            <a:spLocks noGrp="1"/>
-          </p:cNvSpPr>
-          <p:nvPr>
-            <p:ph type="body" sz="quarter" idx="39"/>
-          </p:nvPr>
-        </p:nvSpPr>
-        <p:spPr/>
-        <p:txBody>
-          <a:bodyPr>
-            <a:normAutofit fontScale="92500" lnSpcReduction="10000"/>
-          </a:bodyPr>
-          <a:lstStyle/>
-          <a:p>
-            <a:r>
-              <a:rPr lang="da-DK" dirty="0" err="1"/>
-              <a:t>SettingName</a:t>
-            </a:r>
-            <a:endParaRPr lang="da-DK" dirty="0"/>
-          </a:p>
-          <a:p>
-            <a:endParaRPr lang="da-DK" dirty="0"/>
-          </a:p>
-        </p:txBody>
-      </p:sp>
-    </p:spTree>
-    <p:extLst>
-      <p:ext uri="{BB962C8B-B14F-4D97-AF65-F5344CB8AC3E}">
-        <p14:creationId xmlns:p14="http://schemas.microsoft.com/office/powerpoint/2010/main" val="3460949786"/>
-      </p:ext>
-    </p:extLst>
-  </p:cSld>
-  <p:clrMapOvr>
-    <a:masterClrMapping/>
-  </p:clrMapOvr>
-</p:sld>
-</file>
-
-<file path=ppt/slides/slide3.xml><?xml version="1.0" encoding="utf-8"?>
-<p:sld xmlns:a="http://schemas.openxmlformats.org/drawingml/2006/main" xmlns:r="http://schemas.openxmlformats.org/officeDocument/2006/relationships" xmlns:p="http://schemas.openxmlformats.org/presentationml/2006/main">
-  <p:cSld>
-    <p:spTree>
-      <p:nvGrpSpPr>
-        <p:cNvPr id="1" name=""/>
-        <p:cNvGrpSpPr/>
-        <p:nvPr/>
-      </p:nvGrpSpPr>
-      <p:grpSpPr>
-        <a:xfrm>
-          <a:off x="0" y="0"/>
-          <a:ext cx="0" cy="0"/>
-          <a:chOff x="0" y="0"/>
-          <a:chExt cx="0" cy="0"/>
-        </a:xfrm>
-      </p:grpSpPr>
-      <p:sp>
-        <p:nvSpPr>
-          <p:cNvPr id="2" name="Text Placeholder 1">
-            <a:extLst>
-              <a:ext uri="{FF2B5EF4-FFF2-40B4-BE49-F238E27FC236}">
-                <a16:creationId xmlns:a16="http://schemas.microsoft.com/office/drawing/2014/main" id="{3D889CAD-BBFC-341D-E04B-19EA416EAA7C}"/>
-              </a:ext>
-            </a:extLst>
-          </p:cNvPr>
-          <p:cNvSpPr>
-            <a:spLocks noGrp="1"/>
-          </p:cNvSpPr>
-          <p:nvPr>
-            <p:ph type="body" sz="quarter" idx="39"/>
-          </p:nvPr>
-        </p:nvSpPr>
-        <p:spPr/>
-        <p:txBody>
-          <a:bodyPr>
-            <a:normAutofit fontScale="92500" lnSpcReduction="10000"/>
-          </a:bodyPr>
-          <a:lstStyle/>
-          <a:p>
-            <a:r>
-              <a:rPr lang="da-DK" dirty="0" err="1"/>
-              <a:t>SettingName</a:t>
-            </a:r>
-            <a:endParaRPr lang="da-DK" dirty="0"/>
-          </a:p>
-        </p:txBody>
-      </p:sp>
-      <p:sp>
-        <p:nvSpPr>
-          <p:cNvPr id="3" name="Content Placeholder 2">
-            <a:extLst>
-              <a:ext uri="{FF2B5EF4-FFF2-40B4-BE49-F238E27FC236}">
-                <a16:creationId xmlns:a16="http://schemas.microsoft.com/office/drawing/2014/main" id="{B8399E4A-273D-B3CD-489F-A28E729526EC}"/>
-              </a:ext>
-            </a:extLst>
-          </p:cNvPr>
-          <p:cNvSpPr>
-            <a:spLocks noGrp="1"/>
-          </p:cNvSpPr>
-          <p:nvPr>
-            <p:ph sz="quarter" idx="40"/>
-          </p:nvPr>
-        </p:nvSpPr>
-        <p:spPr/>
-        <p:txBody>
-          <a:bodyPr/>
-          <a:lstStyle/>
-          <a:p>
-            <a:pPr marL="0" indent="0">
-              <a:buNone/>
-            </a:pPr>
-            <a:r>
-              <a:rPr lang="en-GB" dirty="0" err="1"/>
-              <a:t>TableAnchor</a:t>
-            </a:r>
-            <a:endParaRPr lang="da-DK" dirty="0"/>
-          </a:p>
-        </p:txBody>
-      </p:sp>
-    </p:spTree>
-    <p:extLst>
-      <p:ext uri="{BB962C8B-B14F-4D97-AF65-F5344CB8AC3E}">
-        <p14:creationId xmlns:p14="http://schemas.microsoft.com/office/powerpoint/2010/main" val="4123982136"/>
-      </p:ext>
-    </p:extLst>
-  </p:cSld>
-  <p:clrMapOvr>
-    <a:masterClrMapping/>
-  </p:clrMapOvr>
-</p:sld>
 </file>
 
 <file path=ppt/theme/theme1.xml><?xml version="1.0" encoding="utf-8"?>
